--- a/Spring-Cloud-AWS-SQS-and-SNS-main/Spring Cloud AWS.pptx
+++ b/Spring-Cloud-AWS-SQS-and-SNS-main/Spring Cloud AWS.pptx
@@ -5,10 +5,10 @@
     <p:sldMasterId id="2147483648" r:id="rId4"/>
   </p:sldMasterIdLst>
   <p:notesMasterIdLst>
-    <p:notesMasterId r:id="rId19"/>
+    <p:notesMasterId r:id="rId20"/>
   </p:notesMasterIdLst>
   <p:handoutMasterIdLst>
-    <p:handoutMasterId r:id="rId20"/>
+    <p:handoutMasterId r:id="rId21"/>
   </p:handoutMasterIdLst>
   <p:sldIdLst>
     <p:sldId id="468" r:id="rId5"/>
@@ -24,7 +24,8 @@
     <p:sldId id="482" r:id="rId15"/>
     <p:sldId id="483" r:id="rId16"/>
     <p:sldId id="484" r:id="rId17"/>
-    <p:sldId id="429" r:id="rId18"/>
+    <p:sldId id="485" r:id="rId18"/>
+    <p:sldId id="429" r:id="rId19"/>
   </p:sldIdLst>
   <p:sldSz cx="12192000" cy="6858000"/>
   <p:notesSz cx="6858000" cy="9144000"/>
@@ -137,7 +138,8 @@
 <file path=ppt/revisionInfo.xml><?xml version="1.0" encoding="utf-8"?>
 <p1510:revInfo xmlns:a="http://schemas.openxmlformats.org/drawingml/2006/main" xmlns:r="http://schemas.openxmlformats.org/officeDocument/2006/relationships" xmlns:p1510="http://schemas.microsoft.com/office/powerpoint/2015/10/main">
   <p1510:revLst>
-    <p1510:client id="{61542918-ABEE-4969-8BEC-A75EC0935A7F}" v="13" dt="2023-05-30T03:55:47.390"/>
+    <p1510:client id="{61542918-ABEE-4969-8BEC-A75EC0935A7F}" v="15" dt="2023-06-03T11:34:14.526"/>
+    <p1510:client id="{7D45E4E7-89D3-40C3-8E8D-C3E0A39FB5AF}" v="15" dt="2023-06-03T11:33:52.532"/>
   </p1510:revLst>
 </p1510:revInfo>
 </file>
@@ -145,28 +147,43 @@
 <file path=ppt/changesInfos/changesInfo1.xml><?xml version="1.0" encoding="utf-8"?>
 <pc:chgInfo xmlns:a="http://schemas.openxmlformats.org/drawingml/2006/main" xmlns:r="http://schemas.openxmlformats.org/officeDocument/2006/relationships" xmlns:ac="http://schemas.microsoft.com/office/drawing/2013/main/command" xmlns:pc="http://schemas.microsoft.com/office/powerpoint/2013/main/command">
   <pc:docChgLst>
-    <pc:chgData name="Yashwanth Ravula(UST,IN)" userId="S::245098@ust.com::26c642e7-a083-4a2f-87f6-e20b0ef91a94" providerId="AD" clId="Web-{2DE26FE2-45FB-4F26-A176-2705B95D5F2D}"/>
+    <pc:chgData name="Yashwanth Ravula(UST,IN)" userId="S::245098@ust.com::26c642e7-a083-4a2f-87f6-e20b0ef91a94" providerId="AD" clId="Web-{50776864-5CEE-4036-B912-6E541F31ADA6}"/>
     <pc:docChg chg="addSld delSld modSld">
-      <pc:chgData name="Yashwanth Ravula(UST,IN)" userId="S::245098@ust.com::26c642e7-a083-4a2f-87f6-e20b0ef91a94" providerId="AD" clId="Web-{2DE26FE2-45FB-4F26-A176-2705B95D5F2D}" dt="2023-03-02T08:55:48.439" v="177" actId="20577"/>
+      <pc:chgData name="Yashwanth Ravula(UST,IN)" userId="S::245098@ust.com::26c642e7-a083-4a2f-87f6-e20b0ef91a94" providerId="AD" clId="Web-{50776864-5CEE-4036-B912-6E541F31ADA6}" dt="2023-03-03T04:03:54.924" v="303" actId="1076"/>
       <pc:docMkLst>
         <pc:docMk/>
       </pc:docMkLst>
-      <pc:sldChg chg="addSp modSp new mod chgLayout">
-        <pc:chgData name="Yashwanth Ravula(UST,IN)" userId="S::245098@ust.com::26c642e7-a083-4a2f-87f6-e20b0ef91a94" providerId="AD" clId="Web-{2DE26FE2-45FB-4F26-A176-2705B95D5F2D}" dt="2023-03-02T08:47:00.472" v="98" actId="20577"/>
+      <pc:sldChg chg="modSp">
+        <pc:chgData name="Yashwanth Ravula(UST,IN)" userId="S::245098@ust.com::26c642e7-a083-4a2f-87f6-e20b0ef91a94" providerId="AD" clId="Web-{50776864-5CEE-4036-B912-6E541F31ADA6}" dt="2023-03-03T03:57:41.567" v="267" actId="20577"/>
+        <pc:sldMkLst>
+          <pc:docMk/>
+          <pc:sldMk cId="4163659290" sldId="442"/>
+        </pc:sldMkLst>
+        <pc:spChg chg="mod">
+          <ac:chgData name="Yashwanth Ravula(UST,IN)" userId="S::245098@ust.com::26c642e7-a083-4a2f-87f6-e20b0ef91a94" providerId="AD" clId="Web-{50776864-5CEE-4036-B912-6E541F31ADA6}" dt="2023-03-03T03:57:41.567" v="267" actId="20577"/>
+          <ac:spMkLst>
+            <pc:docMk/>
+            <pc:sldMk cId="4163659290" sldId="442"/>
+            <ac:spMk id="3" creationId="{020FB93D-AC3A-6ACD-CBC8-FE2AC7E893B6}"/>
+          </ac:spMkLst>
+        </pc:spChg>
+      </pc:sldChg>
+      <pc:sldChg chg="modSp mod chgLayout">
+        <pc:chgData name="Yashwanth Ravula(UST,IN)" userId="S::245098@ust.com::26c642e7-a083-4a2f-87f6-e20b0ef91a94" providerId="AD" clId="Web-{50776864-5CEE-4036-B912-6E541F31ADA6}" dt="2023-03-03T04:03:54.924" v="303" actId="1076"/>
         <pc:sldMkLst>
           <pc:docMk/>
           <pc:sldMk cId="1133210417" sldId="452"/>
         </pc:sldMkLst>
         <pc:spChg chg="mod ord">
-          <ac:chgData name="Yashwanth Ravula(UST,IN)" userId="S::245098@ust.com::26c642e7-a083-4a2f-87f6-e20b0ef91a94" providerId="AD" clId="Web-{2DE26FE2-45FB-4F26-A176-2705B95D5F2D}" dt="2023-03-02T08:37:19.019" v="40" actId="20577"/>
+          <ac:chgData name="Yashwanth Ravula(UST,IN)" userId="S::245098@ust.com::26c642e7-a083-4a2f-87f6-e20b0ef91a94" providerId="AD" clId="Web-{50776864-5CEE-4036-B912-6E541F31ADA6}" dt="2023-03-03T04:03:54.924" v="303" actId="1076"/>
           <ac:spMkLst>
             <pc:docMk/>
             <pc:sldMk cId="1133210417" sldId="452"/>
             <ac:spMk id="2" creationId="{60956068-AB54-9D54-06B5-09FEBCE37258}"/>
           </ac:spMkLst>
         </pc:spChg>
-        <pc:spChg chg="add mod ord">
-          <ac:chgData name="Yashwanth Ravula(UST,IN)" userId="S::245098@ust.com::26c642e7-a083-4a2f-87f6-e20b0ef91a94" providerId="AD" clId="Web-{2DE26FE2-45FB-4F26-A176-2705B95D5F2D}" dt="2023-03-02T08:47:00.472" v="98" actId="20577"/>
+        <pc:spChg chg="mod ord">
+          <ac:chgData name="Yashwanth Ravula(UST,IN)" userId="S::245098@ust.com::26c642e7-a083-4a2f-87f6-e20b0ef91a94" providerId="AD" clId="Web-{50776864-5CEE-4036-B912-6E541F31ADA6}" dt="2023-03-03T04:03:42.502" v="302"/>
           <ac:spMkLst>
             <pc:docMk/>
             <pc:sldMk cId="1133210417" sldId="452"/>
@@ -174,53 +191,261 @@
           </ac:spMkLst>
         </pc:spChg>
       </pc:sldChg>
-      <pc:sldChg chg="addSp delSp modSp new del mod chgLayout">
-        <pc:chgData name="Yashwanth Ravula(UST,IN)" userId="S::245098@ust.com::26c642e7-a083-4a2f-87f6-e20b0ef91a94" providerId="AD" clId="Web-{2DE26FE2-45FB-4F26-A176-2705B95D5F2D}" dt="2023-03-02T08:34:09.921" v="5"/>
+      <pc:sldChg chg="modSp">
+        <pc:chgData name="Yashwanth Ravula(UST,IN)" userId="S::245098@ust.com::26c642e7-a083-4a2f-87f6-e20b0ef91a94" providerId="AD" clId="Web-{50776864-5CEE-4036-B912-6E541F31ADA6}" dt="2023-03-03T03:48:57.658" v="191" actId="1076"/>
         <pc:sldMkLst>
           <pc:docMk/>
-          <pc:sldMk cId="1706638867" sldId="452"/>
+          <pc:sldMk cId="2137832043" sldId="466"/>
+        </pc:sldMkLst>
+        <pc:graphicFrameChg chg="mod">
+          <ac:chgData name="Yashwanth Ravula(UST,IN)" userId="S::245098@ust.com::26c642e7-a083-4a2f-87f6-e20b0ef91a94" providerId="AD" clId="Web-{50776864-5CEE-4036-B912-6E541F31ADA6}" dt="2023-03-03T03:48:57.658" v="191" actId="1076"/>
+          <ac:graphicFrameMkLst>
+            <pc:docMk/>
+            <pc:sldMk cId="2137832043" sldId="466"/>
+            <ac:graphicFrameMk id="53" creationId="{E5DEC043-9679-A6A4-05E2-9D633D150FFD}"/>
+          </ac:graphicFrameMkLst>
+        </pc:graphicFrameChg>
+      </pc:sldChg>
+      <pc:sldChg chg="addSp delSp modSp new mod modClrScheme chgLayout">
+        <pc:chgData name="Yashwanth Ravula(UST,IN)" userId="S::245098@ust.com::26c642e7-a083-4a2f-87f6-e20b0ef91a94" providerId="AD" clId="Web-{50776864-5CEE-4036-B912-6E541F31ADA6}" dt="2023-03-03T04:01:30.169" v="301" actId="14100"/>
+        <pc:sldMkLst>
+          <pc:docMk/>
+          <pc:sldMk cId="556145404" sldId="469"/>
         </pc:sldMkLst>
         <pc:spChg chg="mod ord">
-          <ac:chgData name="Yashwanth Ravula(UST,IN)" userId="S::245098@ust.com::26c642e7-a083-4a2f-87f6-e20b0ef91a94" providerId="AD" clId="Web-{2DE26FE2-45FB-4F26-A176-2705B95D5F2D}" dt="2023-03-02T08:34:02.171" v="4" actId="14100"/>
-          <ac:spMkLst>
-            <pc:docMk/>
-            <pc:sldMk cId="1706638867" sldId="452"/>
-            <ac:spMk id="2" creationId="{64C3BEDC-FD44-EECB-F040-4EC3E36F197A}"/>
-          </ac:spMkLst>
-        </pc:spChg>
-        <pc:spChg chg="add mod ord">
-          <ac:chgData name="Yashwanth Ravula(UST,IN)" userId="S::245098@ust.com::26c642e7-a083-4a2f-87f6-e20b0ef91a94" providerId="AD" clId="Web-{2DE26FE2-45FB-4F26-A176-2705B95D5F2D}" dt="2023-03-02T08:33:49.327" v="2"/>
-          <ac:spMkLst>
-            <pc:docMk/>
-            <pc:sldMk cId="1706638867" sldId="452"/>
-            <ac:spMk id="3" creationId="{1953C599-20AC-A72E-59A0-8D975C5DB3AD}"/>
+          <ac:chgData name="Yashwanth Ravula(UST,IN)" userId="S::245098@ust.com::26c642e7-a083-4a2f-87f6-e20b0ef91a94" providerId="AD" clId="Web-{50776864-5CEE-4036-B912-6E541F31ADA6}" dt="2023-03-03T03:50:23.474" v="197"/>
+          <ac:spMkLst>
+            <pc:docMk/>
+            <pc:sldMk cId="556145404" sldId="469"/>
+            <ac:spMk id="2" creationId="{8F58DFC5-D0E1-3050-2B5B-08E50AD2C5C9}"/>
+          </ac:spMkLst>
+        </pc:spChg>
+        <pc:spChg chg="del mod ord">
+          <ac:chgData name="Yashwanth Ravula(UST,IN)" userId="S::245098@ust.com::26c642e7-a083-4a2f-87f6-e20b0ef91a94" providerId="AD" clId="Web-{50776864-5CEE-4036-B912-6E541F31ADA6}" dt="2023-03-03T03:51:51.586" v="219"/>
+          <ac:spMkLst>
+            <pc:docMk/>
+            <pc:sldMk cId="556145404" sldId="469"/>
+            <ac:spMk id="3" creationId="{D6FC2F32-B4E9-96A3-21C3-2F0E4CBA3378}"/>
           </ac:spMkLst>
         </pc:spChg>
         <pc:spChg chg="add del mod ord">
-          <ac:chgData name="Yashwanth Ravula(UST,IN)" userId="S::245098@ust.com::26c642e7-a083-4a2f-87f6-e20b0ef91a94" providerId="AD" clId="Web-{2DE26FE2-45FB-4F26-A176-2705B95D5F2D}" dt="2023-03-02T08:33:59.030" v="3"/>
-          <ac:spMkLst>
-            <pc:docMk/>
-            <pc:sldMk cId="1706638867" sldId="452"/>
-            <ac:spMk id="4" creationId="{7CF1E8B2-3BAB-264E-3A45-163BF1E7E0EA}"/>
-          </ac:spMkLst>
-        </pc:spChg>
+          <ac:chgData name="Yashwanth Ravula(UST,IN)" userId="S::245098@ust.com::26c642e7-a083-4a2f-87f6-e20b0ef91a94" providerId="AD" clId="Web-{50776864-5CEE-4036-B912-6E541F31ADA6}" dt="2023-03-03T04:01:22.512" v="300"/>
+          <ac:spMkLst>
+            <pc:docMk/>
+            <pc:sldMk cId="556145404" sldId="469"/>
+            <ac:spMk id="4" creationId="{B4C64E73-7956-A174-2572-5C1FA35AEF9A}"/>
+          </ac:spMkLst>
+        </pc:spChg>
+        <pc:spChg chg="add del mod ord">
+          <ac:chgData name="Yashwanth Ravula(UST,IN)" userId="S::245098@ust.com::26c642e7-a083-4a2f-87f6-e20b0ef91a94" providerId="AD" clId="Web-{50776864-5CEE-4036-B912-6E541F31ADA6}" dt="2023-03-03T03:34:46.066" v="26"/>
+          <ac:spMkLst>
+            <pc:docMk/>
+            <pc:sldMk cId="556145404" sldId="469"/>
+            <ac:spMk id="5" creationId="{BD5D775D-4085-E9F3-4C4F-B48680793854}"/>
+          </ac:spMkLst>
+        </pc:spChg>
+        <pc:spChg chg="add del mod">
+          <ac:chgData name="Yashwanth Ravula(UST,IN)" userId="S::245098@ust.com::26c642e7-a083-4a2f-87f6-e20b0ef91a94" providerId="AD" clId="Web-{50776864-5CEE-4036-B912-6E541F31ADA6}" dt="2023-03-03T03:52:49.104" v="223"/>
+          <ac:spMkLst>
+            <pc:docMk/>
+            <pc:sldMk cId="556145404" sldId="469"/>
+            <ac:spMk id="15" creationId="{9A5900F9-6EE2-A172-5C99-B0DB660A8487}"/>
+          </ac:spMkLst>
+        </pc:spChg>
+        <pc:graphicFrameChg chg="add mod modGraphic">
+          <ac:chgData name="Yashwanth Ravula(UST,IN)" userId="S::245098@ust.com::26c642e7-a083-4a2f-87f6-e20b0ef91a94" providerId="AD" clId="Web-{50776864-5CEE-4036-B912-6E541F31ADA6}" dt="2023-03-03T03:56:03.783" v="260" actId="14100"/>
+          <ac:graphicFrameMkLst>
+            <pc:docMk/>
+            <pc:sldMk cId="556145404" sldId="469"/>
+            <ac:graphicFrameMk id="7" creationId="{8452F0D8-CB32-5F45-014E-612C16559C3F}"/>
+          </ac:graphicFrameMkLst>
+        </pc:graphicFrameChg>
+        <pc:graphicFrameChg chg="add mod modGraphic">
+          <ac:chgData name="Yashwanth Ravula(UST,IN)" userId="S::245098@ust.com::26c642e7-a083-4a2f-87f6-e20b0ef91a94" providerId="AD" clId="Web-{50776864-5CEE-4036-B912-6E541F31ADA6}" dt="2023-03-03T04:01:30.169" v="301" actId="14100"/>
+          <ac:graphicFrameMkLst>
+            <pc:docMk/>
+            <pc:sldMk cId="556145404" sldId="469"/>
+            <ac:graphicFrameMk id="254" creationId="{5F16C3ED-94C4-171A-C4DD-59CD2E9950E3}"/>
+          </ac:graphicFrameMkLst>
+        </pc:graphicFrameChg>
       </pc:sldChg>
-      <pc:sldChg chg="delSp modSp new">
-        <pc:chgData name="Yashwanth Ravula(UST,IN)" userId="S::245098@ust.com::26c642e7-a083-4a2f-87f6-e20b0ef91a94" providerId="AD" clId="Web-{2DE26FE2-45FB-4F26-A176-2705B95D5F2D}" dt="2023-03-02T08:47:35.629" v="100" actId="14100"/>
+      <pc:sldChg chg="new del">
+        <pc:chgData name="Yashwanth Ravula(UST,IN)" userId="S::245098@ust.com::26c642e7-a083-4a2f-87f6-e20b0ef91a94" providerId="AD" clId="Web-{50776864-5CEE-4036-B912-6E541F31ADA6}" dt="2023-03-03T03:41:51.940" v="98"/>
+        <pc:sldMkLst>
+          <pc:docMk/>
+          <pc:sldMk cId="1213958613" sldId="470"/>
+        </pc:sldMkLst>
+      </pc:sldChg>
+      <pc:sldChg chg="modSp new add del">
+        <pc:chgData name="Yashwanth Ravula(UST,IN)" userId="S::245098@ust.com::26c642e7-a083-4a2f-87f6-e20b0ef91a94" providerId="AD" clId="Web-{50776864-5CEE-4036-B912-6E541F31ADA6}" dt="2023-03-03T03:44:38.196" v="121"/>
+        <pc:sldMkLst>
+          <pc:docMk/>
+          <pc:sldMk cId="3516309073" sldId="470"/>
+        </pc:sldMkLst>
+        <pc:spChg chg="mod">
+          <ac:chgData name="Yashwanth Ravula(UST,IN)" userId="S::245098@ust.com::26c642e7-a083-4a2f-87f6-e20b0ef91a94" providerId="AD" clId="Web-{50776864-5CEE-4036-B912-6E541F31ADA6}" dt="2023-03-03T03:44:25.180" v="120" actId="14100"/>
+          <ac:spMkLst>
+            <pc:docMk/>
+            <pc:sldMk cId="3516309073" sldId="470"/>
+            <ac:spMk id="2" creationId="{3975CFCE-D35D-9D0E-8E99-2A492E0F1B17}"/>
+          </ac:spMkLst>
+        </pc:spChg>
+      </pc:sldChg>
+    </pc:docChg>
+  </pc:docChgLst>
+  <pc:docChgLst>
+    <pc:chgData name="Yashwanth Ravula(UST,IN)" userId="S::245098@ust.com::26c642e7-a083-4a2f-87f6-e20b0ef91a94" providerId="AD" clId="Web-{9548A62A-5CCC-4F94-91CB-C0625A0719E2}"/>
+    <pc:docChg chg="modSld">
+      <pc:chgData name="Yashwanth Ravula(UST,IN)" userId="S::245098@ust.com::26c642e7-a083-4a2f-87f6-e20b0ef91a94" providerId="AD" clId="Web-{9548A62A-5CCC-4F94-91CB-C0625A0719E2}" dt="2023-03-02T12:33:12.168" v="82" actId="20577"/>
+      <pc:docMkLst>
+        <pc:docMk/>
+      </pc:docMkLst>
+      <pc:sldChg chg="addSp delSp modSp mod chgLayout">
+        <pc:chgData name="Yashwanth Ravula(UST,IN)" userId="S::245098@ust.com::26c642e7-a083-4a2f-87f6-e20b0ef91a94" providerId="AD" clId="Web-{9548A62A-5CCC-4F94-91CB-C0625A0719E2}" dt="2023-03-02T12:22:22.733" v="8"/>
+        <pc:sldMkLst>
+          <pc:docMk/>
+          <pc:sldMk cId="4151454420" sldId="264"/>
+        </pc:sldMkLst>
+        <pc:spChg chg="add del mod ord">
+          <ac:chgData name="Yashwanth Ravula(UST,IN)" userId="S::245098@ust.com::26c642e7-a083-4a2f-87f6-e20b0ef91a94" providerId="AD" clId="Web-{9548A62A-5CCC-4F94-91CB-C0625A0719E2}" dt="2023-03-02T12:22:22.733" v="8"/>
+          <ac:spMkLst>
+            <pc:docMk/>
+            <pc:sldMk cId="4151454420" sldId="264"/>
+            <ac:spMk id="2" creationId="{A7AA02F3-C416-1D6B-049C-30D86175F24B}"/>
+          </ac:spMkLst>
+        </pc:spChg>
+        <pc:spChg chg="mod ord">
+          <ac:chgData name="Yashwanth Ravula(UST,IN)" userId="S::245098@ust.com::26c642e7-a083-4a2f-87f6-e20b0ef91a94" providerId="AD" clId="Web-{9548A62A-5CCC-4F94-91CB-C0625A0719E2}" dt="2023-03-02T12:22:14.874" v="7" actId="14100"/>
+          <ac:spMkLst>
+            <pc:docMk/>
+            <pc:sldMk cId="4151454420" sldId="264"/>
+            <ac:spMk id="3" creationId="{95A1310C-7516-9B42-A1FD-3E54A6F3494C}"/>
+          </ac:spMkLst>
+        </pc:spChg>
+      </pc:sldChg>
+      <pc:sldChg chg="modSp">
+        <pc:chgData name="Yashwanth Ravula(UST,IN)" userId="S::245098@ust.com::26c642e7-a083-4a2f-87f6-e20b0ef91a94" providerId="AD" clId="Web-{9548A62A-5CCC-4F94-91CB-C0625A0719E2}" dt="2023-03-02T12:33:12.168" v="82" actId="20577"/>
+        <pc:sldMkLst>
+          <pc:docMk/>
+          <pc:sldMk cId="359614143" sldId="433"/>
+        </pc:sldMkLst>
+        <pc:spChg chg="mod">
+          <ac:chgData name="Yashwanth Ravula(UST,IN)" userId="S::245098@ust.com::26c642e7-a083-4a2f-87f6-e20b0ef91a94" providerId="AD" clId="Web-{9548A62A-5CCC-4F94-91CB-C0625A0719E2}" dt="2023-03-02T12:33:12.168" v="82" actId="20577"/>
+          <ac:spMkLst>
+            <pc:docMk/>
+            <pc:sldMk cId="359614143" sldId="433"/>
+            <ac:spMk id="2" creationId="{A1FA77BB-B48A-608B-6CE4-8ED3488E8B91}"/>
+          </ac:spMkLst>
+        </pc:spChg>
+        <pc:spChg chg="mod">
+          <ac:chgData name="Yashwanth Ravula(UST,IN)" userId="S::245098@ust.com::26c642e7-a083-4a2f-87f6-e20b0ef91a94" providerId="AD" clId="Web-{9548A62A-5CCC-4F94-91CB-C0625A0719E2}" dt="2023-03-02T12:22:41.858" v="10" actId="14100"/>
+          <ac:spMkLst>
+            <pc:docMk/>
+            <pc:sldMk cId="359614143" sldId="433"/>
+            <ac:spMk id="3" creationId="{45AA5242-7A7D-9D34-6850-0D5645FE712D}"/>
+          </ac:spMkLst>
+        </pc:spChg>
+      </pc:sldChg>
+      <pc:sldChg chg="modSp mod chgLayout">
+        <pc:chgData name="Yashwanth Ravula(UST,IN)" userId="S::245098@ust.com::26c642e7-a083-4a2f-87f6-e20b0ef91a94" providerId="AD" clId="Web-{9548A62A-5CCC-4F94-91CB-C0625A0719E2}" dt="2023-03-02T12:33:06.636" v="81" actId="20577"/>
+        <pc:sldMkLst>
+          <pc:docMk/>
+          <pc:sldMk cId="4163659290" sldId="442"/>
+        </pc:sldMkLst>
+        <pc:spChg chg="mod ord">
+          <ac:chgData name="Yashwanth Ravula(UST,IN)" userId="S::245098@ust.com::26c642e7-a083-4a2f-87f6-e20b0ef91a94" providerId="AD" clId="Web-{9548A62A-5CCC-4F94-91CB-C0625A0719E2}" dt="2023-03-02T12:31:53.354" v="68" actId="1076"/>
+          <ac:spMkLst>
+            <pc:docMk/>
+            <pc:sldMk cId="4163659290" sldId="442"/>
+            <ac:spMk id="2" creationId="{E7EFE3C0-E31C-6459-73A8-59105475D401}"/>
+          </ac:spMkLst>
+        </pc:spChg>
+        <pc:spChg chg="mod ord">
+          <ac:chgData name="Yashwanth Ravula(UST,IN)" userId="S::245098@ust.com::26c642e7-a083-4a2f-87f6-e20b0ef91a94" providerId="AD" clId="Web-{9548A62A-5CCC-4F94-91CB-C0625A0719E2}" dt="2023-03-02T12:33:06.636" v="81" actId="20577"/>
+          <ac:spMkLst>
+            <pc:docMk/>
+            <pc:sldMk cId="4163659290" sldId="442"/>
+            <ac:spMk id="3" creationId="{020FB93D-AC3A-6ACD-CBC8-FE2AC7E893B6}"/>
+          </ac:spMkLst>
+        </pc:spChg>
+      </pc:sldChg>
+      <pc:sldChg chg="modSp mod modClrScheme chgLayout">
+        <pc:chgData name="Yashwanth Ravula(UST,IN)" userId="S::245098@ust.com::26c642e7-a083-4a2f-87f6-e20b0ef91a94" providerId="AD" clId="Web-{9548A62A-5CCC-4F94-91CB-C0625A0719E2}" dt="2023-03-02T12:28:13.552" v="48" actId="14100"/>
+        <pc:sldMkLst>
+          <pc:docMk/>
+          <pc:sldMk cId="2533536236" sldId="444"/>
+        </pc:sldMkLst>
+        <pc:spChg chg="mod ord">
+          <ac:chgData name="Yashwanth Ravula(UST,IN)" userId="S::245098@ust.com::26c642e7-a083-4a2f-87f6-e20b0ef91a94" providerId="AD" clId="Web-{9548A62A-5CCC-4F94-91CB-C0625A0719E2}" dt="2023-03-02T12:28:13.552" v="48" actId="14100"/>
+          <ac:spMkLst>
+            <pc:docMk/>
+            <pc:sldMk cId="2533536236" sldId="444"/>
+            <ac:spMk id="2" creationId="{B06A8644-75A7-E56C-37D5-84D534448EE1}"/>
+          </ac:spMkLst>
+        </pc:spChg>
+        <pc:spChg chg="mod ord">
+          <ac:chgData name="Yashwanth Ravula(UST,IN)" userId="S::245098@ust.com::26c642e7-a083-4a2f-87f6-e20b0ef91a94" providerId="AD" clId="Web-{9548A62A-5CCC-4F94-91CB-C0625A0719E2}" dt="2023-03-02T12:27:28.255" v="36" actId="14100"/>
+          <ac:spMkLst>
+            <pc:docMk/>
+            <pc:sldMk cId="2533536236" sldId="444"/>
+            <ac:spMk id="3" creationId="{2900A694-2C28-35AA-398A-82C321E9069C}"/>
+          </ac:spMkLst>
+        </pc:spChg>
+      </pc:sldChg>
+      <pc:sldChg chg="addSp delSp modSp mod chgLayout">
+        <pc:chgData name="Yashwanth Ravula(UST,IN)" userId="S::245098@ust.com::26c642e7-a083-4a2f-87f6-e20b0ef91a94" providerId="AD" clId="Web-{9548A62A-5CCC-4F94-91CB-C0625A0719E2}" dt="2023-03-02T12:29:27.304" v="53" actId="1076"/>
+        <pc:sldMkLst>
+          <pc:docMk/>
+          <pc:sldMk cId="757731584" sldId="445"/>
+        </pc:sldMkLst>
+        <pc:spChg chg="add del mod ord">
+          <ac:chgData name="Yashwanth Ravula(UST,IN)" userId="S::245098@ust.com::26c642e7-a083-4a2f-87f6-e20b0ef91a94" providerId="AD" clId="Web-{9548A62A-5CCC-4F94-91CB-C0625A0719E2}" dt="2023-03-02T12:29:01.006" v="50"/>
+          <ac:spMkLst>
+            <pc:docMk/>
+            <pc:sldMk cId="757731584" sldId="445"/>
+            <ac:spMk id="2" creationId="{DA94FB4F-D31C-24CE-1A26-8A06EF4A5C4A}"/>
+          </ac:spMkLst>
+        </pc:spChg>
+        <pc:spChg chg="mod ord">
+          <ac:chgData name="Yashwanth Ravula(UST,IN)" userId="S::245098@ust.com::26c642e7-a083-4a2f-87f6-e20b0ef91a94" providerId="AD" clId="Web-{9548A62A-5CCC-4F94-91CB-C0625A0719E2}" dt="2023-03-02T12:29:27.304" v="53" actId="1076"/>
+          <ac:spMkLst>
+            <pc:docMk/>
+            <pc:sldMk cId="757731584" sldId="445"/>
+            <ac:spMk id="3" creationId="{1AFCBDC0-0C4B-85B3-EC13-740C9DF83D00}"/>
+          </ac:spMkLst>
+        </pc:spChg>
+      </pc:sldChg>
+      <pc:sldChg chg="modSp">
+        <pc:chgData name="Yashwanth Ravula(UST,IN)" userId="S::245098@ust.com::26c642e7-a083-4a2f-87f6-e20b0ef91a94" providerId="AD" clId="Web-{9548A62A-5CCC-4F94-91CB-C0625A0719E2}" dt="2023-03-02T12:24:01.844" v="16" actId="20577"/>
+        <pc:sldMkLst>
+          <pc:docMk/>
+          <pc:sldMk cId="1133210417" sldId="452"/>
+        </pc:sldMkLst>
+        <pc:spChg chg="mod">
+          <ac:chgData name="Yashwanth Ravula(UST,IN)" userId="S::245098@ust.com::26c642e7-a083-4a2f-87f6-e20b0ef91a94" providerId="AD" clId="Web-{9548A62A-5CCC-4F94-91CB-C0625A0719E2}" dt="2023-03-02T12:24:01.844" v="16" actId="20577"/>
+          <ac:spMkLst>
+            <pc:docMk/>
+            <pc:sldMk cId="1133210417" sldId="452"/>
+            <ac:spMk id="2" creationId="{60956068-AB54-9D54-06B5-09FEBCE37258}"/>
+          </ac:spMkLst>
+        </pc:spChg>
+        <pc:spChg chg="mod">
+          <ac:chgData name="Yashwanth Ravula(UST,IN)" userId="S::245098@ust.com::26c642e7-a083-4a2f-87f6-e20b0ef91a94" providerId="AD" clId="Web-{9548A62A-5CCC-4F94-91CB-C0625A0719E2}" dt="2023-03-02T12:23:13.156" v="11" actId="1076"/>
+          <ac:spMkLst>
+            <pc:docMk/>
+            <pc:sldMk cId="1133210417" sldId="452"/>
+            <ac:spMk id="3" creationId="{DFA55937-248F-8AD5-B1E6-DB5B037AA508}"/>
+          </ac:spMkLst>
+        </pc:spChg>
+      </pc:sldChg>
+      <pc:sldChg chg="modSp">
+        <pc:chgData name="Yashwanth Ravula(UST,IN)" userId="S::245098@ust.com::26c642e7-a083-4a2f-87f6-e20b0ef91a94" providerId="AD" clId="Web-{9548A62A-5CCC-4F94-91CB-C0625A0719E2}" dt="2023-03-02T12:24:44.548" v="21" actId="20577"/>
         <pc:sldMkLst>
           <pc:docMk/>
           <pc:sldMk cId="19244136" sldId="453"/>
         </pc:sldMkLst>
-        <pc:spChg chg="del">
-          <ac:chgData name="Yashwanth Ravula(UST,IN)" userId="S::245098@ust.com::26c642e7-a083-4a2f-87f6-e20b0ef91a94" providerId="AD" clId="Web-{2DE26FE2-45FB-4F26-A176-2705B95D5F2D}" dt="2023-03-02T08:38:51.444" v="48"/>
-          <ac:spMkLst>
-            <pc:docMk/>
-            <pc:sldMk cId="19244136" sldId="453"/>
-            <ac:spMk id="2" creationId="{8C3A4774-59B3-D040-9F74-79EA9C4A6F48}"/>
-          </ac:spMkLst>
-        </pc:spChg>
         <pc:spChg chg="mod">
-          <ac:chgData name="Yashwanth Ravula(UST,IN)" userId="S::245098@ust.com::26c642e7-a083-4a2f-87f6-e20b0ef91a94" providerId="AD" clId="Web-{2DE26FE2-45FB-4F26-A176-2705B95D5F2D}" dt="2023-03-02T08:47:35.629" v="100" actId="14100"/>
+          <ac:chgData name="Yashwanth Ravula(UST,IN)" userId="S::245098@ust.com::26c642e7-a083-4a2f-87f6-e20b0ef91a94" providerId="AD" clId="Web-{9548A62A-5CCC-4F94-91CB-C0625A0719E2}" dt="2023-03-02T12:24:44.548" v="21" actId="20577"/>
           <ac:spMkLst>
             <pc:docMk/>
             <pc:sldMk cId="19244136" sldId="453"/>
@@ -228,181 +453,18 @@
           </ac:spMkLst>
         </pc:spChg>
       </pc:sldChg>
-      <pc:sldChg chg="addSp delSp modSp new del mod modClrScheme chgLayout">
-        <pc:chgData name="Yashwanth Ravula(UST,IN)" userId="S::245098@ust.com::26c642e7-a083-4a2f-87f6-e20b0ef91a94" providerId="AD" clId="Web-{2DE26FE2-45FB-4F26-A176-2705B95D5F2D}" dt="2023-03-02T08:38:30.771" v="46"/>
-        <pc:sldMkLst>
-          <pc:docMk/>
-          <pc:sldMk cId="1233136952" sldId="453"/>
-        </pc:sldMkLst>
-        <pc:spChg chg="del">
-          <ac:chgData name="Yashwanth Ravula(UST,IN)" userId="S::245098@ust.com::26c642e7-a083-4a2f-87f6-e20b0ef91a94" providerId="AD" clId="Web-{2DE26FE2-45FB-4F26-A176-2705B95D5F2D}" dt="2023-03-02T08:38:00.958" v="44"/>
-          <ac:spMkLst>
-            <pc:docMk/>
-            <pc:sldMk cId="1233136952" sldId="453"/>
-            <ac:spMk id="2" creationId="{16490C6C-8452-94A0-6B28-3986902193AD}"/>
-          </ac:spMkLst>
-        </pc:spChg>
-        <pc:spChg chg="del">
-          <ac:chgData name="Yashwanth Ravula(UST,IN)" userId="S::245098@ust.com::26c642e7-a083-4a2f-87f6-e20b0ef91a94" providerId="AD" clId="Web-{2DE26FE2-45FB-4F26-A176-2705B95D5F2D}" dt="2023-03-02T08:38:00.958" v="44"/>
-          <ac:spMkLst>
-            <pc:docMk/>
-            <pc:sldMk cId="1233136952" sldId="453"/>
-            <ac:spMk id="3" creationId="{F894B7EE-4D71-0A94-0251-D760F7FD4A06}"/>
-          </ac:spMkLst>
-        </pc:spChg>
-        <pc:spChg chg="add mod">
-          <ac:chgData name="Yashwanth Ravula(UST,IN)" userId="S::245098@ust.com::26c642e7-a083-4a2f-87f6-e20b0ef91a94" providerId="AD" clId="Web-{2DE26FE2-45FB-4F26-A176-2705B95D5F2D}" dt="2023-03-02T08:38:24.881" v="45"/>
-          <ac:spMkLst>
-            <pc:docMk/>
-            <pc:sldMk cId="1233136952" sldId="453"/>
-            <ac:spMk id="4" creationId="{20735AA7-DC3F-4F79-8D90-22D683971879}"/>
-          </ac:spMkLst>
-        </pc:spChg>
-      </pc:sldChg>
-      <pc:sldChg chg="add del">
-        <pc:chgData name="Yashwanth Ravula(UST,IN)" userId="S::245098@ust.com::26c642e7-a083-4a2f-87f6-e20b0ef91a94" providerId="AD" clId="Web-{2DE26FE2-45FB-4F26-A176-2705B95D5F2D}" dt="2023-03-02T08:35:08.422" v="12"/>
-        <pc:sldMkLst>
-          <pc:docMk/>
-          <pc:sldMk cId="1676222931" sldId="453"/>
-        </pc:sldMkLst>
-      </pc:sldChg>
-      <pc:sldChg chg="modSp new mod chgLayout">
-        <pc:chgData name="Yashwanth Ravula(UST,IN)" userId="S::245098@ust.com::26c642e7-a083-4a2f-87f6-e20b0ef91a94" providerId="AD" clId="Web-{2DE26FE2-45FB-4F26-A176-2705B95D5F2D}" dt="2023-03-02T08:51:14.807" v="136" actId="14100"/>
-        <pc:sldMkLst>
-          <pc:docMk/>
-          <pc:sldMk cId="1252647649" sldId="454"/>
-        </pc:sldMkLst>
-        <pc:spChg chg="mod ord">
-          <ac:chgData name="Yashwanth Ravula(UST,IN)" userId="S::245098@ust.com::26c642e7-a083-4a2f-87f6-e20b0ef91a94" providerId="AD" clId="Web-{2DE26FE2-45FB-4F26-A176-2705B95D5F2D}" dt="2023-03-02T08:51:14.807" v="136" actId="14100"/>
-          <ac:spMkLst>
-            <pc:docMk/>
-            <pc:sldMk cId="1252647649" sldId="454"/>
-            <ac:spMk id="2" creationId="{E3D5644F-164B-3AF6-93DC-F1652251A21E}"/>
-          </ac:spMkLst>
-        </pc:spChg>
-        <pc:spChg chg="mod ord">
-          <ac:chgData name="Yashwanth Ravula(UST,IN)" userId="S::245098@ust.com::26c642e7-a083-4a2f-87f6-e20b0ef91a94" providerId="AD" clId="Web-{2DE26FE2-45FB-4F26-A176-2705B95D5F2D}" dt="2023-03-02T08:50:53.650" v="134" actId="20577"/>
-          <ac:spMkLst>
-            <pc:docMk/>
-            <pc:sldMk cId="1252647649" sldId="454"/>
-            <ac:spMk id="3" creationId="{A42295EC-5F70-BE56-7BEC-84A52F6C1ED0}"/>
-          </ac:spMkLst>
-        </pc:spChg>
-      </pc:sldChg>
-      <pc:sldChg chg="add del replId">
-        <pc:chgData name="Yashwanth Ravula(UST,IN)" userId="S::245098@ust.com::26c642e7-a083-4a2f-87f6-e20b0ef91a94" providerId="AD" clId="Web-{2DE26FE2-45FB-4F26-A176-2705B95D5F2D}" dt="2023-03-02T08:37:46.114" v="43"/>
-        <pc:sldMkLst>
-          <pc:docMk/>
-          <pc:sldMk cId="2621474178" sldId="454"/>
-        </pc:sldMkLst>
-      </pc:sldChg>
-      <pc:sldChg chg="add del replId">
-        <pc:chgData name="Yashwanth Ravula(UST,IN)" userId="S::245098@ust.com::26c642e7-a083-4a2f-87f6-e20b0ef91a94" providerId="AD" clId="Web-{2DE26FE2-45FB-4F26-A176-2705B95D5F2D}" dt="2023-03-02T08:45:23.345" v="95"/>
-        <pc:sldMkLst>
-          <pc:docMk/>
-          <pc:sldMk cId="242396634" sldId="455"/>
-        </pc:sldMkLst>
-      </pc:sldChg>
-      <pc:sldChg chg="delSp modSp new">
-        <pc:chgData name="Yashwanth Ravula(UST,IN)" userId="S::245098@ust.com::26c642e7-a083-4a2f-87f6-e20b0ef91a94" providerId="AD" clId="Web-{2DE26FE2-45FB-4F26-A176-2705B95D5F2D}" dt="2023-03-02T08:55:48.439" v="177" actId="20577"/>
+      <pc:sldChg chg="modSp">
+        <pc:chgData name="Yashwanth Ravula(UST,IN)" userId="S::245098@ust.com::26c642e7-a083-4a2f-87f6-e20b0ef91a94" providerId="AD" clId="Web-{9548A62A-5CCC-4F94-91CB-C0625A0719E2}" dt="2023-03-02T12:25:18.096" v="24" actId="14100"/>
         <pc:sldMkLst>
           <pc:docMk/>
           <pc:sldMk cId="883697915" sldId="455"/>
         </pc:sldMkLst>
-        <pc:spChg chg="del">
-          <ac:chgData name="Yashwanth Ravula(UST,IN)" userId="S::245098@ust.com::26c642e7-a083-4a2f-87f6-e20b0ef91a94" providerId="AD" clId="Web-{2DE26FE2-45FB-4F26-A176-2705B95D5F2D}" dt="2023-03-02T08:52:26.824" v="138"/>
-          <ac:spMkLst>
-            <pc:docMk/>
-            <pc:sldMk cId="883697915" sldId="455"/>
-            <ac:spMk id="2" creationId="{44EF250D-51AA-4AB2-D01B-B098A07BBE5D}"/>
-          </ac:spMkLst>
-        </pc:spChg>
         <pc:spChg chg="mod">
-          <ac:chgData name="Yashwanth Ravula(UST,IN)" userId="S::245098@ust.com::26c642e7-a083-4a2f-87f6-e20b0ef91a94" providerId="AD" clId="Web-{2DE26FE2-45FB-4F26-A176-2705B95D5F2D}" dt="2023-03-02T08:55:48.439" v="177" actId="20577"/>
+          <ac:chgData name="Yashwanth Ravula(UST,IN)" userId="S::245098@ust.com::26c642e7-a083-4a2f-87f6-e20b0ef91a94" providerId="AD" clId="Web-{9548A62A-5CCC-4F94-91CB-C0625A0719E2}" dt="2023-03-02T12:25:18.096" v="24" actId="14100"/>
           <ac:spMkLst>
             <pc:docMk/>
             <pc:sldMk cId="883697915" sldId="455"/>
             <ac:spMk id="3" creationId="{F5226773-D9E9-216A-F317-CC38761F6C51}"/>
-          </ac:spMkLst>
-        </pc:spChg>
-      </pc:sldChg>
-    </pc:docChg>
-  </pc:docChgLst>
-  <pc:docChgLst>
-    <pc:chgData name="Yashwanth Ravula(UST,IN)" userId="S::245098@ust.com::26c642e7-a083-4a2f-87f6-e20b0ef91a94" providerId="AD" clId="Web-{F1386D6C-04DA-4B84-8B9F-0D38E23D9984}"/>
-    <pc:docChg chg="modSld">
-      <pc:chgData name="Yashwanth Ravula(UST,IN)" userId="S::245098@ust.com::26c642e7-a083-4a2f-87f6-e20b0ef91a94" providerId="AD" clId="Web-{F1386D6C-04DA-4B84-8B9F-0D38E23D9984}" dt="2023-05-26T04:13:28.409" v="72"/>
-      <pc:docMkLst>
-        <pc:docMk/>
-      </pc:docMkLst>
-      <pc:sldChg chg="addSp delSp modSp mod modClrScheme chgLayout">
-        <pc:chgData name="Yashwanth Ravula(UST,IN)" userId="S::245098@ust.com::26c642e7-a083-4a2f-87f6-e20b0ef91a94" providerId="AD" clId="Web-{F1386D6C-04DA-4B84-8B9F-0D38E23D9984}" dt="2023-05-26T04:13:28.409" v="72"/>
-        <pc:sldMkLst>
-          <pc:docMk/>
-          <pc:sldMk cId="2542971383" sldId="468"/>
-        </pc:sldMkLst>
-        <pc:spChg chg="mod">
-          <ac:chgData name="Yashwanth Ravula(UST,IN)" userId="S::245098@ust.com::26c642e7-a083-4a2f-87f6-e20b0ef91a94" providerId="AD" clId="Web-{F1386D6C-04DA-4B84-8B9F-0D38E23D9984}" dt="2023-05-26T04:13:20.768" v="70"/>
-          <ac:spMkLst>
-            <pc:docMk/>
-            <pc:sldMk cId="2542971383" sldId="468"/>
-            <ac:spMk id="2" creationId="{8ED078B8-CAD4-C236-2014-6B057087D850}"/>
-          </ac:spMkLst>
-        </pc:spChg>
-        <pc:spChg chg="del">
-          <ac:chgData name="Yashwanth Ravula(UST,IN)" userId="S::245098@ust.com::26c642e7-a083-4a2f-87f6-e20b0ef91a94" providerId="AD" clId="Web-{F1386D6C-04DA-4B84-8B9F-0D38E23D9984}" dt="2023-05-26T04:11:11.092" v="63"/>
-          <ac:spMkLst>
-            <pc:docMk/>
-            <pc:sldMk cId="2542971383" sldId="468"/>
-            <ac:spMk id="3" creationId="{1D356442-201E-8EB2-16B3-6E6A2AA2F7AD}"/>
-          </ac:spMkLst>
-        </pc:spChg>
-        <pc:spChg chg="del">
-          <ac:chgData name="Yashwanth Ravula(UST,IN)" userId="S::245098@ust.com::26c642e7-a083-4a2f-87f6-e20b0ef91a94" providerId="AD" clId="Web-{F1386D6C-04DA-4B84-8B9F-0D38E23D9984}" dt="2023-05-26T04:11:17.968" v="64"/>
-          <ac:spMkLst>
-            <pc:docMk/>
-            <pc:sldMk cId="2542971383" sldId="468"/>
-            <ac:spMk id="4" creationId="{9FDF7E13-5C80-D4B4-3718-47F838BE3336}"/>
-          </ac:spMkLst>
-        </pc:spChg>
-        <pc:spChg chg="add del mod">
-          <ac:chgData name="Yashwanth Ravula(UST,IN)" userId="S::245098@ust.com::26c642e7-a083-4a2f-87f6-e20b0ef91a94" providerId="AD" clId="Web-{F1386D6C-04DA-4B84-8B9F-0D38E23D9984}" dt="2023-05-26T04:11:24.093" v="65"/>
-          <ac:spMkLst>
-            <pc:docMk/>
-            <pc:sldMk cId="2542971383" sldId="468"/>
-            <ac:spMk id="6" creationId="{B99CFE2A-1EC0-8128-574A-9715A7310971}"/>
-          </ac:spMkLst>
-        </pc:spChg>
-        <pc:spChg chg="add del mod">
-          <ac:chgData name="Yashwanth Ravula(UST,IN)" userId="S::245098@ust.com::26c642e7-a083-4a2f-87f6-e20b0ef91a94" providerId="AD" clId="Web-{F1386D6C-04DA-4B84-8B9F-0D38E23D9984}" dt="2023-05-26T04:13:10.284" v="68"/>
-          <ac:spMkLst>
-            <pc:docMk/>
-            <pc:sldMk cId="2542971383" sldId="468"/>
-            <ac:spMk id="7" creationId="{07F858EB-EAC8-7E46-4017-A07823AB42CC}"/>
-          </ac:spMkLst>
-        </pc:spChg>
-        <pc:spChg chg="add del mod">
-          <ac:chgData name="Yashwanth Ravula(UST,IN)" userId="S::245098@ust.com::26c642e7-a083-4a2f-87f6-e20b0ef91a94" providerId="AD" clId="Web-{F1386D6C-04DA-4B84-8B9F-0D38E23D9984}" dt="2023-05-26T04:13:28.409" v="72"/>
-          <ac:spMkLst>
-            <pc:docMk/>
-            <pc:sldMk cId="2542971383" sldId="468"/>
-            <ac:spMk id="8" creationId="{52522CDB-7DDE-D368-9704-EE4316F7779C}"/>
-          </ac:spMkLst>
-        </pc:spChg>
-        <pc:spChg chg="add del mod">
-          <ac:chgData name="Yashwanth Ravula(UST,IN)" userId="S::245098@ust.com::26c642e7-a083-4a2f-87f6-e20b0ef91a94" providerId="AD" clId="Web-{F1386D6C-04DA-4B84-8B9F-0D38E23D9984}" dt="2023-05-26T04:13:20.768" v="70"/>
-          <ac:spMkLst>
-            <pc:docMk/>
-            <pc:sldMk cId="2542971383" sldId="468"/>
-            <ac:spMk id="9" creationId="{E58D3283-9059-86C1-650A-A7842C59670D}"/>
-          </ac:spMkLst>
-        </pc:spChg>
-        <pc:spChg chg="add del mod">
-          <ac:chgData name="Yashwanth Ravula(UST,IN)" userId="S::245098@ust.com::26c642e7-a083-4a2f-87f6-e20b0ef91a94" providerId="AD" clId="Web-{F1386D6C-04DA-4B84-8B9F-0D38E23D9984}" dt="2023-05-26T04:13:20.768" v="70"/>
-          <ac:spMkLst>
-            <pc:docMk/>
-            <pc:sldMk cId="2542971383" sldId="468"/>
-            <ac:spMk id="10" creationId="{8202DCFB-31A5-A9B6-C630-C91BC8325E06}"/>
           </ac:spMkLst>
         </pc:spChg>
       </pc:sldChg>
@@ -522,141 +584,552 @@
     </pc:docChg>
   </pc:docChgLst>
   <pc:docChgLst>
-    <pc:chgData name="Rayona Mathew(UST,IN)" userId="S::245072@ust.com::ba69e595-3dd2-41bd-a7f7-516712dab024" providerId="AD" clId="Web-{01A119B1-966D-44A1-8730-0382589D5375}"/>
-    <pc:docChg chg="addSld delSld modSld">
-      <pc:chgData name="Rayona Mathew(UST,IN)" userId="S::245072@ust.com::ba69e595-3dd2-41bd-a7f7-516712dab024" providerId="AD" clId="Web-{01A119B1-966D-44A1-8730-0382589D5375}" dt="2023-03-01T03:50:57.371" v="121"/>
+    <pc:chgData name="Sowjanya Morisetty(UST,IN)" userId="S::245132@ust.com::fafc9569-a945-46e7-9869-5c26008d3c84" providerId="AD" clId="Web-{7037063D-103E-48E3-9DE1-A55BF8B948D3}"/>
+    <pc:docChg chg="modSld">
+      <pc:chgData name="Sowjanya Morisetty(UST,IN)" userId="S::245132@ust.com::fafc9569-a945-46e7-9869-5c26008d3c84" providerId="AD" clId="Web-{7037063D-103E-48E3-9DE1-A55BF8B948D3}" dt="2023-02-28T12:02:02.347" v="7" actId="20577"/>
       <pc:docMkLst>
         <pc:docMk/>
       </pc:docMkLst>
       <pc:sldChg chg="modSp">
-        <pc:chgData name="Rayona Mathew(UST,IN)" userId="S::245072@ust.com::ba69e595-3dd2-41bd-a7f7-516712dab024" providerId="AD" clId="Web-{01A119B1-966D-44A1-8730-0382589D5375}" dt="2023-03-01T03:48:18.052" v="94" actId="20577"/>
+        <pc:chgData name="Sowjanya Morisetty(UST,IN)" userId="S::245132@ust.com::fafc9569-a945-46e7-9869-5c26008d3c84" providerId="AD" clId="Web-{7037063D-103E-48E3-9DE1-A55BF8B948D3}" dt="2023-02-28T12:02:02.347" v="7" actId="20577"/>
         <pc:sldMkLst>
           <pc:docMk/>
-          <pc:sldMk cId="2296051366" sldId="436"/>
+          <pc:sldMk cId="877123665" sldId="431"/>
         </pc:sldMkLst>
         <pc:spChg chg="mod">
-          <ac:chgData name="Rayona Mathew(UST,IN)" userId="S::245072@ust.com::ba69e595-3dd2-41bd-a7f7-516712dab024" providerId="AD" clId="Web-{01A119B1-966D-44A1-8730-0382589D5375}" dt="2023-03-01T03:48:18.052" v="94" actId="20577"/>
-          <ac:spMkLst>
-            <pc:docMk/>
-            <pc:sldMk cId="2296051366" sldId="436"/>
+          <ac:chgData name="Sowjanya Morisetty(UST,IN)" userId="S::245132@ust.com::fafc9569-a945-46e7-9869-5c26008d3c84" providerId="AD" clId="Web-{7037063D-103E-48E3-9DE1-A55BF8B948D3}" dt="2023-02-28T12:02:02.347" v="7" actId="20577"/>
+          <ac:spMkLst>
+            <pc:docMk/>
+            <pc:sldMk cId="877123665" sldId="431"/>
             <ac:spMk id="6" creationId="{8BC7BFEE-38DA-DFBD-CD0D-D04ADB94AB00}"/>
-          </ac:spMkLst>
-        </pc:spChg>
-      </pc:sldChg>
-      <pc:sldChg chg="modSp del">
-        <pc:chgData name="Rayona Mathew(UST,IN)" userId="S::245072@ust.com::ba69e595-3dd2-41bd-a7f7-516712dab024" providerId="AD" clId="Web-{01A119B1-966D-44A1-8730-0382589D5375}" dt="2023-03-01T03:50:57.371" v="121"/>
-        <pc:sldMkLst>
-          <pc:docMk/>
-          <pc:sldMk cId="4070274023" sldId="437"/>
-        </pc:sldMkLst>
-        <pc:spChg chg="mod">
-          <ac:chgData name="Rayona Mathew(UST,IN)" userId="S::245072@ust.com::ba69e595-3dd2-41bd-a7f7-516712dab024" providerId="AD" clId="Web-{01A119B1-966D-44A1-8730-0382589D5375}" dt="2023-03-01T03:48:10.458" v="92" actId="20577"/>
-          <ac:spMkLst>
-            <pc:docMk/>
-            <pc:sldMk cId="4070274023" sldId="437"/>
-            <ac:spMk id="6" creationId="{8BC7BFEE-38DA-DFBD-CD0D-D04ADB94AB00}"/>
-          </ac:spMkLst>
-        </pc:spChg>
-      </pc:sldChg>
-      <pc:sldChg chg="new del">
-        <pc:chgData name="Rayona Mathew(UST,IN)" userId="S::245072@ust.com::ba69e595-3dd2-41bd-a7f7-516712dab024" providerId="AD" clId="Web-{01A119B1-966D-44A1-8730-0382589D5375}" dt="2023-03-01T03:49:11.008" v="96"/>
-        <pc:sldMkLst>
-          <pc:docMk/>
-          <pc:sldMk cId="1346970104" sldId="443"/>
-        </pc:sldMkLst>
-      </pc:sldChg>
-      <pc:sldChg chg="modSp new">
-        <pc:chgData name="Rayona Mathew(UST,IN)" userId="S::245072@ust.com::ba69e595-3dd2-41bd-a7f7-516712dab024" providerId="AD" clId="Web-{01A119B1-966D-44A1-8730-0382589D5375}" dt="2023-03-01T03:50:52.511" v="120" actId="20577"/>
-        <pc:sldMkLst>
-          <pc:docMk/>
-          <pc:sldMk cId="4100171198" sldId="443"/>
-        </pc:sldMkLst>
-        <pc:spChg chg="mod">
-          <ac:chgData name="Rayona Mathew(UST,IN)" userId="S::245072@ust.com::ba69e595-3dd2-41bd-a7f7-516712dab024" providerId="AD" clId="Web-{01A119B1-966D-44A1-8730-0382589D5375}" dt="2023-03-01T03:50:52.511" v="120" actId="20577"/>
-          <ac:spMkLst>
-            <pc:docMk/>
-            <pc:sldMk cId="4100171198" sldId="443"/>
-            <ac:spMk id="2" creationId="{295DDB62-52DA-2D50-E89E-B04B42BA03F9}"/>
-          </ac:spMkLst>
-        </pc:spChg>
-        <pc:spChg chg="mod">
-          <ac:chgData name="Rayona Mathew(UST,IN)" userId="S::245072@ust.com::ba69e595-3dd2-41bd-a7f7-516712dab024" providerId="AD" clId="Web-{01A119B1-966D-44A1-8730-0382589D5375}" dt="2023-03-01T03:50:42.886" v="114" actId="20577"/>
-          <ac:spMkLst>
-            <pc:docMk/>
-            <pc:sldMk cId="4100171198" sldId="443"/>
-            <ac:spMk id="3" creationId="{3A0CB81D-51CE-358D-66E7-F9E4C2D2F291}"/>
           </ac:spMkLst>
         </pc:spChg>
       </pc:sldChg>
     </pc:docChg>
   </pc:docChgLst>
   <pc:docChgLst>
-    <pc:chgData name="Yashwanth Ravula(UST,IN)" userId="S::245098@ust.com::26c642e7-a083-4a2f-87f6-e20b0ef91a94" providerId="AD" clId="Web-{A2290BF9-10C5-4FB7-8FB9-582DEE8C0BC4}"/>
-    <pc:docChg chg="modSld">
-      <pc:chgData name="Yashwanth Ravula(UST,IN)" userId="S::245098@ust.com::26c642e7-a083-4a2f-87f6-e20b0ef91a94" providerId="AD" clId="Web-{A2290BF9-10C5-4FB7-8FB9-582DEE8C0BC4}" dt="2023-02-28T11:45:59.968" v="34" actId="20577"/>
+    <pc:chgData name="Rayona Mathew(UST,IN)" userId="S::245072@ust.com::ba69e595-3dd2-41bd-a7f7-516712dab024" providerId="AD" clId="Web-{75CECE49-DC76-446C-B7F6-325D2B5087A7}"/>
+    <pc:docChg chg="addSld delSld">
+      <pc:chgData name="Rayona Mathew(UST,IN)" userId="S::245072@ust.com::ba69e595-3dd2-41bd-a7f7-516712dab024" providerId="AD" clId="Web-{75CECE49-DC76-446C-B7F6-325D2B5087A7}" dt="2023-03-02T15:34:13.223" v="3"/>
       <pc:docMkLst>
         <pc:docMk/>
       </pc:docMkLst>
-      <pc:sldChg chg="addSp delSp modSp">
-        <pc:chgData name="Yashwanth Ravula(UST,IN)" userId="S::245098@ust.com::26c642e7-a083-4a2f-87f6-e20b0ef91a94" providerId="AD" clId="Web-{A2290BF9-10C5-4FB7-8FB9-582DEE8C0BC4}" dt="2023-02-28T11:45:59.968" v="34" actId="20577"/>
+      <pc:sldChg chg="new add del replId">
+        <pc:chgData name="Rayona Mathew(UST,IN)" userId="S::245072@ust.com::ba69e595-3dd2-41bd-a7f7-516712dab024" providerId="AD" clId="Web-{75CECE49-DC76-446C-B7F6-325D2B5087A7}" dt="2023-03-02T15:34:13.223" v="3"/>
+        <pc:sldMkLst>
+          <pc:docMk/>
+          <pc:sldMk cId="1472268050" sldId="457"/>
+        </pc:sldMkLst>
+      </pc:sldChg>
+    </pc:docChg>
+  </pc:docChgLst>
+  <pc:docChgLst>
+    <pc:chgData name="Rayona Mathew(UST,IN)" userId="S::245072@ust.com::ba69e595-3dd2-41bd-a7f7-516712dab024" providerId="AD" clId="Web-{B903161E-8D1E-4399-A3C3-922CD925991A}"/>
+    <pc:docChg chg="modSld">
+      <pc:chgData name="Rayona Mathew(UST,IN)" userId="S::245072@ust.com::ba69e595-3dd2-41bd-a7f7-516712dab024" providerId="AD" clId="Web-{B903161E-8D1E-4399-A3C3-922CD925991A}" dt="2023-03-03T03:53:39.248" v="20" actId="20577"/>
+      <pc:docMkLst>
+        <pc:docMk/>
+      </pc:docMkLst>
+      <pc:sldChg chg="modSp">
+        <pc:chgData name="Rayona Mathew(UST,IN)" userId="S::245072@ust.com::ba69e595-3dd2-41bd-a7f7-516712dab024" providerId="AD" clId="Web-{B903161E-8D1E-4399-A3C3-922CD925991A}" dt="2023-03-03T03:53:39.248" v="20" actId="20577"/>
+        <pc:sldMkLst>
+          <pc:docMk/>
+          <pc:sldMk cId="1382630997" sldId="446"/>
+        </pc:sldMkLst>
+        <pc:spChg chg="mod">
+          <ac:chgData name="Rayona Mathew(UST,IN)" userId="S::245072@ust.com::ba69e595-3dd2-41bd-a7f7-516712dab024" providerId="AD" clId="Web-{B903161E-8D1E-4399-A3C3-922CD925991A}" dt="2023-03-03T03:53:39.248" v="20" actId="20577"/>
+          <ac:spMkLst>
+            <pc:docMk/>
+            <pc:sldMk cId="1382630997" sldId="446"/>
+            <ac:spMk id="3" creationId="{E88EE183-D373-CE5C-05D2-A7D03FFAEF1A}"/>
+          </ac:spMkLst>
+        </pc:spChg>
+      </pc:sldChg>
+    </pc:docChg>
+  </pc:docChgLst>
+  <pc:docChgLst>
+    <pc:chgData name="Yashwanth Ravula(UST,IN)" userId="S::245098@ust.com::26c642e7-a083-4a2f-87f6-e20b0ef91a94" providerId="AD" clId="Web-{ADD610D9-C3F0-4219-B482-52BC67A0F6D8}"/>
+    <pc:docChg chg="addSld modSld sldOrd">
+      <pc:chgData name="Yashwanth Ravula(UST,IN)" userId="S::245098@ust.com::26c642e7-a083-4a2f-87f6-e20b0ef91a94" providerId="AD" clId="Web-{ADD610D9-C3F0-4219-B482-52BC67A0F6D8}" dt="2023-03-03T09:02:56.119" v="161" actId="20577"/>
+      <pc:docMkLst>
+        <pc:docMk/>
+      </pc:docMkLst>
+      <pc:sldChg chg="modSp">
+        <pc:chgData name="Yashwanth Ravula(UST,IN)" userId="S::245098@ust.com::26c642e7-a083-4a2f-87f6-e20b0ef91a94" providerId="AD" clId="Web-{ADD610D9-C3F0-4219-B482-52BC67A0F6D8}" dt="2023-03-03T09:02:56.119" v="161" actId="20577"/>
         <pc:sldMkLst>
           <pc:docMk/>
           <pc:sldMk cId="4151454420" sldId="264"/>
         </pc:sldMkLst>
         <pc:spChg chg="mod">
-          <ac:chgData name="Yashwanth Ravula(UST,IN)" userId="S::245098@ust.com::26c642e7-a083-4a2f-87f6-e20b0ef91a94" providerId="AD" clId="Web-{A2290BF9-10C5-4FB7-8FB9-582DEE8C0BC4}" dt="2023-02-28T11:45:59.968" v="34" actId="20577"/>
-          <ac:spMkLst>
-            <pc:docMk/>
-            <pc:sldMk cId="4151454420" sldId="264"/>
-            <ac:spMk id="2" creationId="{DE6C0B85-EBEC-734B-98A8-2BAC52CC0257}"/>
-          </ac:spMkLst>
-        </pc:spChg>
-        <pc:spChg chg="mod">
-          <ac:chgData name="Yashwanth Ravula(UST,IN)" userId="S::245098@ust.com::26c642e7-a083-4a2f-87f6-e20b0ef91a94" providerId="AD" clId="Web-{A2290BF9-10C5-4FB7-8FB9-582DEE8C0BC4}" dt="2023-02-28T11:41:51.539" v="11" actId="20577"/>
+          <ac:chgData name="Yashwanth Ravula(UST,IN)" userId="S::245098@ust.com::26c642e7-a083-4a2f-87f6-e20b0ef91a94" providerId="AD" clId="Web-{ADD610D9-C3F0-4219-B482-52BC67A0F6D8}" dt="2023-03-03T09:02:56.119" v="161" actId="20577"/>
           <ac:spMkLst>
             <pc:docMk/>
             <pc:sldMk cId="4151454420" sldId="264"/>
             <ac:spMk id="3" creationId="{95A1310C-7516-9B42-A1FD-3E54A6F3494C}"/>
           </ac:spMkLst>
         </pc:spChg>
-        <pc:spChg chg="del mod">
-          <ac:chgData name="Yashwanth Ravula(UST,IN)" userId="S::245098@ust.com::26c642e7-a083-4a2f-87f6-e20b0ef91a94" providerId="AD" clId="Web-{A2290BF9-10C5-4FB7-8FB9-582DEE8C0BC4}" dt="2023-02-28T11:40:59.912" v="3"/>
-          <ac:spMkLst>
-            <pc:docMk/>
-            <pc:sldMk cId="4151454420" sldId="264"/>
-            <ac:spMk id="4" creationId="{5901F384-3096-F642-998B-DF0792F7F541}"/>
-          </ac:spMkLst>
-        </pc:spChg>
+      </pc:sldChg>
+      <pc:sldChg chg="modSp">
+        <pc:chgData name="Yashwanth Ravula(UST,IN)" userId="S::245098@ust.com::26c642e7-a083-4a2f-87f6-e20b0ef91a94" providerId="AD" clId="Web-{ADD610D9-C3F0-4219-B482-52BC67A0F6D8}" dt="2023-03-03T08:25:38.282" v="14" actId="20577"/>
+        <pc:sldMkLst>
+          <pc:docMk/>
+          <pc:sldMk cId="359614143" sldId="433"/>
+        </pc:sldMkLst>
+        <pc:spChg chg="mod">
+          <ac:chgData name="Yashwanth Ravula(UST,IN)" userId="S::245098@ust.com::26c642e7-a083-4a2f-87f6-e20b0ef91a94" providerId="AD" clId="Web-{ADD610D9-C3F0-4219-B482-52BC67A0F6D8}" dt="2023-03-03T08:25:38.282" v="14" actId="20577"/>
+          <ac:spMkLst>
+            <pc:docMk/>
+            <pc:sldMk cId="359614143" sldId="433"/>
+            <ac:spMk id="3" creationId="{45AA5242-7A7D-9D34-6850-0D5645FE712D}"/>
+          </ac:spMkLst>
+        </pc:spChg>
+      </pc:sldChg>
+      <pc:sldChg chg="modSp">
+        <pc:chgData name="Yashwanth Ravula(UST,IN)" userId="S::245098@ust.com::26c642e7-a083-4a2f-87f6-e20b0ef91a94" providerId="AD" clId="Web-{ADD610D9-C3F0-4219-B482-52BC67A0F6D8}" dt="2023-03-03T08:25:25.375" v="10" actId="20577"/>
+        <pc:sldMkLst>
+          <pc:docMk/>
+          <pc:sldMk cId="4163659290" sldId="442"/>
+        </pc:sldMkLst>
+        <pc:spChg chg="mod">
+          <ac:chgData name="Yashwanth Ravula(UST,IN)" userId="S::245098@ust.com::26c642e7-a083-4a2f-87f6-e20b0ef91a94" providerId="AD" clId="Web-{ADD610D9-C3F0-4219-B482-52BC67A0F6D8}" dt="2023-03-03T08:25:14.359" v="7" actId="20577"/>
+          <ac:spMkLst>
+            <pc:docMk/>
+            <pc:sldMk cId="4163659290" sldId="442"/>
+            <ac:spMk id="2" creationId="{E7EFE3C0-E31C-6459-73A8-59105475D401}"/>
+          </ac:spMkLst>
+        </pc:spChg>
+        <pc:spChg chg="mod">
+          <ac:chgData name="Yashwanth Ravula(UST,IN)" userId="S::245098@ust.com::26c642e7-a083-4a2f-87f6-e20b0ef91a94" providerId="AD" clId="Web-{ADD610D9-C3F0-4219-B482-52BC67A0F6D8}" dt="2023-03-03T08:25:25.375" v="10" actId="20577"/>
+          <ac:spMkLst>
+            <pc:docMk/>
+            <pc:sldMk cId="4163659290" sldId="442"/>
+            <ac:spMk id="3" creationId="{020FB93D-AC3A-6ACD-CBC8-FE2AC7E893B6}"/>
+          </ac:spMkLst>
+        </pc:spChg>
+      </pc:sldChg>
+      <pc:sldChg chg="modSp">
+        <pc:chgData name="Yashwanth Ravula(UST,IN)" userId="S::245098@ust.com::26c642e7-a083-4a2f-87f6-e20b0ef91a94" providerId="AD" clId="Web-{ADD610D9-C3F0-4219-B482-52BC67A0F6D8}" dt="2023-03-03T08:26:26.549" v="26" actId="20577"/>
+        <pc:sldMkLst>
+          <pc:docMk/>
+          <pc:sldMk cId="1133210417" sldId="452"/>
+        </pc:sldMkLst>
+        <pc:spChg chg="mod">
+          <ac:chgData name="Yashwanth Ravula(UST,IN)" userId="S::245098@ust.com::26c642e7-a083-4a2f-87f6-e20b0ef91a94" providerId="AD" clId="Web-{ADD610D9-C3F0-4219-B482-52BC67A0F6D8}" dt="2023-03-03T08:26:19.752" v="18" actId="20577"/>
+          <ac:spMkLst>
+            <pc:docMk/>
+            <pc:sldMk cId="1133210417" sldId="452"/>
+            <ac:spMk id="2" creationId="{60956068-AB54-9D54-06B5-09FEBCE37258}"/>
+          </ac:spMkLst>
+        </pc:spChg>
+        <pc:spChg chg="mod">
+          <ac:chgData name="Yashwanth Ravula(UST,IN)" userId="S::245098@ust.com::26c642e7-a083-4a2f-87f6-e20b0ef91a94" providerId="AD" clId="Web-{ADD610D9-C3F0-4219-B482-52BC67A0F6D8}" dt="2023-03-03T08:26:26.549" v="26" actId="20577"/>
+          <ac:spMkLst>
+            <pc:docMk/>
+            <pc:sldMk cId="1133210417" sldId="452"/>
+            <ac:spMk id="3" creationId="{DFA55937-248F-8AD5-B1E6-DB5B037AA508}"/>
+          </ac:spMkLst>
+        </pc:spChg>
+      </pc:sldChg>
+      <pc:sldChg chg="modSp ord">
+        <pc:chgData name="Yashwanth Ravula(UST,IN)" userId="S::245098@ust.com::26c642e7-a083-4a2f-87f6-e20b0ef91a94" providerId="AD" clId="Web-{ADD610D9-C3F0-4219-B482-52BC67A0F6D8}" dt="2023-03-03T08:48:29.785" v="136" actId="20577"/>
+        <pc:sldMkLst>
+          <pc:docMk/>
+          <pc:sldMk cId="19244136" sldId="453"/>
+        </pc:sldMkLst>
+        <pc:spChg chg="mod">
+          <ac:chgData name="Yashwanth Ravula(UST,IN)" userId="S::245098@ust.com::26c642e7-a083-4a2f-87f6-e20b0ef91a94" providerId="AD" clId="Web-{ADD610D9-C3F0-4219-B482-52BC67A0F6D8}" dt="2023-03-03T08:48:29.785" v="136" actId="20577"/>
+          <ac:spMkLst>
+            <pc:docMk/>
+            <pc:sldMk cId="19244136" sldId="453"/>
+            <ac:spMk id="3" creationId="{A475E339-374D-08CD-9943-833B27247B34}"/>
+          </ac:spMkLst>
+        </pc:spChg>
+      </pc:sldChg>
+      <pc:sldChg chg="addSp delSp modSp new">
+        <pc:chgData name="Yashwanth Ravula(UST,IN)" userId="S::245098@ust.com::26c642e7-a083-4a2f-87f6-e20b0ef91a94" providerId="AD" clId="Web-{ADD610D9-C3F0-4219-B482-52BC67A0F6D8}" dt="2023-03-03T08:35:28.016" v="47" actId="20577"/>
+        <pc:sldMkLst>
+          <pc:docMk/>
+          <pc:sldMk cId="1082967816" sldId="470"/>
+        </pc:sldMkLst>
         <pc:spChg chg="del">
-          <ac:chgData name="Yashwanth Ravula(UST,IN)" userId="S::245098@ust.com::26c642e7-a083-4a2f-87f6-e20b0ef91a94" providerId="AD" clId="Web-{A2290BF9-10C5-4FB7-8FB9-582DEE8C0BC4}" dt="2023-02-28T11:41:06.209" v="4"/>
-          <ac:spMkLst>
-            <pc:docMk/>
-            <pc:sldMk cId="4151454420" sldId="264"/>
-            <ac:spMk id="5" creationId="{081DF1DD-3C06-2442-B80A-157896BDC117}"/>
-          </ac:spMkLst>
-        </pc:spChg>
+          <ac:chgData name="Yashwanth Ravula(UST,IN)" userId="S::245098@ust.com::26c642e7-a083-4a2f-87f6-e20b0ef91a94" providerId="AD" clId="Web-{ADD610D9-C3F0-4219-B482-52BC67A0F6D8}" dt="2023-03-03T08:32:52.059" v="28"/>
+          <ac:spMkLst>
+            <pc:docMk/>
+            <pc:sldMk cId="1082967816" sldId="470"/>
+            <ac:spMk id="2" creationId="{3DC00A88-A8B8-C9E6-DC27-5C2742A455BB}"/>
+          </ac:spMkLst>
+        </pc:spChg>
+        <pc:spChg chg="mod">
+          <ac:chgData name="Yashwanth Ravula(UST,IN)" userId="S::245098@ust.com::26c642e7-a083-4a2f-87f6-e20b0ef91a94" providerId="AD" clId="Web-{ADD610D9-C3F0-4219-B482-52BC67A0F6D8}" dt="2023-03-03T08:35:28.016" v="47" actId="20577"/>
+          <ac:spMkLst>
+            <pc:docMk/>
+            <pc:sldMk cId="1082967816" sldId="470"/>
+            <ac:spMk id="3" creationId="{13D77AE6-D428-3831-A6BA-06B2E79577F4}"/>
+          </ac:spMkLst>
+        </pc:spChg>
+        <pc:picChg chg="add mod">
+          <ac:chgData name="Yashwanth Ravula(UST,IN)" userId="S::245098@ust.com::26c642e7-a083-4a2f-87f6-e20b0ef91a94" providerId="AD" clId="Web-{ADD610D9-C3F0-4219-B482-52BC67A0F6D8}" dt="2023-03-03T08:35:18.281" v="46" actId="1076"/>
+          <ac:picMkLst>
+            <pc:docMk/>
+            <pc:sldMk cId="1082967816" sldId="470"/>
+            <ac:picMk id="4" creationId="{4E6D9045-EED5-1ECF-15FA-C9664DB41E57}"/>
+          </ac:picMkLst>
+        </pc:picChg>
+      </pc:sldChg>
+      <pc:sldChg chg="new">
+        <pc:chgData name="Yashwanth Ravula(UST,IN)" userId="S::245098@ust.com::26c642e7-a083-4a2f-87f6-e20b0ef91a94" providerId="AD" clId="Web-{ADD610D9-C3F0-4219-B482-52BC67A0F6D8}" dt="2023-03-03T08:36:20.079" v="50"/>
+        <pc:sldMkLst>
+          <pc:docMk/>
+          <pc:sldMk cId="1230819706" sldId="471"/>
+        </pc:sldMkLst>
+      </pc:sldChg>
+      <pc:sldChg chg="addSp delSp modSp new">
+        <pc:chgData name="Yashwanth Ravula(UST,IN)" userId="S::245098@ust.com::26c642e7-a083-4a2f-87f6-e20b0ef91a94" providerId="AD" clId="Web-{ADD610D9-C3F0-4219-B482-52BC67A0F6D8}" dt="2023-03-03T08:48:51.270" v="139" actId="14100"/>
+        <pc:sldMkLst>
+          <pc:docMk/>
+          <pc:sldMk cId="1729341402" sldId="472"/>
+        </pc:sldMkLst>
         <pc:spChg chg="del">
-          <ac:chgData name="Yashwanth Ravula(UST,IN)" userId="S::245098@ust.com::26c642e7-a083-4a2f-87f6-e20b0ef91a94" providerId="AD" clId="Web-{A2290BF9-10C5-4FB7-8FB9-582DEE8C0BC4}" dt="2023-02-28T11:41:11.444" v="5"/>
-          <ac:spMkLst>
-            <pc:docMk/>
-            <pc:sldMk cId="4151454420" sldId="264"/>
-            <ac:spMk id="6" creationId="{7A7762B4-60BF-734E-9124-0AA6C970BB76}"/>
+          <ac:chgData name="Yashwanth Ravula(UST,IN)" userId="S::245098@ust.com::26c642e7-a083-4a2f-87f6-e20b0ef91a94" providerId="AD" clId="Web-{ADD610D9-C3F0-4219-B482-52BC67A0F6D8}" dt="2023-03-03T08:44:54.029" v="102"/>
+          <ac:spMkLst>
+            <pc:docMk/>
+            <pc:sldMk cId="1729341402" sldId="472"/>
+            <ac:spMk id="2" creationId="{0964F304-E8C7-DEAD-14C6-EB812F6EFED8}"/>
           </ac:spMkLst>
         </pc:spChg>
         <pc:spChg chg="add del mod">
-          <ac:chgData name="Yashwanth Ravula(UST,IN)" userId="S::245098@ust.com::26c642e7-a083-4a2f-87f6-e20b0ef91a94" providerId="AD" clId="Web-{A2290BF9-10C5-4FB7-8FB9-582DEE8C0BC4}" dt="2023-02-28T11:41:15.819" v="6"/>
-          <ac:spMkLst>
-            <pc:docMk/>
-            <pc:sldMk cId="4151454420" sldId="264"/>
-            <ac:spMk id="8" creationId="{2B931539-E908-AC95-16B5-8B3B8B93F09F}"/>
+          <ac:chgData name="Yashwanth Ravula(UST,IN)" userId="S::245098@ust.com::26c642e7-a083-4a2f-87f6-e20b0ef91a94" providerId="AD" clId="Web-{ADD610D9-C3F0-4219-B482-52BC67A0F6D8}" dt="2023-03-03T08:48:51.270" v="139" actId="14100"/>
+          <ac:spMkLst>
+            <pc:docMk/>
+            <pc:sldMk cId="1729341402" sldId="472"/>
+            <ac:spMk id="3" creationId="{6A61BE37-90E5-9B5B-8557-04A3566CFFDB}"/>
           </ac:spMkLst>
         </pc:spChg>
         <pc:spChg chg="add del mod">
-          <ac:chgData name="Yashwanth Ravula(UST,IN)" userId="S::245098@ust.com::26c642e7-a083-4a2f-87f6-e20b0ef91a94" providerId="AD" clId="Web-{A2290BF9-10C5-4FB7-8FB9-582DEE8C0BC4}" dt="2023-02-28T11:41:20.319" v="7"/>
-          <ac:spMkLst>
-            <pc:docMk/>
-            <pc:sldMk cId="4151454420" sldId="264"/>
-            <ac:spMk id="10" creationId="{910E3105-E017-C9A8-D826-127B50CA06B2}"/>
+          <ac:chgData name="Yashwanth Ravula(UST,IN)" userId="S::245098@ust.com::26c642e7-a083-4a2f-87f6-e20b0ef91a94" providerId="AD" clId="Web-{ADD610D9-C3F0-4219-B482-52BC67A0F6D8}" dt="2023-03-03T08:45:53.890" v="112"/>
+          <ac:spMkLst>
+            <pc:docMk/>
+            <pc:sldMk cId="1729341402" sldId="472"/>
+            <ac:spMk id="4" creationId="{40E004F3-B8EC-40E2-9622-E26B9D40BF3F}"/>
+          </ac:spMkLst>
+        </pc:spChg>
+      </pc:sldChg>
+      <pc:sldChg chg="delSp modSp new">
+        <pc:chgData name="Yashwanth Ravula(UST,IN)" userId="S::245098@ust.com::26c642e7-a083-4a2f-87f6-e20b0ef91a94" providerId="AD" clId="Web-{ADD610D9-C3F0-4219-B482-52BC67A0F6D8}" dt="2023-03-03T08:54:19.137" v="158" actId="14100"/>
+        <pc:sldMkLst>
+          <pc:docMk/>
+          <pc:sldMk cId="3945663660" sldId="473"/>
+        </pc:sldMkLst>
+        <pc:spChg chg="mod">
+          <ac:chgData name="Yashwanth Ravula(UST,IN)" userId="S::245098@ust.com::26c642e7-a083-4a2f-87f6-e20b0ef91a94" providerId="AD" clId="Web-{ADD610D9-C3F0-4219-B482-52BC67A0F6D8}" dt="2023-03-03T08:54:19.137" v="158" actId="14100"/>
+          <ac:spMkLst>
+            <pc:docMk/>
+            <pc:sldMk cId="3945663660" sldId="473"/>
+            <ac:spMk id="2" creationId="{643729D2-C6EA-3EB9-145D-24AC8D4B5CB4}"/>
+          </ac:spMkLst>
+        </pc:spChg>
+        <pc:spChg chg="del">
+          <ac:chgData name="Yashwanth Ravula(UST,IN)" userId="S::245098@ust.com::26c642e7-a083-4a2f-87f6-e20b0ef91a94" providerId="AD" clId="Web-{ADD610D9-C3F0-4219-B482-52BC67A0F6D8}" dt="2023-03-03T08:54:00.480" v="156"/>
+          <ac:spMkLst>
+            <pc:docMk/>
+            <pc:sldMk cId="3945663660" sldId="473"/>
+            <ac:spMk id="3" creationId="{376A3746-B70B-1611-9007-554812D0F99E}"/>
+          </ac:spMkLst>
+        </pc:spChg>
+      </pc:sldChg>
+    </pc:docChg>
+  </pc:docChgLst>
+  <pc:docChgLst>
+    <pc:chgData name="Yashwanth Ravula(UST,IN)" userId="S::245098@ust.com::26c642e7-a083-4a2f-87f6-e20b0ef91a94" providerId="AD" clId="Web-{7D45E4E7-89D3-40C3-8E8D-C3E0A39FB5AF}"/>
+    <pc:docChg chg="addSld modSld">
+      <pc:chgData name="Yashwanth Ravula(UST,IN)" userId="S::245098@ust.com::26c642e7-a083-4a2f-87f6-e20b0ef91a94" providerId="AD" clId="Web-{7D45E4E7-89D3-40C3-8E8D-C3E0A39FB5AF}" dt="2023-06-03T11:33:52.532" v="13" actId="20577"/>
+      <pc:docMkLst>
+        <pc:docMk/>
+      </pc:docMkLst>
+      <pc:sldChg chg="delSp modSp new">
+        <pc:chgData name="Yashwanth Ravula(UST,IN)" userId="S::245098@ust.com::26c642e7-a083-4a2f-87f6-e20b0ef91a94" providerId="AD" clId="Web-{7D45E4E7-89D3-40C3-8E8D-C3E0A39FB5AF}" dt="2023-06-03T11:33:52.532" v="13" actId="20577"/>
+        <pc:sldMkLst>
+          <pc:docMk/>
+          <pc:sldMk cId="1559419163" sldId="485"/>
+        </pc:sldMkLst>
+        <pc:spChg chg="mod">
+          <ac:chgData name="Yashwanth Ravula(UST,IN)" userId="S::245098@ust.com::26c642e7-a083-4a2f-87f6-e20b0ef91a94" providerId="AD" clId="Web-{7D45E4E7-89D3-40C3-8E8D-C3E0A39FB5AF}" dt="2023-06-03T11:32:54.280" v="5" actId="20577"/>
+          <ac:spMkLst>
+            <pc:docMk/>
+            <pc:sldMk cId="1559419163" sldId="485"/>
+            <ac:spMk id="2" creationId="{3546D765-086F-9A1D-64AB-9363A7C5C49A}"/>
+          </ac:spMkLst>
+        </pc:spChg>
+        <pc:spChg chg="mod">
+          <ac:chgData name="Yashwanth Ravula(UST,IN)" userId="S::245098@ust.com::26c642e7-a083-4a2f-87f6-e20b0ef91a94" providerId="AD" clId="Web-{7D45E4E7-89D3-40C3-8E8D-C3E0A39FB5AF}" dt="2023-06-03T11:33:52.532" v="13" actId="20577"/>
+          <ac:spMkLst>
+            <pc:docMk/>
+            <pc:sldMk cId="1559419163" sldId="485"/>
+            <ac:spMk id="3" creationId="{00028738-5D6C-AD56-794A-0FE295EBFD9E}"/>
+          </ac:spMkLst>
+        </pc:spChg>
+        <pc:spChg chg="del">
+          <ac:chgData name="Yashwanth Ravula(UST,IN)" userId="S::245098@ust.com::26c642e7-a083-4a2f-87f6-e20b0ef91a94" providerId="AD" clId="Web-{7D45E4E7-89D3-40C3-8E8D-C3E0A39FB5AF}" dt="2023-06-03T11:33:00.202" v="6"/>
+          <ac:spMkLst>
+            <pc:docMk/>
+            <pc:sldMk cId="1559419163" sldId="485"/>
+            <ac:spMk id="4" creationId="{772BD113-8FD4-7866-2B14-624C73541680}"/>
+          </ac:spMkLst>
+        </pc:spChg>
+      </pc:sldChg>
+    </pc:docChg>
+  </pc:docChgLst>
+  <pc:docChgLst>
+    <pc:chgData name="Sowjanya Morisetty(UST,IN)" userId="S::245132@ust.com::fafc9569-a945-46e7-9869-5c26008d3c84" providerId="AD" clId="Web-{6E28D61B-953A-4489-8DD9-C92FF8615AFA}"/>
+    <pc:docChg chg="modSld">
+      <pc:chgData name="Sowjanya Morisetty(UST,IN)" userId="S::245132@ust.com::fafc9569-a945-46e7-9869-5c26008d3c84" providerId="AD" clId="Web-{6E28D61B-953A-4489-8DD9-C92FF8615AFA}" dt="2023-02-28T12:07:26.179" v="1" actId="20577"/>
+      <pc:docMkLst>
+        <pc:docMk/>
+      </pc:docMkLst>
+      <pc:sldChg chg="modSp">
+        <pc:chgData name="Sowjanya Morisetty(UST,IN)" userId="S::245132@ust.com::fafc9569-a945-46e7-9869-5c26008d3c84" providerId="AD" clId="Web-{6E28D61B-953A-4489-8DD9-C92FF8615AFA}" dt="2023-02-28T12:07:26.179" v="1" actId="20577"/>
+        <pc:sldMkLst>
+          <pc:docMk/>
+          <pc:sldMk cId="877123665" sldId="431"/>
+        </pc:sldMkLst>
+        <pc:spChg chg="mod">
+          <ac:chgData name="Sowjanya Morisetty(UST,IN)" userId="S::245132@ust.com::fafc9569-a945-46e7-9869-5c26008d3c84" providerId="AD" clId="Web-{6E28D61B-953A-4489-8DD9-C92FF8615AFA}" dt="2023-02-28T12:07:26.179" v="1" actId="20577"/>
+          <ac:spMkLst>
+            <pc:docMk/>
+            <pc:sldMk cId="877123665" sldId="431"/>
+            <ac:spMk id="6" creationId="{8BC7BFEE-38DA-DFBD-CD0D-D04ADB94AB00}"/>
+          </ac:spMkLst>
+        </pc:spChg>
+      </pc:sldChg>
+    </pc:docChg>
+  </pc:docChgLst>
+  <pc:docChgLst>
+    <pc:chgData name="Rayona Mathew(UST,IN)" userId="S::245072@ust.com::ba69e595-3dd2-41bd-a7f7-516712dab024" providerId="AD" clId="Web-{2E58EBB2-A53C-498D-BB2B-2F58CD890035}"/>
+    <pc:docChg chg="addSld modSld">
+      <pc:chgData name="Rayona Mathew(UST,IN)" userId="S::245072@ust.com::ba69e595-3dd2-41bd-a7f7-516712dab024" providerId="AD" clId="Web-{2E58EBB2-A53C-498D-BB2B-2F58CD890035}" dt="2023-03-01T12:23:02.346" v="257" actId="20577"/>
+      <pc:docMkLst>
+        <pc:docMk/>
+      </pc:docMkLst>
+      <pc:sldChg chg="modSp">
+        <pc:chgData name="Rayona Mathew(UST,IN)" userId="S::245072@ust.com::ba69e595-3dd2-41bd-a7f7-516712dab024" providerId="AD" clId="Web-{2E58EBB2-A53C-498D-BB2B-2F58CD890035}" dt="2023-03-01T12:21:32.999" v="246" actId="20577"/>
+        <pc:sldMkLst>
+          <pc:docMk/>
+          <pc:sldMk cId="1235875679" sldId="430"/>
+        </pc:sldMkLst>
+        <pc:spChg chg="mod">
+          <ac:chgData name="Rayona Mathew(UST,IN)" userId="S::245072@ust.com::ba69e595-3dd2-41bd-a7f7-516712dab024" providerId="AD" clId="Web-{2E58EBB2-A53C-498D-BB2B-2F58CD890035}" dt="2023-03-01T11:13:49.477" v="65" actId="20577"/>
+          <ac:spMkLst>
+            <pc:docMk/>
+            <pc:sldMk cId="1235875679" sldId="430"/>
+            <ac:spMk id="2" creationId="{93E05C63-B7B1-1CCC-11B7-5598B03B4485}"/>
+          </ac:spMkLst>
+        </pc:spChg>
+        <pc:spChg chg="mod">
+          <ac:chgData name="Rayona Mathew(UST,IN)" userId="S::245072@ust.com::ba69e595-3dd2-41bd-a7f7-516712dab024" providerId="AD" clId="Web-{2E58EBB2-A53C-498D-BB2B-2F58CD890035}" dt="2023-03-01T12:21:32.999" v="246" actId="20577"/>
+          <ac:spMkLst>
+            <pc:docMk/>
+            <pc:sldMk cId="1235875679" sldId="430"/>
+            <ac:spMk id="6" creationId="{8BC7BFEE-38DA-DFBD-CD0D-D04ADB94AB00}"/>
+          </ac:spMkLst>
+        </pc:spChg>
+      </pc:sldChg>
+      <pc:sldChg chg="modSp">
+        <pc:chgData name="Rayona Mathew(UST,IN)" userId="S::245072@ust.com::ba69e595-3dd2-41bd-a7f7-516712dab024" providerId="AD" clId="Web-{2E58EBB2-A53C-498D-BB2B-2F58CD890035}" dt="2023-03-01T12:21:43.921" v="247" actId="20577"/>
+        <pc:sldMkLst>
+          <pc:docMk/>
+          <pc:sldMk cId="1601934536" sldId="432"/>
+        </pc:sldMkLst>
+        <pc:spChg chg="mod">
+          <ac:chgData name="Rayona Mathew(UST,IN)" userId="S::245072@ust.com::ba69e595-3dd2-41bd-a7f7-516712dab024" providerId="AD" clId="Web-{2E58EBB2-A53C-498D-BB2B-2F58CD890035}" dt="2023-03-01T12:21:43.921" v="247" actId="20577"/>
+          <ac:spMkLst>
+            <pc:docMk/>
+            <pc:sldMk cId="1601934536" sldId="432"/>
+            <ac:spMk id="6" creationId="{8BC7BFEE-38DA-DFBD-CD0D-D04ADB94AB00}"/>
+          </ac:spMkLst>
+        </pc:spChg>
+      </pc:sldChg>
+      <pc:sldChg chg="modSp">
+        <pc:chgData name="Rayona Mathew(UST,IN)" userId="S::245072@ust.com::ba69e595-3dd2-41bd-a7f7-516712dab024" providerId="AD" clId="Web-{2E58EBB2-A53C-498D-BB2B-2F58CD890035}" dt="2023-03-01T12:22:08.047" v="250" actId="20577"/>
+        <pc:sldMkLst>
+          <pc:docMk/>
+          <pc:sldMk cId="1758784803" sldId="438"/>
+        </pc:sldMkLst>
+        <pc:spChg chg="mod">
+          <ac:chgData name="Rayona Mathew(UST,IN)" userId="S::245072@ust.com::ba69e595-3dd2-41bd-a7f7-516712dab024" providerId="AD" clId="Web-{2E58EBB2-A53C-498D-BB2B-2F58CD890035}" dt="2023-03-01T12:22:08.047" v="250" actId="20577"/>
+          <ac:spMkLst>
+            <pc:docMk/>
+            <pc:sldMk cId="1758784803" sldId="438"/>
+            <ac:spMk id="6" creationId="{8BC7BFEE-38DA-DFBD-CD0D-D04ADB94AB00}"/>
+          </ac:spMkLst>
+        </pc:spChg>
+      </pc:sldChg>
+      <pc:sldChg chg="modSp">
+        <pc:chgData name="Rayona Mathew(UST,IN)" userId="S::245072@ust.com::ba69e595-3dd2-41bd-a7f7-516712dab024" providerId="AD" clId="Web-{2E58EBB2-A53C-498D-BB2B-2F58CD890035}" dt="2023-03-01T12:22:27.126" v="255" actId="20577"/>
+        <pc:sldMkLst>
+          <pc:docMk/>
+          <pc:sldMk cId="98175034" sldId="440"/>
+        </pc:sldMkLst>
+        <pc:spChg chg="mod">
+          <ac:chgData name="Rayona Mathew(UST,IN)" userId="S::245072@ust.com::ba69e595-3dd2-41bd-a7f7-516712dab024" providerId="AD" clId="Web-{2E58EBB2-A53C-498D-BB2B-2F58CD890035}" dt="2023-03-01T12:22:27.126" v="255" actId="20577"/>
+          <ac:spMkLst>
+            <pc:docMk/>
+            <pc:sldMk cId="98175034" sldId="440"/>
+            <ac:spMk id="3" creationId="{C3AE7769-A47C-8510-114E-2CBE65720147}"/>
+          </ac:spMkLst>
+        </pc:spChg>
+      </pc:sldChg>
+      <pc:sldChg chg="modSp new">
+        <pc:chgData name="Rayona Mathew(UST,IN)" userId="S::245072@ust.com::ba69e595-3dd2-41bd-a7f7-516712dab024" providerId="AD" clId="Web-{2E58EBB2-A53C-498D-BB2B-2F58CD890035}" dt="2023-03-01T12:22:48.299" v="256" actId="20577"/>
+        <pc:sldMkLst>
+          <pc:docMk/>
+          <pc:sldMk cId="1382630997" sldId="446"/>
+        </pc:sldMkLst>
+        <pc:spChg chg="mod">
+          <ac:chgData name="Rayona Mathew(UST,IN)" userId="S::245072@ust.com::ba69e595-3dd2-41bd-a7f7-516712dab024" providerId="AD" clId="Web-{2E58EBB2-A53C-498D-BB2B-2F58CD890035}" dt="2023-03-01T10:32:17.750" v="6" actId="20577"/>
+          <ac:spMkLst>
+            <pc:docMk/>
+            <pc:sldMk cId="1382630997" sldId="446"/>
+            <ac:spMk id="2" creationId="{433390AA-8278-316B-5245-D1AC0154E89B}"/>
+          </ac:spMkLst>
+        </pc:spChg>
+        <pc:spChg chg="mod">
+          <ac:chgData name="Rayona Mathew(UST,IN)" userId="S::245072@ust.com::ba69e595-3dd2-41bd-a7f7-516712dab024" providerId="AD" clId="Web-{2E58EBB2-A53C-498D-BB2B-2F58CD890035}" dt="2023-03-01T12:22:48.299" v="256" actId="20577"/>
+          <ac:spMkLst>
+            <pc:docMk/>
+            <pc:sldMk cId="1382630997" sldId="446"/>
+            <ac:spMk id="3" creationId="{E88EE183-D373-CE5C-05D2-A7D03FFAEF1A}"/>
+          </ac:spMkLst>
+        </pc:spChg>
+      </pc:sldChg>
+      <pc:sldChg chg="modSp new">
+        <pc:chgData name="Rayona Mathew(UST,IN)" userId="S::245072@ust.com::ba69e595-3dd2-41bd-a7f7-516712dab024" providerId="AD" clId="Web-{2E58EBB2-A53C-498D-BB2B-2F58CD890035}" dt="2023-03-01T12:23:02.346" v="257" actId="20577"/>
+        <pc:sldMkLst>
+          <pc:docMk/>
+          <pc:sldMk cId="3512173189" sldId="447"/>
+        </pc:sldMkLst>
+        <pc:spChg chg="mod">
+          <ac:chgData name="Rayona Mathew(UST,IN)" userId="S::245072@ust.com::ba69e595-3dd2-41bd-a7f7-516712dab024" providerId="AD" clId="Web-{2E58EBB2-A53C-498D-BB2B-2F58CD890035}" dt="2023-03-01T11:12:16.990" v="45" actId="20577"/>
+          <ac:spMkLst>
+            <pc:docMk/>
+            <pc:sldMk cId="3512173189" sldId="447"/>
+            <ac:spMk id="2" creationId="{CCB2AA5F-C887-B079-40DE-C8C624E50BAD}"/>
+          </ac:spMkLst>
+        </pc:spChg>
+        <pc:spChg chg="mod">
+          <ac:chgData name="Rayona Mathew(UST,IN)" userId="S::245072@ust.com::ba69e595-3dd2-41bd-a7f7-516712dab024" providerId="AD" clId="Web-{2E58EBB2-A53C-498D-BB2B-2F58CD890035}" dt="2023-03-01T12:23:02.346" v="257" actId="20577"/>
+          <ac:spMkLst>
+            <pc:docMk/>
+            <pc:sldMk cId="3512173189" sldId="447"/>
+            <ac:spMk id="3" creationId="{E63C0FE5-8046-AB85-4420-EC0429BB7E65}"/>
+          </ac:spMkLst>
+        </pc:spChg>
+      </pc:sldChg>
+      <pc:sldChg chg="modSp new">
+        <pc:chgData name="Rayona Mathew(UST,IN)" userId="S::245072@ust.com::ba69e595-3dd2-41bd-a7f7-516712dab024" providerId="AD" clId="Web-{2E58EBB2-A53C-498D-BB2B-2F58CD890035}" dt="2023-03-01T12:21:24.733" v="245" actId="20577"/>
+        <pc:sldMkLst>
+          <pc:docMk/>
+          <pc:sldMk cId="1562893680" sldId="448"/>
+        </pc:sldMkLst>
+        <pc:spChg chg="mod">
+          <ac:chgData name="Rayona Mathew(UST,IN)" userId="S::245072@ust.com::ba69e595-3dd2-41bd-a7f7-516712dab024" providerId="AD" clId="Web-{2E58EBB2-A53C-498D-BB2B-2F58CD890035}" dt="2023-03-01T11:13:08.476" v="53" actId="20577"/>
+          <ac:spMkLst>
+            <pc:docMk/>
+            <pc:sldMk cId="1562893680" sldId="448"/>
+            <ac:spMk id="2" creationId="{588C70ED-D25A-28F8-E59B-20176797D829}"/>
+          </ac:spMkLst>
+        </pc:spChg>
+        <pc:spChg chg="mod">
+          <ac:chgData name="Rayona Mathew(UST,IN)" userId="S::245072@ust.com::ba69e595-3dd2-41bd-a7f7-516712dab024" providerId="AD" clId="Web-{2E58EBB2-A53C-498D-BB2B-2F58CD890035}" dt="2023-03-01T12:21:24.733" v="245" actId="20577"/>
+          <ac:spMkLst>
+            <pc:docMk/>
+            <pc:sldMk cId="1562893680" sldId="448"/>
+            <ac:spMk id="3" creationId="{4D624F9F-A850-B46A-64DF-2B37C298DF76}"/>
+          </ac:spMkLst>
+        </pc:spChg>
+      </pc:sldChg>
+      <pc:sldChg chg="modSp new">
+        <pc:chgData name="Rayona Mathew(UST,IN)" userId="S::245072@ust.com::ba69e595-3dd2-41bd-a7f7-516712dab024" providerId="AD" clId="Web-{2E58EBB2-A53C-498D-BB2B-2F58CD890035}" dt="2023-03-01T11:38:08.352" v="227" actId="20577"/>
+        <pc:sldMkLst>
+          <pc:docMk/>
+          <pc:sldMk cId="1171673723" sldId="449"/>
+        </pc:sldMkLst>
+        <pc:spChg chg="mod">
+          <ac:chgData name="Rayona Mathew(UST,IN)" userId="S::245072@ust.com::ba69e595-3dd2-41bd-a7f7-516712dab024" providerId="AD" clId="Web-{2E58EBB2-A53C-498D-BB2B-2F58CD890035}" dt="2023-03-01T11:34:30.829" v="215" actId="20577"/>
+          <ac:spMkLst>
+            <pc:docMk/>
+            <pc:sldMk cId="1171673723" sldId="449"/>
+            <ac:spMk id="2" creationId="{343AC1E4-DD26-AC67-9B95-371B349FBB26}"/>
+          </ac:spMkLst>
+        </pc:spChg>
+        <pc:spChg chg="mod">
+          <ac:chgData name="Rayona Mathew(UST,IN)" userId="S::245072@ust.com::ba69e595-3dd2-41bd-a7f7-516712dab024" providerId="AD" clId="Web-{2E58EBB2-A53C-498D-BB2B-2F58CD890035}" dt="2023-03-01T11:38:08.352" v="227" actId="20577"/>
+          <ac:spMkLst>
+            <pc:docMk/>
+            <pc:sldMk cId="1171673723" sldId="449"/>
+            <ac:spMk id="3" creationId="{01CDD63E-D2C3-1CD5-F0FE-CB39CE756831}"/>
+          </ac:spMkLst>
+        </pc:spChg>
+      </pc:sldChg>
+    </pc:docChg>
+  </pc:docChgLst>
+  <pc:docChgLst>
+    <pc:chgData name="Sowjanya Morisetty(UST,IN)" userId="S::245132@ust.com::fafc9569-a945-46e7-9869-5c26008d3c84" providerId="AD" clId="Web-{FC12B7D1-C922-4CA7-8C7C-9777C3F40540}"/>
+    <pc:docChg chg="modSld">
+      <pc:chgData name="Sowjanya Morisetty(UST,IN)" userId="S::245132@ust.com::fafc9569-a945-46e7-9869-5c26008d3c84" providerId="AD" clId="Web-{FC12B7D1-C922-4CA7-8C7C-9777C3F40540}" dt="2023-03-03T08:52:15.831" v="3" actId="20577"/>
+      <pc:docMkLst>
+        <pc:docMk/>
+      </pc:docMkLst>
+      <pc:sldChg chg="delSp">
+        <pc:chgData name="Sowjanya Morisetty(UST,IN)" userId="S::245132@ust.com::fafc9569-a945-46e7-9869-5c26008d3c84" providerId="AD" clId="Web-{FC12B7D1-C922-4CA7-8C7C-9777C3F40540}" dt="2023-03-03T08:38:45.309" v="0"/>
+        <pc:sldMkLst>
+          <pc:docMk/>
+          <pc:sldMk cId="800944208" sldId="429"/>
+        </pc:sldMkLst>
+        <pc:spChg chg="del">
+          <ac:chgData name="Sowjanya Morisetty(UST,IN)" userId="S::245132@ust.com::fafc9569-a945-46e7-9869-5c26008d3c84" providerId="AD" clId="Web-{FC12B7D1-C922-4CA7-8C7C-9777C3F40540}" dt="2023-03-03T08:38:45.309" v="0"/>
+          <ac:spMkLst>
+            <pc:docMk/>
+            <pc:sldMk cId="800944208" sldId="429"/>
+            <ac:spMk id="4" creationId="{AAB5C960-4723-43ED-A5EC-026091AEAAF9}"/>
+          </ac:spMkLst>
+        </pc:spChg>
+      </pc:sldChg>
+      <pc:sldChg chg="modSp">
+        <pc:chgData name="Sowjanya Morisetty(UST,IN)" userId="S::245132@ust.com::fafc9569-a945-46e7-9869-5c26008d3c84" providerId="AD" clId="Web-{FC12B7D1-C922-4CA7-8C7C-9777C3F40540}" dt="2023-03-03T08:52:15.831" v="3" actId="20577"/>
+        <pc:sldMkLst>
+          <pc:docMk/>
+          <pc:sldMk cId="79023468" sldId="463"/>
+        </pc:sldMkLst>
+        <pc:graphicFrameChg chg="modGraphic">
+          <ac:chgData name="Sowjanya Morisetty(UST,IN)" userId="S::245132@ust.com::fafc9569-a945-46e7-9869-5c26008d3c84" providerId="AD" clId="Web-{FC12B7D1-C922-4CA7-8C7C-9777C3F40540}" dt="2023-03-03T08:52:15.831" v="3" actId="20577"/>
+          <ac:graphicFrameMkLst>
+            <pc:docMk/>
+            <pc:sldMk cId="79023468" sldId="463"/>
+            <ac:graphicFrameMk id="33" creationId="{7177F0F8-1479-CC21-370F-6D74DAEB2D63}"/>
+          </ac:graphicFrameMkLst>
+        </pc:graphicFrameChg>
+      </pc:sldChg>
+    </pc:docChg>
+  </pc:docChgLst>
+  <pc:docChgLst>
+    <pc:chgData name="Sowjanya Morisetty(UST,IN)" userId="S::245132@ust.com::fafc9569-a945-46e7-9869-5c26008d3c84" providerId="AD" clId="Web-{9F0285ED-859C-4F87-AB4D-9F18E8800C70}"/>
+    <pc:docChg chg="modSld">
+      <pc:chgData name="Sowjanya Morisetty(UST,IN)" userId="S::245132@ust.com::fafc9569-a945-46e7-9869-5c26008d3c84" providerId="AD" clId="Web-{9F0285ED-859C-4F87-AB4D-9F18E8800C70}" dt="2023-02-28T11:59:05.023" v="4" actId="20577"/>
+      <pc:docMkLst>
+        <pc:docMk/>
+      </pc:docMkLst>
+      <pc:sldChg chg="modSp">
+        <pc:chgData name="Sowjanya Morisetty(UST,IN)" userId="S::245132@ust.com::fafc9569-a945-46e7-9869-5c26008d3c84" providerId="AD" clId="Web-{9F0285ED-859C-4F87-AB4D-9F18E8800C70}" dt="2023-02-28T11:59:05.023" v="4" actId="20577"/>
+        <pc:sldMkLst>
+          <pc:docMk/>
+          <pc:sldMk cId="877123665" sldId="431"/>
+        </pc:sldMkLst>
+        <pc:spChg chg="mod">
+          <ac:chgData name="Sowjanya Morisetty(UST,IN)" userId="S::245132@ust.com::fafc9569-a945-46e7-9869-5c26008d3c84" providerId="AD" clId="Web-{9F0285ED-859C-4F87-AB4D-9F18E8800C70}" dt="2023-02-28T11:59:05.023" v="4" actId="20577"/>
+          <ac:spMkLst>
+            <pc:docMk/>
+            <pc:sldMk cId="877123665" sldId="431"/>
+            <ac:spMk id="6" creationId="{8BC7BFEE-38DA-DFBD-CD0D-D04ADB94AB00}"/>
           </ac:spMkLst>
         </pc:spChg>
       </pc:sldChg>
@@ -687,20 +1160,226 @@
     </pc:docChg>
   </pc:docChgLst>
   <pc:docChgLst>
-    <pc:chgData name="Sowjanya Morisetty(UST,IN)" userId="S::245132@ust.com::fafc9569-a945-46e7-9869-5c26008d3c84" providerId="AD" clId="Web-{9F0285ED-859C-4F87-AB4D-9F18E8800C70}"/>
-    <pc:docChg chg="modSld">
-      <pc:chgData name="Sowjanya Morisetty(UST,IN)" userId="S::245132@ust.com::fafc9569-a945-46e7-9869-5c26008d3c84" providerId="AD" clId="Web-{9F0285ED-859C-4F87-AB4D-9F18E8800C70}" dt="2023-02-28T11:59:05.023" v="4" actId="20577"/>
+    <pc:chgData name="Yashwanth Ravula(UST,IN)" userId="S::245098@ust.com::26c642e7-a083-4a2f-87f6-e20b0ef91a94" providerId="AD" clId="Web-{76FE704C-A693-42E0-9199-6E8AB325CF6B}"/>
+    <pc:docChg chg="addSld modSld">
+      <pc:chgData name="Yashwanth Ravula(UST,IN)" userId="S::245098@ust.com::26c642e7-a083-4a2f-87f6-e20b0ef91a94" providerId="AD" clId="Web-{76FE704C-A693-42E0-9199-6E8AB325CF6B}" dt="2023-03-01T04:43:04.888" v="45" actId="20577"/>
       <pc:docMkLst>
         <pc:docMk/>
       </pc:docMkLst>
       <pc:sldChg chg="modSp">
-        <pc:chgData name="Sowjanya Morisetty(UST,IN)" userId="S::245132@ust.com::fafc9569-a945-46e7-9869-5c26008d3c84" providerId="AD" clId="Web-{9F0285ED-859C-4F87-AB4D-9F18E8800C70}" dt="2023-02-28T11:59:05.023" v="4" actId="20577"/>
+        <pc:chgData name="Yashwanth Ravula(UST,IN)" userId="S::245098@ust.com::26c642e7-a083-4a2f-87f6-e20b0ef91a94" providerId="AD" clId="Web-{76FE704C-A693-42E0-9199-6E8AB325CF6B}" dt="2023-03-01T04:31:26.379" v="2" actId="20577"/>
+        <pc:sldMkLst>
+          <pc:docMk/>
+          <pc:sldMk cId="4163659290" sldId="442"/>
+        </pc:sldMkLst>
+        <pc:spChg chg="mod">
+          <ac:chgData name="Yashwanth Ravula(UST,IN)" userId="S::245098@ust.com::26c642e7-a083-4a2f-87f6-e20b0ef91a94" providerId="AD" clId="Web-{76FE704C-A693-42E0-9199-6E8AB325CF6B}" dt="2023-03-01T04:31:26.379" v="2" actId="20577"/>
+          <ac:spMkLst>
+            <pc:docMk/>
+            <pc:sldMk cId="4163659290" sldId="442"/>
+            <ac:spMk id="3" creationId="{020FB93D-AC3A-6ACD-CBC8-FE2AC7E893B6}"/>
+          </ac:spMkLst>
+        </pc:spChg>
+      </pc:sldChg>
+      <pc:sldChg chg="delSp modSp new">
+        <pc:chgData name="Yashwanth Ravula(UST,IN)" userId="S::245098@ust.com::26c642e7-a083-4a2f-87f6-e20b0ef91a94" providerId="AD" clId="Web-{76FE704C-A693-42E0-9199-6E8AB325CF6B}" dt="2023-03-01T04:38:05.924" v="30" actId="14100"/>
+        <pc:sldMkLst>
+          <pc:docMk/>
+          <pc:sldMk cId="2533536236" sldId="444"/>
+        </pc:sldMkLst>
+        <pc:spChg chg="mod">
+          <ac:chgData name="Yashwanth Ravula(UST,IN)" userId="S::245098@ust.com::26c642e7-a083-4a2f-87f6-e20b0ef91a94" providerId="AD" clId="Web-{76FE704C-A693-42E0-9199-6E8AB325CF6B}" dt="2023-03-01T04:32:11.943" v="5" actId="20577"/>
+          <ac:spMkLst>
+            <pc:docMk/>
+            <pc:sldMk cId="2533536236" sldId="444"/>
+            <ac:spMk id="2" creationId="{B06A8644-75A7-E56C-37D5-84D534448EE1}"/>
+          </ac:spMkLst>
+        </pc:spChg>
+        <pc:spChg chg="mod">
+          <ac:chgData name="Yashwanth Ravula(UST,IN)" userId="S::245098@ust.com::26c642e7-a083-4a2f-87f6-e20b0ef91a94" providerId="AD" clId="Web-{76FE704C-A693-42E0-9199-6E8AB325CF6B}" dt="2023-03-01T04:38:05.924" v="30" actId="14100"/>
+          <ac:spMkLst>
+            <pc:docMk/>
+            <pc:sldMk cId="2533536236" sldId="444"/>
+            <ac:spMk id="3" creationId="{2900A694-2C28-35AA-398A-82C321E9069C}"/>
+          </ac:spMkLst>
+        </pc:spChg>
+        <pc:spChg chg="del">
+          <ac:chgData name="Yashwanth Ravula(UST,IN)" userId="S::245098@ust.com::26c642e7-a083-4a2f-87f6-e20b0ef91a94" providerId="AD" clId="Web-{76FE704C-A693-42E0-9199-6E8AB325CF6B}" dt="2023-03-01T04:32:15.381" v="6"/>
+          <ac:spMkLst>
+            <pc:docMk/>
+            <pc:sldMk cId="2533536236" sldId="444"/>
+            <ac:spMk id="4" creationId="{C4C72DE4-CC03-9F4A-D319-9CB676080FFD}"/>
+          </ac:spMkLst>
+        </pc:spChg>
+        <pc:spChg chg="del">
+          <ac:chgData name="Yashwanth Ravula(UST,IN)" userId="S::245098@ust.com::26c642e7-a083-4a2f-87f6-e20b0ef91a94" providerId="AD" clId="Web-{76FE704C-A693-42E0-9199-6E8AB325CF6B}" dt="2023-03-01T04:32:22.115" v="7"/>
+          <ac:spMkLst>
+            <pc:docMk/>
+            <pc:sldMk cId="2533536236" sldId="444"/>
+            <ac:spMk id="5" creationId="{56BE9750-B20D-35C7-A17D-5E480BA06A28}"/>
+          </ac:spMkLst>
+        </pc:spChg>
+        <pc:spChg chg="del">
+          <ac:chgData name="Yashwanth Ravula(UST,IN)" userId="S::245098@ust.com::26c642e7-a083-4a2f-87f6-e20b0ef91a94" providerId="AD" clId="Web-{76FE704C-A693-42E0-9199-6E8AB325CF6B}" dt="2023-03-01T04:32:27.413" v="8"/>
+          <ac:spMkLst>
+            <pc:docMk/>
+            <pc:sldMk cId="2533536236" sldId="444"/>
+            <ac:spMk id="6" creationId="{C9C17BED-5EA3-FD74-24C5-A89420037800}"/>
+          </ac:spMkLst>
+        </pc:spChg>
+      </pc:sldChg>
+      <pc:sldChg chg="delSp modSp new">
+        <pc:chgData name="Yashwanth Ravula(UST,IN)" userId="S::245098@ust.com::26c642e7-a083-4a2f-87f6-e20b0ef91a94" providerId="AD" clId="Web-{76FE704C-A693-42E0-9199-6E8AB325CF6B}" dt="2023-03-01T04:43:04.888" v="45" actId="20577"/>
+        <pc:sldMkLst>
+          <pc:docMk/>
+          <pc:sldMk cId="757731584" sldId="445"/>
+        </pc:sldMkLst>
+        <pc:spChg chg="del">
+          <ac:chgData name="Yashwanth Ravula(UST,IN)" userId="S::245098@ust.com::26c642e7-a083-4a2f-87f6-e20b0ef91a94" providerId="AD" clId="Web-{76FE704C-A693-42E0-9199-6E8AB325CF6B}" dt="2023-03-01T04:40:06.647" v="32"/>
+          <ac:spMkLst>
+            <pc:docMk/>
+            <pc:sldMk cId="757731584" sldId="445"/>
+            <ac:spMk id="2" creationId="{CCEBB153-15DC-3D22-0924-168B12BC957D}"/>
+          </ac:spMkLst>
+        </pc:spChg>
+        <pc:spChg chg="mod">
+          <ac:chgData name="Yashwanth Ravula(UST,IN)" userId="S::245098@ust.com::26c642e7-a083-4a2f-87f6-e20b0ef91a94" providerId="AD" clId="Web-{76FE704C-A693-42E0-9199-6E8AB325CF6B}" dt="2023-03-01T04:43:04.888" v="45" actId="20577"/>
+          <ac:spMkLst>
+            <pc:docMk/>
+            <pc:sldMk cId="757731584" sldId="445"/>
+            <ac:spMk id="3" creationId="{1AFCBDC0-0C4B-85B3-EC13-740C9DF83D00}"/>
+          </ac:spMkLst>
+        </pc:spChg>
+        <pc:spChg chg="del">
+          <ac:chgData name="Yashwanth Ravula(UST,IN)" userId="S::245098@ust.com::26c642e7-a083-4a2f-87f6-e20b0ef91a94" providerId="AD" clId="Web-{76FE704C-A693-42E0-9199-6E8AB325CF6B}" dt="2023-03-01T04:40:12.257" v="33"/>
+          <ac:spMkLst>
+            <pc:docMk/>
+            <pc:sldMk cId="757731584" sldId="445"/>
+            <ac:spMk id="4" creationId="{AE0F2392-D51D-4861-DA26-C7E96D34D218}"/>
+          </ac:spMkLst>
+        </pc:spChg>
+        <pc:spChg chg="del">
+          <ac:chgData name="Yashwanth Ravula(UST,IN)" userId="S::245098@ust.com::26c642e7-a083-4a2f-87f6-e20b0ef91a94" providerId="AD" clId="Web-{76FE704C-A693-42E0-9199-6E8AB325CF6B}" dt="2023-03-01T04:40:20.023" v="34"/>
+          <ac:spMkLst>
+            <pc:docMk/>
+            <pc:sldMk cId="757731584" sldId="445"/>
+            <ac:spMk id="5" creationId="{2C3A4831-9DB6-C7C1-C485-FAADEF77E715}"/>
+          </ac:spMkLst>
+        </pc:spChg>
+        <pc:spChg chg="del">
+          <ac:chgData name="Yashwanth Ravula(UST,IN)" userId="S::245098@ust.com::26c642e7-a083-4a2f-87f6-e20b0ef91a94" providerId="AD" clId="Web-{76FE704C-A693-42E0-9199-6E8AB325CF6B}" dt="2023-03-01T04:40:25.414" v="35"/>
+          <ac:spMkLst>
+            <pc:docMk/>
+            <pc:sldMk cId="757731584" sldId="445"/>
+            <ac:spMk id="6" creationId="{8595601D-D44F-F7A7-C025-705A67543DCB}"/>
+          </ac:spMkLst>
+        </pc:spChg>
+      </pc:sldChg>
+    </pc:docChg>
+  </pc:docChgLst>
+  <pc:docChgLst>
+    <pc:chgData name="Yashwanth Ravula(UST,IN)" userId="S::245098@ust.com::26c642e7-a083-4a2f-87f6-e20b0ef91a94" providerId="AD" clId="Web-{F1386D6C-04DA-4B84-8B9F-0D38E23D9984}"/>
+    <pc:docChg chg="modSld">
+      <pc:chgData name="Yashwanth Ravula(UST,IN)" userId="S::245098@ust.com::26c642e7-a083-4a2f-87f6-e20b0ef91a94" providerId="AD" clId="Web-{F1386D6C-04DA-4B84-8B9F-0D38E23D9984}" dt="2023-05-26T04:13:28.409" v="72"/>
+      <pc:docMkLst>
+        <pc:docMk/>
+      </pc:docMkLst>
+      <pc:sldChg chg="addSp delSp modSp mod modClrScheme chgLayout">
+        <pc:chgData name="Yashwanth Ravula(UST,IN)" userId="S::245098@ust.com::26c642e7-a083-4a2f-87f6-e20b0ef91a94" providerId="AD" clId="Web-{F1386D6C-04DA-4B84-8B9F-0D38E23D9984}" dt="2023-05-26T04:13:28.409" v="72"/>
+        <pc:sldMkLst>
+          <pc:docMk/>
+          <pc:sldMk cId="2542971383" sldId="468"/>
+        </pc:sldMkLst>
+        <pc:spChg chg="mod">
+          <ac:chgData name="Yashwanth Ravula(UST,IN)" userId="S::245098@ust.com::26c642e7-a083-4a2f-87f6-e20b0ef91a94" providerId="AD" clId="Web-{F1386D6C-04DA-4B84-8B9F-0D38E23D9984}" dt="2023-05-26T04:13:20.768" v="70"/>
+          <ac:spMkLst>
+            <pc:docMk/>
+            <pc:sldMk cId="2542971383" sldId="468"/>
+            <ac:spMk id="2" creationId="{8ED078B8-CAD4-C236-2014-6B057087D850}"/>
+          </ac:spMkLst>
+        </pc:spChg>
+        <pc:spChg chg="del">
+          <ac:chgData name="Yashwanth Ravula(UST,IN)" userId="S::245098@ust.com::26c642e7-a083-4a2f-87f6-e20b0ef91a94" providerId="AD" clId="Web-{F1386D6C-04DA-4B84-8B9F-0D38E23D9984}" dt="2023-05-26T04:11:11.092" v="63"/>
+          <ac:spMkLst>
+            <pc:docMk/>
+            <pc:sldMk cId="2542971383" sldId="468"/>
+            <ac:spMk id="3" creationId="{1D356442-201E-8EB2-16B3-6E6A2AA2F7AD}"/>
+          </ac:spMkLst>
+        </pc:spChg>
+        <pc:spChg chg="del">
+          <ac:chgData name="Yashwanth Ravula(UST,IN)" userId="S::245098@ust.com::26c642e7-a083-4a2f-87f6-e20b0ef91a94" providerId="AD" clId="Web-{F1386D6C-04DA-4B84-8B9F-0D38E23D9984}" dt="2023-05-26T04:11:17.968" v="64"/>
+          <ac:spMkLst>
+            <pc:docMk/>
+            <pc:sldMk cId="2542971383" sldId="468"/>
+            <ac:spMk id="4" creationId="{9FDF7E13-5C80-D4B4-3718-47F838BE3336}"/>
+          </ac:spMkLst>
+        </pc:spChg>
+        <pc:spChg chg="add del mod">
+          <ac:chgData name="Yashwanth Ravula(UST,IN)" userId="S::245098@ust.com::26c642e7-a083-4a2f-87f6-e20b0ef91a94" providerId="AD" clId="Web-{F1386D6C-04DA-4B84-8B9F-0D38E23D9984}" dt="2023-05-26T04:11:24.093" v="65"/>
+          <ac:spMkLst>
+            <pc:docMk/>
+            <pc:sldMk cId="2542971383" sldId="468"/>
+            <ac:spMk id="6" creationId="{B99CFE2A-1EC0-8128-574A-9715A7310971}"/>
+          </ac:spMkLst>
+        </pc:spChg>
+        <pc:spChg chg="add del mod">
+          <ac:chgData name="Yashwanth Ravula(UST,IN)" userId="S::245098@ust.com::26c642e7-a083-4a2f-87f6-e20b0ef91a94" providerId="AD" clId="Web-{F1386D6C-04DA-4B84-8B9F-0D38E23D9984}" dt="2023-05-26T04:13:10.284" v="68"/>
+          <ac:spMkLst>
+            <pc:docMk/>
+            <pc:sldMk cId="2542971383" sldId="468"/>
+            <ac:spMk id="7" creationId="{07F858EB-EAC8-7E46-4017-A07823AB42CC}"/>
+          </ac:spMkLst>
+        </pc:spChg>
+        <pc:spChg chg="add del mod">
+          <ac:chgData name="Yashwanth Ravula(UST,IN)" userId="S::245098@ust.com::26c642e7-a083-4a2f-87f6-e20b0ef91a94" providerId="AD" clId="Web-{F1386D6C-04DA-4B84-8B9F-0D38E23D9984}" dt="2023-05-26T04:13:28.409" v="72"/>
+          <ac:spMkLst>
+            <pc:docMk/>
+            <pc:sldMk cId="2542971383" sldId="468"/>
+            <ac:spMk id="8" creationId="{52522CDB-7DDE-D368-9704-EE4316F7779C}"/>
+          </ac:spMkLst>
+        </pc:spChg>
+        <pc:spChg chg="add del mod">
+          <ac:chgData name="Yashwanth Ravula(UST,IN)" userId="S::245098@ust.com::26c642e7-a083-4a2f-87f6-e20b0ef91a94" providerId="AD" clId="Web-{F1386D6C-04DA-4B84-8B9F-0D38E23D9984}" dt="2023-05-26T04:13:20.768" v="70"/>
+          <ac:spMkLst>
+            <pc:docMk/>
+            <pc:sldMk cId="2542971383" sldId="468"/>
+            <ac:spMk id="9" creationId="{E58D3283-9059-86C1-650A-A7842C59670D}"/>
+          </ac:spMkLst>
+        </pc:spChg>
+        <pc:spChg chg="add del mod">
+          <ac:chgData name="Yashwanth Ravula(UST,IN)" userId="S::245098@ust.com::26c642e7-a083-4a2f-87f6-e20b0ef91a94" providerId="AD" clId="Web-{F1386D6C-04DA-4B84-8B9F-0D38E23D9984}" dt="2023-05-26T04:13:20.768" v="70"/>
+          <ac:spMkLst>
+            <pc:docMk/>
+            <pc:sldMk cId="2542971383" sldId="468"/>
+            <ac:spMk id="10" creationId="{8202DCFB-31A5-A9B6-C630-C91BC8325E06}"/>
+          </ac:spMkLst>
+        </pc:spChg>
+      </pc:sldChg>
+    </pc:docChg>
+  </pc:docChgLst>
+  <pc:docChgLst>
+    <pc:chgData name="Sowjanya Morisetty(UST,IN)" userId="S::245132@ust.com::fafc9569-a945-46e7-9869-5c26008d3c84" providerId="AD" clId="Web-{B4DD1757-7FFF-451A-8A9C-7E64A57EF684}"/>
+    <pc:docChg chg="modSld">
+      <pc:chgData name="Sowjanya Morisetty(UST,IN)" userId="S::245132@ust.com::fafc9569-a945-46e7-9869-5c26008d3c84" providerId="AD" clId="Web-{B4DD1757-7FFF-451A-8A9C-7E64A57EF684}" dt="2023-02-28T11:55:10.046" v="35" actId="20577"/>
+      <pc:docMkLst>
+        <pc:docMk/>
+      </pc:docMkLst>
+      <pc:sldChg chg="modSp">
+        <pc:chgData name="Sowjanya Morisetty(UST,IN)" userId="S::245132@ust.com::fafc9569-a945-46e7-9869-5c26008d3c84" providerId="AD" clId="Web-{B4DD1757-7FFF-451A-8A9C-7E64A57EF684}" dt="2023-02-28T11:55:10.046" v="35" actId="20577"/>
         <pc:sldMkLst>
           <pc:docMk/>
           <pc:sldMk cId="877123665" sldId="431"/>
         </pc:sldMkLst>
         <pc:spChg chg="mod">
-          <ac:chgData name="Sowjanya Morisetty(UST,IN)" userId="S::245132@ust.com::fafc9569-a945-46e7-9869-5c26008d3c84" providerId="AD" clId="Web-{9F0285ED-859C-4F87-AB4D-9F18E8800C70}" dt="2023-02-28T11:59:05.023" v="4" actId="20577"/>
+          <ac:chgData name="Sowjanya Morisetty(UST,IN)" userId="S::245132@ust.com::fafc9569-a945-46e7-9869-5c26008d3c84" providerId="AD" clId="Web-{B4DD1757-7FFF-451A-8A9C-7E64A57EF684}" dt="2023-02-28T11:54:33.201" v="18" actId="20577"/>
+          <ac:spMkLst>
+            <pc:docMk/>
+            <pc:sldMk cId="877123665" sldId="431"/>
+            <ac:spMk id="2" creationId="{93E05C63-B7B1-1CCC-11B7-5598B03B4485}"/>
+          </ac:spMkLst>
+        </pc:spChg>
+        <pc:spChg chg="mod">
+          <ac:chgData name="Sowjanya Morisetty(UST,IN)" userId="S::245132@ust.com::fafc9569-a945-46e7-9869-5c26008d3c84" providerId="AD" clId="Web-{B4DD1757-7FFF-451A-8A9C-7E64A57EF684}" dt="2023-02-28T11:55:10.046" v="35" actId="20577"/>
           <ac:spMkLst>
             <pc:docMk/>
             <pc:sldMk cId="877123665" sldId="431"/>
@@ -711,73 +1390,358 @@
     </pc:docChg>
   </pc:docChgLst>
   <pc:docChgLst>
-    <pc:chgData name="Rayona Mathew(UST,IN)" userId="S::245072@ust.com::ba69e595-3dd2-41bd-a7f7-516712dab024" providerId="AD" clId="Web-{2E58EBB2-A53C-498D-BB2B-2F58CD890035}"/>
-    <pc:docChg chg="addSld modSld">
-      <pc:chgData name="Rayona Mathew(UST,IN)" userId="S::245072@ust.com::ba69e595-3dd2-41bd-a7f7-516712dab024" providerId="AD" clId="Web-{2E58EBB2-A53C-498D-BB2B-2F58CD890035}" dt="2023-03-01T12:23:02.346" v="257" actId="20577"/>
+    <pc:chgData name="Sowjanya Morisetty(UST,IN)" userId="S::245132@ust.com::fafc9569-a945-46e7-9869-5c26008d3c84" providerId="AD" clId="Web-{8A3E20D6-BD49-4340-B392-8CA89F98CBF4}"/>
+    <pc:docChg chg="modSld">
+      <pc:chgData name="Sowjanya Morisetty(UST,IN)" userId="S::245132@ust.com::fafc9569-a945-46e7-9869-5c26008d3c84" providerId="AD" clId="Web-{8A3E20D6-BD49-4340-B392-8CA89F98CBF4}" dt="2023-03-03T03:56:50.847" v="53" actId="20577"/>
       <pc:docMkLst>
         <pc:docMk/>
       </pc:docMkLst>
       <pc:sldChg chg="modSp">
-        <pc:chgData name="Rayona Mathew(UST,IN)" userId="S::245072@ust.com::ba69e595-3dd2-41bd-a7f7-516712dab024" providerId="AD" clId="Web-{2E58EBB2-A53C-498D-BB2B-2F58CD890035}" dt="2023-03-01T12:21:32.999" v="246" actId="20577"/>
+        <pc:chgData name="Sowjanya Morisetty(UST,IN)" userId="S::245132@ust.com::fafc9569-a945-46e7-9869-5c26008d3c84" providerId="AD" clId="Web-{8A3E20D6-BD49-4340-B392-8CA89F98CBF4}" dt="2023-03-03T03:56:50.847" v="53" actId="20577"/>
         <pc:sldMkLst>
           <pc:docMk/>
-          <pc:sldMk cId="1235875679" sldId="430"/>
+          <pc:sldMk cId="778499327" sldId="459"/>
         </pc:sldMkLst>
         <pc:spChg chg="mod">
-          <ac:chgData name="Rayona Mathew(UST,IN)" userId="S::245072@ust.com::ba69e595-3dd2-41bd-a7f7-516712dab024" providerId="AD" clId="Web-{2E58EBB2-A53C-498D-BB2B-2F58CD890035}" dt="2023-03-01T11:13:49.477" v="65" actId="20577"/>
-          <ac:spMkLst>
-            <pc:docMk/>
-            <pc:sldMk cId="1235875679" sldId="430"/>
-            <ac:spMk id="2" creationId="{93E05C63-B7B1-1CCC-11B7-5598B03B4485}"/>
+          <ac:chgData name="Sowjanya Morisetty(UST,IN)" userId="S::245132@ust.com::fafc9569-a945-46e7-9869-5c26008d3c84" providerId="AD" clId="Web-{8A3E20D6-BD49-4340-B392-8CA89F98CBF4}" dt="2023-03-03T03:55:53.799" v="48" actId="20577"/>
+          <ac:spMkLst>
+            <pc:docMk/>
+            <pc:sldMk cId="778499327" sldId="459"/>
+            <ac:spMk id="20" creationId="{7F14EB71-9ED2-9F96-C85E-7EB3D17E4FEF}"/>
           </ac:spMkLst>
         </pc:spChg>
         <pc:spChg chg="mod">
-          <ac:chgData name="Rayona Mathew(UST,IN)" userId="S::245072@ust.com::ba69e595-3dd2-41bd-a7f7-516712dab024" providerId="AD" clId="Web-{2E58EBB2-A53C-498D-BB2B-2F58CD890035}" dt="2023-03-01T12:21:32.999" v="246" actId="20577"/>
-          <ac:spMkLst>
-            <pc:docMk/>
-            <pc:sldMk cId="1235875679" sldId="430"/>
+          <ac:chgData name="Sowjanya Morisetty(UST,IN)" userId="S::245132@ust.com::fafc9569-a945-46e7-9869-5c26008d3c84" providerId="AD" clId="Web-{8A3E20D6-BD49-4340-B392-8CA89F98CBF4}" dt="2023-03-03T03:55:10.798" v="28" actId="20577"/>
+          <ac:spMkLst>
+            <pc:docMk/>
+            <pc:sldMk cId="778499327" sldId="459"/>
+            <ac:spMk id="25" creationId="{EDB06B38-FE0A-8BA6-8738-748A96B792DB}"/>
+          </ac:spMkLst>
+        </pc:spChg>
+        <pc:spChg chg="mod">
+          <ac:chgData name="Sowjanya Morisetty(UST,IN)" userId="S::245132@ust.com::fafc9569-a945-46e7-9869-5c26008d3c84" providerId="AD" clId="Web-{8A3E20D6-BD49-4340-B392-8CA89F98CBF4}" dt="2023-03-03T03:56:50.847" v="53" actId="20577"/>
+          <ac:spMkLst>
+            <pc:docMk/>
+            <pc:sldMk cId="778499327" sldId="459"/>
+            <ac:spMk id="27" creationId="{BF7DC766-CF04-5CFB-32EB-90EEA4094AAE}"/>
+          </ac:spMkLst>
+        </pc:spChg>
+      </pc:sldChg>
+    </pc:docChg>
+  </pc:docChgLst>
+  <pc:docChgLst>
+    <pc:chgData name="Yashwanth Ravula(UST,IN)" userId="S::245098@ust.com::26c642e7-a083-4a2f-87f6-e20b0ef91a94" providerId="AD" clId="Web-{FB1D1232-FE77-434D-91BE-48259B30732A}"/>
+    <pc:docChg chg="addSld delSld modSld">
+      <pc:chgData name="Yashwanth Ravula(UST,IN)" userId="S::245098@ust.com::26c642e7-a083-4a2f-87f6-e20b0ef91a94" providerId="AD" clId="Web-{FB1D1232-FE77-434D-91BE-48259B30732A}" dt="2023-02-28T12:23:51.907" v="343" actId="20577"/>
+      <pc:docMkLst>
+        <pc:docMk/>
+      </pc:docMkLst>
+      <pc:sldChg chg="delSp modSp">
+        <pc:chgData name="Yashwanth Ravula(UST,IN)" userId="S::245098@ust.com::26c642e7-a083-4a2f-87f6-e20b0ef91a94" providerId="AD" clId="Web-{FB1D1232-FE77-434D-91BE-48259B30732A}" dt="2023-02-28T12:23:51.907" v="343" actId="20577"/>
+        <pc:sldMkLst>
+          <pc:docMk/>
+          <pc:sldMk cId="4151454420" sldId="264"/>
+        </pc:sldMkLst>
+        <pc:spChg chg="del">
+          <ac:chgData name="Yashwanth Ravula(UST,IN)" userId="S::245098@ust.com::26c642e7-a083-4a2f-87f6-e20b0ef91a94" providerId="AD" clId="Web-{FB1D1232-FE77-434D-91BE-48259B30732A}" dt="2023-02-28T12:04:30.902" v="161"/>
+          <ac:spMkLst>
+            <pc:docMk/>
+            <pc:sldMk cId="4151454420" sldId="264"/>
+            <ac:spMk id="2" creationId="{DE6C0B85-EBEC-734B-98A8-2BAC52CC0257}"/>
+          </ac:spMkLst>
+        </pc:spChg>
+        <pc:spChg chg="mod">
+          <ac:chgData name="Yashwanth Ravula(UST,IN)" userId="S::245098@ust.com::26c642e7-a083-4a2f-87f6-e20b0ef91a94" providerId="AD" clId="Web-{FB1D1232-FE77-434D-91BE-48259B30732A}" dt="2023-02-28T12:23:51.907" v="343" actId="20577"/>
+          <ac:spMkLst>
+            <pc:docMk/>
+            <pc:sldMk cId="4151454420" sldId="264"/>
+            <ac:spMk id="3" creationId="{95A1310C-7516-9B42-A1FD-3E54A6F3494C}"/>
+          </ac:spMkLst>
+        </pc:spChg>
+      </pc:sldChg>
+      <pc:sldChg chg="delSp modSp new">
+        <pc:chgData name="Yashwanth Ravula(UST,IN)" userId="S::245098@ust.com::26c642e7-a083-4a2f-87f6-e20b0ef91a94" providerId="AD" clId="Web-{FB1D1232-FE77-434D-91BE-48259B30732A}" dt="2023-02-28T12:23:29.079" v="341" actId="20577"/>
+        <pc:sldMkLst>
+          <pc:docMk/>
+          <pc:sldMk cId="359614143" sldId="433"/>
+        </pc:sldMkLst>
+        <pc:spChg chg="mod">
+          <ac:chgData name="Yashwanth Ravula(UST,IN)" userId="S::245098@ust.com::26c642e7-a083-4a2f-87f6-e20b0ef91a94" providerId="AD" clId="Web-{FB1D1232-FE77-434D-91BE-48259B30732A}" dt="2023-02-28T11:51:36.404" v="38" actId="20577"/>
+          <ac:spMkLst>
+            <pc:docMk/>
+            <pc:sldMk cId="359614143" sldId="433"/>
+            <ac:spMk id="2" creationId="{A1FA77BB-B48A-608B-6CE4-8ED3488E8B91}"/>
+          </ac:spMkLst>
+        </pc:spChg>
+        <pc:spChg chg="mod">
+          <ac:chgData name="Yashwanth Ravula(UST,IN)" userId="S::245098@ust.com::26c642e7-a083-4a2f-87f6-e20b0ef91a94" providerId="AD" clId="Web-{FB1D1232-FE77-434D-91BE-48259B30732A}" dt="2023-02-28T12:23:29.079" v="341" actId="20577"/>
+          <ac:spMkLst>
+            <pc:docMk/>
+            <pc:sldMk cId="359614143" sldId="433"/>
+            <ac:spMk id="3" creationId="{45AA5242-7A7D-9D34-6850-0D5645FE712D}"/>
+          </ac:spMkLst>
+        </pc:spChg>
+        <pc:spChg chg="del">
+          <ac:chgData name="Yashwanth Ravula(UST,IN)" userId="S::245098@ust.com::26c642e7-a083-4a2f-87f6-e20b0ef91a94" providerId="AD" clId="Web-{FB1D1232-FE77-434D-91BE-48259B30732A}" dt="2023-02-28T11:52:12.357" v="41"/>
+          <ac:spMkLst>
+            <pc:docMk/>
+            <pc:sldMk cId="359614143" sldId="433"/>
+            <ac:spMk id="4" creationId="{75E7BB4C-506B-D81D-7A8D-3938FEA35125}"/>
+          </ac:spMkLst>
+        </pc:spChg>
+        <pc:spChg chg="del">
+          <ac:chgData name="Yashwanth Ravula(UST,IN)" userId="S::245098@ust.com::26c642e7-a083-4a2f-87f6-e20b0ef91a94" providerId="AD" clId="Web-{FB1D1232-FE77-434D-91BE-48259B30732A}" dt="2023-02-28T11:52:00.607" v="40"/>
+          <ac:spMkLst>
+            <pc:docMk/>
+            <pc:sldMk cId="359614143" sldId="433"/>
+            <ac:spMk id="5" creationId="{55BEEE70-8084-5AB7-3AC7-CC5BCDC06CAC}"/>
+          </ac:spMkLst>
+        </pc:spChg>
+        <pc:spChg chg="del">
+          <ac:chgData name="Yashwanth Ravula(UST,IN)" userId="S::245098@ust.com::26c642e7-a083-4a2f-87f6-e20b0ef91a94" providerId="AD" clId="Web-{FB1D1232-FE77-434D-91BE-48259B30732A}" dt="2023-02-28T11:51:43.247" v="39"/>
+          <ac:spMkLst>
+            <pc:docMk/>
+            <pc:sldMk cId="359614143" sldId="433"/>
+            <ac:spMk id="6" creationId="{FE80926E-EED8-508A-E9AD-9261A5B11B59}"/>
+          </ac:spMkLst>
+        </pc:spChg>
+      </pc:sldChg>
+      <pc:sldChg chg="new del">
+        <pc:chgData name="Yashwanth Ravula(UST,IN)" userId="S::245098@ust.com::26c642e7-a083-4a2f-87f6-e20b0ef91a94" providerId="AD" clId="Web-{FB1D1232-FE77-434D-91BE-48259B30732A}" dt="2023-02-28T11:50:48.090" v="1"/>
+        <pc:sldMkLst>
+          <pc:docMk/>
+          <pc:sldMk cId="1324531577" sldId="433"/>
+        </pc:sldMkLst>
+      </pc:sldChg>
+      <pc:sldChg chg="addSp delSp modSp new del">
+        <pc:chgData name="Yashwanth Ravula(UST,IN)" userId="S::245098@ust.com::26c642e7-a083-4a2f-87f6-e20b0ef91a94" providerId="AD" clId="Web-{FB1D1232-FE77-434D-91BE-48259B30732A}" dt="2023-02-28T12:19:00.214" v="241"/>
+        <pc:sldMkLst>
+          <pc:docMk/>
+          <pc:sldMk cId="4012503917" sldId="434"/>
+        </pc:sldMkLst>
+        <pc:spChg chg="del">
+          <ac:chgData name="Yashwanth Ravula(UST,IN)" userId="S::245098@ust.com::26c642e7-a083-4a2f-87f6-e20b0ef91a94" providerId="AD" clId="Web-{FB1D1232-FE77-434D-91BE-48259B30732A}" dt="2023-02-28T11:57:27.207" v="77"/>
+          <ac:spMkLst>
+            <pc:docMk/>
+            <pc:sldMk cId="4012503917" sldId="434"/>
+            <ac:spMk id="2" creationId="{EA9209C6-34DA-19A1-86DF-BC4BAF3FBB93}"/>
+          </ac:spMkLst>
+        </pc:spChg>
+        <pc:spChg chg="mod">
+          <ac:chgData name="Yashwanth Ravula(UST,IN)" userId="S::245098@ust.com::26c642e7-a083-4a2f-87f6-e20b0ef91a94" providerId="AD" clId="Web-{FB1D1232-FE77-434D-91BE-48259B30732A}" dt="2023-02-28T12:17:44.729" v="235" actId="14100"/>
+          <ac:spMkLst>
+            <pc:docMk/>
+            <pc:sldMk cId="4012503917" sldId="434"/>
+            <ac:spMk id="3" creationId="{22181F15-0C56-608C-0654-9EE8690613F0}"/>
+          </ac:spMkLst>
+        </pc:spChg>
+        <pc:spChg chg="del">
+          <ac:chgData name="Yashwanth Ravula(UST,IN)" userId="S::245098@ust.com::26c642e7-a083-4a2f-87f6-e20b0ef91a94" providerId="AD" clId="Web-{FB1D1232-FE77-434D-91BE-48259B30732A}" dt="2023-02-28T11:56:57.753" v="71"/>
+          <ac:spMkLst>
+            <pc:docMk/>
+            <pc:sldMk cId="4012503917" sldId="434"/>
+            <ac:spMk id="4" creationId="{4A794BC2-5078-4433-D3F4-A0011ABE4AAC}"/>
+          </ac:spMkLst>
+        </pc:spChg>
+        <pc:spChg chg="del">
+          <ac:chgData name="Yashwanth Ravula(UST,IN)" userId="S::245098@ust.com::26c642e7-a083-4a2f-87f6-e20b0ef91a94" providerId="AD" clId="Web-{FB1D1232-FE77-434D-91BE-48259B30732A}" dt="2023-02-28T11:56:49.222" v="70"/>
+          <ac:spMkLst>
+            <pc:docMk/>
+            <pc:sldMk cId="4012503917" sldId="434"/>
+            <ac:spMk id="5" creationId="{93EE7C7E-6646-0D6D-2C22-A5DC0A21DE35}"/>
+          </ac:spMkLst>
+        </pc:spChg>
+        <pc:spChg chg="del">
+          <ac:chgData name="Yashwanth Ravula(UST,IN)" userId="S::245098@ust.com::26c642e7-a083-4a2f-87f6-e20b0ef91a94" providerId="AD" clId="Web-{FB1D1232-FE77-434D-91BE-48259B30732A}" dt="2023-02-28T11:56:39.643" v="69"/>
+          <ac:spMkLst>
+            <pc:docMk/>
+            <pc:sldMk cId="4012503917" sldId="434"/>
+            <ac:spMk id="6" creationId="{8A908EAF-8524-206F-4629-F7B74A6B987C}"/>
+          </ac:spMkLst>
+        </pc:spChg>
+        <pc:spChg chg="add del mod">
+          <ac:chgData name="Yashwanth Ravula(UST,IN)" userId="S::245098@ust.com::26c642e7-a083-4a2f-87f6-e20b0ef91a94" providerId="AD" clId="Web-{FB1D1232-FE77-434D-91BE-48259B30732A}" dt="2023-02-28T12:16:30.899" v="227"/>
+          <ac:spMkLst>
+            <pc:docMk/>
+            <pc:sldMk cId="4012503917" sldId="434"/>
+            <ac:spMk id="7" creationId="{1C771890-7E16-0E7D-834A-AC1D2943884E}"/>
+          </ac:spMkLst>
+        </pc:spChg>
+        <pc:spChg chg="add del mod">
+          <ac:chgData name="Yashwanth Ravula(UST,IN)" userId="S::245098@ust.com::26c642e7-a083-4a2f-87f6-e20b0ef91a94" providerId="AD" clId="Web-{FB1D1232-FE77-434D-91BE-48259B30732A}" dt="2023-02-28T12:17:25.650" v="234"/>
+          <ac:spMkLst>
+            <pc:docMk/>
+            <pc:sldMk cId="4012503917" sldId="434"/>
+            <ac:spMk id="8" creationId="{C7C1E33F-E014-7C19-D389-29D6B5037CF1}"/>
+          </ac:spMkLst>
+        </pc:spChg>
+      </pc:sldChg>
+      <pc:sldChg chg="addSp delSp modSp new">
+        <pc:chgData name="Yashwanth Ravula(UST,IN)" userId="S::245098@ust.com::26c642e7-a083-4a2f-87f6-e20b0ef91a94" providerId="AD" clId="Web-{FB1D1232-FE77-434D-91BE-48259B30732A}" dt="2023-02-28T12:21:05.029" v="322" actId="20577"/>
+        <pc:sldMkLst>
+          <pc:docMk/>
+          <pc:sldMk cId="4163659290" sldId="442"/>
+        </pc:sldMkLst>
+        <pc:spChg chg="mod">
+          <ac:chgData name="Yashwanth Ravula(UST,IN)" userId="S::245098@ust.com::26c642e7-a083-4a2f-87f6-e20b0ef91a94" providerId="AD" clId="Web-{FB1D1232-FE77-434D-91BE-48259B30732A}" dt="2023-02-28T12:21:05.029" v="322" actId="20577"/>
+          <ac:spMkLst>
+            <pc:docMk/>
+            <pc:sldMk cId="4163659290" sldId="442"/>
+            <ac:spMk id="2" creationId="{E7EFE3C0-E31C-6459-73A8-59105475D401}"/>
+          </ac:spMkLst>
+        </pc:spChg>
+        <pc:spChg chg="mod">
+          <ac:chgData name="Yashwanth Ravula(UST,IN)" userId="S::245098@ust.com::26c642e7-a083-4a2f-87f6-e20b0ef91a94" providerId="AD" clId="Web-{FB1D1232-FE77-434D-91BE-48259B30732A}" dt="2023-02-28T12:20:23.106" v="303" actId="20577"/>
+          <ac:spMkLst>
+            <pc:docMk/>
+            <pc:sldMk cId="4163659290" sldId="442"/>
+            <ac:spMk id="3" creationId="{020FB93D-AC3A-6ACD-CBC8-FE2AC7E893B6}"/>
+          </ac:spMkLst>
+        </pc:spChg>
+        <pc:spChg chg="add del">
+          <ac:chgData name="Yashwanth Ravula(UST,IN)" userId="S::245098@ust.com::26c642e7-a083-4a2f-87f6-e20b0ef91a94" providerId="AD" clId="Web-{FB1D1232-FE77-434D-91BE-48259B30732A}" dt="2023-02-28T12:18:52.620" v="240"/>
+          <ac:spMkLst>
+            <pc:docMk/>
+            <pc:sldMk cId="4163659290" sldId="442"/>
+            <ac:spMk id="4" creationId="{BF644B1E-2DC3-9381-839B-614CF51F2085}"/>
+          </ac:spMkLst>
+        </pc:spChg>
+      </pc:sldChg>
+    </pc:docChg>
+  </pc:docChgLst>
+  <pc:docChgLst>
+    <pc:chgData name="Rayona Mathew(UST,IN)" userId="S::245072@ust.com::ba69e595-3dd2-41bd-a7f7-516712dab024" providerId="AD" clId="Web-{B86895FF-EF37-49DD-A9D6-22169F7C3276}"/>
+    <pc:docChg chg="addSld delSld">
+      <pc:chgData name="Rayona Mathew(UST,IN)" userId="S::245072@ust.com::ba69e595-3dd2-41bd-a7f7-516712dab024" providerId="AD" clId="Web-{B86895FF-EF37-49DD-A9D6-22169F7C3276}" dt="2023-03-03T09:20:26.824" v="1"/>
+      <pc:docMkLst>
+        <pc:docMk/>
+      </pc:docMkLst>
+      <pc:sldChg chg="add del">
+        <pc:chgData name="Rayona Mathew(UST,IN)" userId="S::245072@ust.com::ba69e595-3dd2-41bd-a7f7-516712dab024" providerId="AD" clId="Web-{B86895FF-EF37-49DD-A9D6-22169F7C3276}" dt="2023-03-03T09:20:26.824" v="1"/>
+        <pc:sldMkLst>
+          <pc:docMk/>
+          <pc:sldMk cId="1230819706" sldId="471"/>
+        </pc:sldMkLst>
+      </pc:sldChg>
+    </pc:docChg>
+  </pc:docChgLst>
+  <pc:docChgLst>
+    <pc:chgData name="Yashwanth Ravula(UST,IN)" userId="S::245098@ust.com::26c642e7-a083-4a2f-87f6-e20b0ef91a94" providerId="AD" clId="Web-{8D91A25F-7A4C-447F-BB9D-D836C706589A}"/>
+    <pc:docChg chg="modSld">
+      <pc:chgData name="Yashwanth Ravula(UST,IN)" userId="S::245098@ust.com::26c642e7-a083-4a2f-87f6-e20b0ef91a94" providerId="AD" clId="Web-{8D91A25F-7A4C-447F-BB9D-D836C706589A}" dt="2023-03-03T09:07:25.461" v="1" actId="20577"/>
+      <pc:docMkLst>
+        <pc:docMk/>
+      </pc:docMkLst>
+      <pc:sldChg chg="modSp">
+        <pc:chgData name="Yashwanth Ravula(UST,IN)" userId="S::245098@ust.com::26c642e7-a083-4a2f-87f6-e20b0ef91a94" providerId="AD" clId="Web-{8D91A25F-7A4C-447F-BB9D-D836C706589A}" dt="2023-03-03T09:07:25.461" v="1" actId="20577"/>
+        <pc:sldMkLst>
+          <pc:docMk/>
+          <pc:sldMk cId="19244136" sldId="453"/>
+        </pc:sldMkLst>
+        <pc:spChg chg="mod">
+          <ac:chgData name="Yashwanth Ravula(UST,IN)" userId="S::245098@ust.com::26c642e7-a083-4a2f-87f6-e20b0ef91a94" providerId="AD" clId="Web-{8D91A25F-7A4C-447F-BB9D-D836C706589A}" dt="2023-03-03T09:07:25.461" v="1" actId="20577"/>
+          <ac:spMkLst>
+            <pc:docMk/>
+            <pc:sldMk cId="19244136" sldId="453"/>
+            <ac:spMk id="3" creationId="{A475E339-374D-08CD-9943-833B27247B34}"/>
+          </ac:spMkLst>
+        </pc:spChg>
+      </pc:sldChg>
+    </pc:docChg>
+  </pc:docChgLst>
+  <pc:docChgLst>
+    <pc:chgData name="Rayona Mathew(UST,IN)" userId="S::245072@ust.com::ba69e595-3dd2-41bd-a7f7-516712dab024" providerId="AD" clId="Web-{844D9FFA-C088-4474-988A-996A087D0FAC}"/>
+    <pc:docChg chg="modSld">
+      <pc:chgData name="Rayona Mathew(UST,IN)" userId="S::245072@ust.com::ba69e595-3dd2-41bd-a7f7-516712dab024" providerId="AD" clId="Web-{844D9FFA-C088-4474-988A-996A087D0FAC}" dt="2023-02-28T11:37:15.924" v="41" actId="20577"/>
+      <pc:docMkLst>
+        <pc:docMk/>
+      </pc:docMkLst>
+      <pc:sldChg chg="modSp">
+        <pc:chgData name="Rayona Mathew(UST,IN)" userId="S::245072@ust.com::ba69e595-3dd2-41bd-a7f7-516712dab024" providerId="AD" clId="Web-{844D9FFA-C088-4474-988A-996A087D0FAC}" dt="2023-02-28T11:37:15.924" v="41" actId="20577"/>
+        <pc:sldMkLst>
+          <pc:docMk/>
+          <pc:sldMk cId="2090374411" sldId="256"/>
+        </pc:sldMkLst>
+        <pc:spChg chg="mod">
+          <ac:chgData name="Rayona Mathew(UST,IN)" userId="S::245072@ust.com::ba69e595-3dd2-41bd-a7f7-516712dab024" providerId="AD" clId="Web-{844D9FFA-C088-4474-988A-996A087D0FAC}" dt="2023-02-28T11:36:25.267" v="5" actId="20577"/>
+          <ac:spMkLst>
+            <pc:docMk/>
+            <pc:sldMk cId="2090374411" sldId="256"/>
+            <ac:spMk id="2" creationId="{8AB9DB62-7740-4015-9623-764DF9201FC5}"/>
+          </ac:spMkLst>
+        </pc:spChg>
+        <pc:spChg chg="mod">
+          <ac:chgData name="Rayona Mathew(UST,IN)" userId="S::245072@ust.com::ba69e595-3dd2-41bd-a7f7-516712dab024" providerId="AD" clId="Web-{844D9FFA-C088-4474-988A-996A087D0FAC}" dt="2023-02-28T11:36:31.142" v="14" actId="20577"/>
+          <ac:spMkLst>
+            <pc:docMk/>
+            <pc:sldMk cId="2090374411" sldId="256"/>
+            <ac:spMk id="5" creationId="{5CEBBB1D-F7D8-D340-BD20-6F0A5E12BD08}"/>
+          </ac:spMkLst>
+        </pc:spChg>
+        <pc:spChg chg="mod">
+          <ac:chgData name="Rayona Mathew(UST,IN)" userId="S::245072@ust.com::ba69e595-3dd2-41bd-a7f7-516712dab024" providerId="AD" clId="Web-{844D9FFA-C088-4474-988A-996A087D0FAC}" dt="2023-02-28T11:37:15.924" v="41" actId="20577"/>
+          <ac:spMkLst>
+            <pc:docMk/>
+            <pc:sldMk cId="2090374411" sldId="256"/>
+            <ac:spMk id="11" creationId="{436C3CF1-F21B-DB46-8DF3-194E00852FEE}"/>
+          </ac:spMkLst>
+        </pc:spChg>
+        <pc:spChg chg="mod">
+          <ac:chgData name="Rayona Mathew(UST,IN)" userId="S::245072@ust.com::ba69e595-3dd2-41bd-a7f7-516712dab024" providerId="AD" clId="Web-{844D9FFA-C088-4474-988A-996A087D0FAC}" dt="2023-02-28T11:36:45.064" v="34" actId="20577"/>
+          <ac:spMkLst>
+            <pc:docMk/>
+            <pc:sldMk cId="2090374411" sldId="256"/>
+            <ac:spMk id="19" creationId="{A385DD5C-AB56-7D44-97A6-153DA70A4202}"/>
+          </ac:spMkLst>
+        </pc:spChg>
+      </pc:sldChg>
+    </pc:docChg>
+  </pc:docChgLst>
+  <pc:docChgLst>
+    <pc:chgData name="Sowjanya Morisetty(UST,IN)" userId="S::245132@ust.com::fafc9569-a945-46e7-9869-5c26008d3c84" providerId="AD" clId="Web-{4B42A6EF-A70A-41AC-8E3A-8C59AA59A465}"/>
+    <pc:docChg chg="addSld modSld">
+      <pc:chgData name="Sowjanya Morisetty(UST,IN)" userId="S::245132@ust.com::fafc9569-a945-46e7-9869-5c26008d3c84" providerId="AD" clId="Web-{4B42A6EF-A70A-41AC-8E3A-8C59AA59A465}" dt="2023-02-28T12:21:16.889" v="26" actId="20577"/>
+      <pc:docMkLst>
+        <pc:docMk/>
+      </pc:docMkLst>
+      <pc:sldChg chg="modSp">
+        <pc:chgData name="Sowjanya Morisetty(UST,IN)" userId="S::245132@ust.com::fafc9569-a945-46e7-9869-5c26008d3c84" providerId="AD" clId="Web-{4B42A6EF-A70A-41AC-8E3A-8C59AA59A465}" dt="2023-02-28T12:12:06.250" v="11" actId="20577"/>
+        <pc:sldMkLst>
+          <pc:docMk/>
+          <pc:sldMk cId="877123665" sldId="431"/>
+        </pc:sldMkLst>
+        <pc:spChg chg="mod">
+          <ac:chgData name="Sowjanya Morisetty(UST,IN)" userId="S::245132@ust.com::fafc9569-a945-46e7-9869-5c26008d3c84" providerId="AD" clId="Web-{4B42A6EF-A70A-41AC-8E3A-8C59AA59A465}" dt="2023-02-28T12:12:06.250" v="11" actId="20577"/>
+          <ac:spMkLst>
+            <pc:docMk/>
+            <pc:sldMk cId="877123665" sldId="431"/>
             <ac:spMk id="6" creationId="{8BC7BFEE-38DA-DFBD-CD0D-D04ADB94AB00}"/>
           </ac:spMkLst>
         </pc:spChg>
       </pc:sldChg>
       <pc:sldChg chg="modSp">
-        <pc:chgData name="Rayona Mathew(UST,IN)" userId="S::245072@ust.com::ba69e595-3dd2-41bd-a7f7-516712dab024" providerId="AD" clId="Web-{2E58EBB2-A53C-498D-BB2B-2F58CD890035}" dt="2023-03-01T12:21:43.921" v="247" actId="20577"/>
+        <pc:chgData name="Sowjanya Morisetty(UST,IN)" userId="S::245132@ust.com::fafc9569-a945-46e7-9869-5c26008d3c84" providerId="AD" clId="Web-{4B42A6EF-A70A-41AC-8E3A-8C59AA59A465}" dt="2023-02-28T12:16:16.756" v="21" actId="20577"/>
         <pc:sldMkLst>
           <pc:docMk/>
-          <pc:sldMk cId="1601934536" sldId="432"/>
+          <pc:sldMk cId="4012503917" sldId="434"/>
         </pc:sldMkLst>
         <pc:spChg chg="mod">
-          <ac:chgData name="Rayona Mathew(UST,IN)" userId="S::245072@ust.com::ba69e595-3dd2-41bd-a7f7-516712dab024" providerId="AD" clId="Web-{2E58EBB2-A53C-498D-BB2B-2F58CD890035}" dt="2023-03-01T12:21:43.921" v="247" actId="20577"/>
-          <ac:spMkLst>
-            <pc:docMk/>
-            <pc:sldMk cId="1601934536" sldId="432"/>
-            <ac:spMk id="6" creationId="{8BC7BFEE-38DA-DFBD-CD0D-D04ADB94AB00}"/>
+          <ac:chgData name="Sowjanya Morisetty(UST,IN)" userId="S::245132@ust.com::fafc9569-a945-46e7-9869-5c26008d3c84" providerId="AD" clId="Web-{4B42A6EF-A70A-41AC-8E3A-8C59AA59A465}" dt="2023-02-28T12:16:16.756" v="21" actId="20577"/>
+          <ac:spMkLst>
+            <pc:docMk/>
+            <pc:sldMk cId="4012503917" sldId="434"/>
+            <ac:spMk id="3" creationId="{22181F15-0C56-608C-0654-9EE8690613F0}"/>
           </ac:spMkLst>
         </pc:spChg>
       </pc:sldChg>
       <pc:sldChg chg="modSp">
-        <pc:chgData name="Rayona Mathew(UST,IN)" userId="S::245072@ust.com::ba69e595-3dd2-41bd-a7f7-516712dab024" providerId="AD" clId="Web-{2E58EBB2-A53C-498D-BB2B-2F58CD890035}" dt="2023-03-01T12:22:08.047" v="250" actId="20577"/>
-        <pc:sldMkLst>
-          <pc:docMk/>
-          <pc:sldMk cId="1758784803" sldId="438"/>
-        </pc:sldMkLst>
-        <pc:spChg chg="mod">
-          <ac:chgData name="Rayona Mathew(UST,IN)" userId="S::245072@ust.com::ba69e595-3dd2-41bd-a7f7-516712dab024" providerId="AD" clId="Web-{2E58EBB2-A53C-498D-BB2B-2F58CD890035}" dt="2023-03-01T12:22:08.047" v="250" actId="20577"/>
-          <ac:spMkLst>
-            <pc:docMk/>
-            <pc:sldMk cId="1758784803" sldId="438"/>
-            <ac:spMk id="6" creationId="{8BC7BFEE-38DA-DFBD-CD0D-D04ADB94AB00}"/>
-          </ac:spMkLst>
-        </pc:spChg>
-      </pc:sldChg>
-      <pc:sldChg chg="modSp">
-        <pc:chgData name="Rayona Mathew(UST,IN)" userId="S::245072@ust.com::ba69e595-3dd2-41bd-a7f7-516712dab024" providerId="AD" clId="Web-{2E58EBB2-A53C-498D-BB2B-2F58CD890035}" dt="2023-03-01T12:22:27.126" v="255" actId="20577"/>
+        <pc:chgData name="Sowjanya Morisetty(UST,IN)" userId="S::245132@ust.com::fafc9569-a945-46e7-9869-5c26008d3c84" providerId="AD" clId="Web-{4B42A6EF-A70A-41AC-8E3A-8C59AA59A465}" dt="2023-02-28T12:20:42.279" v="24" actId="20577"/>
         <pc:sldMkLst>
           <pc:docMk/>
           <pc:sldMk cId="98175034" sldId="440"/>
         </pc:sldMkLst>
         <pc:spChg chg="mod">
-          <ac:chgData name="Rayona Mathew(UST,IN)" userId="S::245072@ust.com::ba69e595-3dd2-41bd-a7f7-516712dab024" providerId="AD" clId="Web-{2E58EBB2-A53C-498D-BB2B-2F58CD890035}" dt="2023-03-01T12:22:27.126" v="255" actId="20577"/>
+          <ac:chgData name="Sowjanya Morisetty(UST,IN)" userId="S::245132@ust.com::fafc9569-a945-46e7-9869-5c26008d3c84" providerId="AD" clId="Web-{4B42A6EF-A70A-41AC-8E3A-8C59AA59A465}" dt="2023-02-28T12:20:42.279" v="24" actId="20577"/>
           <ac:spMkLst>
             <pc:docMk/>
             <pc:sldMk cId="98175034" sldId="440"/>
@@ -785,95 +1749,431 @@
           </ac:spMkLst>
         </pc:spChg>
       </pc:sldChg>
-      <pc:sldChg chg="modSp new">
-        <pc:chgData name="Rayona Mathew(UST,IN)" userId="S::245072@ust.com::ba69e595-3dd2-41bd-a7f7-516712dab024" providerId="AD" clId="Web-{2E58EBB2-A53C-498D-BB2B-2F58CD890035}" dt="2023-03-01T12:22:48.299" v="256" actId="20577"/>
+      <pc:sldChg chg="delSp modSp new mod modClrScheme chgLayout">
+        <pc:chgData name="Sowjanya Morisetty(UST,IN)" userId="S::245132@ust.com::fafc9569-a945-46e7-9869-5c26008d3c84" providerId="AD" clId="Web-{4B42A6EF-A70A-41AC-8E3A-8C59AA59A465}" dt="2023-02-28T12:21:16.889" v="26" actId="20577"/>
         <pc:sldMkLst>
           <pc:docMk/>
-          <pc:sldMk cId="1382630997" sldId="446"/>
+          <pc:sldMk cId="2566345393" sldId="441"/>
+        </pc:sldMkLst>
+        <pc:spChg chg="mod ord">
+          <ac:chgData name="Sowjanya Morisetty(UST,IN)" userId="S::245132@ust.com::fafc9569-a945-46e7-9869-5c26008d3c84" providerId="AD" clId="Web-{4B42A6EF-A70A-41AC-8E3A-8C59AA59A465}" dt="2023-02-28T12:12:33.360" v="13"/>
+          <ac:spMkLst>
+            <pc:docMk/>
+            <pc:sldMk cId="2566345393" sldId="441"/>
+            <ac:spMk id="2" creationId="{992D75A2-966F-E958-C003-174F1DF22475}"/>
+          </ac:spMkLst>
+        </pc:spChg>
+        <pc:spChg chg="mod ord">
+          <ac:chgData name="Sowjanya Morisetty(UST,IN)" userId="S::245132@ust.com::fafc9569-a945-46e7-9869-5c26008d3c84" providerId="AD" clId="Web-{4B42A6EF-A70A-41AC-8E3A-8C59AA59A465}" dt="2023-02-28T12:21:16.889" v="26" actId="20577"/>
+          <ac:spMkLst>
+            <pc:docMk/>
+            <pc:sldMk cId="2566345393" sldId="441"/>
+            <ac:spMk id="3" creationId="{6C9006DF-1982-58FC-A4F3-07BBA1574696}"/>
+          </ac:spMkLst>
+        </pc:spChg>
+        <pc:spChg chg="del">
+          <ac:chgData name="Sowjanya Morisetty(UST,IN)" userId="S::245132@ust.com::fafc9569-a945-46e7-9869-5c26008d3c84" providerId="AD" clId="Web-{4B42A6EF-A70A-41AC-8E3A-8C59AA59A465}" dt="2023-02-28T12:12:33.360" v="13"/>
+          <ac:spMkLst>
+            <pc:docMk/>
+            <pc:sldMk cId="2566345393" sldId="441"/>
+            <ac:spMk id="4" creationId="{06EE0E25-A82A-4D42-4C5C-FF2A6B8C8226}"/>
+          </ac:spMkLst>
+        </pc:spChg>
+        <pc:spChg chg="del">
+          <ac:chgData name="Sowjanya Morisetty(UST,IN)" userId="S::245132@ust.com::fafc9569-a945-46e7-9869-5c26008d3c84" providerId="AD" clId="Web-{4B42A6EF-A70A-41AC-8E3A-8C59AA59A465}" dt="2023-02-28T12:12:33.360" v="13"/>
+          <ac:spMkLst>
+            <pc:docMk/>
+            <pc:sldMk cId="2566345393" sldId="441"/>
+            <ac:spMk id="5" creationId="{C52DAC29-6ACE-F302-1FB9-31B2DB6ED765}"/>
+          </ac:spMkLst>
+        </pc:spChg>
+        <pc:spChg chg="del">
+          <ac:chgData name="Sowjanya Morisetty(UST,IN)" userId="S::245132@ust.com::fafc9569-a945-46e7-9869-5c26008d3c84" providerId="AD" clId="Web-{4B42A6EF-A70A-41AC-8E3A-8C59AA59A465}" dt="2023-02-28T12:12:33.360" v="13"/>
+          <ac:spMkLst>
+            <pc:docMk/>
+            <pc:sldMk cId="2566345393" sldId="441"/>
+            <ac:spMk id="6" creationId="{937C7760-9F68-54D4-A26D-BC49636C2916}"/>
+          </ac:spMkLst>
+        </pc:spChg>
+      </pc:sldChg>
+    </pc:docChg>
+  </pc:docChgLst>
+  <pc:docChgLst>
+    <pc:chgData name="Sowjanya Morisetty(UST,IN)" userId="S::245132@ust.com::fafc9569-a945-46e7-9869-5c26008d3c84" providerId="AD" clId="Web-{ED29B79D-4331-485A-9511-12903F0309A8}"/>
+    <pc:docChg chg="modSld">
+      <pc:chgData name="Sowjanya Morisetty(UST,IN)" userId="S::245132@ust.com::fafc9569-a945-46e7-9869-5c26008d3c84" providerId="AD" clId="Web-{ED29B79D-4331-485A-9511-12903F0309A8}" dt="2023-02-28T12:10:11.831" v="1" actId="20577"/>
+      <pc:docMkLst>
+        <pc:docMk/>
+      </pc:docMkLst>
+      <pc:sldChg chg="modSp">
+        <pc:chgData name="Sowjanya Morisetty(UST,IN)" userId="S::245132@ust.com::fafc9569-a945-46e7-9869-5c26008d3c84" providerId="AD" clId="Web-{ED29B79D-4331-485A-9511-12903F0309A8}" dt="2023-02-28T12:10:11.831" v="1" actId="20577"/>
+        <pc:sldMkLst>
+          <pc:docMk/>
+          <pc:sldMk cId="877123665" sldId="431"/>
         </pc:sldMkLst>
         <pc:spChg chg="mod">
-          <ac:chgData name="Rayona Mathew(UST,IN)" userId="S::245072@ust.com::ba69e595-3dd2-41bd-a7f7-516712dab024" providerId="AD" clId="Web-{2E58EBB2-A53C-498D-BB2B-2F58CD890035}" dt="2023-03-01T10:32:17.750" v="6" actId="20577"/>
-          <ac:spMkLst>
-            <pc:docMk/>
-            <pc:sldMk cId="1382630997" sldId="446"/>
-            <ac:spMk id="2" creationId="{433390AA-8278-316B-5245-D1AC0154E89B}"/>
-          </ac:spMkLst>
-        </pc:spChg>
-        <pc:spChg chg="mod">
-          <ac:chgData name="Rayona Mathew(UST,IN)" userId="S::245072@ust.com::ba69e595-3dd2-41bd-a7f7-516712dab024" providerId="AD" clId="Web-{2E58EBB2-A53C-498D-BB2B-2F58CD890035}" dt="2023-03-01T12:22:48.299" v="256" actId="20577"/>
-          <ac:spMkLst>
-            <pc:docMk/>
-            <pc:sldMk cId="1382630997" sldId="446"/>
-            <ac:spMk id="3" creationId="{E88EE183-D373-CE5C-05D2-A7D03FFAEF1A}"/>
+          <ac:chgData name="Sowjanya Morisetty(UST,IN)" userId="S::245132@ust.com::fafc9569-a945-46e7-9869-5c26008d3c84" providerId="AD" clId="Web-{ED29B79D-4331-485A-9511-12903F0309A8}" dt="2023-02-28T12:10:11.831" v="1" actId="20577"/>
+          <ac:spMkLst>
+            <pc:docMk/>
+            <pc:sldMk cId="877123665" sldId="431"/>
+            <ac:spMk id="6" creationId="{8BC7BFEE-38DA-DFBD-CD0D-D04ADB94AB00}"/>
           </ac:spMkLst>
         </pc:spChg>
       </pc:sldChg>
-      <pc:sldChg chg="modSp new">
-        <pc:chgData name="Rayona Mathew(UST,IN)" userId="S::245072@ust.com::ba69e595-3dd2-41bd-a7f7-516712dab024" providerId="AD" clId="Web-{2E58EBB2-A53C-498D-BB2B-2F58CD890035}" dt="2023-03-01T12:23:02.346" v="257" actId="20577"/>
+    </pc:docChg>
+  </pc:docChgLst>
+  <pc:docChgLst>
+    <pc:chgData name="Yashwanth Ravula(UST,IN)" userId="S::245098@ust.com::26c642e7-a083-4a2f-87f6-e20b0ef91a94" providerId="AD" clId="Web-{227AFEB0-5E13-465E-A779-857C28F0FEB9}"/>
+    <pc:docChg chg="addSld modSld">
+      <pc:chgData name="Yashwanth Ravula(UST,IN)" userId="S::245098@ust.com::26c642e7-a083-4a2f-87f6-e20b0ef91a94" providerId="AD" clId="Web-{227AFEB0-5E13-465E-A779-857C28F0FEB9}" dt="2023-03-02T05:02:08.950" v="122" actId="20577"/>
+      <pc:docMkLst>
+        <pc:docMk/>
+      </pc:docMkLst>
+      <pc:sldChg chg="modSp mod chgLayout">
+        <pc:chgData name="Yashwanth Ravula(UST,IN)" userId="S::245098@ust.com::26c642e7-a083-4a2f-87f6-e20b0ef91a94" providerId="AD" clId="Web-{227AFEB0-5E13-465E-A779-857C28F0FEB9}" dt="2023-03-02T04:59:08.648" v="73"/>
         <pc:sldMkLst>
           <pc:docMk/>
-          <pc:sldMk cId="3512173189" sldId="447"/>
+          <pc:sldMk cId="359614143" sldId="433"/>
+        </pc:sldMkLst>
+        <pc:spChg chg="mod ord">
+          <ac:chgData name="Yashwanth Ravula(UST,IN)" userId="S::245098@ust.com::26c642e7-a083-4a2f-87f6-e20b0ef91a94" providerId="AD" clId="Web-{227AFEB0-5E13-465E-A779-857C28F0FEB9}" dt="2023-03-02T04:59:08.648" v="73"/>
+          <ac:spMkLst>
+            <pc:docMk/>
+            <pc:sldMk cId="359614143" sldId="433"/>
+            <ac:spMk id="2" creationId="{A1FA77BB-B48A-608B-6CE4-8ED3488E8B91}"/>
+          </ac:spMkLst>
+        </pc:spChg>
+        <pc:spChg chg="mod ord">
+          <ac:chgData name="Yashwanth Ravula(UST,IN)" userId="S::245098@ust.com::26c642e7-a083-4a2f-87f6-e20b0ef91a94" providerId="AD" clId="Web-{227AFEB0-5E13-465E-A779-857C28F0FEB9}" dt="2023-03-02T04:59:08.648" v="73"/>
+          <ac:spMkLst>
+            <pc:docMk/>
+            <pc:sldMk cId="359614143" sldId="433"/>
+            <ac:spMk id="3" creationId="{45AA5242-7A7D-9D34-6850-0D5645FE712D}"/>
+          </ac:spMkLst>
+        </pc:spChg>
+      </pc:sldChg>
+      <pc:sldChg chg="modSp mod chgLayout">
+        <pc:chgData name="Yashwanth Ravula(UST,IN)" userId="S::245098@ust.com::26c642e7-a083-4a2f-87f6-e20b0ef91a94" providerId="AD" clId="Web-{227AFEB0-5E13-465E-A779-857C28F0FEB9}" dt="2023-03-02T04:26:19.100" v="59"/>
+        <pc:sldMkLst>
+          <pc:docMk/>
+          <pc:sldMk cId="2533536236" sldId="444"/>
+        </pc:sldMkLst>
+        <pc:spChg chg="mod ord">
+          <ac:chgData name="Yashwanth Ravula(UST,IN)" userId="S::245098@ust.com::26c642e7-a083-4a2f-87f6-e20b0ef91a94" providerId="AD" clId="Web-{227AFEB0-5E13-465E-A779-857C28F0FEB9}" dt="2023-03-02T04:26:19.100" v="59"/>
+          <ac:spMkLst>
+            <pc:docMk/>
+            <pc:sldMk cId="2533536236" sldId="444"/>
+            <ac:spMk id="2" creationId="{B06A8644-75A7-E56C-37D5-84D534448EE1}"/>
+          </ac:spMkLst>
+        </pc:spChg>
+        <pc:spChg chg="mod ord">
+          <ac:chgData name="Yashwanth Ravula(UST,IN)" userId="S::245098@ust.com::26c642e7-a083-4a2f-87f6-e20b0ef91a94" providerId="AD" clId="Web-{227AFEB0-5E13-465E-A779-857C28F0FEB9}" dt="2023-03-02T04:26:19.100" v="59"/>
+          <ac:spMkLst>
+            <pc:docMk/>
+            <pc:sldMk cId="2533536236" sldId="444"/>
+            <ac:spMk id="3" creationId="{2900A694-2C28-35AA-398A-82C321E9069C}"/>
+          </ac:spMkLst>
+        </pc:spChg>
+      </pc:sldChg>
+      <pc:sldChg chg="delSp modSp new mod chgLayout">
+        <pc:chgData name="Yashwanth Ravula(UST,IN)" userId="S::245098@ust.com::26c642e7-a083-4a2f-87f6-e20b0ef91a94" providerId="AD" clId="Web-{227AFEB0-5E13-465E-A779-857C28F0FEB9}" dt="2023-03-02T05:02:08.950" v="122" actId="20577"/>
+        <pc:sldMkLst>
+          <pc:docMk/>
+          <pc:sldMk cId="1259263587" sldId="450"/>
+        </pc:sldMkLst>
+        <pc:spChg chg="del">
+          <ac:chgData name="Yashwanth Ravula(UST,IN)" userId="S::245098@ust.com::26c642e7-a083-4a2f-87f6-e20b0ef91a94" providerId="AD" clId="Web-{227AFEB0-5E13-465E-A779-857C28F0FEB9}" dt="2023-03-02T04:19:34.646" v="1"/>
+          <ac:spMkLst>
+            <pc:docMk/>
+            <pc:sldMk cId="1259263587" sldId="450"/>
+            <ac:spMk id="2" creationId="{34535E02-C5E0-53BF-06E9-86C79C3FF375}"/>
+          </ac:spMkLst>
+        </pc:spChg>
+        <pc:spChg chg="mod ord">
+          <ac:chgData name="Yashwanth Ravula(UST,IN)" userId="S::245098@ust.com::26c642e7-a083-4a2f-87f6-e20b0ef91a94" providerId="AD" clId="Web-{227AFEB0-5E13-465E-A779-857C28F0FEB9}" dt="2023-03-02T05:02:08.950" v="122" actId="20577"/>
+          <ac:spMkLst>
+            <pc:docMk/>
+            <pc:sldMk cId="1259263587" sldId="450"/>
+            <ac:spMk id="3" creationId="{F0612444-3E8B-9714-EC0B-5CED5F268B32}"/>
+          </ac:spMkLst>
+        </pc:spChg>
+        <pc:spChg chg="del">
+          <ac:chgData name="Yashwanth Ravula(UST,IN)" userId="S::245098@ust.com::26c642e7-a083-4a2f-87f6-e20b0ef91a94" providerId="AD" clId="Web-{227AFEB0-5E13-465E-A779-857C28F0FEB9}" dt="2023-03-02T04:19:40.349" v="2"/>
+          <ac:spMkLst>
+            <pc:docMk/>
+            <pc:sldMk cId="1259263587" sldId="450"/>
+            <ac:spMk id="4" creationId="{C2B770F9-DB39-C8A9-75B0-DD439BE8E984}"/>
+          </ac:spMkLst>
+        </pc:spChg>
+        <pc:spChg chg="del">
+          <ac:chgData name="Yashwanth Ravula(UST,IN)" userId="S::245098@ust.com::26c642e7-a083-4a2f-87f6-e20b0ef91a94" providerId="AD" clId="Web-{227AFEB0-5E13-465E-A779-857C28F0FEB9}" dt="2023-03-02T04:19:47.834" v="3"/>
+          <ac:spMkLst>
+            <pc:docMk/>
+            <pc:sldMk cId="1259263587" sldId="450"/>
+            <ac:spMk id="5" creationId="{32C21FF5-6BF9-B247-5F61-C250FACF2760}"/>
+          </ac:spMkLst>
+        </pc:spChg>
+        <pc:spChg chg="del">
+          <ac:chgData name="Yashwanth Ravula(UST,IN)" userId="S::245098@ust.com::26c642e7-a083-4a2f-87f6-e20b0ef91a94" providerId="AD" clId="Web-{227AFEB0-5E13-465E-A779-857C28F0FEB9}" dt="2023-03-02T04:19:52.662" v="4"/>
+          <ac:spMkLst>
+            <pc:docMk/>
+            <pc:sldMk cId="1259263587" sldId="450"/>
+            <ac:spMk id="6" creationId="{9EEE2460-E299-74BC-C21C-C351044D7DFB}"/>
+          </ac:spMkLst>
+        </pc:spChg>
+      </pc:sldChg>
+      <pc:sldChg chg="delSp modSp new mod chgLayout">
+        <pc:chgData name="Yashwanth Ravula(UST,IN)" userId="S::245098@ust.com::26c642e7-a083-4a2f-87f6-e20b0ef91a94" providerId="AD" clId="Web-{227AFEB0-5E13-465E-A779-857C28F0FEB9}" dt="2023-03-02T04:25:41.661" v="58" actId="14100"/>
+        <pc:sldMkLst>
+          <pc:docMk/>
+          <pc:sldMk cId="1782131822" sldId="451"/>
+        </pc:sldMkLst>
+        <pc:spChg chg="mod ord">
+          <ac:chgData name="Yashwanth Ravula(UST,IN)" userId="S::245098@ust.com::26c642e7-a083-4a2f-87f6-e20b0ef91a94" providerId="AD" clId="Web-{227AFEB0-5E13-465E-A779-857C28F0FEB9}" dt="2023-03-02T04:25:34.348" v="57" actId="14100"/>
+          <ac:spMkLst>
+            <pc:docMk/>
+            <pc:sldMk cId="1782131822" sldId="451"/>
+            <ac:spMk id="2" creationId="{B8BD82F1-580E-E25A-874C-ECCC0C4CE286}"/>
+          </ac:spMkLst>
+        </pc:spChg>
+        <pc:spChg chg="mod ord">
+          <ac:chgData name="Yashwanth Ravula(UST,IN)" userId="S::245098@ust.com::26c642e7-a083-4a2f-87f6-e20b0ef91a94" providerId="AD" clId="Web-{227AFEB0-5E13-465E-A779-857C28F0FEB9}" dt="2023-03-02T04:25:41.661" v="58" actId="14100"/>
+          <ac:spMkLst>
+            <pc:docMk/>
+            <pc:sldMk cId="1782131822" sldId="451"/>
+            <ac:spMk id="3" creationId="{4ED35E56-1927-A356-46B9-71AB0390833B}"/>
+          </ac:spMkLst>
+        </pc:spChg>
+        <pc:spChg chg="del">
+          <ac:chgData name="Yashwanth Ravula(UST,IN)" userId="S::245098@ust.com::26c642e7-a083-4a2f-87f6-e20b0ef91a94" providerId="AD" clId="Web-{227AFEB0-5E13-465E-A779-857C28F0FEB9}" dt="2023-03-02T04:21:13.681" v="13"/>
+          <ac:spMkLst>
+            <pc:docMk/>
+            <pc:sldMk cId="1782131822" sldId="451"/>
+            <ac:spMk id="4" creationId="{F1FBA0EE-A254-0F73-7518-CD4F3AAE2555}"/>
+          </ac:spMkLst>
+        </pc:spChg>
+        <pc:spChg chg="del">
+          <ac:chgData name="Yashwanth Ravula(UST,IN)" userId="S::245098@ust.com::26c642e7-a083-4a2f-87f6-e20b0ef91a94" providerId="AD" clId="Web-{227AFEB0-5E13-465E-A779-857C28F0FEB9}" dt="2023-03-02T04:21:18.791" v="14"/>
+          <ac:spMkLst>
+            <pc:docMk/>
+            <pc:sldMk cId="1782131822" sldId="451"/>
+            <ac:spMk id="5" creationId="{2AFA1866-740E-4AB1-CFA8-D025F7966990}"/>
+          </ac:spMkLst>
+        </pc:spChg>
+        <pc:spChg chg="del">
+          <ac:chgData name="Yashwanth Ravula(UST,IN)" userId="S::245098@ust.com::26c642e7-a083-4a2f-87f6-e20b0ef91a94" providerId="AD" clId="Web-{227AFEB0-5E13-465E-A779-857C28F0FEB9}" dt="2023-03-02T04:21:22.791" v="15"/>
+          <ac:spMkLst>
+            <pc:docMk/>
+            <pc:sldMk cId="1782131822" sldId="451"/>
+            <ac:spMk id="6" creationId="{E426AF2E-B4C4-6D27-CE63-A4B0A0D1684C}"/>
+          </ac:spMkLst>
+        </pc:spChg>
+      </pc:sldChg>
+    </pc:docChg>
+  </pc:docChgLst>
+  <pc:docChgLst>
+    <pc:chgData name="Meghana Bareddy(UST,IN)" userId="S::245111@ust.com::3bd59dec-7216-47cd-96d2-e656b7bc4155" providerId="AD" clId="Web-{79CEB347-1348-45C9-9F61-E02D0F688FA3}"/>
+    <pc:docChg chg="modSld">
+      <pc:chgData name="Meghana Bareddy(UST,IN)" userId="S::245111@ust.com::3bd59dec-7216-47cd-96d2-e656b7bc4155" providerId="AD" clId="Web-{79CEB347-1348-45C9-9F61-E02D0F688FA3}" dt="2023-03-03T09:21:55.741" v="1" actId="20577"/>
+      <pc:docMkLst>
+        <pc:docMk/>
+      </pc:docMkLst>
+      <pc:sldChg chg="modSp">
+        <pc:chgData name="Meghana Bareddy(UST,IN)" userId="S::245111@ust.com::3bd59dec-7216-47cd-96d2-e656b7bc4155" providerId="AD" clId="Web-{79CEB347-1348-45C9-9F61-E02D0F688FA3}" dt="2023-03-03T09:21:55.741" v="1" actId="20577"/>
+        <pc:sldMkLst>
+          <pc:docMk/>
+          <pc:sldMk cId="1259263587" sldId="450"/>
         </pc:sldMkLst>
         <pc:spChg chg="mod">
-          <ac:chgData name="Rayona Mathew(UST,IN)" userId="S::245072@ust.com::ba69e595-3dd2-41bd-a7f7-516712dab024" providerId="AD" clId="Web-{2E58EBB2-A53C-498D-BB2B-2F58CD890035}" dt="2023-03-01T11:12:16.990" v="45" actId="20577"/>
-          <ac:spMkLst>
-            <pc:docMk/>
-            <pc:sldMk cId="3512173189" sldId="447"/>
-            <ac:spMk id="2" creationId="{CCB2AA5F-C887-B079-40DE-C8C624E50BAD}"/>
-          </ac:spMkLst>
-        </pc:spChg>
-        <pc:spChg chg="mod">
-          <ac:chgData name="Rayona Mathew(UST,IN)" userId="S::245072@ust.com::ba69e595-3dd2-41bd-a7f7-516712dab024" providerId="AD" clId="Web-{2E58EBB2-A53C-498D-BB2B-2F58CD890035}" dt="2023-03-01T12:23:02.346" v="257" actId="20577"/>
-          <ac:spMkLst>
-            <pc:docMk/>
-            <pc:sldMk cId="3512173189" sldId="447"/>
-            <ac:spMk id="3" creationId="{E63C0FE5-8046-AB85-4420-EC0429BB7E65}"/>
+          <ac:chgData name="Meghana Bareddy(UST,IN)" userId="S::245111@ust.com::3bd59dec-7216-47cd-96d2-e656b7bc4155" providerId="AD" clId="Web-{79CEB347-1348-45C9-9F61-E02D0F688FA3}" dt="2023-03-03T09:21:55.741" v="1" actId="20577"/>
+          <ac:spMkLst>
+            <pc:docMk/>
+            <pc:sldMk cId="1259263587" sldId="450"/>
+            <ac:spMk id="3" creationId="{F0612444-3E8B-9714-EC0B-5CED5F268B32}"/>
           </ac:spMkLst>
         </pc:spChg>
       </pc:sldChg>
-      <pc:sldChg chg="modSp new">
-        <pc:chgData name="Rayona Mathew(UST,IN)" userId="S::245072@ust.com::ba69e595-3dd2-41bd-a7f7-516712dab024" providerId="AD" clId="Web-{2E58EBB2-A53C-498D-BB2B-2F58CD890035}" dt="2023-03-01T12:21:24.733" v="245" actId="20577"/>
+    </pc:docChg>
+  </pc:docChgLst>
+  <pc:docChgLst>
+    <pc:chgData name="Yashwanth Ravula(UST,IN)" userId="S::245098@ust.com::26c642e7-a083-4a2f-87f6-e20b0ef91a94" providerId="AD" clId="Web-{2DE26FE2-45FB-4F26-A176-2705B95D5F2D}"/>
+    <pc:docChg chg="addSld delSld modSld">
+      <pc:chgData name="Yashwanth Ravula(UST,IN)" userId="S::245098@ust.com::26c642e7-a083-4a2f-87f6-e20b0ef91a94" providerId="AD" clId="Web-{2DE26FE2-45FB-4F26-A176-2705B95D5F2D}" dt="2023-03-02T08:55:48.439" v="177" actId="20577"/>
+      <pc:docMkLst>
+        <pc:docMk/>
+      </pc:docMkLst>
+      <pc:sldChg chg="addSp modSp new mod chgLayout">
+        <pc:chgData name="Yashwanth Ravula(UST,IN)" userId="S::245098@ust.com::26c642e7-a083-4a2f-87f6-e20b0ef91a94" providerId="AD" clId="Web-{2DE26FE2-45FB-4F26-A176-2705B95D5F2D}" dt="2023-03-02T08:47:00.472" v="98" actId="20577"/>
         <pc:sldMkLst>
           <pc:docMk/>
-          <pc:sldMk cId="1562893680" sldId="448"/>
+          <pc:sldMk cId="1133210417" sldId="452"/>
         </pc:sldMkLst>
-        <pc:spChg chg="mod">
-          <ac:chgData name="Rayona Mathew(UST,IN)" userId="S::245072@ust.com::ba69e595-3dd2-41bd-a7f7-516712dab024" providerId="AD" clId="Web-{2E58EBB2-A53C-498D-BB2B-2F58CD890035}" dt="2023-03-01T11:13:08.476" v="53" actId="20577"/>
-          <ac:spMkLst>
-            <pc:docMk/>
-            <pc:sldMk cId="1562893680" sldId="448"/>
-            <ac:spMk id="2" creationId="{588C70ED-D25A-28F8-E59B-20176797D829}"/>
-          </ac:spMkLst>
-        </pc:spChg>
-        <pc:spChg chg="mod">
-          <ac:chgData name="Rayona Mathew(UST,IN)" userId="S::245072@ust.com::ba69e595-3dd2-41bd-a7f7-516712dab024" providerId="AD" clId="Web-{2E58EBB2-A53C-498D-BB2B-2F58CD890035}" dt="2023-03-01T12:21:24.733" v="245" actId="20577"/>
-          <ac:spMkLst>
-            <pc:docMk/>
-            <pc:sldMk cId="1562893680" sldId="448"/>
-            <ac:spMk id="3" creationId="{4D624F9F-A850-B46A-64DF-2B37C298DF76}"/>
+        <pc:spChg chg="mod ord">
+          <ac:chgData name="Yashwanth Ravula(UST,IN)" userId="S::245098@ust.com::26c642e7-a083-4a2f-87f6-e20b0ef91a94" providerId="AD" clId="Web-{2DE26FE2-45FB-4F26-A176-2705B95D5F2D}" dt="2023-03-02T08:37:19.019" v="40" actId="20577"/>
+          <ac:spMkLst>
+            <pc:docMk/>
+            <pc:sldMk cId="1133210417" sldId="452"/>
+            <ac:spMk id="2" creationId="{60956068-AB54-9D54-06B5-09FEBCE37258}"/>
+          </ac:spMkLst>
+        </pc:spChg>
+        <pc:spChg chg="add mod ord">
+          <ac:chgData name="Yashwanth Ravula(UST,IN)" userId="S::245098@ust.com::26c642e7-a083-4a2f-87f6-e20b0ef91a94" providerId="AD" clId="Web-{2DE26FE2-45FB-4F26-A176-2705B95D5F2D}" dt="2023-03-02T08:47:00.472" v="98" actId="20577"/>
+          <ac:spMkLst>
+            <pc:docMk/>
+            <pc:sldMk cId="1133210417" sldId="452"/>
+            <ac:spMk id="3" creationId="{DFA55937-248F-8AD5-B1E6-DB5B037AA508}"/>
           </ac:spMkLst>
         </pc:spChg>
       </pc:sldChg>
-      <pc:sldChg chg="modSp new">
-        <pc:chgData name="Rayona Mathew(UST,IN)" userId="S::245072@ust.com::ba69e595-3dd2-41bd-a7f7-516712dab024" providerId="AD" clId="Web-{2E58EBB2-A53C-498D-BB2B-2F58CD890035}" dt="2023-03-01T11:38:08.352" v="227" actId="20577"/>
+      <pc:sldChg chg="addSp delSp modSp new del mod chgLayout">
+        <pc:chgData name="Yashwanth Ravula(UST,IN)" userId="S::245098@ust.com::26c642e7-a083-4a2f-87f6-e20b0ef91a94" providerId="AD" clId="Web-{2DE26FE2-45FB-4F26-A176-2705B95D5F2D}" dt="2023-03-02T08:34:09.921" v="5"/>
         <pc:sldMkLst>
           <pc:docMk/>
-          <pc:sldMk cId="1171673723" sldId="449"/>
+          <pc:sldMk cId="1706638867" sldId="452"/>
         </pc:sldMkLst>
+        <pc:spChg chg="mod ord">
+          <ac:chgData name="Yashwanth Ravula(UST,IN)" userId="S::245098@ust.com::26c642e7-a083-4a2f-87f6-e20b0ef91a94" providerId="AD" clId="Web-{2DE26FE2-45FB-4F26-A176-2705B95D5F2D}" dt="2023-03-02T08:34:02.171" v="4" actId="14100"/>
+          <ac:spMkLst>
+            <pc:docMk/>
+            <pc:sldMk cId="1706638867" sldId="452"/>
+            <ac:spMk id="2" creationId="{64C3BEDC-FD44-EECB-F040-4EC3E36F197A}"/>
+          </ac:spMkLst>
+        </pc:spChg>
+        <pc:spChg chg="add mod ord">
+          <ac:chgData name="Yashwanth Ravula(UST,IN)" userId="S::245098@ust.com::26c642e7-a083-4a2f-87f6-e20b0ef91a94" providerId="AD" clId="Web-{2DE26FE2-45FB-4F26-A176-2705B95D5F2D}" dt="2023-03-02T08:33:49.327" v="2"/>
+          <ac:spMkLst>
+            <pc:docMk/>
+            <pc:sldMk cId="1706638867" sldId="452"/>
+            <ac:spMk id="3" creationId="{1953C599-20AC-A72E-59A0-8D975C5DB3AD}"/>
+          </ac:spMkLst>
+        </pc:spChg>
+        <pc:spChg chg="add del mod ord">
+          <ac:chgData name="Yashwanth Ravula(UST,IN)" userId="S::245098@ust.com::26c642e7-a083-4a2f-87f6-e20b0ef91a94" providerId="AD" clId="Web-{2DE26FE2-45FB-4F26-A176-2705B95D5F2D}" dt="2023-03-02T08:33:59.030" v="3"/>
+          <ac:spMkLst>
+            <pc:docMk/>
+            <pc:sldMk cId="1706638867" sldId="452"/>
+            <ac:spMk id="4" creationId="{7CF1E8B2-3BAB-264E-3A45-163BF1E7E0EA}"/>
+          </ac:spMkLst>
+        </pc:spChg>
+      </pc:sldChg>
+      <pc:sldChg chg="delSp modSp new">
+        <pc:chgData name="Yashwanth Ravula(UST,IN)" userId="S::245098@ust.com::26c642e7-a083-4a2f-87f6-e20b0ef91a94" providerId="AD" clId="Web-{2DE26FE2-45FB-4F26-A176-2705B95D5F2D}" dt="2023-03-02T08:47:35.629" v="100" actId="14100"/>
+        <pc:sldMkLst>
+          <pc:docMk/>
+          <pc:sldMk cId="19244136" sldId="453"/>
+        </pc:sldMkLst>
+        <pc:spChg chg="del">
+          <ac:chgData name="Yashwanth Ravula(UST,IN)" userId="S::245098@ust.com::26c642e7-a083-4a2f-87f6-e20b0ef91a94" providerId="AD" clId="Web-{2DE26FE2-45FB-4F26-A176-2705B95D5F2D}" dt="2023-03-02T08:38:51.444" v="48"/>
+          <ac:spMkLst>
+            <pc:docMk/>
+            <pc:sldMk cId="19244136" sldId="453"/>
+            <ac:spMk id="2" creationId="{8C3A4774-59B3-D040-9F74-79EA9C4A6F48}"/>
+          </ac:spMkLst>
+        </pc:spChg>
         <pc:spChg chg="mod">
-          <ac:chgData name="Rayona Mathew(UST,IN)" userId="S::245072@ust.com::ba69e595-3dd2-41bd-a7f7-516712dab024" providerId="AD" clId="Web-{2E58EBB2-A53C-498D-BB2B-2F58CD890035}" dt="2023-03-01T11:34:30.829" v="215" actId="20577"/>
-          <ac:spMkLst>
-            <pc:docMk/>
-            <pc:sldMk cId="1171673723" sldId="449"/>
-            <ac:spMk id="2" creationId="{343AC1E4-DD26-AC67-9B95-371B349FBB26}"/>
+          <ac:chgData name="Yashwanth Ravula(UST,IN)" userId="S::245098@ust.com::26c642e7-a083-4a2f-87f6-e20b0ef91a94" providerId="AD" clId="Web-{2DE26FE2-45FB-4F26-A176-2705B95D5F2D}" dt="2023-03-02T08:47:35.629" v="100" actId="14100"/>
+          <ac:spMkLst>
+            <pc:docMk/>
+            <pc:sldMk cId="19244136" sldId="453"/>
+            <ac:spMk id="3" creationId="{A475E339-374D-08CD-9943-833B27247B34}"/>
+          </ac:spMkLst>
+        </pc:spChg>
+      </pc:sldChg>
+      <pc:sldChg chg="addSp delSp modSp new del mod modClrScheme chgLayout">
+        <pc:chgData name="Yashwanth Ravula(UST,IN)" userId="S::245098@ust.com::26c642e7-a083-4a2f-87f6-e20b0ef91a94" providerId="AD" clId="Web-{2DE26FE2-45FB-4F26-A176-2705B95D5F2D}" dt="2023-03-02T08:38:30.771" v="46"/>
+        <pc:sldMkLst>
+          <pc:docMk/>
+          <pc:sldMk cId="1233136952" sldId="453"/>
+        </pc:sldMkLst>
+        <pc:spChg chg="del">
+          <ac:chgData name="Yashwanth Ravula(UST,IN)" userId="S::245098@ust.com::26c642e7-a083-4a2f-87f6-e20b0ef91a94" providerId="AD" clId="Web-{2DE26FE2-45FB-4F26-A176-2705B95D5F2D}" dt="2023-03-02T08:38:00.958" v="44"/>
+          <ac:spMkLst>
+            <pc:docMk/>
+            <pc:sldMk cId="1233136952" sldId="453"/>
+            <ac:spMk id="2" creationId="{16490C6C-8452-94A0-6B28-3986902193AD}"/>
+          </ac:spMkLst>
+        </pc:spChg>
+        <pc:spChg chg="del">
+          <ac:chgData name="Yashwanth Ravula(UST,IN)" userId="S::245098@ust.com::26c642e7-a083-4a2f-87f6-e20b0ef91a94" providerId="AD" clId="Web-{2DE26FE2-45FB-4F26-A176-2705B95D5F2D}" dt="2023-03-02T08:38:00.958" v="44"/>
+          <ac:spMkLst>
+            <pc:docMk/>
+            <pc:sldMk cId="1233136952" sldId="453"/>
+            <ac:spMk id="3" creationId="{F894B7EE-4D71-0A94-0251-D760F7FD4A06}"/>
+          </ac:spMkLst>
+        </pc:spChg>
+        <pc:spChg chg="add mod">
+          <ac:chgData name="Yashwanth Ravula(UST,IN)" userId="S::245098@ust.com::26c642e7-a083-4a2f-87f6-e20b0ef91a94" providerId="AD" clId="Web-{2DE26FE2-45FB-4F26-A176-2705B95D5F2D}" dt="2023-03-02T08:38:24.881" v="45"/>
+          <ac:spMkLst>
+            <pc:docMk/>
+            <pc:sldMk cId="1233136952" sldId="453"/>
+            <ac:spMk id="4" creationId="{20735AA7-DC3F-4F79-8D90-22D683971879}"/>
+          </ac:spMkLst>
+        </pc:spChg>
+      </pc:sldChg>
+      <pc:sldChg chg="add del">
+        <pc:chgData name="Yashwanth Ravula(UST,IN)" userId="S::245098@ust.com::26c642e7-a083-4a2f-87f6-e20b0ef91a94" providerId="AD" clId="Web-{2DE26FE2-45FB-4F26-A176-2705B95D5F2D}" dt="2023-03-02T08:35:08.422" v="12"/>
+        <pc:sldMkLst>
+          <pc:docMk/>
+          <pc:sldMk cId="1676222931" sldId="453"/>
+        </pc:sldMkLst>
+      </pc:sldChg>
+      <pc:sldChg chg="modSp new mod chgLayout">
+        <pc:chgData name="Yashwanth Ravula(UST,IN)" userId="S::245098@ust.com::26c642e7-a083-4a2f-87f6-e20b0ef91a94" providerId="AD" clId="Web-{2DE26FE2-45FB-4F26-A176-2705B95D5F2D}" dt="2023-03-02T08:51:14.807" v="136" actId="14100"/>
+        <pc:sldMkLst>
+          <pc:docMk/>
+          <pc:sldMk cId="1252647649" sldId="454"/>
+        </pc:sldMkLst>
+        <pc:spChg chg="mod ord">
+          <ac:chgData name="Yashwanth Ravula(UST,IN)" userId="S::245098@ust.com::26c642e7-a083-4a2f-87f6-e20b0ef91a94" providerId="AD" clId="Web-{2DE26FE2-45FB-4F26-A176-2705B95D5F2D}" dt="2023-03-02T08:51:14.807" v="136" actId="14100"/>
+          <ac:spMkLst>
+            <pc:docMk/>
+            <pc:sldMk cId="1252647649" sldId="454"/>
+            <ac:spMk id="2" creationId="{E3D5644F-164B-3AF6-93DC-F1652251A21E}"/>
+          </ac:spMkLst>
+        </pc:spChg>
+        <pc:spChg chg="mod ord">
+          <ac:chgData name="Yashwanth Ravula(UST,IN)" userId="S::245098@ust.com::26c642e7-a083-4a2f-87f6-e20b0ef91a94" providerId="AD" clId="Web-{2DE26FE2-45FB-4F26-A176-2705B95D5F2D}" dt="2023-03-02T08:50:53.650" v="134" actId="20577"/>
+          <ac:spMkLst>
+            <pc:docMk/>
+            <pc:sldMk cId="1252647649" sldId="454"/>
+            <ac:spMk id="3" creationId="{A42295EC-5F70-BE56-7BEC-84A52F6C1ED0}"/>
+          </ac:spMkLst>
+        </pc:spChg>
+      </pc:sldChg>
+      <pc:sldChg chg="add del replId">
+        <pc:chgData name="Yashwanth Ravula(UST,IN)" userId="S::245098@ust.com::26c642e7-a083-4a2f-87f6-e20b0ef91a94" providerId="AD" clId="Web-{2DE26FE2-45FB-4F26-A176-2705B95D5F2D}" dt="2023-03-02T08:37:46.114" v="43"/>
+        <pc:sldMkLst>
+          <pc:docMk/>
+          <pc:sldMk cId="2621474178" sldId="454"/>
+        </pc:sldMkLst>
+      </pc:sldChg>
+      <pc:sldChg chg="add del replId">
+        <pc:chgData name="Yashwanth Ravula(UST,IN)" userId="S::245098@ust.com::26c642e7-a083-4a2f-87f6-e20b0ef91a94" providerId="AD" clId="Web-{2DE26FE2-45FB-4F26-A176-2705B95D5F2D}" dt="2023-03-02T08:45:23.345" v="95"/>
+        <pc:sldMkLst>
+          <pc:docMk/>
+          <pc:sldMk cId="242396634" sldId="455"/>
+        </pc:sldMkLst>
+      </pc:sldChg>
+      <pc:sldChg chg="delSp modSp new">
+        <pc:chgData name="Yashwanth Ravula(UST,IN)" userId="S::245098@ust.com::26c642e7-a083-4a2f-87f6-e20b0ef91a94" providerId="AD" clId="Web-{2DE26FE2-45FB-4F26-A176-2705B95D5F2D}" dt="2023-03-02T08:55:48.439" v="177" actId="20577"/>
+        <pc:sldMkLst>
+          <pc:docMk/>
+          <pc:sldMk cId="883697915" sldId="455"/>
+        </pc:sldMkLst>
+        <pc:spChg chg="del">
+          <ac:chgData name="Yashwanth Ravula(UST,IN)" userId="S::245098@ust.com::26c642e7-a083-4a2f-87f6-e20b0ef91a94" providerId="AD" clId="Web-{2DE26FE2-45FB-4F26-A176-2705B95D5F2D}" dt="2023-03-02T08:52:26.824" v="138"/>
+          <ac:spMkLst>
+            <pc:docMk/>
+            <pc:sldMk cId="883697915" sldId="455"/>
+            <ac:spMk id="2" creationId="{44EF250D-51AA-4AB2-D01B-B098A07BBE5D}"/>
           </ac:spMkLst>
         </pc:spChg>
         <pc:spChg chg="mod">
-          <ac:chgData name="Rayona Mathew(UST,IN)" userId="S::245072@ust.com::ba69e595-3dd2-41bd-a7f7-516712dab024" providerId="AD" clId="Web-{2E58EBB2-A53C-498D-BB2B-2F58CD890035}" dt="2023-03-01T11:38:08.352" v="227" actId="20577"/>
-          <ac:spMkLst>
-            <pc:docMk/>
-            <pc:sldMk cId="1171673723" sldId="449"/>
-            <ac:spMk id="3" creationId="{01CDD63E-D2C3-1CD5-F0FE-CB39CE756831}"/>
+          <ac:chgData name="Yashwanth Ravula(UST,IN)" userId="S::245098@ust.com::26c642e7-a083-4a2f-87f6-e20b0ef91a94" providerId="AD" clId="Web-{2DE26FE2-45FB-4F26-A176-2705B95D5F2D}" dt="2023-03-02T08:55:48.439" v="177" actId="20577"/>
+          <ac:spMkLst>
+            <pc:docMk/>
+            <pc:sldMk cId="883697915" sldId="455"/>
+            <ac:spMk id="3" creationId="{F5226773-D9E9-216A-F317-CC38761F6C51}"/>
           </ac:spMkLst>
         </pc:spChg>
       </pc:sldChg>
@@ -1835,44 +3135,641 @@
     </pc:docChg>
   </pc:docChgLst>
   <pc:docChgLst>
-    <pc:chgData name="Sowjanya Morisetty(UST,IN)" userId="S::245132@ust.com::fafc9569-a945-46e7-9869-5c26008d3c84" providerId="AD" clId="Web-{ED29B79D-4331-485A-9511-12903F0309A8}"/>
-    <pc:docChg chg="modSld">
-      <pc:chgData name="Sowjanya Morisetty(UST,IN)" userId="S::245132@ust.com::fafc9569-a945-46e7-9869-5c26008d3c84" providerId="AD" clId="Web-{ED29B79D-4331-485A-9511-12903F0309A8}" dt="2023-02-28T12:10:11.831" v="1" actId="20577"/>
+    <pc:chgData name="Sowjanya Morisetty(UST,IN)" userId="S::245132@ust.com::fafc9569-a945-46e7-9869-5c26008d3c84" providerId="AD" clId="Web-{48F7E3C2-C5CE-43E1-AF29-DB22FFF4C819}"/>
+    <pc:docChg chg="addSld delSld modSld">
+      <pc:chgData name="Sowjanya Morisetty(UST,IN)" userId="S::245132@ust.com::fafc9569-a945-46e7-9869-5c26008d3c84" providerId="AD" clId="Web-{48F7E3C2-C5CE-43E1-AF29-DB22FFF4C819}" dt="2023-03-02T19:51:59.182" v="448" actId="20577"/>
       <pc:docMkLst>
         <pc:docMk/>
       </pc:docMkLst>
+      <pc:sldChg chg="del">
+        <pc:chgData name="Sowjanya Morisetty(UST,IN)" userId="S::245132@ust.com::fafc9569-a945-46e7-9869-5c26008d3c84" providerId="AD" clId="Web-{48F7E3C2-C5CE-43E1-AF29-DB22FFF4C819}" dt="2023-03-02T19:44:47.648" v="396"/>
+        <pc:sldMkLst>
+          <pc:docMk/>
+          <pc:sldMk cId="2090374411" sldId="256"/>
+        </pc:sldMkLst>
+      </pc:sldChg>
       <pc:sldChg chg="modSp">
-        <pc:chgData name="Sowjanya Morisetty(UST,IN)" userId="S::245132@ust.com::fafc9569-a945-46e7-9869-5c26008d3c84" providerId="AD" clId="Web-{ED29B79D-4331-485A-9511-12903F0309A8}" dt="2023-02-28T12:10:11.831" v="1" actId="20577"/>
+        <pc:chgData name="Sowjanya Morisetty(UST,IN)" userId="S::245132@ust.com::fafc9569-a945-46e7-9869-5c26008d3c84" providerId="AD" clId="Web-{48F7E3C2-C5CE-43E1-AF29-DB22FFF4C819}" dt="2023-03-02T19:34:26.716" v="297" actId="20577"/>
         <pc:sldMkLst>
           <pc:docMk/>
           <pc:sldMk cId="877123665" sldId="431"/>
         </pc:sldMkLst>
         <pc:spChg chg="mod">
-          <ac:chgData name="Sowjanya Morisetty(UST,IN)" userId="S::245132@ust.com::fafc9569-a945-46e7-9869-5c26008d3c84" providerId="AD" clId="Web-{ED29B79D-4331-485A-9511-12903F0309A8}" dt="2023-02-28T12:10:11.831" v="1" actId="20577"/>
+          <ac:chgData name="Sowjanya Morisetty(UST,IN)" userId="S::245132@ust.com::fafc9569-a945-46e7-9869-5c26008d3c84" providerId="AD" clId="Web-{48F7E3C2-C5CE-43E1-AF29-DB22FFF4C819}" dt="2023-03-02T19:34:26.716" v="297" actId="20577"/>
           <ac:spMkLst>
             <pc:docMk/>
             <pc:sldMk cId="877123665" sldId="431"/>
             <ac:spMk id="6" creationId="{8BC7BFEE-38DA-DFBD-CD0D-D04ADB94AB00}"/>
+          </ac:spMkLst>
+        </pc:spChg>
+      </pc:sldChg>
+      <pc:sldChg chg="del">
+        <pc:chgData name="Sowjanya Morisetty(UST,IN)" userId="S::245132@ust.com::fafc9569-a945-46e7-9869-5c26008d3c84" providerId="AD" clId="Web-{48F7E3C2-C5CE-43E1-AF29-DB22FFF4C819}" dt="2023-03-02T19:35:02.624" v="301"/>
+        <pc:sldMkLst>
+          <pc:docMk/>
+          <pc:sldMk cId="2566345393" sldId="441"/>
+        </pc:sldMkLst>
+      </pc:sldChg>
+      <pc:sldChg chg="modSp">
+        <pc:chgData name="Sowjanya Morisetty(UST,IN)" userId="S::245132@ust.com::fafc9569-a945-46e7-9869-5c26008d3c84" providerId="AD" clId="Web-{48F7E3C2-C5CE-43E1-AF29-DB22FFF4C819}" dt="2023-03-02T19:46:10.699" v="403" actId="20577"/>
+        <pc:sldMkLst>
+          <pc:docMk/>
+          <pc:sldMk cId="102278663" sldId="456"/>
+        </pc:sldMkLst>
+        <pc:spChg chg="mod">
+          <ac:chgData name="Sowjanya Morisetty(UST,IN)" userId="S::245132@ust.com::fafc9569-a945-46e7-9869-5c26008d3c84" providerId="AD" clId="Web-{48F7E3C2-C5CE-43E1-AF29-DB22FFF4C819}" dt="2023-03-02T19:46:10.699" v="403" actId="20577"/>
+          <ac:spMkLst>
+            <pc:docMk/>
+            <pc:sldMk cId="102278663" sldId="456"/>
+            <ac:spMk id="3" creationId="{42EC8C3D-5968-3F69-5D06-51ACEDC322E3}"/>
+          </ac:spMkLst>
+        </pc:spChg>
+      </pc:sldChg>
+      <pc:sldChg chg="del">
+        <pc:chgData name="Sowjanya Morisetty(UST,IN)" userId="S::245132@ust.com::fafc9569-a945-46e7-9869-5c26008d3c84" providerId="AD" clId="Web-{48F7E3C2-C5CE-43E1-AF29-DB22FFF4C819}" dt="2023-03-02T19:35:02.483" v="300"/>
+        <pc:sldMkLst>
+          <pc:docMk/>
+          <pc:sldMk cId="427393029" sldId="457"/>
+        </pc:sldMkLst>
+      </pc:sldChg>
+      <pc:sldChg chg="del">
+        <pc:chgData name="Sowjanya Morisetty(UST,IN)" userId="S::245132@ust.com::fafc9569-a945-46e7-9869-5c26008d3c84" providerId="AD" clId="Web-{48F7E3C2-C5CE-43E1-AF29-DB22FFF4C819}" dt="2023-03-02T19:35:02.421" v="299"/>
+        <pc:sldMkLst>
+          <pc:docMk/>
+          <pc:sldMk cId="2065389314" sldId="458"/>
+        </pc:sldMkLst>
+      </pc:sldChg>
+      <pc:sldChg chg="addSp delSp modSp">
+        <pc:chgData name="Sowjanya Morisetty(UST,IN)" userId="S::245132@ust.com::fafc9569-a945-46e7-9869-5c26008d3c84" providerId="AD" clId="Web-{48F7E3C2-C5CE-43E1-AF29-DB22FFF4C819}" dt="2023-03-02T19:49:09.707" v="432" actId="20577"/>
+        <pc:sldMkLst>
+          <pc:docMk/>
+          <pc:sldMk cId="778499327" sldId="459"/>
+        </pc:sldMkLst>
+        <pc:spChg chg="add del mod">
+          <ac:chgData name="Sowjanya Morisetty(UST,IN)" userId="S::245132@ust.com::fafc9569-a945-46e7-9869-5c26008d3c84" providerId="AD" clId="Web-{48F7E3C2-C5CE-43E1-AF29-DB22FFF4C819}" dt="2023-03-02T19:47:22.202" v="412"/>
+          <ac:spMkLst>
+            <pc:docMk/>
+            <pc:sldMk cId="778499327" sldId="459"/>
+            <ac:spMk id="3" creationId="{F12081E3-E897-5C2E-BD32-9EC87CF5E917}"/>
+          </ac:spMkLst>
+        </pc:spChg>
+        <pc:spChg chg="add del mod">
+          <ac:chgData name="Sowjanya Morisetty(UST,IN)" userId="S::245132@ust.com::fafc9569-a945-46e7-9869-5c26008d3c84" providerId="AD" clId="Web-{48F7E3C2-C5CE-43E1-AF29-DB22FFF4C819}" dt="2023-03-02T19:49:09.707" v="432" actId="20577"/>
+          <ac:spMkLst>
+            <pc:docMk/>
+            <pc:sldMk cId="778499327" sldId="459"/>
+            <ac:spMk id="20" creationId="{7F14EB71-9ED2-9F96-C85E-7EB3D17E4FEF}"/>
+          </ac:spMkLst>
+        </pc:spChg>
+        <pc:spChg chg="mod">
+          <ac:chgData name="Sowjanya Morisetty(UST,IN)" userId="S::245132@ust.com::fafc9569-a945-46e7-9869-5c26008d3c84" providerId="AD" clId="Web-{48F7E3C2-C5CE-43E1-AF29-DB22FFF4C819}" dt="2023-03-02T19:46:40.982" v="410" actId="20577"/>
+          <ac:spMkLst>
+            <pc:docMk/>
+            <pc:sldMk cId="778499327" sldId="459"/>
+            <ac:spMk id="27" creationId="{BF7DC766-CF04-5CFB-32EB-90EEA4094AAE}"/>
+          </ac:spMkLst>
+        </pc:spChg>
+      </pc:sldChg>
+      <pc:sldChg chg="modSp">
+        <pc:chgData name="Sowjanya Morisetty(UST,IN)" userId="S::245132@ust.com::fafc9569-a945-46e7-9869-5c26008d3c84" providerId="AD" clId="Web-{48F7E3C2-C5CE-43E1-AF29-DB22FFF4C819}" dt="2023-03-02T19:50:23.960" v="437" actId="1076"/>
+        <pc:sldMkLst>
+          <pc:docMk/>
+          <pc:sldMk cId="2511916723" sldId="460"/>
+        </pc:sldMkLst>
+        <pc:picChg chg="mod">
+          <ac:chgData name="Sowjanya Morisetty(UST,IN)" userId="S::245132@ust.com::fafc9569-a945-46e7-9869-5c26008d3c84" providerId="AD" clId="Web-{48F7E3C2-C5CE-43E1-AF29-DB22FFF4C819}" dt="2023-03-02T19:50:23.960" v="437" actId="1076"/>
+          <ac:picMkLst>
+            <pc:docMk/>
+            <pc:sldMk cId="2511916723" sldId="460"/>
+            <ac:picMk id="5" creationId="{70FF45E5-01FE-4BA5-43EA-F17AE229FAA7}"/>
+          </ac:picMkLst>
+        </pc:picChg>
+      </pc:sldChg>
+      <pc:sldChg chg="modSp">
+        <pc:chgData name="Sowjanya Morisetty(UST,IN)" userId="S::245132@ust.com::fafc9569-a945-46e7-9869-5c26008d3c84" providerId="AD" clId="Web-{48F7E3C2-C5CE-43E1-AF29-DB22FFF4C819}" dt="2023-03-02T19:50:49.758" v="440" actId="14100"/>
+        <pc:sldMkLst>
+          <pc:docMk/>
+          <pc:sldMk cId="1364191368" sldId="461"/>
+        </pc:sldMkLst>
+        <pc:spChg chg="mod">
+          <ac:chgData name="Sowjanya Morisetty(UST,IN)" userId="S::245132@ust.com::fafc9569-a945-46e7-9869-5c26008d3c84" providerId="AD" clId="Web-{48F7E3C2-C5CE-43E1-AF29-DB22FFF4C819}" dt="2023-03-02T19:50:49.758" v="440" actId="14100"/>
+          <ac:spMkLst>
+            <pc:docMk/>
+            <pc:sldMk cId="1364191368" sldId="461"/>
+            <ac:spMk id="23" creationId="{3DC47693-256F-065A-DE44-373871A6CA78}"/>
+          </ac:spMkLst>
+        </pc:spChg>
+      </pc:sldChg>
+      <pc:sldChg chg="addSp delSp modSp mod modClrScheme chgLayout">
+        <pc:chgData name="Sowjanya Morisetty(UST,IN)" userId="S::245132@ust.com::fafc9569-a945-46e7-9869-5c26008d3c84" providerId="AD" clId="Web-{48F7E3C2-C5CE-43E1-AF29-DB22FFF4C819}" dt="2023-03-02T19:30:58.614" v="244" actId="14100"/>
+        <pc:sldMkLst>
+          <pc:docMk/>
+          <pc:sldMk cId="3223441651" sldId="464"/>
+        </pc:sldMkLst>
+        <pc:spChg chg="mod ord">
+          <ac:chgData name="Sowjanya Morisetty(UST,IN)" userId="S::245132@ust.com::fafc9569-a945-46e7-9869-5c26008d3c84" providerId="AD" clId="Web-{48F7E3C2-C5CE-43E1-AF29-DB22FFF4C819}" dt="2023-03-02T19:30:58.614" v="244" actId="14100"/>
+          <ac:spMkLst>
+            <pc:docMk/>
+            <pc:sldMk cId="3223441651" sldId="464"/>
+            <ac:spMk id="2" creationId="{3AD1B76C-6EFA-6849-72A5-46EF786B46F2}"/>
+          </ac:spMkLst>
+        </pc:spChg>
+        <pc:spChg chg="mod ord">
+          <ac:chgData name="Sowjanya Morisetty(UST,IN)" userId="S::245132@ust.com::fafc9569-a945-46e7-9869-5c26008d3c84" providerId="AD" clId="Web-{48F7E3C2-C5CE-43E1-AF29-DB22FFF4C819}" dt="2023-03-02T19:30:39.863" v="240" actId="14100"/>
+          <ac:spMkLst>
+            <pc:docMk/>
+            <pc:sldMk cId="3223441651" sldId="464"/>
+            <ac:spMk id="3" creationId="{FC7EF956-206A-700A-8B85-56404519AE9F}"/>
+          </ac:spMkLst>
+        </pc:spChg>
+        <pc:spChg chg="del">
+          <ac:chgData name="Sowjanya Morisetty(UST,IN)" userId="S::245132@ust.com::fafc9569-a945-46e7-9869-5c26008d3c84" providerId="AD" clId="Web-{48F7E3C2-C5CE-43E1-AF29-DB22FFF4C819}" dt="2023-03-02T19:30:01.096" v="233"/>
+          <ac:spMkLst>
+            <pc:docMk/>
+            <pc:sldMk cId="3223441651" sldId="464"/>
+            <ac:spMk id="4" creationId="{A0F4D5AA-ED54-5C85-6BD4-115C6F55C1FD}"/>
+          </ac:spMkLst>
+        </pc:spChg>
+        <pc:spChg chg="add del mod">
+          <ac:chgData name="Sowjanya Morisetty(UST,IN)" userId="S::245132@ust.com::fafc9569-a945-46e7-9869-5c26008d3c84" providerId="AD" clId="Web-{48F7E3C2-C5CE-43E1-AF29-DB22FFF4C819}" dt="2023-03-02T19:30:12.034" v="237"/>
+          <ac:spMkLst>
+            <pc:docMk/>
+            <pc:sldMk cId="3223441651" sldId="464"/>
+            <ac:spMk id="8" creationId="{093D4A4D-4564-1E40-37A0-F9DEA9F48FAA}"/>
+          </ac:spMkLst>
+        </pc:spChg>
+      </pc:sldChg>
+      <pc:sldChg chg="addSp delSp modSp new del mod modClrScheme chgLayout">
+        <pc:chgData name="Sowjanya Morisetty(UST,IN)" userId="S::245132@ust.com::fafc9569-a945-46e7-9869-5c26008d3c84" providerId="AD" clId="Web-{48F7E3C2-C5CE-43E1-AF29-DB22FFF4C819}" dt="2023-03-02T19:35:02.421" v="298"/>
+        <pc:sldMkLst>
+          <pc:docMk/>
+          <pc:sldMk cId="3633940512" sldId="465"/>
+        </pc:sldMkLst>
+        <pc:spChg chg="mod ord">
+          <ac:chgData name="Sowjanya Morisetty(UST,IN)" userId="S::245132@ust.com::fafc9569-a945-46e7-9869-5c26008d3c84" providerId="AD" clId="Web-{48F7E3C2-C5CE-43E1-AF29-DB22FFF4C819}" dt="2023-03-02T19:05:43.796" v="11"/>
+          <ac:spMkLst>
+            <pc:docMk/>
+            <pc:sldMk cId="3633940512" sldId="465"/>
+            <ac:spMk id="2" creationId="{92E6BC87-1A39-BB39-244C-CBF87C03D143}"/>
+          </ac:spMkLst>
+        </pc:spChg>
+        <pc:spChg chg="mod ord">
+          <ac:chgData name="Sowjanya Morisetty(UST,IN)" userId="S::245132@ust.com::fafc9569-a945-46e7-9869-5c26008d3c84" providerId="AD" clId="Web-{48F7E3C2-C5CE-43E1-AF29-DB22FFF4C819}" dt="2023-03-02T19:05:43.796" v="11"/>
+          <ac:spMkLst>
+            <pc:docMk/>
+            <pc:sldMk cId="3633940512" sldId="465"/>
+            <ac:spMk id="3" creationId="{3C387590-8DB6-8221-5CBA-B0EC9B243A7D}"/>
+          </ac:spMkLst>
+        </pc:spChg>
+        <pc:spChg chg="del">
+          <ac:chgData name="Sowjanya Morisetty(UST,IN)" userId="S::245132@ust.com::fafc9569-a945-46e7-9869-5c26008d3c84" providerId="AD" clId="Web-{48F7E3C2-C5CE-43E1-AF29-DB22FFF4C819}" dt="2023-03-02T19:05:43.718" v="10"/>
+          <ac:spMkLst>
+            <pc:docMk/>
+            <pc:sldMk cId="3633940512" sldId="465"/>
+            <ac:spMk id="4" creationId="{CEB788BD-5645-5EC9-66C1-3B4D638CF72C}"/>
+          </ac:spMkLst>
+        </pc:spChg>
+        <pc:spChg chg="add mod ord">
+          <ac:chgData name="Sowjanya Morisetty(UST,IN)" userId="S::245132@ust.com::fafc9569-a945-46e7-9869-5c26008d3c84" providerId="AD" clId="Web-{48F7E3C2-C5CE-43E1-AF29-DB22FFF4C819}" dt="2023-03-02T19:05:43.796" v="11"/>
+          <ac:spMkLst>
+            <pc:docMk/>
+            <pc:sldMk cId="3633940512" sldId="465"/>
+            <ac:spMk id="5" creationId="{D638C261-36ED-D0B9-C6F7-5C1DB65DEB54}"/>
+          </ac:spMkLst>
+        </pc:spChg>
+      </pc:sldChg>
+      <pc:sldChg chg="addSp delSp modSp new mod modClrScheme chgLayout">
+        <pc:chgData name="Sowjanya Morisetty(UST,IN)" userId="S::245132@ust.com::fafc9569-a945-46e7-9869-5c26008d3c84" providerId="AD" clId="Web-{48F7E3C2-C5CE-43E1-AF29-DB22FFF4C819}" dt="2023-03-02T19:51:59.182" v="448" actId="20577"/>
+        <pc:sldMkLst>
+          <pc:docMk/>
+          <pc:sldMk cId="2137832043" sldId="466"/>
+        </pc:sldMkLst>
+        <pc:spChg chg="add del mod ord">
+          <ac:chgData name="Sowjanya Morisetty(UST,IN)" userId="S::245132@ust.com::fafc9569-a945-46e7-9869-5c26008d3c84" providerId="AD" clId="Web-{48F7E3C2-C5CE-43E1-AF29-DB22FFF4C819}" dt="2023-03-02T19:10:16.964" v="49"/>
+          <ac:spMkLst>
+            <pc:docMk/>
+            <pc:sldMk cId="2137832043" sldId="466"/>
+            <ac:spMk id="2" creationId="{B929D9F9-C4D8-F3DC-DD14-8B87BA08431D}"/>
+          </ac:spMkLst>
+        </pc:spChg>
+        <pc:spChg chg="add del mod ord">
+          <ac:chgData name="Sowjanya Morisetty(UST,IN)" userId="S::245132@ust.com::fafc9569-a945-46e7-9869-5c26008d3c84" providerId="AD" clId="Web-{48F7E3C2-C5CE-43E1-AF29-DB22FFF4C819}" dt="2023-03-02T19:11:28.045" v="57"/>
+          <ac:spMkLst>
+            <pc:docMk/>
+            <pc:sldMk cId="2137832043" sldId="466"/>
+            <ac:spMk id="3" creationId="{26769D3E-A800-8A80-1894-4406FBA425E7}"/>
+          </ac:spMkLst>
+        </pc:spChg>
+        <pc:spChg chg="del">
+          <ac:chgData name="Sowjanya Morisetty(UST,IN)" userId="S::245132@ust.com::fafc9569-a945-46e7-9869-5c26008d3c84" providerId="AD" clId="Web-{48F7E3C2-C5CE-43E1-AF29-DB22FFF4C819}" dt="2023-03-02T19:06:20.626" v="13"/>
+          <ac:spMkLst>
+            <pc:docMk/>
+            <pc:sldMk cId="2137832043" sldId="466"/>
+            <ac:spMk id="4" creationId="{929AB0B8-D861-90DE-413C-1EBEC092516C}"/>
+          </ac:spMkLst>
+        </pc:spChg>
+        <pc:spChg chg="add del mod">
+          <ac:chgData name="Sowjanya Morisetty(UST,IN)" userId="S::245132@ust.com::fafc9569-a945-46e7-9869-5c26008d3c84" providerId="AD" clId="Web-{48F7E3C2-C5CE-43E1-AF29-DB22FFF4C819}" dt="2023-03-02T19:10:11.995" v="46"/>
+          <ac:spMkLst>
+            <pc:docMk/>
+            <pc:sldMk cId="2137832043" sldId="466"/>
+            <ac:spMk id="8" creationId="{563D6A8E-224B-178B-134B-89AEC783E6FC}"/>
+          </ac:spMkLst>
+        </pc:spChg>
+        <pc:spChg chg="add del mod">
+          <ac:chgData name="Sowjanya Morisetty(UST,IN)" userId="S::245132@ust.com::fafc9569-a945-46e7-9869-5c26008d3c84" providerId="AD" clId="Web-{48F7E3C2-C5CE-43E1-AF29-DB22FFF4C819}" dt="2023-03-02T19:10:16.949" v="48"/>
+          <ac:spMkLst>
+            <pc:docMk/>
+            <pc:sldMk cId="2137832043" sldId="466"/>
+            <ac:spMk id="10" creationId="{2BCA2D8C-F437-F87C-9F0A-77506A2976AD}"/>
+          </ac:spMkLst>
+        </pc:spChg>
+        <pc:spChg chg="add del mod">
+          <ac:chgData name="Sowjanya Morisetty(UST,IN)" userId="S::245132@ust.com::fafc9569-a945-46e7-9869-5c26008d3c84" providerId="AD" clId="Web-{48F7E3C2-C5CE-43E1-AF29-DB22FFF4C819}" dt="2023-03-02T19:10:16.949" v="48"/>
+          <ac:spMkLst>
+            <pc:docMk/>
+            <pc:sldMk cId="2137832043" sldId="466"/>
+            <ac:spMk id="11" creationId="{3A91F6E3-A604-FC9A-BFF3-BF0DC9C1ABF9}"/>
+          </ac:spMkLst>
+        </pc:spChg>
+        <pc:spChg chg="add del mod ord">
+          <ac:chgData name="Sowjanya Morisetty(UST,IN)" userId="S::245132@ust.com::fafc9569-a945-46e7-9869-5c26008d3c84" providerId="AD" clId="Web-{48F7E3C2-C5CE-43E1-AF29-DB22FFF4C819}" dt="2023-03-02T19:11:28.045" v="57"/>
+          <ac:spMkLst>
+            <pc:docMk/>
+            <pc:sldMk cId="2137832043" sldId="466"/>
+            <ac:spMk id="13" creationId="{73B2C2E5-29A6-B428-120B-68A52BFB5262}"/>
+          </ac:spMkLst>
+        </pc:spChg>
+        <pc:spChg chg="add del mod">
+          <ac:chgData name="Sowjanya Morisetty(UST,IN)" userId="S::245132@ust.com::fafc9569-a945-46e7-9869-5c26008d3c84" providerId="AD" clId="Web-{48F7E3C2-C5CE-43E1-AF29-DB22FFF4C819}" dt="2023-03-02T19:10:24.152" v="50"/>
+          <ac:spMkLst>
+            <pc:docMk/>
+            <pc:sldMk cId="2137832043" sldId="466"/>
+            <ac:spMk id="14" creationId="{F53F3A9A-FCF2-6DA4-9CBF-FA88C56493DA}"/>
+          </ac:spMkLst>
+        </pc:spChg>
+        <pc:spChg chg="add del mod">
+          <ac:chgData name="Sowjanya Morisetty(UST,IN)" userId="S::245132@ust.com::fafc9569-a945-46e7-9869-5c26008d3c84" providerId="AD" clId="Web-{48F7E3C2-C5CE-43E1-AF29-DB22FFF4C819}" dt="2023-03-02T19:12:19.173" v="58"/>
+          <ac:spMkLst>
+            <pc:docMk/>
+            <pc:sldMk cId="2137832043" sldId="466"/>
+            <ac:spMk id="18" creationId="{A64CA622-7CCE-114F-0BC3-05566EE041AD}"/>
+          </ac:spMkLst>
+        </pc:spChg>
+        <pc:spChg chg="add del mod">
+          <ac:chgData name="Sowjanya Morisetty(UST,IN)" userId="S::245132@ust.com::fafc9569-a945-46e7-9869-5c26008d3c84" providerId="AD" clId="Web-{48F7E3C2-C5CE-43E1-AF29-DB22FFF4C819}" dt="2023-03-02T19:10:44.997" v="52"/>
+          <ac:spMkLst>
+            <pc:docMk/>
+            <pc:sldMk cId="2137832043" sldId="466"/>
+            <ac:spMk id="19" creationId="{E7DC578D-42D2-7C26-48DA-18E2ED1D34D0}"/>
+          </ac:spMkLst>
+        </pc:spChg>
+        <pc:spChg chg="add del mod">
+          <ac:chgData name="Sowjanya Morisetty(UST,IN)" userId="S::245132@ust.com::fafc9569-a945-46e7-9869-5c26008d3c84" providerId="AD" clId="Web-{48F7E3C2-C5CE-43E1-AF29-DB22FFF4C819}" dt="2023-03-02T19:12:19.173" v="58"/>
+          <ac:spMkLst>
+            <pc:docMk/>
+            <pc:sldMk cId="2137832043" sldId="466"/>
+            <ac:spMk id="20" creationId="{3738ED8F-55E2-9F85-0CB1-14E6B7BF7893}"/>
+          </ac:spMkLst>
+        </pc:spChg>
+        <pc:spChg chg="add del mod">
+          <ac:chgData name="Sowjanya Morisetty(UST,IN)" userId="S::245132@ust.com::fafc9569-a945-46e7-9869-5c26008d3c84" providerId="AD" clId="Web-{48F7E3C2-C5CE-43E1-AF29-DB22FFF4C819}" dt="2023-03-02T19:10:44.997" v="52"/>
+          <ac:spMkLst>
+            <pc:docMk/>
+            <pc:sldMk cId="2137832043" sldId="466"/>
+            <ac:spMk id="21" creationId="{61C893DE-B059-1293-38DE-3D653506FFAB}"/>
+          </ac:spMkLst>
+        </pc:spChg>
+        <pc:spChg chg="add del mod">
+          <ac:chgData name="Sowjanya Morisetty(UST,IN)" userId="S::245132@ust.com::fafc9569-a945-46e7-9869-5c26008d3c84" providerId="AD" clId="Web-{48F7E3C2-C5CE-43E1-AF29-DB22FFF4C819}" dt="2023-03-02T19:10:47.606" v="54"/>
+          <ac:spMkLst>
+            <pc:docMk/>
+            <pc:sldMk cId="2137832043" sldId="466"/>
+            <ac:spMk id="23" creationId="{8BF3A3F4-EE54-05F2-16A8-E105492D632A}"/>
+          </ac:spMkLst>
+        </pc:spChg>
+        <pc:spChg chg="add del mod">
+          <ac:chgData name="Sowjanya Morisetty(UST,IN)" userId="S::245132@ust.com::fafc9569-a945-46e7-9869-5c26008d3c84" providerId="AD" clId="Web-{48F7E3C2-C5CE-43E1-AF29-DB22FFF4C819}" dt="2023-03-02T19:10:47.606" v="54"/>
+          <ac:spMkLst>
+            <pc:docMk/>
+            <pc:sldMk cId="2137832043" sldId="466"/>
+            <ac:spMk id="24" creationId="{E6756246-BFBF-0FA0-76D9-B0F2642BA54D}"/>
+          </ac:spMkLst>
+        </pc:spChg>
+        <pc:spChg chg="add del mod">
+          <ac:chgData name="Sowjanya Morisetty(UST,IN)" userId="S::245132@ust.com::fafc9569-a945-46e7-9869-5c26008d3c84" providerId="AD" clId="Web-{48F7E3C2-C5CE-43E1-AF29-DB22FFF4C819}" dt="2023-03-02T19:11:28.030" v="56"/>
+          <ac:spMkLst>
+            <pc:docMk/>
+            <pc:sldMk cId="2137832043" sldId="466"/>
+            <ac:spMk id="27" creationId="{4855C006-EF67-8A4F-07B1-B8E3B44C1089}"/>
+          </ac:spMkLst>
+        </pc:spChg>
+        <pc:spChg chg="add del mod">
+          <ac:chgData name="Sowjanya Morisetty(UST,IN)" userId="S::245132@ust.com::fafc9569-a945-46e7-9869-5c26008d3c84" providerId="AD" clId="Web-{48F7E3C2-C5CE-43E1-AF29-DB22FFF4C819}" dt="2023-03-02T19:11:28.030" v="56"/>
+          <ac:spMkLst>
+            <pc:docMk/>
+            <pc:sldMk cId="2137832043" sldId="466"/>
+            <ac:spMk id="28" creationId="{CD35CC97-63DA-195C-73B3-6505381ACBFA}"/>
+          </ac:spMkLst>
+        </pc:spChg>
+        <pc:spChg chg="add del mod ord">
+          <ac:chgData name="Sowjanya Morisetty(UST,IN)" userId="S::245132@ust.com::fafc9569-a945-46e7-9869-5c26008d3c84" providerId="AD" clId="Web-{48F7E3C2-C5CE-43E1-AF29-DB22FFF4C819}" dt="2023-03-02T19:13:46.473" v="65"/>
+          <ac:spMkLst>
+            <pc:docMk/>
+            <pc:sldMk cId="2137832043" sldId="466"/>
+            <ac:spMk id="31" creationId="{26769D3E-A800-8A80-1894-4406FBA425E7}"/>
+          </ac:spMkLst>
+        </pc:spChg>
+        <pc:spChg chg="add del mod ord">
+          <ac:chgData name="Sowjanya Morisetty(UST,IN)" userId="S::245132@ust.com::fafc9569-a945-46e7-9869-5c26008d3c84" providerId="AD" clId="Web-{48F7E3C2-C5CE-43E1-AF29-DB22FFF4C819}" dt="2023-03-02T19:13:46.473" v="65"/>
+          <ac:spMkLst>
+            <pc:docMk/>
+            <pc:sldMk cId="2137832043" sldId="466"/>
+            <ac:spMk id="51" creationId="{AE232072-3109-21B1-BFE1-D018677F7298}"/>
+          </ac:spMkLst>
+        </pc:spChg>
+        <pc:spChg chg="add del mod">
+          <ac:chgData name="Sowjanya Morisetty(UST,IN)" userId="S::245132@ust.com::fafc9569-a945-46e7-9869-5c26008d3c84" providerId="AD" clId="Web-{48F7E3C2-C5CE-43E1-AF29-DB22FFF4C819}" dt="2023-03-02T19:13:46.458" v="64"/>
+          <ac:spMkLst>
+            <pc:docMk/>
+            <pc:sldMk cId="2137832043" sldId="466"/>
+            <ac:spMk id="56" creationId="{0A52D813-1404-C5AB-403A-8E4B50C56D14}"/>
+          </ac:spMkLst>
+        </pc:spChg>
+        <pc:spChg chg="add mod">
+          <ac:chgData name="Sowjanya Morisetty(UST,IN)" userId="S::245132@ust.com::fafc9569-a945-46e7-9869-5c26008d3c84" providerId="AD" clId="Web-{48F7E3C2-C5CE-43E1-AF29-DB22FFF4C819}" dt="2023-03-02T19:19:44.989" v="200" actId="20577"/>
+          <ac:spMkLst>
+            <pc:docMk/>
+            <pc:sldMk cId="2137832043" sldId="466"/>
+            <ac:spMk id="57" creationId="{6FF4915C-56BB-4719-A7DE-921522AA0E83}"/>
+          </ac:spMkLst>
+        </pc:spChg>
+        <pc:spChg chg="add del mod">
+          <ac:chgData name="Sowjanya Morisetty(UST,IN)" userId="S::245132@ust.com::fafc9569-a945-46e7-9869-5c26008d3c84" providerId="AD" clId="Web-{48F7E3C2-C5CE-43E1-AF29-DB22FFF4C819}" dt="2023-03-02T19:13:46.458" v="64"/>
+          <ac:spMkLst>
+            <pc:docMk/>
+            <pc:sldMk cId="2137832043" sldId="466"/>
+            <ac:spMk id="58" creationId="{7013B932-ECAE-34BC-A4ED-4E28572E2DAC}"/>
+          </ac:spMkLst>
+        </pc:spChg>
+        <pc:spChg chg="add del mod">
+          <ac:chgData name="Sowjanya Morisetty(UST,IN)" userId="S::245132@ust.com::fafc9569-a945-46e7-9869-5c26008d3c84" providerId="AD" clId="Web-{48F7E3C2-C5CE-43E1-AF29-DB22FFF4C819}" dt="2023-03-02T19:13:54.364" v="66"/>
+          <ac:spMkLst>
+            <pc:docMk/>
+            <pc:sldMk cId="2137832043" sldId="466"/>
+            <ac:spMk id="59" creationId="{A8636F91-2F82-824F-99AC-7A9C2CF909F7}"/>
+          </ac:spMkLst>
+        </pc:spChg>
+        <pc:spChg chg="add del mod">
+          <ac:chgData name="Sowjanya Morisetty(UST,IN)" userId="S::245132@ust.com::fafc9569-a945-46e7-9869-5c26008d3c84" providerId="AD" clId="Web-{48F7E3C2-C5CE-43E1-AF29-DB22FFF4C819}" dt="2023-03-02T19:15:23.712" v="125"/>
+          <ac:spMkLst>
+            <pc:docMk/>
+            <pc:sldMk cId="2137832043" sldId="466"/>
+            <ac:spMk id="424" creationId="{B20BD109-3CC0-4B3E-8B81-D41D246B8914}"/>
+          </ac:spMkLst>
+        </pc:spChg>
+        <pc:graphicFrameChg chg="add del mod">
+          <ac:chgData name="Sowjanya Morisetty(UST,IN)" userId="S::245132@ust.com::fafc9569-a945-46e7-9869-5c26008d3c84" providerId="AD" clId="Web-{48F7E3C2-C5CE-43E1-AF29-DB22FFF4C819}" dt="2023-03-02T19:10:44.997" v="52"/>
+          <ac:graphicFrameMkLst>
+            <pc:docMk/>
+            <pc:sldMk cId="2137832043" sldId="466"/>
+            <ac:graphicFrameMk id="15" creationId="{A549D7E4-A7F7-BE73-5946-03D5E521CC34}"/>
+          </ac:graphicFrameMkLst>
+        </pc:graphicFrameChg>
+        <pc:graphicFrameChg chg="add del mod">
+          <ac:chgData name="Sowjanya Morisetty(UST,IN)" userId="S::245132@ust.com::fafc9569-a945-46e7-9869-5c26008d3c84" providerId="AD" clId="Web-{48F7E3C2-C5CE-43E1-AF29-DB22FFF4C819}" dt="2023-03-02T19:10:47.606" v="54"/>
+          <ac:graphicFrameMkLst>
+            <pc:docMk/>
+            <pc:sldMk cId="2137832043" sldId="466"/>
+            <ac:graphicFrameMk id="25" creationId="{02E5A6EE-AE57-2089-AA6B-D523934C448D}"/>
+          </ac:graphicFrameMkLst>
+        </pc:graphicFrameChg>
+        <pc:graphicFrameChg chg="add del mod">
+          <ac:chgData name="Sowjanya Morisetty(UST,IN)" userId="S::245132@ust.com::fafc9569-a945-46e7-9869-5c26008d3c84" providerId="AD" clId="Web-{48F7E3C2-C5CE-43E1-AF29-DB22FFF4C819}" dt="2023-03-02T19:11:28.030" v="56"/>
+          <ac:graphicFrameMkLst>
+            <pc:docMk/>
+            <pc:sldMk cId="2137832043" sldId="466"/>
+            <ac:graphicFrameMk id="29" creationId="{CAFE2DC2-BE6A-69A9-B0E2-9D68E25F039B}"/>
+          </ac:graphicFrameMkLst>
+        </pc:graphicFrameChg>
+        <pc:graphicFrameChg chg="add mod modGraphic">
+          <ac:chgData name="Sowjanya Morisetty(UST,IN)" userId="S::245132@ust.com::fafc9569-a945-46e7-9869-5c26008d3c84" providerId="AD" clId="Web-{48F7E3C2-C5CE-43E1-AF29-DB22FFF4C819}" dt="2023-03-02T19:18:22.704" v="175" actId="20577"/>
+          <ac:graphicFrameMkLst>
+            <pc:docMk/>
+            <pc:sldMk cId="2137832043" sldId="466"/>
+            <ac:graphicFrameMk id="53" creationId="{E5DEC043-9679-A6A4-05E2-9D633D150FFD}"/>
+          </ac:graphicFrameMkLst>
+        </pc:graphicFrameChg>
+        <pc:graphicFrameChg chg="add del mod ord modGraphic">
+          <ac:chgData name="Sowjanya Morisetty(UST,IN)" userId="S::245132@ust.com::fafc9569-a945-46e7-9869-5c26008d3c84" providerId="AD" clId="Web-{48F7E3C2-C5CE-43E1-AF29-DB22FFF4C819}" dt="2023-03-02T19:15:14.664" v="124"/>
+          <ac:graphicFrameMkLst>
+            <pc:docMk/>
+            <pc:sldMk cId="2137832043" sldId="466"/>
+            <ac:graphicFrameMk id="66" creationId="{88C0518F-09E3-EFE6-D9C9-0772922640B5}"/>
+          </ac:graphicFrameMkLst>
+        </pc:graphicFrameChg>
+        <pc:graphicFrameChg chg="add mod ord modGraphic">
+          <ac:chgData name="Sowjanya Morisetty(UST,IN)" userId="S::245132@ust.com::fafc9569-a945-46e7-9869-5c26008d3c84" providerId="AD" clId="Web-{48F7E3C2-C5CE-43E1-AF29-DB22FFF4C819}" dt="2023-03-02T19:51:59.182" v="448" actId="20577"/>
+          <ac:graphicFrameMkLst>
+            <pc:docMk/>
+            <pc:sldMk cId="2137832043" sldId="466"/>
+            <ac:graphicFrameMk id="434" creationId="{6E029495-9CA5-D450-451F-9955AD94BE1A}"/>
+          </ac:graphicFrameMkLst>
+        </pc:graphicFrameChg>
+      </pc:sldChg>
+      <pc:sldChg chg="addSp delSp modSp new mod modClrScheme chgLayout">
+        <pc:chgData name="Sowjanya Morisetty(UST,IN)" userId="S::245132@ust.com::fafc9569-a945-46e7-9869-5c26008d3c84" providerId="AD" clId="Web-{48F7E3C2-C5CE-43E1-AF29-DB22FFF4C819}" dt="2023-03-02T19:23:30.204" v="230" actId="14100"/>
+        <pc:sldMkLst>
+          <pc:docMk/>
+          <pc:sldMk cId="2618610483" sldId="467"/>
+        </pc:sldMkLst>
+        <pc:spChg chg="del">
+          <ac:chgData name="Sowjanya Morisetty(UST,IN)" userId="S::245132@ust.com::fafc9569-a945-46e7-9869-5c26008d3c84" providerId="AD" clId="Web-{48F7E3C2-C5CE-43E1-AF29-DB22FFF4C819}" dt="2023-03-02T19:19:52.723" v="202"/>
+          <ac:spMkLst>
+            <pc:docMk/>
+            <pc:sldMk cId="2618610483" sldId="467"/>
+            <ac:spMk id="2" creationId="{18961F6F-48C0-98D0-D7A3-62E1AB6251BA}"/>
+          </ac:spMkLst>
+        </pc:spChg>
+        <pc:spChg chg="del">
+          <ac:chgData name="Sowjanya Morisetty(UST,IN)" userId="S::245132@ust.com::fafc9569-a945-46e7-9869-5c26008d3c84" providerId="AD" clId="Web-{48F7E3C2-C5CE-43E1-AF29-DB22FFF4C819}" dt="2023-03-02T19:19:52.723" v="202"/>
+          <ac:spMkLst>
+            <pc:docMk/>
+            <pc:sldMk cId="2618610483" sldId="467"/>
+            <ac:spMk id="3" creationId="{4EB15A6A-ED73-776F-8A44-AA3D0FB5E783}"/>
+          </ac:spMkLst>
+        </pc:spChg>
+        <pc:spChg chg="del">
+          <ac:chgData name="Sowjanya Morisetty(UST,IN)" userId="S::245132@ust.com::fafc9569-a945-46e7-9869-5c26008d3c84" providerId="AD" clId="Web-{48F7E3C2-C5CE-43E1-AF29-DB22FFF4C819}" dt="2023-03-02T19:19:52.723" v="202"/>
+          <ac:spMkLst>
+            <pc:docMk/>
+            <pc:sldMk cId="2618610483" sldId="467"/>
+            <ac:spMk id="4" creationId="{AC0C32DE-4BA5-73EF-D469-1A5885024C03}"/>
+          </ac:spMkLst>
+        </pc:spChg>
+        <pc:spChg chg="add mod">
+          <ac:chgData name="Sowjanya Morisetty(UST,IN)" userId="S::245132@ust.com::fafc9569-a945-46e7-9869-5c26008d3c84" providerId="AD" clId="Web-{48F7E3C2-C5CE-43E1-AF29-DB22FFF4C819}" dt="2023-03-02T19:22:22.855" v="223" actId="14100"/>
+          <ac:spMkLst>
+            <pc:docMk/>
+            <pc:sldMk cId="2618610483" sldId="467"/>
+            <ac:spMk id="9" creationId="{B652D38C-3DAB-86F9-4557-F58BE1BC2BB9}"/>
+          </ac:spMkLst>
+        </pc:spChg>
+        <pc:spChg chg="add mod">
+          <ac:chgData name="Sowjanya Morisetty(UST,IN)" userId="S::245132@ust.com::fafc9569-a945-46e7-9869-5c26008d3c84" providerId="AD" clId="Web-{48F7E3C2-C5CE-43E1-AF29-DB22FFF4C819}" dt="2023-03-02T19:23:30.204" v="230" actId="14100"/>
+          <ac:spMkLst>
+            <pc:docMk/>
+            <pc:sldMk cId="2618610483" sldId="467"/>
+            <ac:spMk id="11" creationId="{486438F1-5EDE-2FBA-6B4E-6D52D6904DC2}"/>
+          </ac:spMkLst>
+        </pc:spChg>
+      </pc:sldChg>
+      <pc:sldChg chg="delSp modSp new">
+        <pc:chgData name="Sowjanya Morisetty(UST,IN)" userId="S::245132@ust.com::fafc9569-a945-46e7-9869-5c26008d3c84" providerId="AD" clId="Web-{48F7E3C2-C5CE-43E1-AF29-DB22FFF4C819}" dt="2023-03-02T19:44:36.288" v="395" actId="14100"/>
+        <pc:sldMkLst>
+          <pc:docMk/>
+          <pc:sldMk cId="2542971383" sldId="468"/>
+        </pc:sldMkLst>
+        <pc:spChg chg="mod">
+          <ac:chgData name="Sowjanya Morisetty(UST,IN)" userId="S::245132@ust.com::fafc9569-a945-46e7-9869-5c26008d3c84" providerId="AD" clId="Web-{48F7E3C2-C5CE-43E1-AF29-DB22FFF4C819}" dt="2023-03-02T19:43:54.302" v="390" actId="14100"/>
+          <ac:spMkLst>
+            <pc:docMk/>
+            <pc:sldMk cId="2542971383" sldId="468"/>
+            <ac:spMk id="2" creationId="{8ED078B8-CAD4-C236-2014-6B057087D850}"/>
+          </ac:spMkLst>
+        </pc:spChg>
+        <pc:spChg chg="mod">
+          <ac:chgData name="Sowjanya Morisetty(UST,IN)" userId="S::245132@ust.com::fafc9569-a945-46e7-9869-5c26008d3c84" providerId="AD" clId="Web-{48F7E3C2-C5CE-43E1-AF29-DB22FFF4C819}" dt="2023-03-02T19:44:30.101" v="394" actId="1076"/>
+          <ac:spMkLst>
+            <pc:docMk/>
+            <pc:sldMk cId="2542971383" sldId="468"/>
+            <ac:spMk id="3" creationId="{1D356442-201E-8EB2-16B3-6E6A2AA2F7AD}"/>
+          </ac:spMkLst>
+        </pc:spChg>
+        <pc:spChg chg="mod">
+          <ac:chgData name="Sowjanya Morisetty(UST,IN)" userId="S::245132@ust.com::fafc9569-a945-46e7-9869-5c26008d3c84" providerId="AD" clId="Web-{48F7E3C2-C5CE-43E1-AF29-DB22FFF4C819}" dt="2023-03-02T19:44:36.288" v="395" actId="14100"/>
+          <ac:spMkLst>
+            <pc:docMk/>
+            <pc:sldMk cId="2542971383" sldId="468"/>
+            <ac:spMk id="4" creationId="{9FDF7E13-5C80-D4B4-3718-47F838BE3336}"/>
+          </ac:spMkLst>
+        </pc:spChg>
+        <pc:spChg chg="del">
+          <ac:chgData name="Sowjanya Morisetty(UST,IN)" userId="S::245132@ust.com::fafc9569-a945-46e7-9869-5c26008d3c84" providerId="AD" clId="Web-{48F7E3C2-C5CE-43E1-AF29-DB22FFF4C819}" dt="2023-03-02T19:43:45.677" v="389"/>
+          <ac:spMkLst>
+            <pc:docMk/>
+            <pc:sldMk cId="2542971383" sldId="468"/>
+            <ac:spMk id="5" creationId="{1F882E06-4621-5A41-B7B5-2320BD887BB9}"/>
           </ac:spMkLst>
         </pc:spChg>
       </pc:sldChg>
     </pc:docChg>
   </pc:docChgLst>
   <pc:docChgLst>
-    <pc:chgData name="Yashwanth Ravula(UST,IN)" userId="S::245098@ust.com::26c642e7-a083-4a2f-87f6-e20b0ef91a94" providerId="AD" clId="Web-{50776864-5CEE-4036-B912-6E541F31ADA6}"/>
-    <pc:docChg chg="addSld delSld modSld">
-      <pc:chgData name="Yashwanth Ravula(UST,IN)" userId="S::245098@ust.com::26c642e7-a083-4a2f-87f6-e20b0ef91a94" providerId="AD" clId="Web-{50776864-5CEE-4036-B912-6E541F31ADA6}" dt="2023-03-03T04:03:54.924" v="303" actId="1076"/>
+    <pc:chgData name="Rayona Mathew(UST,IN)" userId="S::245072@ust.com::ba69e595-3dd2-41bd-a7f7-516712dab024" providerId="AD" clId="Web-{B1A1D940-D619-46DE-945A-FB96B31A9340}"/>
+    <pc:docChg chg="modSld">
+      <pc:chgData name="Rayona Mathew(UST,IN)" userId="S::245072@ust.com::ba69e595-3dd2-41bd-a7f7-516712dab024" providerId="AD" clId="Web-{B1A1D940-D619-46DE-945A-FB96B31A9340}" dt="2023-03-02T04:22:33.731" v="104" actId="20577"/>
       <pc:docMkLst>
         <pc:docMk/>
       </pc:docMkLst>
       <pc:sldChg chg="modSp">
-        <pc:chgData name="Yashwanth Ravula(UST,IN)" userId="S::245098@ust.com::26c642e7-a083-4a2f-87f6-e20b0ef91a94" providerId="AD" clId="Web-{50776864-5CEE-4036-B912-6E541F31ADA6}" dt="2023-03-03T03:57:41.567" v="267" actId="20577"/>
+        <pc:chgData name="Rayona Mathew(UST,IN)" userId="S::245072@ust.com::ba69e595-3dd2-41bd-a7f7-516712dab024" providerId="AD" clId="Web-{B1A1D940-D619-46DE-945A-FB96B31A9340}" dt="2023-03-02T04:16:15.128" v="19" actId="20577"/>
+        <pc:sldMkLst>
+          <pc:docMk/>
+          <pc:sldMk cId="2090374411" sldId="256"/>
+        </pc:sldMkLst>
+        <pc:spChg chg="mod">
+          <ac:chgData name="Rayona Mathew(UST,IN)" userId="S::245072@ust.com::ba69e595-3dd2-41bd-a7f7-516712dab024" providerId="AD" clId="Web-{B1A1D940-D619-46DE-945A-FB96B31A9340}" dt="2023-03-02T04:16:15.128" v="19" actId="20577"/>
+          <ac:spMkLst>
+            <pc:docMk/>
+            <pc:sldMk cId="2090374411" sldId="256"/>
+            <ac:spMk id="11" creationId="{436C3CF1-F21B-DB46-8DF3-194E00852FEE}"/>
+          </ac:spMkLst>
+        </pc:spChg>
+      </pc:sldChg>
+      <pc:sldChg chg="modSp">
+        <pc:chgData name="Rayona Mathew(UST,IN)" userId="S::245072@ust.com::ba69e595-3dd2-41bd-a7f7-516712dab024" providerId="AD" clId="Web-{B1A1D940-D619-46DE-945A-FB96B31A9340}" dt="2023-03-02T04:17:13.426" v="24" actId="20577"/>
+        <pc:sldMkLst>
+          <pc:docMk/>
+          <pc:sldMk cId="4151454420" sldId="264"/>
+        </pc:sldMkLst>
+        <pc:spChg chg="mod">
+          <ac:chgData name="Rayona Mathew(UST,IN)" userId="S::245072@ust.com::ba69e595-3dd2-41bd-a7f7-516712dab024" providerId="AD" clId="Web-{B1A1D940-D619-46DE-945A-FB96B31A9340}" dt="2023-03-02T04:17:13.426" v="24" actId="20577"/>
+          <ac:spMkLst>
+            <pc:docMk/>
+            <pc:sldMk cId="4151454420" sldId="264"/>
+            <ac:spMk id="3" creationId="{95A1310C-7516-9B42-A1FD-3E54A6F3494C}"/>
+          </ac:spMkLst>
+        </pc:spChg>
+      </pc:sldChg>
+      <pc:sldChg chg="modSp">
+        <pc:chgData name="Rayona Mathew(UST,IN)" userId="S::245072@ust.com::ba69e595-3dd2-41bd-a7f7-516712dab024" providerId="AD" clId="Web-{B1A1D940-D619-46DE-945A-FB96B31A9340}" dt="2023-03-02T04:16:59.535" v="22" actId="20577"/>
+        <pc:sldMkLst>
+          <pc:docMk/>
+          <pc:sldMk cId="359614143" sldId="433"/>
+        </pc:sldMkLst>
+        <pc:spChg chg="mod">
+          <ac:chgData name="Rayona Mathew(UST,IN)" userId="S::245072@ust.com::ba69e595-3dd2-41bd-a7f7-516712dab024" providerId="AD" clId="Web-{B1A1D940-D619-46DE-945A-FB96B31A9340}" dt="2023-03-02T04:16:59.535" v="22" actId="20577"/>
+          <ac:spMkLst>
+            <pc:docMk/>
+            <pc:sldMk cId="359614143" sldId="433"/>
+            <ac:spMk id="3" creationId="{45AA5242-7A7D-9D34-6850-0D5645FE712D}"/>
+          </ac:spMkLst>
+        </pc:spChg>
+      </pc:sldChg>
+      <pc:sldChg chg="modSp">
+        <pc:chgData name="Rayona Mathew(UST,IN)" userId="S::245072@ust.com::ba69e595-3dd2-41bd-a7f7-516712dab024" providerId="AD" clId="Web-{B1A1D940-D619-46DE-945A-FB96B31A9340}" dt="2023-03-02T04:20:11.368" v="69" actId="20577"/>
+        <pc:sldMkLst>
+          <pc:docMk/>
+          <pc:sldMk cId="2296051366" sldId="436"/>
+        </pc:sldMkLst>
+        <pc:spChg chg="mod">
+          <ac:chgData name="Rayona Mathew(UST,IN)" userId="S::245072@ust.com::ba69e595-3dd2-41bd-a7f7-516712dab024" providerId="AD" clId="Web-{B1A1D940-D619-46DE-945A-FB96B31A9340}" dt="2023-03-02T04:20:11.368" v="69" actId="20577"/>
+          <ac:spMkLst>
+            <pc:docMk/>
+            <pc:sldMk cId="2296051366" sldId="436"/>
+            <ac:spMk id="2" creationId="{93E05C63-B7B1-1CCC-11B7-5598B03B4485}"/>
+          </ac:spMkLst>
+        </pc:spChg>
+      </pc:sldChg>
+      <pc:sldChg chg="modSp">
+        <pc:chgData name="Rayona Mathew(UST,IN)" userId="S::245072@ust.com::ba69e595-3dd2-41bd-a7f7-516712dab024" providerId="AD" clId="Web-{B1A1D940-D619-46DE-945A-FB96B31A9340}" dt="2023-03-02T04:21:40.589" v="74" actId="20577"/>
+        <pc:sldMkLst>
+          <pc:docMk/>
+          <pc:sldMk cId="1758784803" sldId="438"/>
+        </pc:sldMkLst>
+        <pc:spChg chg="mod">
+          <ac:chgData name="Rayona Mathew(UST,IN)" userId="S::245072@ust.com::ba69e595-3dd2-41bd-a7f7-516712dab024" providerId="AD" clId="Web-{B1A1D940-D619-46DE-945A-FB96B31A9340}" dt="2023-03-02T04:21:40.589" v="74" actId="20577"/>
+          <ac:spMkLst>
+            <pc:docMk/>
+            <pc:sldMk cId="1758784803" sldId="438"/>
+            <ac:spMk id="6" creationId="{8BC7BFEE-38DA-DFBD-CD0D-D04ADB94AB00}"/>
+          </ac:spMkLst>
+        </pc:spChg>
+      </pc:sldChg>
+      <pc:sldChg chg="modSp">
+        <pc:chgData name="Rayona Mathew(UST,IN)" userId="S::245072@ust.com::ba69e595-3dd2-41bd-a7f7-516712dab024" providerId="AD" clId="Web-{B1A1D940-D619-46DE-945A-FB96B31A9340}" dt="2023-03-02T04:22:33.731" v="104" actId="20577"/>
+        <pc:sldMkLst>
+          <pc:docMk/>
+          <pc:sldMk cId="98175034" sldId="440"/>
+        </pc:sldMkLst>
+        <pc:spChg chg="mod">
+          <ac:chgData name="Rayona Mathew(UST,IN)" userId="S::245072@ust.com::ba69e595-3dd2-41bd-a7f7-516712dab024" providerId="AD" clId="Web-{B1A1D940-D619-46DE-945A-FB96B31A9340}" dt="2023-03-02T04:22:33.731" v="104" actId="20577"/>
+          <ac:spMkLst>
+            <pc:docMk/>
+            <pc:sldMk cId="98175034" sldId="440"/>
+            <ac:spMk id="3" creationId="{C3AE7769-A47C-8510-114E-2CBE65720147}"/>
+          </ac:spMkLst>
+        </pc:spChg>
+      </pc:sldChg>
+      <pc:sldChg chg="modSp">
+        <pc:chgData name="Rayona Mathew(UST,IN)" userId="S::245072@ust.com::ba69e595-3dd2-41bd-a7f7-516712dab024" providerId="AD" clId="Web-{B1A1D940-D619-46DE-945A-FB96B31A9340}" dt="2023-03-02T04:16:42.801" v="20" actId="20577"/>
         <pc:sldMkLst>
           <pc:docMk/>
           <pc:sldMk cId="4163659290" sldId="442"/>
         </pc:sldMkLst>
         <pc:spChg chg="mod">
-          <ac:chgData name="Yashwanth Ravula(UST,IN)" userId="S::245098@ust.com::26c642e7-a083-4a2f-87f6-e20b0ef91a94" providerId="AD" clId="Web-{50776864-5CEE-4036-B912-6E541F31ADA6}" dt="2023-03-03T03:57:41.567" v="267" actId="20577"/>
+          <ac:chgData name="Rayona Mathew(UST,IN)" userId="S::245072@ust.com::ba69e595-3dd2-41bd-a7f7-516712dab024" providerId="AD" clId="Web-{B1A1D940-D619-46DE-945A-FB96B31A9340}" dt="2023-03-02T04:16:42.801" v="20" actId="20577"/>
           <ac:spMkLst>
             <pc:docMk/>
             <pc:sldMk cId="4163659290" sldId="442"/>
@@ -1880,177 +3777,29 @@
           </ac:spMkLst>
         </pc:spChg>
       </pc:sldChg>
-      <pc:sldChg chg="modSp mod chgLayout">
-        <pc:chgData name="Yashwanth Ravula(UST,IN)" userId="S::245098@ust.com::26c642e7-a083-4a2f-87f6-e20b0ef91a94" providerId="AD" clId="Web-{50776864-5CEE-4036-B912-6E541F31ADA6}" dt="2023-03-03T04:03:54.924" v="303" actId="1076"/>
+      <pc:sldChg chg="modSp">
+        <pc:chgData name="Rayona Mathew(UST,IN)" userId="S::245072@ust.com::ba69e595-3dd2-41bd-a7f7-516712dab024" providerId="AD" clId="Web-{B1A1D940-D619-46DE-945A-FB96B31A9340}" dt="2023-03-02T04:20:02.727" v="59" actId="20577"/>
         <pc:sldMkLst>
           <pc:docMk/>
-          <pc:sldMk cId="1133210417" sldId="452"/>
+          <pc:sldMk cId="4100171198" sldId="443"/>
         </pc:sldMkLst>
-        <pc:spChg chg="mod ord">
-          <ac:chgData name="Yashwanth Ravula(UST,IN)" userId="S::245098@ust.com::26c642e7-a083-4a2f-87f6-e20b0ef91a94" providerId="AD" clId="Web-{50776864-5CEE-4036-B912-6E541F31ADA6}" dt="2023-03-03T04:03:54.924" v="303" actId="1076"/>
-          <ac:spMkLst>
-            <pc:docMk/>
-            <pc:sldMk cId="1133210417" sldId="452"/>
-            <ac:spMk id="2" creationId="{60956068-AB54-9D54-06B5-09FEBCE37258}"/>
-          </ac:spMkLst>
-        </pc:spChg>
-        <pc:spChg chg="mod ord">
-          <ac:chgData name="Yashwanth Ravula(UST,IN)" userId="S::245098@ust.com::26c642e7-a083-4a2f-87f6-e20b0ef91a94" providerId="AD" clId="Web-{50776864-5CEE-4036-B912-6E541F31ADA6}" dt="2023-03-03T04:03:42.502" v="302"/>
-          <ac:spMkLst>
-            <pc:docMk/>
-            <pc:sldMk cId="1133210417" sldId="452"/>
-            <ac:spMk id="3" creationId="{DFA55937-248F-8AD5-B1E6-DB5B037AA508}"/>
+        <pc:spChg chg="mod">
+          <ac:chgData name="Rayona Mathew(UST,IN)" userId="S::245072@ust.com::ba69e595-3dd2-41bd-a7f7-516712dab024" providerId="AD" clId="Web-{B1A1D940-D619-46DE-945A-FB96B31A9340}" dt="2023-03-02T04:20:02.727" v="59" actId="20577"/>
+          <ac:spMkLst>
+            <pc:docMk/>
+            <pc:sldMk cId="4100171198" sldId="443"/>
+            <ac:spMk id="2" creationId="{295DDB62-52DA-2D50-E89E-B04B42BA03F9}"/>
           </ac:spMkLst>
         </pc:spChg>
       </pc:sldChg>
       <pc:sldChg chg="modSp">
-        <pc:chgData name="Yashwanth Ravula(UST,IN)" userId="S::245098@ust.com::26c642e7-a083-4a2f-87f6-e20b0ef91a94" providerId="AD" clId="Web-{50776864-5CEE-4036-B912-6E541F31ADA6}" dt="2023-03-03T03:48:57.658" v="191" actId="1076"/>
-        <pc:sldMkLst>
-          <pc:docMk/>
-          <pc:sldMk cId="2137832043" sldId="466"/>
-        </pc:sldMkLst>
-        <pc:graphicFrameChg chg="mod">
-          <ac:chgData name="Yashwanth Ravula(UST,IN)" userId="S::245098@ust.com::26c642e7-a083-4a2f-87f6-e20b0ef91a94" providerId="AD" clId="Web-{50776864-5CEE-4036-B912-6E541F31ADA6}" dt="2023-03-03T03:48:57.658" v="191" actId="1076"/>
-          <ac:graphicFrameMkLst>
-            <pc:docMk/>
-            <pc:sldMk cId="2137832043" sldId="466"/>
-            <ac:graphicFrameMk id="53" creationId="{E5DEC043-9679-A6A4-05E2-9D633D150FFD}"/>
-          </ac:graphicFrameMkLst>
-        </pc:graphicFrameChg>
-      </pc:sldChg>
-      <pc:sldChg chg="addSp delSp modSp new mod modClrScheme chgLayout">
-        <pc:chgData name="Yashwanth Ravula(UST,IN)" userId="S::245098@ust.com::26c642e7-a083-4a2f-87f6-e20b0ef91a94" providerId="AD" clId="Web-{50776864-5CEE-4036-B912-6E541F31ADA6}" dt="2023-03-03T04:01:30.169" v="301" actId="14100"/>
-        <pc:sldMkLst>
-          <pc:docMk/>
-          <pc:sldMk cId="556145404" sldId="469"/>
-        </pc:sldMkLst>
-        <pc:spChg chg="mod ord">
-          <ac:chgData name="Yashwanth Ravula(UST,IN)" userId="S::245098@ust.com::26c642e7-a083-4a2f-87f6-e20b0ef91a94" providerId="AD" clId="Web-{50776864-5CEE-4036-B912-6E541F31ADA6}" dt="2023-03-03T03:50:23.474" v="197"/>
-          <ac:spMkLst>
-            <pc:docMk/>
-            <pc:sldMk cId="556145404" sldId="469"/>
-            <ac:spMk id="2" creationId="{8F58DFC5-D0E1-3050-2B5B-08E50AD2C5C9}"/>
-          </ac:spMkLst>
-        </pc:spChg>
-        <pc:spChg chg="del mod ord">
-          <ac:chgData name="Yashwanth Ravula(UST,IN)" userId="S::245098@ust.com::26c642e7-a083-4a2f-87f6-e20b0ef91a94" providerId="AD" clId="Web-{50776864-5CEE-4036-B912-6E541F31ADA6}" dt="2023-03-03T03:51:51.586" v="219"/>
-          <ac:spMkLst>
-            <pc:docMk/>
-            <pc:sldMk cId="556145404" sldId="469"/>
-            <ac:spMk id="3" creationId="{D6FC2F32-B4E9-96A3-21C3-2F0E4CBA3378}"/>
-          </ac:spMkLst>
-        </pc:spChg>
-        <pc:spChg chg="add del mod ord">
-          <ac:chgData name="Yashwanth Ravula(UST,IN)" userId="S::245098@ust.com::26c642e7-a083-4a2f-87f6-e20b0ef91a94" providerId="AD" clId="Web-{50776864-5CEE-4036-B912-6E541F31ADA6}" dt="2023-03-03T04:01:22.512" v="300"/>
-          <ac:spMkLst>
-            <pc:docMk/>
-            <pc:sldMk cId="556145404" sldId="469"/>
-            <ac:spMk id="4" creationId="{B4C64E73-7956-A174-2572-5C1FA35AEF9A}"/>
-          </ac:spMkLst>
-        </pc:spChg>
-        <pc:spChg chg="add del mod ord">
-          <ac:chgData name="Yashwanth Ravula(UST,IN)" userId="S::245098@ust.com::26c642e7-a083-4a2f-87f6-e20b0ef91a94" providerId="AD" clId="Web-{50776864-5CEE-4036-B912-6E541F31ADA6}" dt="2023-03-03T03:34:46.066" v="26"/>
-          <ac:spMkLst>
-            <pc:docMk/>
-            <pc:sldMk cId="556145404" sldId="469"/>
-            <ac:spMk id="5" creationId="{BD5D775D-4085-E9F3-4C4F-B48680793854}"/>
-          </ac:spMkLst>
-        </pc:spChg>
-        <pc:spChg chg="add del mod">
-          <ac:chgData name="Yashwanth Ravula(UST,IN)" userId="S::245098@ust.com::26c642e7-a083-4a2f-87f6-e20b0ef91a94" providerId="AD" clId="Web-{50776864-5CEE-4036-B912-6E541F31ADA6}" dt="2023-03-03T03:52:49.104" v="223"/>
-          <ac:spMkLst>
-            <pc:docMk/>
-            <pc:sldMk cId="556145404" sldId="469"/>
-            <ac:spMk id="15" creationId="{9A5900F9-6EE2-A172-5C99-B0DB660A8487}"/>
-          </ac:spMkLst>
-        </pc:spChg>
-        <pc:graphicFrameChg chg="add mod modGraphic">
-          <ac:chgData name="Yashwanth Ravula(UST,IN)" userId="S::245098@ust.com::26c642e7-a083-4a2f-87f6-e20b0ef91a94" providerId="AD" clId="Web-{50776864-5CEE-4036-B912-6E541F31ADA6}" dt="2023-03-03T03:56:03.783" v="260" actId="14100"/>
-          <ac:graphicFrameMkLst>
-            <pc:docMk/>
-            <pc:sldMk cId="556145404" sldId="469"/>
-            <ac:graphicFrameMk id="7" creationId="{8452F0D8-CB32-5F45-014E-612C16559C3F}"/>
-          </ac:graphicFrameMkLst>
-        </pc:graphicFrameChg>
-        <pc:graphicFrameChg chg="add mod modGraphic">
-          <ac:chgData name="Yashwanth Ravula(UST,IN)" userId="S::245098@ust.com::26c642e7-a083-4a2f-87f6-e20b0ef91a94" providerId="AD" clId="Web-{50776864-5CEE-4036-B912-6E541F31ADA6}" dt="2023-03-03T04:01:30.169" v="301" actId="14100"/>
-          <ac:graphicFrameMkLst>
-            <pc:docMk/>
-            <pc:sldMk cId="556145404" sldId="469"/>
-            <ac:graphicFrameMk id="254" creationId="{5F16C3ED-94C4-171A-C4DD-59CD2E9950E3}"/>
-          </ac:graphicFrameMkLst>
-        </pc:graphicFrameChg>
-      </pc:sldChg>
-      <pc:sldChg chg="new del">
-        <pc:chgData name="Yashwanth Ravula(UST,IN)" userId="S::245098@ust.com::26c642e7-a083-4a2f-87f6-e20b0ef91a94" providerId="AD" clId="Web-{50776864-5CEE-4036-B912-6E541F31ADA6}" dt="2023-03-03T03:41:51.940" v="98"/>
-        <pc:sldMkLst>
-          <pc:docMk/>
-          <pc:sldMk cId="1213958613" sldId="470"/>
-        </pc:sldMkLst>
-      </pc:sldChg>
-      <pc:sldChg chg="modSp new add del">
-        <pc:chgData name="Yashwanth Ravula(UST,IN)" userId="S::245098@ust.com::26c642e7-a083-4a2f-87f6-e20b0ef91a94" providerId="AD" clId="Web-{50776864-5CEE-4036-B912-6E541F31ADA6}" dt="2023-03-03T03:44:38.196" v="121"/>
-        <pc:sldMkLst>
-          <pc:docMk/>
-          <pc:sldMk cId="3516309073" sldId="470"/>
-        </pc:sldMkLst>
-        <pc:spChg chg="mod">
-          <ac:chgData name="Yashwanth Ravula(UST,IN)" userId="S::245098@ust.com::26c642e7-a083-4a2f-87f6-e20b0ef91a94" providerId="AD" clId="Web-{50776864-5CEE-4036-B912-6E541F31ADA6}" dt="2023-03-03T03:44:25.180" v="120" actId="14100"/>
-          <ac:spMkLst>
-            <pc:docMk/>
-            <pc:sldMk cId="3516309073" sldId="470"/>
-            <ac:spMk id="2" creationId="{3975CFCE-D35D-9D0E-8E99-2A492E0F1B17}"/>
-          </ac:spMkLst>
-        </pc:spChg>
-      </pc:sldChg>
-    </pc:docChg>
-  </pc:docChgLst>
-  <pc:docChgLst>
-    <pc:chgData name="Rayona Mathew(UST,IN)" userId="S::245072@ust.com::ba69e595-3dd2-41bd-a7f7-516712dab024" providerId="AD" clId="Web-{B86895FF-EF37-49DD-A9D6-22169F7C3276}"/>
-    <pc:docChg chg="addSld delSld">
-      <pc:chgData name="Rayona Mathew(UST,IN)" userId="S::245072@ust.com::ba69e595-3dd2-41bd-a7f7-516712dab024" providerId="AD" clId="Web-{B86895FF-EF37-49DD-A9D6-22169F7C3276}" dt="2023-03-03T09:20:26.824" v="1"/>
-      <pc:docMkLst>
-        <pc:docMk/>
-      </pc:docMkLst>
-      <pc:sldChg chg="add del">
-        <pc:chgData name="Rayona Mathew(UST,IN)" userId="S::245072@ust.com::ba69e595-3dd2-41bd-a7f7-516712dab024" providerId="AD" clId="Web-{B86895FF-EF37-49DD-A9D6-22169F7C3276}" dt="2023-03-03T09:20:26.824" v="1"/>
-        <pc:sldMkLst>
-          <pc:docMk/>
-          <pc:sldMk cId="1230819706" sldId="471"/>
-        </pc:sldMkLst>
-      </pc:sldChg>
-    </pc:docChg>
-  </pc:docChgLst>
-  <pc:docChgLst>
-    <pc:chgData name="Yashwanth Ravula(UST,IN)" userId="S::245098@ust.com::26c642e7-a083-4a2f-87f6-e20b0ef91a94" providerId="AD" clId="Web-{76FE704C-A693-42E0-9199-6E8AB325CF6B}"/>
-    <pc:docChg chg="addSld modSld">
-      <pc:chgData name="Yashwanth Ravula(UST,IN)" userId="S::245098@ust.com::26c642e7-a083-4a2f-87f6-e20b0ef91a94" providerId="AD" clId="Web-{76FE704C-A693-42E0-9199-6E8AB325CF6B}" dt="2023-03-01T04:43:04.888" v="45" actId="20577"/>
-      <pc:docMkLst>
-        <pc:docMk/>
-      </pc:docMkLst>
-      <pc:sldChg chg="modSp">
-        <pc:chgData name="Yashwanth Ravula(UST,IN)" userId="S::245098@ust.com::26c642e7-a083-4a2f-87f6-e20b0ef91a94" providerId="AD" clId="Web-{76FE704C-A693-42E0-9199-6E8AB325CF6B}" dt="2023-03-01T04:31:26.379" v="2" actId="20577"/>
-        <pc:sldMkLst>
-          <pc:docMk/>
-          <pc:sldMk cId="4163659290" sldId="442"/>
-        </pc:sldMkLst>
-        <pc:spChg chg="mod">
-          <ac:chgData name="Yashwanth Ravula(UST,IN)" userId="S::245098@ust.com::26c642e7-a083-4a2f-87f6-e20b0ef91a94" providerId="AD" clId="Web-{76FE704C-A693-42E0-9199-6E8AB325CF6B}" dt="2023-03-01T04:31:26.379" v="2" actId="20577"/>
-          <ac:spMkLst>
-            <pc:docMk/>
-            <pc:sldMk cId="4163659290" sldId="442"/>
-            <ac:spMk id="3" creationId="{020FB93D-AC3A-6ACD-CBC8-FE2AC7E893B6}"/>
-          </ac:spMkLst>
-        </pc:spChg>
-      </pc:sldChg>
-      <pc:sldChg chg="delSp modSp new">
-        <pc:chgData name="Yashwanth Ravula(UST,IN)" userId="S::245098@ust.com::26c642e7-a083-4a2f-87f6-e20b0ef91a94" providerId="AD" clId="Web-{76FE704C-A693-42E0-9199-6E8AB325CF6B}" dt="2023-03-01T04:38:05.924" v="30" actId="14100"/>
+        <pc:chgData name="Rayona Mathew(UST,IN)" userId="S::245072@ust.com::ba69e595-3dd2-41bd-a7f7-516712dab024" providerId="AD" clId="Web-{B1A1D940-D619-46DE-945A-FB96B31A9340}" dt="2023-03-02T04:17:36.380" v="26" actId="20577"/>
         <pc:sldMkLst>
           <pc:docMk/>
           <pc:sldMk cId="2533536236" sldId="444"/>
         </pc:sldMkLst>
         <pc:spChg chg="mod">
-          <ac:chgData name="Yashwanth Ravula(UST,IN)" userId="S::245098@ust.com::26c642e7-a083-4a2f-87f6-e20b0ef91a94" providerId="AD" clId="Web-{76FE704C-A693-42E0-9199-6E8AB325CF6B}" dt="2023-03-01T04:32:11.943" v="5" actId="20577"/>
+          <ac:chgData name="Rayona Mathew(UST,IN)" userId="S::245072@ust.com::ba69e595-3dd2-41bd-a7f7-516712dab024" providerId="AD" clId="Web-{B1A1D940-D619-46DE-945A-FB96B31A9340}" dt="2023-03-02T04:17:36.380" v="26" actId="20577"/>
           <ac:spMkLst>
             <pc:docMk/>
             <pc:sldMk cId="2533536236" sldId="444"/>
@@ -2058,423 +3807,215 @@
           </ac:spMkLst>
         </pc:spChg>
         <pc:spChg chg="mod">
-          <ac:chgData name="Yashwanth Ravula(UST,IN)" userId="S::245098@ust.com::26c642e7-a083-4a2f-87f6-e20b0ef91a94" providerId="AD" clId="Web-{76FE704C-A693-42E0-9199-6E8AB325CF6B}" dt="2023-03-01T04:38:05.924" v="30" actId="14100"/>
+          <ac:chgData name="Rayona Mathew(UST,IN)" userId="S::245072@ust.com::ba69e595-3dd2-41bd-a7f7-516712dab024" providerId="AD" clId="Web-{B1A1D940-D619-46DE-945A-FB96B31A9340}" dt="2023-03-02T04:17:27.989" v="25" actId="20577"/>
           <ac:spMkLst>
             <pc:docMk/>
             <pc:sldMk cId="2533536236" sldId="444"/>
             <ac:spMk id="3" creationId="{2900A694-2C28-35AA-398A-82C321E9069C}"/>
           </ac:spMkLst>
         </pc:spChg>
-        <pc:spChg chg="del">
-          <ac:chgData name="Yashwanth Ravula(UST,IN)" userId="S::245098@ust.com::26c642e7-a083-4a2f-87f6-e20b0ef91a94" providerId="AD" clId="Web-{76FE704C-A693-42E0-9199-6E8AB325CF6B}" dt="2023-03-01T04:32:15.381" v="6"/>
-          <ac:spMkLst>
-            <pc:docMk/>
-            <pc:sldMk cId="2533536236" sldId="444"/>
-            <ac:spMk id="4" creationId="{C4C72DE4-CC03-9F4A-D319-9CB676080FFD}"/>
-          </ac:spMkLst>
-        </pc:spChg>
-        <pc:spChg chg="del">
-          <ac:chgData name="Yashwanth Ravula(UST,IN)" userId="S::245098@ust.com::26c642e7-a083-4a2f-87f6-e20b0ef91a94" providerId="AD" clId="Web-{76FE704C-A693-42E0-9199-6E8AB325CF6B}" dt="2023-03-01T04:32:22.115" v="7"/>
-          <ac:spMkLst>
-            <pc:docMk/>
-            <pc:sldMk cId="2533536236" sldId="444"/>
-            <ac:spMk id="5" creationId="{56BE9750-B20D-35C7-A17D-5E480BA06A28}"/>
-          </ac:spMkLst>
-        </pc:spChg>
-        <pc:spChg chg="del">
-          <ac:chgData name="Yashwanth Ravula(UST,IN)" userId="S::245098@ust.com::26c642e7-a083-4a2f-87f6-e20b0ef91a94" providerId="AD" clId="Web-{76FE704C-A693-42E0-9199-6E8AB325CF6B}" dt="2023-03-01T04:32:27.413" v="8"/>
-          <ac:spMkLst>
-            <pc:docMk/>
-            <pc:sldMk cId="2533536236" sldId="444"/>
-            <ac:spMk id="6" creationId="{C9C17BED-5EA3-FD74-24C5-A89420037800}"/>
-          </ac:spMkLst>
-        </pc:spChg>
       </pc:sldChg>
-      <pc:sldChg chg="delSp modSp new">
-        <pc:chgData name="Yashwanth Ravula(UST,IN)" userId="S::245098@ust.com::26c642e7-a083-4a2f-87f6-e20b0ef91a94" providerId="AD" clId="Web-{76FE704C-A693-42E0-9199-6E8AB325CF6B}" dt="2023-03-01T04:43:04.888" v="45" actId="20577"/>
+      <pc:sldChg chg="modSp">
+        <pc:chgData name="Rayona Mathew(UST,IN)" userId="S::245072@ust.com::ba69e595-3dd2-41bd-a7f7-516712dab024" providerId="AD" clId="Web-{B1A1D940-D619-46DE-945A-FB96B31A9340}" dt="2023-03-02T04:18:09.365" v="27" actId="20577"/>
         <pc:sldMkLst>
           <pc:docMk/>
           <pc:sldMk cId="757731584" sldId="445"/>
         </pc:sldMkLst>
-        <pc:spChg chg="del">
-          <ac:chgData name="Yashwanth Ravula(UST,IN)" userId="S::245098@ust.com::26c642e7-a083-4a2f-87f6-e20b0ef91a94" providerId="AD" clId="Web-{76FE704C-A693-42E0-9199-6E8AB325CF6B}" dt="2023-03-01T04:40:06.647" v="32"/>
-          <ac:spMkLst>
-            <pc:docMk/>
-            <pc:sldMk cId="757731584" sldId="445"/>
-            <ac:spMk id="2" creationId="{CCEBB153-15DC-3D22-0924-168B12BC957D}"/>
-          </ac:spMkLst>
-        </pc:spChg>
         <pc:spChg chg="mod">
-          <ac:chgData name="Yashwanth Ravula(UST,IN)" userId="S::245098@ust.com::26c642e7-a083-4a2f-87f6-e20b0ef91a94" providerId="AD" clId="Web-{76FE704C-A693-42E0-9199-6E8AB325CF6B}" dt="2023-03-01T04:43:04.888" v="45" actId="20577"/>
+          <ac:chgData name="Rayona Mathew(UST,IN)" userId="S::245072@ust.com::ba69e595-3dd2-41bd-a7f7-516712dab024" providerId="AD" clId="Web-{B1A1D940-D619-46DE-945A-FB96B31A9340}" dt="2023-03-02T04:18:09.365" v="27" actId="20577"/>
           <ac:spMkLst>
             <pc:docMk/>
             <pc:sldMk cId="757731584" sldId="445"/>
             <ac:spMk id="3" creationId="{1AFCBDC0-0C4B-85B3-EC13-740C9DF83D00}"/>
-          </ac:spMkLst>
-        </pc:spChg>
-        <pc:spChg chg="del">
-          <ac:chgData name="Yashwanth Ravula(UST,IN)" userId="S::245098@ust.com::26c642e7-a083-4a2f-87f6-e20b0ef91a94" providerId="AD" clId="Web-{76FE704C-A693-42E0-9199-6E8AB325CF6B}" dt="2023-03-01T04:40:12.257" v="33"/>
-          <ac:spMkLst>
-            <pc:docMk/>
-            <pc:sldMk cId="757731584" sldId="445"/>
-            <ac:spMk id="4" creationId="{AE0F2392-D51D-4861-DA26-C7E96D34D218}"/>
-          </ac:spMkLst>
-        </pc:spChg>
-        <pc:spChg chg="del">
-          <ac:chgData name="Yashwanth Ravula(UST,IN)" userId="S::245098@ust.com::26c642e7-a083-4a2f-87f6-e20b0ef91a94" providerId="AD" clId="Web-{76FE704C-A693-42E0-9199-6E8AB325CF6B}" dt="2023-03-01T04:40:20.023" v="34"/>
-          <ac:spMkLst>
-            <pc:docMk/>
-            <pc:sldMk cId="757731584" sldId="445"/>
-            <ac:spMk id="5" creationId="{2C3A4831-9DB6-C7C1-C485-FAADEF77E715}"/>
-          </ac:spMkLst>
-        </pc:spChg>
-        <pc:spChg chg="del">
-          <ac:chgData name="Yashwanth Ravula(UST,IN)" userId="S::245098@ust.com::26c642e7-a083-4a2f-87f6-e20b0ef91a94" providerId="AD" clId="Web-{76FE704C-A693-42E0-9199-6E8AB325CF6B}" dt="2023-03-01T04:40:25.414" v="35"/>
-          <ac:spMkLst>
-            <pc:docMk/>
-            <pc:sldMk cId="757731584" sldId="445"/>
-            <ac:spMk id="6" creationId="{8595601D-D44F-F7A7-C025-705A67543DCB}"/>
           </ac:spMkLst>
         </pc:spChg>
       </pc:sldChg>
     </pc:docChg>
   </pc:docChgLst>
   <pc:docChgLst>
-    <pc:chgData name="Yashwanth Ravula(UST,IN)" userId="S::245098@ust.com::26c642e7-a083-4a2f-87f6-e20b0ef91a94" providerId="AD" clId="Web-{ADD610D9-C3F0-4219-B482-52BC67A0F6D8}"/>
-    <pc:docChg chg="addSld modSld sldOrd">
-      <pc:chgData name="Yashwanth Ravula(UST,IN)" userId="S::245098@ust.com::26c642e7-a083-4a2f-87f6-e20b0ef91a94" providerId="AD" clId="Web-{ADD610D9-C3F0-4219-B482-52BC67A0F6D8}" dt="2023-03-03T09:02:56.119" v="161" actId="20577"/>
+    <pc:chgData name="Yashwanth Ravula(UST,IN)" userId="S::245098@ust.com::26c642e7-a083-4a2f-87f6-e20b0ef91a94" providerId="AD" clId="Web-{A2290BF9-10C5-4FB7-8FB9-582DEE8C0BC4}"/>
+    <pc:docChg chg="modSld">
+      <pc:chgData name="Yashwanth Ravula(UST,IN)" userId="S::245098@ust.com::26c642e7-a083-4a2f-87f6-e20b0ef91a94" providerId="AD" clId="Web-{A2290BF9-10C5-4FB7-8FB9-582DEE8C0BC4}" dt="2023-02-28T11:45:59.968" v="34" actId="20577"/>
       <pc:docMkLst>
         <pc:docMk/>
       </pc:docMkLst>
-      <pc:sldChg chg="modSp">
-        <pc:chgData name="Yashwanth Ravula(UST,IN)" userId="S::245098@ust.com::26c642e7-a083-4a2f-87f6-e20b0ef91a94" providerId="AD" clId="Web-{ADD610D9-C3F0-4219-B482-52BC67A0F6D8}" dt="2023-03-03T09:02:56.119" v="161" actId="20577"/>
+      <pc:sldChg chg="addSp delSp modSp">
+        <pc:chgData name="Yashwanth Ravula(UST,IN)" userId="S::245098@ust.com::26c642e7-a083-4a2f-87f6-e20b0ef91a94" providerId="AD" clId="Web-{A2290BF9-10C5-4FB7-8FB9-582DEE8C0BC4}" dt="2023-02-28T11:45:59.968" v="34" actId="20577"/>
         <pc:sldMkLst>
           <pc:docMk/>
           <pc:sldMk cId="4151454420" sldId="264"/>
         </pc:sldMkLst>
         <pc:spChg chg="mod">
-          <ac:chgData name="Yashwanth Ravula(UST,IN)" userId="S::245098@ust.com::26c642e7-a083-4a2f-87f6-e20b0ef91a94" providerId="AD" clId="Web-{ADD610D9-C3F0-4219-B482-52BC67A0F6D8}" dt="2023-03-03T09:02:56.119" v="161" actId="20577"/>
+          <ac:chgData name="Yashwanth Ravula(UST,IN)" userId="S::245098@ust.com::26c642e7-a083-4a2f-87f6-e20b0ef91a94" providerId="AD" clId="Web-{A2290BF9-10C5-4FB7-8FB9-582DEE8C0BC4}" dt="2023-02-28T11:45:59.968" v="34" actId="20577"/>
+          <ac:spMkLst>
+            <pc:docMk/>
+            <pc:sldMk cId="4151454420" sldId="264"/>
+            <ac:spMk id="2" creationId="{DE6C0B85-EBEC-734B-98A8-2BAC52CC0257}"/>
+          </ac:spMkLst>
+        </pc:spChg>
+        <pc:spChg chg="mod">
+          <ac:chgData name="Yashwanth Ravula(UST,IN)" userId="S::245098@ust.com::26c642e7-a083-4a2f-87f6-e20b0ef91a94" providerId="AD" clId="Web-{A2290BF9-10C5-4FB7-8FB9-582DEE8C0BC4}" dt="2023-02-28T11:41:51.539" v="11" actId="20577"/>
           <ac:spMkLst>
             <pc:docMk/>
             <pc:sldMk cId="4151454420" sldId="264"/>
             <ac:spMk id="3" creationId="{95A1310C-7516-9B42-A1FD-3E54A6F3494C}"/>
           </ac:spMkLst>
         </pc:spChg>
-      </pc:sldChg>
-      <pc:sldChg chg="modSp">
-        <pc:chgData name="Yashwanth Ravula(UST,IN)" userId="S::245098@ust.com::26c642e7-a083-4a2f-87f6-e20b0ef91a94" providerId="AD" clId="Web-{ADD610D9-C3F0-4219-B482-52BC67A0F6D8}" dt="2023-03-03T08:25:38.282" v="14" actId="20577"/>
-        <pc:sldMkLst>
-          <pc:docMk/>
-          <pc:sldMk cId="359614143" sldId="433"/>
-        </pc:sldMkLst>
-        <pc:spChg chg="mod">
-          <ac:chgData name="Yashwanth Ravula(UST,IN)" userId="S::245098@ust.com::26c642e7-a083-4a2f-87f6-e20b0ef91a94" providerId="AD" clId="Web-{ADD610D9-C3F0-4219-B482-52BC67A0F6D8}" dt="2023-03-03T08:25:38.282" v="14" actId="20577"/>
-          <ac:spMkLst>
-            <pc:docMk/>
-            <pc:sldMk cId="359614143" sldId="433"/>
-            <ac:spMk id="3" creationId="{45AA5242-7A7D-9D34-6850-0D5645FE712D}"/>
-          </ac:spMkLst>
-        </pc:spChg>
-      </pc:sldChg>
-      <pc:sldChg chg="modSp">
-        <pc:chgData name="Yashwanth Ravula(UST,IN)" userId="S::245098@ust.com::26c642e7-a083-4a2f-87f6-e20b0ef91a94" providerId="AD" clId="Web-{ADD610D9-C3F0-4219-B482-52BC67A0F6D8}" dt="2023-03-03T08:25:25.375" v="10" actId="20577"/>
-        <pc:sldMkLst>
-          <pc:docMk/>
-          <pc:sldMk cId="4163659290" sldId="442"/>
-        </pc:sldMkLst>
-        <pc:spChg chg="mod">
-          <ac:chgData name="Yashwanth Ravula(UST,IN)" userId="S::245098@ust.com::26c642e7-a083-4a2f-87f6-e20b0ef91a94" providerId="AD" clId="Web-{ADD610D9-C3F0-4219-B482-52BC67A0F6D8}" dt="2023-03-03T08:25:14.359" v="7" actId="20577"/>
-          <ac:spMkLst>
-            <pc:docMk/>
-            <pc:sldMk cId="4163659290" sldId="442"/>
-            <ac:spMk id="2" creationId="{E7EFE3C0-E31C-6459-73A8-59105475D401}"/>
-          </ac:spMkLst>
-        </pc:spChg>
-        <pc:spChg chg="mod">
-          <ac:chgData name="Yashwanth Ravula(UST,IN)" userId="S::245098@ust.com::26c642e7-a083-4a2f-87f6-e20b0ef91a94" providerId="AD" clId="Web-{ADD610D9-C3F0-4219-B482-52BC67A0F6D8}" dt="2023-03-03T08:25:25.375" v="10" actId="20577"/>
-          <ac:spMkLst>
-            <pc:docMk/>
-            <pc:sldMk cId="4163659290" sldId="442"/>
-            <ac:spMk id="3" creationId="{020FB93D-AC3A-6ACD-CBC8-FE2AC7E893B6}"/>
-          </ac:spMkLst>
-        </pc:spChg>
-      </pc:sldChg>
-      <pc:sldChg chg="modSp">
-        <pc:chgData name="Yashwanth Ravula(UST,IN)" userId="S::245098@ust.com::26c642e7-a083-4a2f-87f6-e20b0ef91a94" providerId="AD" clId="Web-{ADD610D9-C3F0-4219-B482-52BC67A0F6D8}" dt="2023-03-03T08:26:26.549" v="26" actId="20577"/>
-        <pc:sldMkLst>
-          <pc:docMk/>
-          <pc:sldMk cId="1133210417" sldId="452"/>
-        </pc:sldMkLst>
-        <pc:spChg chg="mod">
-          <ac:chgData name="Yashwanth Ravula(UST,IN)" userId="S::245098@ust.com::26c642e7-a083-4a2f-87f6-e20b0ef91a94" providerId="AD" clId="Web-{ADD610D9-C3F0-4219-B482-52BC67A0F6D8}" dt="2023-03-03T08:26:19.752" v="18" actId="20577"/>
-          <ac:spMkLst>
-            <pc:docMk/>
-            <pc:sldMk cId="1133210417" sldId="452"/>
-            <ac:spMk id="2" creationId="{60956068-AB54-9D54-06B5-09FEBCE37258}"/>
-          </ac:spMkLst>
-        </pc:spChg>
-        <pc:spChg chg="mod">
-          <ac:chgData name="Yashwanth Ravula(UST,IN)" userId="S::245098@ust.com::26c642e7-a083-4a2f-87f6-e20b0ef91a94" providerId="AD" clId="Web-{ADD610D9-C3F0-4219-B482-52BC67A0F6D8}" dt="2023-03-03T08:26:26.549" v="26" actId="20577"/>
-          <ac:spMkLst>
-            <pc:docMk/>
-            <pc:sldMk cId="1133210417" sldId="452"/>
-            <ac:spMk id="3" creationId="{DFA55937-248F-8AD5-B1E6-DB5B037AA508}"/>
-          </ac:spMkLst>
-        </pc:spChg>
-      </pc:sldChg>
-      <pc:sldChg chg="modSp ord">
-        <pc:chgData name="Yashwanth Ravula(UST,IN)" userId="S::245098@ust.com::26c642e7-a083-4a2f-87f6-e20b0ef91a94" providerId="AD" clId="Web-{ADD610D9-C3F0-4219-B482-52BC67A0F6D8}" dt="2023-03-03T08:48:29.785" v="136" actId="20577"/>
-        <pc:sldMkLst>
-          <pc:docMk/>
-          <pc:sldMk cId="19244136" sldId="453"/>
-        </pc:sldMkLst>
-        <pc:spChg chg="mod">
-          <ac:chgData name="Yashwanth Ravula(UST,IN)" userId="S::245098@ust.com::26c642e7-a083-4a2f-87f6-e20b0ef91a94" providerId="AD" clId="Web-{ADD610D9-C3F0-4219-B482-52BC67A0F6D8}" dt="2023-03-03T08:48:29.785" v="136" actId="20577"/>
-          <ac:spMkLst>
-            <pc:docMk/>
-            <pc:sldMk cId="19244136" sldId="453"/>
-            <ac:spMk id="3" creationId="{A475E339-374D-08CD-9943-833B27247B34}"/>
-          </ac:spMkLst>
-        </pc:spChg>
-      </pc:sldChg>
-      <pc:sldChg chg="addSp delSp modSp new">
-        <pc:chgData name="Yashwanth Ravula(UST,IN)" userId="S::245098@ust.com::26c642e7-a083-4a2f-87f6-e20b0ef91a94" providerId="AD" clId="Web-{ADD610D9-C3F0-4219-B482-52BC67A0F6D8}" dt="2023-03-03T08:35:28.016" v="47" actId="20577"/>
-        <pc:sldMkLst>
-          <pc:docMk/>
-          <pc:sldMk cId="1082967816" sldId="470"/>
-        </pc:sldMkLst>
+        <pc:spChg chg="del mod">
+          <ac:chgData name="Yashwanth Ravula(UST,IN)" userId="S::245098@ust.com::26c642e7-a083-4a2f-87f6-e20b0ef91a94" providerId="AD" clId="Web-{A2290BF9-10C5-4FB7-8FB9-582DEE8C0BC4}" dt="2023-02-28T11:40:59.912" v="3"/>
+          <ac:spMkLst>
+            <pc:docMk/>
+            <pc:sldMk cId="4151454420" sldId="264"/>
+            <ac:spMk id="4" creationId="{5901F384-3096-F642-998B-DF0792F7F541}"/>
+          </ac:spMkLst>
+        </pc:spChg>
         <pc:spChg chg="del">
-          <ac:chgData name="Yashwanth Ravula(UST,IN)" userId="S::245098@ust.com::26c642e7-a083-4a2f-87f6-e20b0ef91a94" providerId="AD" clId="Web-{ADD610D9-C3F0-4219-B482-52BC67A0F6D8}" dt="2023-03-03T08:32:52.059" v="28"/>
-          <ac:spMkLst>
-            <pc:docMk/>
-            <pc:sldMk cId="1082967816" sldId="470"/>
-            <ac:spMk id="2" creationId="{3DC00A88-A8B8-C9E6-DC27-5C2742A455BB}"/>
-          </ac:spMkLst>
-        </pc:spChg>
-        <pc:spChg chg="mod">
-          <ac:chgData name="Yashwanth Ravula(UST,IN)" userId="S::245098@ust.com::26c642e7-a083-4a2f-87f6-e20b0ef91a94" providerId="AD" clId="Web-{ADD610D9-C3F0-4219-B482-52BC67A0F6D8}" dt="2023-03-03T08:35:28.016" v="47" actId="20577"/>
-          <ac:spMkLst>
-            <pc:docMk/>
-            <pc:sldMk cId="1082967816" sldId="470"/>
-            <ac:spMk id="3" creationId="{13D77AE6-D428-3831-A6BA-06B2E79577F4}"/>
-          </ac:spMkLst>
-        </pc:spChg>
-        <pc:picChg chg="add mod">
-          <ac:chgData name="Yashwanth Ravula(UST,IN)" userId="S::245098@ust.com::26c642e7-a083-4a2f-87f6-e20b0ef91a94" providerId="AD" clId="Web-{ADD610D9-C3F0-4219-B482-52BC67A0F6D8}" dt="2023-03-03T08:35:18.281" v="46" actId="1076"/>
-          <ac:picMkLst>
-            <pc:docMk/>
-            <pc:sldMk cId="1082967816" sldId="470"/>
-            <ac:picMk id="4" creationId="{4E6D9045-EED5-1ECF-15FA-C9664DB41E57}"/>
-          </ac:picMkLst>
-        </pc:picChg>
-      </pc:sldChg>
-      <pc:sldChg chg="new">
-        <pc:chgData name="Yashwanth Ravula(UST,IN)" userId="S::245098@ust.com::26c642e7-a083-4a2f-87f6-e20b0ef91a94" providerId="AD" clId="Web-{ADD610D9-C3F0-4219-B482-52BC67A0F6D8}" dt="2023-03-03T08:36:20.079" v="50"/>
-        <pc:sldMkLst>
-          <pc:docMk/>
-          <pc:sldMk cId="1230819706" sldId="471"/>
-        </pc:sldMkLst>
-      </pc:sldChg>
-      <pc:sldChg chg="addSp delSp modSp new">
-        <pc:chgData name="Yashwanth Ravula(UST,IN)" userId="S::245098@ust.com::26c642e7-a083-4a2f-87f6-e20b0ef91a94" providerId="AD" clId="Web-{ADD610D9-C3F0-4219-B482-52BC67A0F6D8}" dt="2023-03-03T08:48:51.270" v="139" actId="14100"/>
-        <pc:sldMkLst>
-          <pc:docMk/>
-          <pc:sldMk cId="1729341402" sldId="472"/>
-        </pc:sldMkLst>
+          <ac:chgData name="Yashwanth Ravula(UST,IN)" userId="S::245098@ust.com::26c642e7-a083-4a2f-87f6-e20b0ef91a94" providerId="AD" clId="Web-{A2290BF9-10C5-4FB7-8FB9-582DEE8C0BC4}" dt="2023-02-28T11:41:06.209" v="4"/>
+          <ac:spMkLst>
+            <pc:docMk/>
+            <pc:sldMk cId="4151454420" sldId="264"/>
+            <ac:spMk id="5" creationId="{081DF1DD-3C06-2442-B80A-157896BDC117}"/>
+          </ac:spMkLst>
+        </pc:spChg>
         <pc:spChg chg="del">
-          <ac:chgData name="Yashwanth Ravula(UST,IN)" userId="S::245098@ust.com::26c642e7-a083-4a2f-87f6-e20b0ef91a94" providerId="AD" clId="Web-{ADD610D9-C3F0-4219-B482-52BC67A0F6D8}" dt="2023-03-03T08:44:54.029" v="102"/>
-          <ac:spMkLst>
-            <pc:docMk/>
-            <pc:sldMk cId="1729341402" sldId="472"/>
-            <ac:spMk id="2" creationId="{0964F304-E8C7-DEAD-14C6-EB812F6EFED8}"/>
+          <ac:chgData name="Yashwanth Ravula(UST,IN)" userId="S::245098@ust.com::26c642e7-a083-4a2f-87f6-e20b0ef91a94" providerId="AD" clId="Web-{A2290BF9-10C5-4FB7-8FB9-582DEE8C0BC4}" dt="2023-02-28T11:41:11.444" v="5"/>
+          <ac:spMkLst>
+            <pc:docMk/>
+            <pc:sldMk cId="4151454420" sldId="264"/>
+            <ac:spMk id="6" creationId="{7A7762B4-60BF-734E-9124-0AA6C970BB76}"/>
           </ac:spMkLst>
         </pc:spChg>
         <pc:spChg chg="add del mod">
-          <ac:chgData name="Yashwanth Ravula(UST,IN)" userId="S::245098@ust.com::26c642e7-a083-4a2f-87f6-e20b0ef91a94" providerId="AD" clId="Web-{ADD610D9-C3F0-4219-B482-52BC67A0F6D8}" dt="2023-03-03T08:48:51.270" v="139" actId="14100"/>
-          <ac:spMkLst>
-            <pc:docMk/>
-            <pc:sldMk cId="1729341402" sldId="472"/>
-            <ac:spMk id="3" creationId="{6A61BE37-90E5-9B5B-8557-04A3566CFFDB}"/>
+          <ac:chgData name="Yashwanth Ravula(UST,IN)" userId="S::245098@ust.com::26c642e7-a083-4a2f-87f6-e20b0ef91a94" providerId="AD" clId="Web-{A2290BF9-10C5-4FB7-8FB9-582DEE8C0BC4}" dt="2023-02-28T11:41:15.819" v="6"/>
+          <ac:spMkLst>
+            <pc:docMk/>
+            <pc:sldMk cId="4151454420" sldId="264"/>
+            <ac:spMk id="8" creationId="{2B931539-E908-AC95-16B5-8B3B8B93F09F}"/>
           </ac:spMkLst>
         </pc:spChg>
         <pc:spChg chg="add del mod">
-          <ac:chgData name="Yashwanth Ravula(UST,IN)" userId="S::245098@ust.com::26c642e7-a083-4a2f-87f6-e20b0ef91a94" providerId="AD" clId="Web-{ADD610D9-C3F0-4219-B482-52BC67A0F6D8}" dt="2023-03-03T08:45:53.890" v="112"/>
-          <ac:spMkLst>
-            <pc:docMk/>
-            <pc:sldMk cId="1729341402" sldId="472"/>
-            <ac:spMk id="4" creationId="{40E004F3-B8EC-40E2-9622-E26B9D40BF3F}"/>
-          </ac:spMkLst>
-        </pc:spChg>
-      </pc:sldChg>
-      <pc:sldChg chg="delSp modSp new">
-        <pc:chgData name="Yashwanth Ravula(UST,IN)" userId="S::245098@ust.com::26c642e7-a083-4a2f-87f6-e20b0ef91a94" providerId="AD" clId="Web-{ADD610D9-C3F0-4219-B482-52BC67A0F6D8}" dt="2023-03-03T08:54:19.137" v="158" actId="14100"/>
-        <pc:sldMkLst>
-          <pc:docMk/>
-          <pc:sldMk cId="3945663660" sldId="473"/>
-        </pc:sldMkLst>
-        <pc:spChg chg="mod">
-          <ac:chgData name="Yashwanth Ravula(UST,IN)" userId="S::245098@ust.com::26c642e7-a083-4a2f-87f6-e20b0ef91a94" providerId="AD" clId="Web-{ADD610D9-C3F0-4219-B482-52BC67A0F6D8}" dt="2023-03-03T08:54:19.137" v="158" actId="14100"/>
-          <ac:spMkLst>
-            <pc:docMk/>
-            <pc:sldMk cId="3945663660" sldId="473"/>
-            <ac:spMk id="2" creationId="{643729D2-C6EA-3EB9-145D-24AC8D4B5CB4}"/>
-          </ac:spMkLst>
-        </pc:spChg>
-        <pc:spChg chg="del">
-          <ac:chgData name="Yashwanth Ravula(UST,IN)" userId="S::245098@ust.com::26c642e7-a083-4a2f-87f6-e20b0ef91a94" providerId="AD" clId="Web-{ADD610D9-C3F0-4219-B482-52BC67A0F6D8}" dt="2023-03-03T08:54:00.480" v="156"/>
-          <ac:spMkLst>
-            <pc:docMk/>
-            <pc:sldMk cId="3945663660" sldId="473"/>
-            <ac:spMk id="3" creationId="{376A3746-B70B-1611-9007-554812D0F99E}"/>
+          <ac:chgData name="Yashwanth Ravula(UST,IN)" userId="S::245098@ust.com::26c642e7-a083-4a2f-87f6-e20b0ef91a94" providerId="AD" clId="Web-{A2290BF9-10C5-4FB7-8FB9-582DEE8C0BC4}" dt="2023-02-28T11:41:20.319" v="7"/>
+          <ac:spMkLst>
+            <pc:docMk/>
+            <pc:sldMk cId="4151454420" sldId="264"/>
+            <ac:spMk id="10" creationId="{910E3105-E017-C9A8-D826-127B50CA06B2}"/>
           </ac:spMkLst>
         </pc:spChg>
       </pc:sldChg>
     </pc:docChg>
   </pc:docChgLst>
   <pc:docChgLst>
-    <pc:chgData name="Yashwanth Ravula(UST,IN)" userId="S::245098@ust.com::26c642e7-a083-4a2f-87f6-e20b0ef91a94" providerId="AD" clId="Web-{227AFEB0-5E13-465E-A779-857C28F0FEB9}"/>
-    <pc:docChg chg="addSld modSld">
-      <pc:chgData name="Yashwanth Ravula(UST,IN)" userId="S::245098@ust.com::26c642e7-a083-4a2f-87f6-e20b0ef91a94" providerId="AD" clId="Web-{227AFEB0-5E13-465E-A779-857C28F0FEB9}" dt="2023-03-02T05:02:08.950" v="122" actId="20577"/>
+    <pc:chgData name="Rayona Mathew(UST,IN)" userId="S::245072@ust.com::ba69e595-3dd2-41bd-a7f7-516712dab024" providerId="AD" clId="Web-{01A119B1-966D-44A1-8730-0382589D5375}"/>
+    <pc:docChg chg="addSld delSld modSld">
+      <pc:chgData name="Rayona Mathew(UST,IN)" userId="S::245072@ust.com::ba69e595-3dd2-41bd-a7f7-516712dab024" providerId="AD" clId="Web-{01A119B1-966D-44A1-8730-0382589D5375}" dt="2023-03-01T03:50:57.371" v="121"/>
       <pc:docMkLst>
         <pc:docMk/>
       </pc:docMkLst>
-      <pc:sldChg chg="modSp mod chgLayout">
-        <pc:chgData name="Yashwanth Ravula(UST,IN)" userId="S::245098@ust.com::26c642e7-a083-4a2f-87f6-e20b0ef91a94" providerId="AD" clId="Web-{227AFEB0-5E13-465E-A779-857C28F0FEB9}" dt="2023-03-02T04:59:08.648" v="73"/>
+      <pc:sldChg chg="modSp">
+        <pc:chgData name="Rayona Mathew(UST,IN)" userId="S::245072@ust.com::ba69e595-3dd2-41bd-a7f7-516712dab024" providerId="AD" clId="Web-{01A119B1-966D-44A1-8730-0382589D5375}" dt="2023-03-01T03:48:18.052" v="94" actId="20577"/>
         <pc:sldMkLst>
           <pc:docMk/>
-          <pc:sldMk cId="359614143" sldId="433"/>
+          <pc:sldMk cId="2296051366" sldId="436"/>
         </pc:sldMkLst>
-        <pc:spChg chg="mod ord">
-          <ac:chgData name="Yashwanth Ravula(UST,IN)" userId="S::245098@ust.com::26c642e7-a083-4a2f-87f6-e20b0ef91a94" providerId="AD" clId="Web-{227AFEB0-5E13-465E-A779-857C28F0FEB9}" dt="2023-03-02T04:59:08.648" v="73"/>
-          <ac:spMkLst>
-            <pc:docMk/>
-            <pc:sldMk cId="359614143" sldId="433"/>
-            <ac:spMk id="2" creationId="{A1FA77BB-B48A-608B-6CE4-8ED3488E8B91}"/>
-          </ac:spMkLst>
-        </pc:spChg>
-        <pc:spChg chg="mod ord">
-          <ac:chgData name="Yashwanth Ravula(UST,IN)" userId="S::245098@ust.com::26c642e7-a083-4a2f-87f6-e20b0ef91a94" providerId="AD" clId="Web-{227AFEB0-5E13-465E-A779-857C28F0FEB9}" dt="2023-03-02T04:59:08.648" v="73"/>
-          <ac:spMkLst>
-            <pc:docMk/>
-            <pc:sldMk cId="359614143" sldId="433"/>
-            <ac:spMk id="3" creationId="{45AA5242-7A7D-9D34-6850-0D5645FE712D}"/>
+        <pc:spChg chg="mod">
+          <ac:chgData name="Rayona Mathew(UST,IN)" userId="S::245072@ust.com::ba69e595-3dd2-41bd-a7f7-516712dab024" providerId="AD" clId="Web-{01A119B1-966D-44A1-8730-0382589D5375}" dt="2023-03-01T03:48:18.052" v="94" actId="20577"/>
+          <ac:spMkLst>
+            <pc:docMk/>
+            <pc:sldMk cId="2296051366" sldId="436"/>
+            <ac:spMk id="6" creationId="{8BC7BFEE-38DA-DFBD-CD0D-D04ADB94AB00}"/>
           </ac:spMkLst>
         </pc:spChg>
       </pc:sldChg>
-      <pc:sldChg chg="modSp mod chgLayout">
-        <pc:chgData name="Yashwanth Ravula(UST,IN)" userId="S::245098@ust.com::26c642e7-a083-4a2f-87f6-e20b0ef91a94" providerId="AD" clId="Web-{227AFEB0-5E13-465E-A779-857C28F0FEB9}" dt="2023-03-02T04:26:19.100" v="59"/>
+      <pc:sldChg chg="modSp del">
+        <pc:chgData name="Rayona Mathew(UST,IN)" userId="S::245072@ust.com::ba69e595-3dd2-41bd-a7f7-516712dab024" providerId="AD" clId="Web-{01A119B1-966D-44A1-8730-0382589D5375}" dt="2023-03-01T03:50:57.371" v="121"/>
         <pc:sldMkLst>
           <pc:docMk/>
-          <pc:sldMk cId="2533536236" sldId="444"/>
+          <pc:sldMk cId="4070274023" sldId="437"/>
         </pc:sldMkLst>
-        <pc:spChg chg="mod ord">
-          <ac:chgData name="Yashwanth Ravula(UST,IN)" userId="S::245098@ust.com::26c642e7-a083-4a2f-87f6-e20b0ef91a94" providerId="AD" clId="Web-{227AFEB0-5E13-465E-A779-857C28F0FEB9}" dt="2023-03-02T04:26:19.100" v="59"/>
-          <ac:spMkLst>
-            <pc:docMk/>
-            <pc:sldMk cId="2533536236" sldId="444"/>
-            <ac:spMk id="2" creationId="{B06A8644-75A7-E56C-37D5-84D534448EE1}"/>
-          </ac:spMkLst>
-        </pc:spChg>
-        <pc:spChg chg="mod ord">
-          <ac:chgData name="Yashwanth Ravula(UST,IN)" userId="S::245098@ust.com::26c642e7-a083-4a2f-87f6-e20b0ef91a94" providerId="AD" clId="Web-{227AFEB0-5E13-465E-A779-857C28F0FEB9}" dt="2023-03-02T04:26:19.100" v="59"/>
-          <ac:spMkLst>
-            <pc:docMk/>
-            <pc:sldMk cId="2533536236" sldId="444"/>
-            <ac:spMk id="3" creationId="{2900A694-2C28-35AA-398A-82C321E9069C}"/>
+        <pc:spChg chg="mod">
+          <ac:chgData name="Rayona Mathew(UST,IN)" userId="S::245072@ust.com::ba69e595-3dd2-41bd-a7f7-516712dab024" providerId="AD" clId="Web-{01A119B1-966D-44A1-8730-0382589D5375}" dt="2023-03-01T03:48:10.458" v="92" actId="20577"/>
+          <ac:spMkLst>
+            <pc:docMk/>
+            <pc:sldMk cId="4070274023" sldId="437"/>
+            <ac:spMk id="6" creationId="{8BC7BFEE-38DA-DFBD-CD0D-D04ADB94AB00}"/>
           </ac:spMkLst>
         </pc:spChg>
       </pc:sldChg>
-      <pc:sldChg chg="delSp modSp new mod chgLayout">
-        <pc:chgData name="Yashwanth Ravula(UST,IN)" userId="S::245098@ust.com::26c642e7-a083-4a2f-87f6-e20b0ef91a94" providerId="AD" clId="Web-{227AFEB0-5E13-465E-A779-857C28F0FEB9}" dt="2023-03-02T05:02:08.950" v="122" actId="20577"/>
+      <pc:sldChg chg="new del">
+        <pc:chgData name="Rayona Mathew(UST,IN)" userId="S::245072@ust.com::ba69e595-3dd2-41bd-a7f7-516712dab024" providerId="AD" clId="Web-{01A119B1-966D-44A1-8730-0382589D5375}" dt="2023-03-01T03:49:11.008" v="96"/>
         <pc:sldMkLst>
           <pc:docMk/>
-          <pc:sldMk cId="1259263587" sldId="450"/>
+          <pc:sldMk cId="1346970104" sldId="443"/>
         </pc:sldMkLst>
-        <pc:spChg chg="del">
-          <ac:chgData name="Yashwanth Ravula(UST,IN)" userId="S::245098@ust.com::26c642e7-a083-4a2f-87f6-e20b0ef91a94" providerId="AD" clId="Web-{227AFEB0-5E13-465E-A779-857C28F0FEB9}" dt="2023-03-02T04:19:34.646" v="1"/>
-          <ac:spMkLst>
-            <pc:docMk/>
-            <pc:sldMk cId="1259263587" sldId="450"/>
-            <ac:spMk id="2" creationId="{34535E02-C5E0-53BF-06E9-86C79C3FF375}"/>
-          </ac:spMkLst>
-        </pc:spChg>
-        <pc:spChg chg="mod ord">
-          <ac:chgData name="Yashwanth Ravula(UST,IN)" userId="S::245098@ust.com::26c642e7-a083-4a2f-87f6-e20b0ef91a94" providerId="AD" clId="Web-{227AFEB0-5E13-465E-A779-857C28F0FEB9}" dt="2023-03-02T05:02:08.950" v="122" actId="20577"/>
-          <ac:spMkLst>
-            <pc:docMk/>
-            <pc:sldMk cId="1259263587" sldId="450"/>
-            <ac:spMk id="3" creationId="{F0612444-3E8B-9714-EC0B-5CED5F268B32}"/>
-          </ac:spMkLst>
-        </pc:spChg>
-        <pc:spChg chg="del">
-          <ac:chgData name="Yashwanth Ravula(UST,IN)" userId="S::245098@ust.com::26c642e7-a083-4a2f-87f6-e20b0ef91a94" providerId="AD" clId="Web-{227AFEB0-5E13-465E-A779-857C28F0FEB9}" dt="2023-03-02T04:19:40.349" v="2"/>
-          <ac:spMkLst>
-            <pc:docMk/>
-            <pc:sldMk cId="1259263587" sldId="450"/>
-            <ac:spMk id="4" creationId="{C2B770F9-DB39-C8A9-75B0-DD439BE8E984}"/>
-          </ac:spMkLst>
-        </pc:spChg>
-        <pc:spChg chg="del">
-          <ac:chgData name="Yashwanth Ravula(UST,IN)" userId="S::245098@ust.com::26c642e7-a083-4a2f-87f6-e20b0ef91a94" providerId="AD" clId="Web-{227AFEB0-5E13-465E-A779-857C28F0FEB9}" dt="2023-03-02T04:19:47.834" v="3"/>
-          <ac:spMkLst>
-            <pc:docMk/>
-            <pc:sldMk cId="1259263587" sldId="450"/>
-            <ac:spMk id="5" creationId="{32C21FF5-6BF9-B247-5F61-C250FACF2760}"/>
-          </ac:spMkLst>
-        </pc:spChg>
-        <pc:spChg chg="del">
-          <ac:chgData name="Yashwanth Ravula(UST,IN)" userId="S::245098@ust.com::26c642e7-a083-4a2f-87f6-e20b0ef91a94" providerId="AD" clId="Web-{227AFEB0-5E13-465E-A779-857C28F0FEB9}" dt="2023-03-02T04:19:52.662" v="4"/>
-          <ac:spMkLst>
-            <pc:docMk/>
-            <pc:sldMk cId="1259263587" sldId="450"/>
-            <ac:spMk id="6" creationId="{9EEE2460-E299-74BC-C21C-C351044D7DFB}"/>
-          </ac:spMkLst>
-        </pc:spChg>
       </pc:sldChg>
-      <pc:sldChg chg="delSp modSp new mod chgLayout">
-        <pc:chgData name="Yashwanth Ravula(UST,IN)" userId="S::245098@ust.com::26c642e7-a083-4a2f-87f6-e20b0ef91a94" providerId="AD" clId="Web-{227AFEB0-5E13-465E-A779-857C28F0FEB9}" dt="2023-03-02T04:25:41.661" v="58" actId="14100"/>
+      <pc:sldChg chg="modSp new">
+        <pc:chgData name="Rayona Mathew(UST,IN)" userId="S::245072@ust.com::ba69e595-3dd2-41bd-a7f7-516712dab024" providerId="AD" clId="Web-{01A119B1-966D-44A1-8730-0382589D5375}" dt="2023-03-01T03:50:52.511" v="120" actId="20577"/>
         <pc:sldMkLst>
           <pc:docMk/>
-          <pc:sldMk cId="1782131822" sldId="451"/>
+          <pc:sldMk cId="4100171198" sldId="443"/>
         </pc:sldMkLst>
-        <pc:spChg chg="mod ord">
-          <ac:chgData name="Yashwanth Ravula(UST,IN)" userId="S::245098@ust.com::26c642e7-a083-4a2f-87f6-e20b0ef91a94" providerId="AD" clId="Web-{227AFEB0-5E13-465E-A779-857C28F0FEB9}" dt="2023-03-02T04:25:34.348" v="57" actId="14100"/>
-          <ac:spMkLst>
-            <pc:docMk/>
-            <pc:sldMk cId="1782131822" sldId="451"/>
-            <ac:spMk id="2" creationId="{B8BD82F1-580E-E25A-874C-ECCC0C4CE286}"/>
-          </ac:spMkLst>
-        </pc:spChg>
-        <pc:spChg chg="mod ord">
-          <ac:chgData name="Yashwanth Ravula(UST,IN)" userId="S::245098@ust.com::26c642e7-a083-4a2f-87f6-e20b0ef91a94" providerId="AD" clId="Web-{227AFEB0-5E13-465E-A779-857C28F0FEB9}" dt="2023-03-02T04:25:41.661" v="58" actId="14100"/>
-          <ac:spMkLst>
-            <pc:docMk/>
-            <pc:sldMk cId="1782131822" sldId="451"/>
-            <ac:spMk id="3" creationId="{4ED35E56-1927-A356-46B9-71AB0390833B}"/>
-          </ac:spMkLst>
-        </pc:spChg>
-        <pc:spChg chg="del">
-          <ac:chgData name="Yashwanth Ravula(UST,IN)" userId="S::245098@ust.com::26c642e7-a083-4a2f-87f6-e20b0ef91a94" providerId="AD" clId="Web-{227AFEB0-5E13-465E-A779-857C28F0FEB9}" dt="2023-03-02T04:21:13.681" v="13"/>
-          <ac:spMkLst>
-            <pc:docMk/>
-            <pc:sldMk cId="1782131822" sldId="451"/>
-            <ac:spMk id="4" creationId="{F1FBA0EE-A254-0F73-7518-CD4F3AAE2555}"/>
-          </ac:spMkLst>
-        </pc:spChg>
-        <pc:spChg chg="del">
-          <ac:chgData name="Yashwanth Ravula(UST,IN)" userId="S::245098@ust.com::26c642e7-a083-4a2f-87f6-e20b0ef91a94" providerId="AD" clId="Web-{227AFEB0-5E13-465E-A779-857C28F0FEB9}" dt="2023-03-02T04:21:18.791" v="14"/>
-          <ac:spMkLst>
-            <pc:docMk/>
-            <pc:sldMk cId="1782131822" sldId="451"/>
-            <ac:spMk id="5" creationId="{2AFA1866-740E-4AB1-CFA8-D025F7966990}"/>
-          </ac:spMkLst>
-        </pc:spChg>
-        <pc:spChg chg="del">
-          <ac:chgData name="Yashwanth Ravula(UST,IN)" userId="S::245098@ust.com::26c642e7-a083-4a2f-87f6-e20b0ef91a94" providerId="AD" clId="Web-{227AFEB0-5E13-465E-A779-857C28F0FEB9}" dt="2023-03-02T04:21:22.791" v="15"/>
-          <ac:spMkLst>
-            <pc:docMk/>
-            <pc:sldMk cId="1782131822" sldId="451"/>
-            <ac:spMk id="6" creationId="{E426AF2E-B4C4-6D27-CE63-A4B0A0D1684C}"/>
+        <pc:spChg chg="mod">
+          <ac:chgData name="Rayona Mathew(UST,IN)" userId="S::245072@ust.com::ba69e595-3dd2-41bd-a7f7-516712dab024" providerId="AD" clId="Web-{01A119B1-966D-44A1-8730-0382589D5375}" dt="2023-03-01T03:50:52.511" v="120" actId="20577"/>
+          <ac:spMkLst>
+            <pc:docMk/>
+            <pc:sldMk cId="4100171198" sldId="443"/>
+            <ac:spMk id="2" creationId="{295DDB62-52DA-2D50-E89E-B04B42BA03F9}"/>
+          </ac:spMkLst>
+        </pc:spChg>
+        <pc:spChg chg="mod">
+          <ac:chgData name="Rayona Mathew(UST,IN)" userId="S::245072@ust.com::ba69e595-3dd2-41bd-a7f7-516712dab024" providerId="AD" clId="Web-{01A119B1-966D-44A1-8730-0382589D5375}" dt="2023-03-01T03:50:42.886" v="114" actId="20577"/>
+          <ac:spMkLst>
+            <pc:docMk/>
+            <pc:sldMk cId="4100171198" sldId="443"/>
+            <ac:spMk id="3" creationId="{3A0CB81D-51CE-358D-66E7-F9E4C2D2F291}"/>
+          </ac:spMkLst>
+        </pc:spChg>
+      </pc:sldChg>
+    </pc:docChg>
+  </pc:docChgLst>
+  <pc:docChgLst>
+    <pc:chgData name="Sowjanya Morisetty(UST,IN)" userId="S::245132@ust.com::fafc9569-a945-46e7-9869-5c26008d3c84" providerId="AD" clId="Web-{E7AC67EC-131E-4826-B58B-F1D0BD3FFDFB}"/>
+    <pc:docChg chg="modSld">
+      <pc:chgData name="Sowjanya Morisetty(UST,IN)" userId="S::245132@ust.com::fafc9569-a945-46e7-9869-5c26008d3c84" providerId="AD" clId="Web-{E7AC67EC-131E-4826-B58B-F1D0BD3FFDFB}" dt="2023-02-28T12:08:59.262" v="1" actId="20577"/>
+      <pc:docMkLst>
+        <pc:docMk/>
+      </pc:docMkLst>
+      <pc:sldChg chg="modSp">
+        <pc:chgData name="Sowjanya Morisetty(UST,IN)" userId="S::245132@ust.com::fafc9569-a945-46e7-9869-5c26008d3c84" providerId="AD" clId="Web-{E7AC67EC-131E-4826-B58B-F1D0BD3FFDFB}" dt="2023-02-28T12:08:59.262" v="1" actId="20577"/>
+        <pc:sldMkLst>
+          <pc:docMk/>
+          <pc:sldMk cId="877123665" sldId="431"/>
+        </pc:sldMkLst>
+        <pc:spChg chg="mod">
+          <ac:chgData name="Sowjanya Morisetty(UST,IN)" userId="S::245132@ust.com::fafc9569-a945-46e7-9869-5c26008d3c84" providerId="AD" clId="Web-{E7AC67EC-131E-4826-B58B-F1D0BD3FFDFB}" dt="2023-02-28T12:08:59.262" v="1" actId="20577"/>
+          <ac:spMkLst>
+            <pc:docMk/>
+            <pc:sldMk cId="877123665" sldId="431"/>
+            <ac:spMk id="6" creationId="{8BC7BFEE-38DA-DFBD-CD0D-D04ADB94AB00}"/>
+          </ac:spMkLst>
+        </pc:spChg>
+      </pc:sldChg>
+    </pc:docChg>
+  </pc:docChgLst>
+  <pc:docChgLst>
+    <pc:chgData name="Yashwanth Ravula(UST,IN)" userId="26c642e7-a083-4a2f-87f6-e20b0ef91a94" providerId="ADAL" clId="{B77D9C6B-55E0-4FB2-9509-56A04E6A6CDA}"/>
+    <pc:docChg chg="undo custSel modSld">
+      <pc:chgData name="Yashwanth Ravula(UST,IN)" userId="26c642e7-a083-4a2f-87f6-e20b0ef91a94" providerId="ADAL" clId="{B77D9C6B-55E0-4FB2-9509-56A04E6A6CDA}" dt="2023-03-11T09:25:33.808" v="2"/>
+      <pc:docMkLst>
+        <pc:docMk/>
+      </pc:docMkLst>
+      <pc:sldChg chg="modSp mod">
+        <pc:chgData name="Yashwanth Ravula(UST,IN)" userId="26c642e7-a083-4a2f-87f6-e20b0ef91a94" providerId="ADAL" clId="{B77D9C6B-55E0-4FB2-9509-56A04E6A6CDA}" dt="2023-03-11T09:25:33.808" v="2"/>
+        <pc:sldMkLst>
+          <pc:docMk/>
+          <pc:sldMk cId="2542971383" sldId="468"/>
+        </pc:sldMkLst>
+        <pc:spChg chg="mod">
+          <ac:chgData name="Yashwanth Ravula(UST,IN)" userId="26c642e7-a083-4a2f-87f6-e20b0ef91a94" providerId="ADAL" clId="{B77D9C6B-55E0-4FB2-9509-56A04E6A6CDA}" dt="2023-03-11T09:25:33.808" v="2"/>
+          <ac:spMkLst>
+            <pc:docMk/>
+            <pc:sldMk cId="2542971383" sldId="468"/>
+            <ac:spMk id="4" creationId="{9FDF7E13-5C80-D4B4-3718-47F838BE3336}"/>
           </ac:spMkLst>
         </pc:spChg>
       </pc:sldChg>
@@ -3386,443 +4927,6 @@
     </pc:docChg>
   </pc:docChgLst>
   <pc:docChgLst>
-    <pc:chgData name="Sowjanya Morisetty(UST,IN)" userId="S::245132@ust.com::fafc9569-a945-46e7-9869-5c26008d3c84" providerId="AD" clId="Web-{7037063D-103E-48E3-9DE1-A55BF8B948D3}"/>
-    <pc:docChg chg="modSld">
-      <pc:chgData name="Sowjanya Morisetty(UST,IN)" userId="S::245132@ust.com::fafc9569-a945-46e7-9869-5c26008d3c84" providerId="AD" clId="Web-{7037063D-103E-48E3-9DE1-A55BF8B948D3}" dt="2023-02-28T12:02:02.347" v="7" actId="20577"/>
-      <pc:docMkLst>
-        <pc:docMk/>
-      </pc:docMkLst>
-      <pc:sldChg chg="modSp">
-        <pc:chgData name="Sowjanya Morisetty(UST,IN)" userId="S::245132@ust.com::fafc9569-a945-46e7-9869-5c26008d3c84" providerId="AD" clId="Web-{7037063D-103E-48E3-9DE1-A55BF8B948D3}" dt="2023-02-28T12:02:02.347" v="7" actId="20577"/>
-        <pc:sldMkLst>
-          <pc:docMk/>
-          <pc:sldMk cId="877123665" sldId="431"/>
-        </pc:sldMkLst>
-        <pc:spChg chg="mod">
-          <ac:chgData name="Sowjanya Morisetty(UST,IN)" userId="S::245132@ust.com::fafc9569-a945-46e7-9869-5c26008d3c84" providerId="AD" clId="Web-{7037063D-103E-48E3-9DE1-A55BF8B948D3}" dt="2023-02-28T12:02:02.347" v="7" actId="20577"/>
-          <ac:spMkLst>
-            <pc:docMk/>
-            <pc:sldMk cId="877123665" sldId="431"/>
-            <ac:spMk id="6" creationId="{8BC7BFEE-38DA-DFBD-CD0D-D04ADB94AB00}"/>
-          </ac:spMkLst>
-        </pc:spChg>
-      </pc:sldChg>
-    </pc:docChg>
-  </pc:docChgLst>
-  <pc:docChgLst>
-    <pc:chgData name="Sowjanya Morisetty(UST,IN)" userId="S::245132@ust.com::fafc9569-a945-46e7-9869-5c26008d3c84" providerId="AD" clId="Web-{FC12B7D1-C922-4CA7-8C7C-9777C3F40540}"/>
-    <pc:docChg chg="modSld">
-      <pc:chgData name="Sowjanya Morisetty(UST,IN)" userId="S::245132@ust.com::fafc9569-a945-46e7-9869-5c26008d3c84" providerId="AD" clId="Web-{FC12B7D1-C922-4CA7-8C7C-9777C3F40540}" dt="2023-03-03T08:52:15.831" v="3" actId="20577"/>
-      <pc:docMkLst>
-        <pc:docMk/>
-      </pc:docMkLst>
-      <pc:sldChg chg="delSp">
-        <pc:chgData name="Sowjanya Morisetty(UST,IN)" userId="S::245132@ust.com::fafc9569-a945-46e7-9869-5c26008d3c84" providerId="AD" clId="Web-{FC12B7D1-C922-4CA7-8C7C-9777C3F40540}" dt="2023-03-03T08:38:45.309" v="0"/>
-        <pc:sldMkLst>
-          <pc:docMk/>
-          <pc:sldMk cId="800944208" sldId="429"/>
-        </pc:sldMkLst>
-        <pc:spChg chg="del">
-          <ac:chgData name="Sowjanya Morisetty(UST,IN)" userId="S::245132@ust.com::fafc9569-a945-46e7-9869-5c26008d3c84" providerId="AD" clId="Web-{FC12B7D1-C922-4CA7-8C7C-9777C3F40540}" dt="2023-03-03T08:38:45.309" v="0"/>
-          <ac:spMkLst>
-            <pc:docMk/>
-            <pc:sldMk cId="800944208" sldId="429"/>
-            <ac:spMk id="4" creationId="{AAB5C960-4723-43ED-A5EC-026091AEAAF9}"/>
-          </ac:spMkLst>
-        </pc:spChg>
-      </pc:sldChg>
-      <pc:sldChg chg="modSp">
-        <pc:chgData name="Sowjanya Morisetty(UST,IN)" userId="S::245132@ust.com::fafc9569-a945-46e7-9869-5c26008d3c84" providerId="AD" clId="Web-{FC12B7D1-C922-4CA7-8C7C-9777C3F40540}" dt="2023-03-03T08:52:15.831" v="3" actId="20577"/>
-        <pc:sldMkLst>
-          <pc:docMk/>
-          <pc:sldMk cId="79023468" sldId="463"/>
-        </pc:sldMkLst>
-        <pc:graphicFrameChg chg="modGraphic">
-          <ac:chgData name="Sowjanya Morisetty(UST,IN)" userId="S::245132@ust.com::fafc9569-a945-46e7-9869-5c26008d3c84" providerId="AD" clId="Web-{FC12B7D1-C922-4CA7-8C7C-9777C3F40540}" dt="2023-03-03T08:52:15.831" v="3" actId="20577"/>
-          <ac:graphicFrameMkLst>
-            <pc:docMk/>
-            <pc:sldMk cId="79023468" sldId="463"/>
-            <ac:graphicFrameMk id="33" creationId="{7177F0F8-1479-CC21-370F-6D74DAEB2D63}"/>
-          </ac:graphicFrameMkLst>
-        </pc:graphicFrameChg>
-      </pc:sldChg>
-    </pc:docChg>
-  </pc:docChgLst>
-  <pc:docChgLst>
-    <pc:chgData name="Sowjanya Morisetty(UST,IN)" userId="S::245132@ust.com::fafc9569-a945-46e7-9869-5c26008d3c84" providerId="AD" clId="Web-{B4DD1757-7FFF-451A-8A9C-7E64A57EF684}"/>
-    <pc:docChg chg="modSld">
-      <pc:chgData name="Sowjanya Morisetty(UST,IN)" userId="S::245132@ust.com::fafc9569-a945-46e7-9869-5c26008d3c84" providerId="AD" clId="Web-{B4DD1757-7FFF-451A-8A9C-7E64A57EF684}" dt="2023-02-28T11:55:10.046" v="35" actId="20577"/>
-      <pc:docMkLst>
-        <pc:docMk/>
-      </pc:docMkLst>
-      <pc:sldChg chg="modSp">
-        <pc:chgData name="Sowjanya Morisetty(UST,IN)" userId="S::245132@ust.com::fafc9569-a945-46e7-9869-5c26008d3c84" providerId="AD" clId="Web-{B4DD1757-7FFF-451A-8A9C-7E64A57EF684}" dt="2023-02-28T11:55:10.046" v="35" actId="20577"/>
-        <pc:sldMkLst>
-          <pc:docMk/>
-          <pc:sldMk cId="877123665" sldId="431"/>
-        </pc:sldMkLst>
-        <pc:spChg chg="mod">
-          <ac:chgData name="Sowjanya Morisetty(UST,IN)" userId="S::245132@ust.com::fafc9569-a945-46e7-9869-5c26008d3c84" providerId="AD" clId="Web-{B4DD1757-7FFF-451A-8A9C-7E64A57EF684}" dt="2023-02-28T11:54:33.201" v="18" actId="20577"/>
-          <ac:spMkLst>
-            <pc:docMk/>
-            <pc:sldMk cId="877123665" sldId="431"/>
-            <ac:spMk id="2" creationId="{93E05C63-B7B1-1CCC-11B7-5598B03B4485}"/>
-          </ac:spMkLst>
-        </pc:spChg>
-        <pc:spChg chg="mod">
-          <ac:chgData name="Sowjanya Morisetty(UST,IN)" userId="S::245132@ust.com::fafc9569-a945-46e7-9869-5c26008d3c84" providerId="AD" clId="Web-{B4DD1757-7FFF-451A-8A9C-7E64A57EF684}" dt="2023-02-28T11:55:10.046" v="35" actId="20577"/>
-          <ac:spMkLst>
-            <pc:docMk/>
-            <pc:sldMk cId="877123665" sldId="431"/>
-            <ac:spMk id="6" creationId="{8BC7BFEE-38DA-DFBD-CD0D-D04ADB94AB00}"/>
-          </ac:spMkLst>
-        </pc:spChg>
-      </pc:sldChg>
-    </pc:docChg>
-  </pc:docChgLst>
-  <pc:docChgLst>
-    <pc:chgData name="Rayona Mathew(UST,IN)" userId="S::245072@ust.com::ba69e595-3dd2-41bd-a7f7-516712dab024" providerId="AD" clId="Web-{B903161E-8D1E-4399-A3C3-922CD925991A}"/>
-    <pc:docChg chg="modSld">
-      <pc:chgData name="Rayona Mathew(UST,IN)" userId="S::245072@ust.com::ba69e595-3dd2-41bd-a7f7-516712dab024" providerId="AD" clId="Web-{B903161E-8D1E-4399-A3C3-922CD925991A}" dt="2023-03-03T03:53:39.248" v="20" actId="20577"/>
-      <pc:docMkLst>
-        <pc:docMk/>
-      </pc:docMkLst>
-      <pc:sldChg chg="modSp">
-        <pc:chgData name="Rayona Mathew(UST,IN)" userId="S::245072@ust.com::ba69e595-3dd2-41bd-a7f7-516712dab024" providerId="AD" clId="Web-{B903161E-8D1E-4399-A3C3-922CD925991A}" dt="2023-03-03T03:53:39.248" v="20" actId="20577"/>
-        <pc:sldMkLst>
-          <pc:docMk/>
-          <pc:sldMk cId="1382630997" sldId="446"/>
-        </pc:sldMkLst>
-        <pc:spChg chg="mod">
-          <ac:chgData name="Rayona Mathew(UST,IN)" userId="S::245072@ust.com::ba69e595-3dd2-41bd-a7f7-516712dab024" providerId="AD" clId="Web-{B903161E-8D1E-4399-A3C3-922CD925991A}" dt="2023-03-03T03:53:39.248" v="20" actId="20577"/>
-          <ac:spMkLst>
-            <pc:docMk/>
-            <pc:sldMk cId="1382630997" sldId="446"/>
-            <ac:spMk id="3" creationId="{E88EE183-D373-CE5C-05D2-A7D03FFAEF1A}"/>
-          </ac:spMkLst>
-        </pc:spChg>
-      </pc:sldChg>
-    </pc:docChg>
-  </pc:docChgLst>
-  <pc:docChgLst>
-    <pc:chgData name="Sowjanya Morisetty(UST,IN)" userId="S::245132@ust.com::fafc9569-a945-46e7-9869-5c26008d3c84" providerId="AD" clId="Web-{4B42A6EF-A70A-41AC-8E3A-8C59AA59A465}"/>
-    <pc:docChg chg="addSld modSld">
-      <pc:chgData name="Sowjanya Morisetty(UST,IN)" userId="S::245132@ust.com::fafc9569-a945-46e7-9869-5c26008d3c84" providerId="AD" clId="Web-{4B42A6EF-A70A-41AC-8E3A-8C59AA59A465}" dt="2023-02-28T12:21:16.889" v="26" actId="20577"/>
-      <pc:docMkLst>
-        <pc:docMk/>
-      </pc:docMkLst>
-      <pc:sldChg chg="modSp">
-        <pc:chgData name="Sowjanya Morisetty(UST,IN)" userId="S::245132@ust.com::fafc9569-a945-46e7-9869-5c26008d3c84" providerId="AD" clId="Web-{4B42A6EF-A70A-41AC-8E3A-8C59AA59A465}" dt="2023-02-28T12:12:06.250" v="11" actId="20577"/>
-        <pc:sldMkLst>
-          <pc:docMk/>
-          <pc:sldMk cId="877123665" sldId="431"/>
-        </pc:sldMkLst>
-        <pc:spChg chg="mod">
-          <ac:chgData name="Sowjanya Morisetty(UST,IN)" userId="S::245132@ust.com::fafc9569-a945-46e7-9869-5c26008d3c84" providerId="AD" clId="Web-{4B42A6EF-A70A-41AC-8E3A-8C59AA59A465}" dt="2023-02-28T12:12:06.250" v="11" actId="20577"/>
-          <ac:spMkLst>
-            <pc:docMk/>
-            <pc:sldMk cId="877123665" sldId="431"/>
-            <ac:spMk id="6" creationId="{8BC7BFEE-38DA-DFBD-CD0D-D04ADB94AB00}"/>
-          </ac:spMkLst>
-        </pc:spChg>
-      </pc:sldChg>
-      <pc:sldChg chg="modSp">
-        <pc:chgData name="Sowjanya Morisetty(UST,IN)" userId="S::245132@ust.com::fafc9569-a945-46e7-9869-5c26008d3c84" providerId="AD" clId="Web-{4B42A6EF-A70A-41AC-8E3A-8C59AA59A465}" dt="2023-02-28T12:16:16.756" v="21" actId="20577"/>
-        <pc:sldMkLst>
-          <pc:docMk/>
-          <pc:sldMk cId="4012503917" sldId="434"/>
-        </pc:sldMkLst>
-        <pc:spChg chg="mod">
-          <ac:chgData name="Sowjanya Morisetty(UST,IN)" userId="S::245132@ust.com::fafc9569-a945-46e7-9869-5c26008d3c84" providerId="AD" clId="Web-{4B42A6EF-A70A-41AC-8E3A-8C59AA59A465}" dt="2023-02-28T12:16:16.756" v="21" actId="20577"/>
-          <ac:spMkLst>
-            <pc:docMk/>
-            <pc:sldMk cId="4012503917" sldId="434"/>
-            <ac:spMk id="3" creationId="{22181F15-0C56-608C-0654-9EE8690613F0}"/>
-          </ac:spMkLst>
-        </pc:spChg>
-      </pc:sldChg>
-      <pc:sldChg chg="modSp">
-        <pc:chgData name="Sowjanya Morisetty(UST,IN)" userId="S::245132@ust.com::fafc9569-a945-46e7-9869-5c26008d3c84" providerId="AD" clId="Web-{4B42A6EF-A70A-41AC-8E3A-8C59AA59A465}" dt="2023-02-28T12:20:42.279" v="24" actId="20577"/>
-        <pc:sldMkLst>
-          <pc:docMk/>
-          <pc:sldMk cId="98175034" sldId="440"/>
-        </pc:sldMkLst>
-        <pc:spChg chg="mod">
-          <ac:chgData name="Sowjanya Morisetty(UST,IN)" userId="S::245132@ust.com::fafc9569-a945-46e7-9869-5c26008d3c84" providerId="AD" clId="Web-{4B42A6EF-A70A-41AC-8E3A-8C59AA59A465}" dt="2023-02-28T12:20:42.279" v="24" actId="20577"/>
-          <ac:spMkLst>
-            <pc:docMk/>
-            <pc:sldMk cId="98175034" sldId="440"/>
-            <ac:spMk id="3" creationId="{C3AE7769-A47C-8510-114E-2CBE65720147}"/>
-          </ac:spMkLst>
-        </pc:spChg>
-      </pc:sldChg>
-      <pc:sldChg chg="delSp modSp new mod modClrScheme chgLayout">
-        <pc:chgData name="Sowjanya Morisetty(UST,IN)" userId="S::245132@ust.com::fafc9569-a945-46e7-9869-5c26008d3c84" providerId="AD" clId="Web-{4B42A6EF-A70A-41AC-8E3A-8C59AA59A465}" dt="2023-02-28T12:21:16.889" v="26" actId="20577"/>
-        <pc:sldMkLst>
-          <pc:docMk/>
-          <pc:sldMk cId="2566345393" sldId="441"/>
-        </pc:sldMkLst>
-        <pc:spChg chg="mod ord">
-          <ac:chgData name="Sowjanya Morisetty(UST,IN)" userId="S::245132@ust.com::fafc9569-a945-46e7-9869-5c26008d3c84" providerId="AD" clId="Web-{4B42A6EF-A70A-41AC-8E3A-8C59AA59A465}" dt="2023-02-28T12:12:33.360" v="13"/>
-          <ac:spMkLst>
-            <pc:docMk/>
-            <pc:sldMk cId="2566345393" sldId="441"/>
-            <ac:spMk id="2" creationId="{992D75A2-966F-E958-C003-174F1DF22475}"/>
-          </ac:spMkLst>
-        </pc:spChg>
-        <pc:spChg chg="mod ord">
-          <ac:chgData name="Sowjanya Morisetty(UST,IN)" userId="S::245132@ust.com::fafc9569-a945-46e7-9869-5c26008d3c84" providerId="AD" clId="Web-{4B42A6EF-A70A-41AC-8E3A-8C59AA59A465}" dt="2023-02-28T12:21:16.889" v="26" actId="20577"/>
-          <ac:spMkLst>
-            <pc:docMk/>
-            <pc:sldMk cId="2566345393" sldId="441"/>
-            <ac:spMk id="3" creationId="{6C9006DF-1982-58FC-A4F3-07BBA1574696}"/>
-          </ac:spMkLst>
-        </pc:spChg>
-        <pc:spChg chg="del">
-          <ac:chgData name="Sowjanya Morisetty(UST,IN)" userId="S::245132@ust.com::fafc9569-a945-46e7-9869-5c26008d3c84" providerId="AD" clId="Web-{4B42A6EF-A70A-41AC-8E3A-8C59AA59A465}" dt="2023-02-28T12:12:33.360" v="13"/>
-          <ac:spMkLst>
-            <pc:docMk/>
-            <pc:sldMk cId="2566345393" sldId="441"/>
-            <ac:spMk id="4" creationId="{06EE0E25-A82A-4D42-4C5C-FF2A6B8C8226}"/>
-          </ac:spMkLst>
-        </pc:spChg>
-        <pc:spChg chg="del">
-          <ac:chgData name="Sowjanya Morisetty(UST,IN)" userId="S::245132@ust.com::fafc9569-a945-46e7-9869-5c26008d3c84" providerId="AD" clId="Web-{4B42A6EF-A70A-41AC-8E3A-8C59AA59A465}" dt="2023-02-28T12:12:33.360" v="13"/>
-          <ac:spMkLst>
-            <pc:docMk/>
-            <pc:sldMk cId="2566345393" sldId="441"/>
-            <ac:spMk id="5" creationId="{C52DAC29-6ACE-F302-1FB9-31B2DB6ED765}"/>
-          </ac:spMkLst>
-        </pc:spChg>
-        <pc:spChg chg="del">
-          <ac:chgData name="Sowjanya Morisetty(UST,IN)" userId="S::245132@ust.com::fafc9569-a945-46e7-9869-5c26008d3c84" providerId="AD" clId="Web-{4B42A6EF-A70A-41AC-8E3A-8C59AA59A465}" dt="2023-02-28T12:12:33.360" v="13"/>
-          <ac:spMkLst>
-            <pc:docMk/>
-            <pc:sldMk cId="2566345393" sldId="441"/>
-            <ac:spMk id="6" creationId="{937C7760-9F68-54D4-A26D-BC49636C2916}"/>
-          </ac:spMkLst>
-        </pc:spChg>
-      </pc:sldChg>
-    </pc:docChg>
-  </pc:docChgLst>
-  <pc:docChgLst>
-    <pc:chgData name="Rayona Mathew(UST,IN)" userId="S::245072@ust.com::ba69e595-3dd2-41bd-a7f7-516712dab024" providerId="AD" clId="Web-{75CECE49-DC76-446C-B7F6-325D2B5087A7}"/>
-    <pc:docChg chg="addSld delSld">
-      <pc:chgData name="Rayona Mathew(UST,IN)" userId="S::245072@ust.com::ba69e595-3dd2-41bd-a7f7-516712dab024" providerId="AD" clId="Web-{75CECE49-DC76-446C-B7F6-325D2B5087A7}" dt="2023-03-02T15:34:13.223" v="3"/>
-      <pc:docMkLst>
-        <pc:docMk/>
-      </pc:docMkLst>
-      <pc:sldChg chg="new add del replId">
-        <pc:chgData name="Rayona Mathew(UST,IN)" userId="S::245072@ust.com::ba69e595-3dd2-41bd-a7f7-516712dab024" providerId="AD" clId="Web-{75CECE49-DC76-446C-B7F6-325D2B5087A7}" dt="2023-03-02T15:34:13.223" v="3"/>
-        <pc:sldMkLst>
-          <pc:docMk/>
-          <pc:sldMk cId="1472268050" sldId="457"/>
-        </pc:sldMkLst>
-      </pc:sldChg>
-    </pc:docChg>
-  </pc:docChgLst>
-  <pc:docChgLst>
-    <pc:chgData name="Yashwanth Ravula(UST,IN)" userId="S::245098@ust.com::26c642e7-a083-4a2f-87f6-e20b0ef91a94" providerId="AD" clId="Web-{9548A62A-5CCC-4F94-91CB-C0625A0719E2}"/>
-    <pc:docChg chg="modSld">
-      <pc:chgData name="Yashwanth Ravula(UST,IN)" userId="S::245098@ust.com::26c642e7-a083-4a2f-87f6-e20b0ef91a94" providerId="AD" clId="Web-{9548A62A-5CCC-4F94-91CB-C0625A0719E2}" dt="2023-03-02T12:33:12.168" v="82" actId="20577"/>
-      <pc:docMkLst>
-        <pc:docMk/>
-      </pc:docMkLst>
-      <pc:sldChg chg="addSp delSp modSp mod chgLayout">
-        <pc:chgData name="Yashwanth Ravula(UST,IN)" userId="S::245098@ust.com::26c642e7-a083-4a2f-87f6-e20b0ef91a94" providerId="AD" clId="Web-{9548A62A-5CCC-4F94-91CB-C0625A0719E2}" dt="2023-03-02T12:22:22.733" v="8"/>
-        <pc:sldMkLst>
-          <pc:docMk/>
-          <pc:sldMk cId="4151454420" sldId="264"/>
-        </pc:sldMkLst>
-        <pc:spChg chg="add del mod ord">
-          <ac:chgData name="Yashwanth Ravula(UST,IN)" userId="S::245098@ust.com::26c642e7-a083-4a2f-87f6-e20b0ef91a94" providerId="AD" clId="Web-{9548A62A-5CCC-4F94-91CB-C0625A0719E2}" dt="2023-03-02T12:22:22.733" v="8"/>
-          <ac:spMkLst>
-            <pc:docMk/>
-            <pc:sldMk cId="4151454420" sldId="264"/>
-            <ac:spMk id="2" creationId="{A7AA02F3-C416-1D6B-049C-30D86175F24B}"/>
-          </ac:spMkLst>
-        </pc:spChg>
-        <pc:spChg chg="mod ord">
-          <ac:chgData name="Yashwanth Ravula(UST,IN)" userId="S::245098@ust.com::26c642e7-a083-4a2f-87f6-e20b0ef91a94" providerId="AD" clId="Web-{9548A62A-5CCC-4F94-91CB-C0625A0719E2}" dt="2023-03-02T12:22:14.874" v="7" actId="14100"/>
-          <ac:spMkLst>
-            <pc:docMk/>
-            <pc:sldMk cId="4151454420" sldId="264"/>
-            <ac:spMk id="3" creationId="{95A1310C-7516-9B42-A1FD-3E54A6F3494C}"/>
-          </ac:spMkLst>
-        </pc:spChg>
-      </pc:sldChg>
-      <pc:sldChg chg="modSp">
-        <pc:chgData name="Yashwanth Ravula(UST,IN)" userId="S::245098@ust.com::26c642e7-a083-4a2f-87f6-e20b0ef91a94" providerId="AD" clId="Web-{9548A62A-5CCC-4F94-91CB-C0625A0719E2}" dt="2023-03-02T12:33:12.168" v="82" actId="20577"/>
-        <pc:sldMkLst>
-          <pc:docMk/>
-          <pc:sldMk cId="359614143" sldId="433"/>
-        </pc:sldMkLst>
-        <pc:spChg chg="mod">
-          <ac:chgData name="Yashwanth Ravula(UST,IN)" userId="S::245098@ust.com::26c642e7-a083-4a2f-87f6-e20b0ef91a94" providerId="AD" clId="Web-{9548A62A-5CCC-4F94-91CB-C0625A0719E2}" dt="2023-03-02T12:33:12.168" v="82" actId="20577"/>
-          <ac:spMkLst>
-            <pc:docMk/>
-            <pc:sldMk cId="359614143" sldId="433"/>
-            <ac:spMk id="2" creationId="{A1FA77BB-B48A-608B-6CE4-8ED3488E8B91}"/>
-          </ac:spMkLst>
-        </pc:spChg>
-        <pc:spChg chg="mod">
-          <ac:chgData name="Yashwanth Ravula(UST,IN)" userId="S::245098@ust.com::26c642e7-a083-4a2f-87f6-e20b0ef91a94" providerId="AD" clId="Web-{9548A62A-5CCC-4F94-91CB-C0625A0719E2}" dt="2023-03-02T12:22:41.858" v="10" actId="14100"/>
-          <ac:spMkLst>
-            <pc:docMk/>
-            <pc:sldMk cId="359614143" sldId="433"/>
-            <ac:spMk id="3" creationId="{45AA5242-7A7D-9D34-6850-0D5645FE712D}"/>
-          </ac:spMkLst>
-        </pc:spChg>
-      </pc:sldChg>
-      <pc:sldChg chg="modSp mod chgLayout">
-        <pc:chgData name="Yashwanth Ravula(UST,IN)" userId="S::245098@ust.com::26c642e7-a083-4a2f-87f6-e20b0ef91a94" providerId="AD" clId="Web-{9548A62A-5CCC-4F94-91CB-C0625A0719E2}" dt="2023-03-02T12:33:06.636" v="81" actId="20577"/>
-        <pc:sldMkLst>
-          <pc:docMk/>
-          <pc:sldMk cId="4163659290" sldId="442"/>
-        </pc:sldMkLst>
-        <pc:spChg chg="mod ord">
-          <ac:chgData name="Yashwanth Ravula(UST,IN)" userId="S::245098@ust.com::26c642e7-a083-4a2f-87f6-e20b0ef91a94" providerId="AD" clId="Web-{9548A62A-5CCC-4F94-91CB-C0625A0719E2}" dt="2023-03-02T12:31:53.354" v="68" actId="1076"/>
-          <ac:spMkLst>
-            <pc:docMk/>
-            <pc:sldMk cId="4163659290" sldId="442"/>
-            <ac:spMk id="2" creationId="{E7EFE3C0-E31C-6459-73A8-59105475D401}"/>
-          </ac:spMkLst>
-        </pc:spChg>
-        <pc:spChg chg="mod ord">
-          <ac:chgData name="Yashwanth Ravula(UST,IN)" userId="S::245098@ust.com::26c642e7-a083-4a2f-87f6-e20b0ef91a94" providerId="AD" clId="Web-{9548A62A-5CCC-4F94-91CB-C0625A0719E2}" dt="2023-03-02T12:33:06.636" v="81" actId="20577"/>
-          <ac:spMkLst>
-            <pc:docMk/>
-            <pc:sldMk cId="4163659290" sldId="442"/>
-            <ac:spMk id="3" creationId="{020FB93D-AC3A-6ACD-CBC8-FE2AC7E893B6}"/>
-          </ac:spMkLst>
-        </pc:spChg>
-      </pc:sldChg>
-      <pc:sldChg chg="modSp mod modClrScheme chgLayout">
-        <pc:chgData name="Yashwanth Ravula(UST,IN)" userId="S::245098@ust.com::26c642e7-a083-4a2f-87f6-e20b0ef91a94" providerId="AD" clId="Web-{9548A62A-5CCC-4F94-91CB-C0625A0719E2}" dt="2023-03-02T12:28:13.552" v="48" actId="14100"/>
-        <pc:sldMkLst>
-          <pc:docMk/>
-          <pc:sldMk cId="2533536236" sldId="444"/>
-        </pc:sldMkLst>
-        <pc:spChg chg="mod ord">
-          <ac:chgData name="Yashwanth Ravula(UST,IN)" userId="S::245098@ust.com::26c642e7-a083-4a2f-87f6-e20b0ef91a94" providerId="AD" clId="Web-{9548A62A-5CCC-4F94-91CB-C0625A0719E2}" dt="2023-03-02T12:28:13.552" v="48" actId="14100"/>
-          <ac:spMkLst>
-            <pc:docMk/>
-            <pc:sldMk cId="2533536236" sldId="444"/>
-            <ac:spMk id="2" creationId="{B06A8644-75A7-E56C-37D5-84D534448EE1}"/>
-          </ac:spMkLst>
-        </pc:spChg>
-        <pc:spChg chg="mod ord">
-          <ac:chgData name="Yashwanth Ravula(UST,IN)" userId="S::245098@ust.com::26c642e7-a083-4a2f-87f6-e20b0ef91a94" providerId="AD" clId="Web-{9548A62A-5CCC-4F94-91CB-C0625A0719E2}" dt="2023-03-02T12:27:28.255" v="36" actId="14100"/>
-          <ac:spMkLst>
-            <pc:docMk/>
-            <pc:sldMk cId="2533536236" sldId="444"/>
-            <ac:spMk id="3" creationId="{2900A694-2C28-35AA-398A-82C321E9069C}"/>
-          </ac:spMkLst>
-        </pc:spChg>
-      </pc:sldChg>
-      <pc:sldChg chg="addSp delSp modSp mod chgLayout">
-        <pc:chgData name="Yashwanth Ravula(UST,IN)" userId="S::245098@ust.com::26c642e7-a083-4a2f-87f6-e20b0ef91a94" providerId="AD" clId="Web-{9548A62A-5CCC-4F94-91CB-C0625A0719E2}" dt="2023-03-02T12:29:27.304" v="53" actId="1076"/>
-        <pc:sldMkLst>
-          <pc:docMk/>
-          <pc:sldMk cId="757731584" sldId="445"/>
-        </pc:sldMkLst>
-        <pc:spChg chg="add del mod ord">
-          <ac:chgData name="Yashwanth Ravula(UST,IN)" userId="S::245098@ust.com::26c642e7-a083-4a2f-87f6-e20b0ef91a94" providerId="AD" clId="Web-{9548A62A-5CCC-4F94-91CB-C0625A0719E2}" dt="2023-03-02T12:29:01.006" v="50"/>
-          <ac:spMkLst>
-            <pc:docMk/>
-            <pc:sldMk cId="757731584" sldId="445"/>
-            <ac:spMk id="2" creationId="{DA94FB4F-D31C-24CE-1A26-8A06EF4A5C4A}"/>
-          </ac:spMkLst>
-        </pc:spChg>
-        <pc:spChg chg="mod ord">
-          <ac:chgData name="Yashwanth Ravula(UST,IN)" userId="S::245098@ust.com::26c642e7-a083-4a2f-87f6-e20b0ef91a94" providerId="AD" clId="Web-{9548A62A-5CCC-4F94-91CB-C0625A0719E2}" dt="2023-03-02T12:29:27.304" v="53" actId="1076"/>
-          <ac:spMkLst>
-            <pc:docMk/>
-            <pc:sldMk cId="757731584" sldId="445"/>
-            <ac:spMk id="3" creationId="{1AFCBDC0-0C4B-85B3-EC13-740C9DF83D00}"/>
-          </ac:spMkLst>
-        </pc:spChg>
-      </pc:sldChg>
-      <pc:sldChg chg="modSp">
-        <pc:chgData name="Yashwanth Ravula(UST,IN)" userId="S::245098@ust.com::26c642e7-a083-4a2f-87f6-e20b0ef91a94" providerId="AD" clId="Web-{9548A62A-5CCC-4F94-91CB-C0625A0719E2}" dt="2023-03-02T12:24:01.844" v="16" actId="20577"/>
-        <pc:sldMkLst>
-          <pc:docMk/>
-          <pc:sldMk cId="1133210417" sldId="452"/>
-        </pc:sldMkLst>
-        <pc:spChg chg="mod">
-          <ac:chgData name="Yashwanth Ravula(UST,IN)" userId="S::245098@ust.com::26c642e7-a083-4a2f-87f6-e20b0ef91a94" providerId="AD" clId="Web-{9548A62A-5CCC-4F94-91CB-C0625A0719E2}" dt="2023-03-02T12:24:01.844" v="16" actId="20577"/>
-          <ac:spMkLst>
-            <pc:docMk/>
-            <pc:sldMk cId="1133210417" sldId="452"/>
-            <ac:spMk id="2" creationId="{60956068-AB54-9D54-06B5-09FEBCE37258}"/>
-          </ac:spMkLst>
-        </pc:spChg>
-        <pc:spChg chg="mod">
-          <ac:chgData name="Yashwanth Ravula(UST,IN)" userId="S::245098@ust.com::26c642e7-a083-4a2f-87f6-e20b0ef91a94" providerId="AD" clId="Web-{9548A62A-5CCC-4F94-91CB-C0625A0719E2}" dt="2023-03-02T12:23:13.156" v="11" actId="1076"/>
-          <ac:spMkLst>
-            <pc:docMk/>
-            <pc:sldMk cId="1133210417" sldId="452"/>
-            <ac:spMk id="3" creationId="{DFA55937-248F-8AD5-B1E6-DB5B037AA508}"/>
-          </ac:spMkLst>
-        </pc:spChg>
-      </pc:sldChg>
-      <pc:sldChg chg="modSp">
-        <pc:chgData name="Yashwanth Ravula(UST,IN)" userId="S::245098@ust.com::26c642e7-a083-4a2f-87f6-e20b0ef91a94" providerId="AD" clId="Web-{9548A62A-5CCC-4F94-91CB-C0625A0719E2}" dt="2023-03-02T12:24:44.548" v="21" actId="20577"/>
-        <pc:sldMkLst>
-          <pc:docMk/>
-          <pc:sldMk cId="19244136" sldId="453"/>
-        </pc:sldMkLst>
-        <pc:spChg chg="mod">
-          <ac:chgData name="Yashwanth Ravula(UST,IN)" userId="S::245098@ust.com::26c642e7-a083-4a2f-87f6-e20b0ef91a94" providerId="AD" clId="Web-{9548A62A-5CCC-4F94-91CB-C0625A0719E2}" dt="2023-03-02T12:24:44.548" v="21" actId="20577"/>
-          <ac:spMkLst>
-            <pc:docMk/>
-            <pc:sldMk cId="19244136" sldId="453"/>
-            <ac:spMk id="3" creationId="{A475E339-374D-08CD-9943-833B27247B34}"/>
-          </ac:spMkLst>
-        </pc:spChg>
-      </pc:sldChg>
-      <pc:sldChg chg="modSp">
-        <pc:chgData name="Yashwanth Ravula(UST,IN)" userId="S::245098@ust.com::26c642e7-a083-4a2f-87f6-e20b0ef91a94" providerId="AD" clId="Web-{9548A62A-5CCC-4F94-91CB-C0625A0719E2}" dt="2023-03-02T12:25:18.096" v="24" actId="14100"/>
-        <pc:sldMkLst>
-          <pc:docMk/>
-          <pc:sldMk cId="883697915" sldId="455"/>
-        </pc:sldMkLst>
-        <pc:spChg chg="mod">
-          <ac:chgData name="Yashwanth Ravula(UST,IN)" userId="S::245098@ust.com::26c642e7-a083-4a2f-87f6-e20b0ef91a94" providerId="AD" clId="Web-{9548A62A-5CCC-4F94-91CB-C0625A0719E2}" dt="2023-03-02T12:25:18.096" v="24" actId="14100"/>
-          <ac:spMkLst>
-            <pc:docMk/>
-            <pc:sldMk cId="883697915" sldId="455"/>
-            <ac:spMk id="3" creationId="{F5226773-D9E9-216A-F317-CC38761F6C51}"/>
-          </ac:spMkLst>
-        </pc:spChg>
-      </pc:sldChg>
-    </pc:docChg>
-  </pc:docChgLst>
-  <pc:docChgLst>
-    <pc:chgData name="Yashwanth Ravula(UST,IN)" userId="26c642e7-a083-4a2f-87f6-e20b0ef91a94" providerId="ADAL" clId="{B77D9C6B-55E0-4FB2-9509-56A04E6A6CDA}"/>
-    <pc:docChg chg="undo custSel modSld">
-      <pc:chgData name="Yashwanth Ravula(UST,IN)" userId="26c642e7-a083-4a2f-87f6-e20b0ef91a94" providerId="ADAL" clId="{B77D9C6B-55E0-4FB2-9509-56A04E6A6CDA}" dt="2023-03-11T09:25:33.808" v="2"/>
-      <pc:docMkLst>
-        <pc:docMk/>
-      </pc:docMkLst>
-      <pc:sldChg chg="modSp mod">
-        <pc:chgData name="Yashwanth Ravula(UST,IN)" userId="26c642e7-a083-4a2f-87f6-e20b0ef91a94" providerId="ADAL" clId="{B77D9C6B-55E0-4FB2-9509-56A04E6A6CDA}" dt="2023-03-11T09:25:33.808" v="2"/>
-        <pc:sldMkLst>
-          <pc:docMk/>
-          <pc:sldMk cId="2542971383" sldId="468"/>
-        </pc:sldMkLst>
-        <pc:spChg chg="mod">
-          <ac:chgData name="Yashwanth Ravula(UST,IN)" userId="26c642e7-a083-4a2f-87f6-e20b0ef91a94" providerId="ADAL" clId="{B77D9C6B-55E0-4FB2-9509-56A04E6A6CDA}" dt="2023-03-11T09:25:33.808" v="2"/>
-          <ac:spMkLst>
-            <pc:docMk/>
-            <pc:sldMk cId="2542971383" sldId="468"/>
-            <ac:spMk id="4" creationId="{9FDF7E13-5C80-D4B4-3718-47F838BE3336}"/>
-          </ac:spMkLst>
-        </pc:spChg>
-      </pc:sldChg>
-    </pc:docChg>
-  </pc:docChgLst>
-  <pc:docChgLst>
     <pc:chgData name="Rayona Mathew(UST,IN)" userId="S::245072@ust.com::ba69e595-3dd2-41bd-a7f7-516712dab024" providerId="AD" clId="Web-{52A89759-4042-417E-9199-59A0F1483EA4}"/>
     <pc:docChg chg="addSld delSld modSld sldOrd">
       <pc:chgData name="Rayona Mathew(UST,IN)" userId="S::245072@ust.com::ba69e595-3dd2-41bd-a7f7-516712dab024" providerId="AD" clId="Web-{52A89759-4042-417E-9199-59A0F1483EA4}" dt="2023-02-28T12:22:58.789" v="455" actId="20577"/>
@@ -4080,1068 +5184,6 @@
             <pc:docMk/>
             <pc:sldMk cId="98175034" sldId="440"/>
             <ac:spMk id="3" creationId="{C3AE7769-A47C-8510-114E-2CBE65720147}"/>
-          </ac:spMkLst>
-        </pc:spChg>
-      </pc:sldChg>
-    </pc:docChg>
-  </pc:docChgLst>
-  <pc:docChgLst>
-    <pc:chgData name="Yashwanth Ravula(UST,IN)" userId="S::245098@ust.com::26c642e7-a083-4a2f-87f6-e20b0ef91a94" providerId="AD" clId="Web-{FB1D1232-FE77-434D-91BE-48259B30732A}"/>
-    <pc:docChg chg="addSld delSld modSld">
-      <pc:chgData name="Yashwanth Ravula(UST,IN)" userId="S::245098@ust.com::26c642e7-a083-4a2f-87f6-e20b0ef91a94" providerId="AD" clId="Web-{FB1D1232-FE77-434D-91BE-48259B30732A}" dt="2023-02-28T12:23:51.907" v="343" actId="20577"/>
-      <pc:docMkLst>
-        <pc:docMk/>
-      </pc:docMkLst>
-      <pc:sldChg chg="delSp modSp">
-        <pc:chgData name="Yashwanth Ravula(UST,IN)" userId="S::245098@ust.com::26c642e7-a083-4a2f-87f6-e20b0ef91a94" providerId="AD" clId="Web-{FB1D1232-FE77-434D-91BE-48259B30732A}" dt="2023-02-28T12:23:51.907" v="343" actId="20577"/>
-        <pc:sldMkLst>
-          <pc:docMk/>
-          <pc:sldMk cId="4151454420" sldId="264"/>
-        </pc:sldMkLst>
-        <pc:spChg chg="del">
-          <ac:chgData name="Yashwanth Ravula(UST,IN)" userId="S::245098@ust.com::26c642e7-a083-4a2f-87f6-e20b0ef91a94" providerId="AD" clId="Web-{FB1D1232-FE77-434D-91BE-48259B30732A}" dt="2023-02-28T12:04:30.902" v="161"/>
-          <ac:spMkLst>
-            <pc:docMk/>
-            <pc:sldMk cId="4151454420" sldId="264"/>
-            <ac:spMk id="2" creationId="{DE6C0B85-EBEC-734B-98A8-2BAC52CC0257}"/>
-          </ac:spMkLst>
-        </pc:spChg>
-        <pc:spChg chg="mod">
-          <ac:chgData name="Yashwanth Ravula(UST,IN)" userId="S::245098@ust.com::26c642e7-a083-4a2f-87f6-e20b0ef91a94" providerId="AD" clId="Web-{FB1D1232-FE77-434D-91BE-48259B30732A}" dt="2023-02-28T12:23:51.907" v="343" actId="20577"/>
-          <ac:spMkLst>
-            <pc:docMk/>
-            <pc:sldMk cId="4151454420" sldId="264"/>
-            <ac:spMk id="3" creationId="{95A1310C-7516-9B42-A1FD-3E54A6F3494C}"/>
-          </ac:spMkLst>
-        </pc:spChg>
-      </pc:sldChg>
-      <pc:sldChg chg="delSp modSp new">
-        <pc:chgData name="Yashwanth Ravula(UST,IN)" userId="S::245098@ust.com::26c642e7-a083-4a2f-87f6-e20b0ef91a94" providerId="AD" clId="Web-{FB1D1232-FE77-434D-91BE-48259B30732A}" dt="2023-02-28T12:23:29.079" v="341" actId="20577"/>
-        <pc:sldMkLst>
-          <pc:docMk/>
-          <pc:sldMk cId="359614143" sldId="433"/>
-        </pc:sldMkLst>
-        <pc:spChg chg="mod">
-          <ac:chgData name="Yashwanth Ravula(UST,IN)" userId="S::245098@ust.com::26c642e7-a083-4a2f-87f6-e20b0ef91a94" providerId="AD" clId="Web-{FB1D1232-FE77-434D-91BE-48259B30732A}" dt="2023-02-28T11:51:36.404" v="38" actId="20577"/>
-          <ac:spMkLst>
-            <pc:docMk/>
-            <pc:sldMk cId="359614143" sldId="433"/>
-            <ac:spMk id="2" creationId="{A1FA77BB-B48A-608B-6CE4-8ED3488E8B91}"/>
-          </ac:spMkLst>
-        </pc:spChg>
-        <pc:spChg chg="mod">
-          <ac:chgData name="Yashwanth Ravula(UST,IN)" userId="S::245098@ust.com::26c642e7-a083-4a2f-87f6-e20b0ef91a94" providerId="AD" clId="Web-{FB1D1232-FE77-434D-91BE-48259B30732A}" dt="2023-02-28T12:23:29.079" v="341" actId="20577"/>
-          <ac:spMkLst>
-            <pc:docMk/>
-            <pc:sldMk cId="359614143" sldId="433"/>
-            <ac:spMk id="3" creationId="{45AA5242-7A7D-9D34-6850-0D5645FE712D}"/>
-          </ac:spMkLst>
-        </pc:spChg>
-        <pc:spChg chg="del">
-          <ac:chgData name="Yashwanth Ravula(UST,IN)" userId="S::245098@ust.com::26c642e7-a083-4a2f-87f6-e20b0ef91a94" providerId="AD" clId="Web-{FB1D1232-FE77-434D-91BE-48259B30732A}" dt="2023-02-28T11:52:12.357" v="41"/>
-          <ac:spMkLst>
-            <pc:docMk/>
-            <pc:sldMk cId="359614143" sldId="433"/>
-            <ac:spMk id="4" creationId="{75E7BB4C-506B-D81D-7A8D-3938FEA35125}"/>
-          </ac:spMkLst>
-        </pc:spChg>
-        <pc:spChg chg="del">
-          <ac:chgData name="Yashwanth Ravula(UST,IN)" userId="S::245098@ust.com::26c642e7-a083-4a2f-87f6-e20b0ef91a94" providerId="AD" clId="Web-{FB1D1232-FE77-434D-91BE-48259B30732A}" dt="2023-02-28T11:52:00.607" v="40"/>
-          <ac:spMkLst>
-            <pc:docMk/>
-            <pc:sldMk cId="359614143" sldId="433"/>
-            <ac:spMk id="5" creationId="{55BEEE70-8084-5AB7-3AC7-CC5BCDC06CAC}"/>
-          </ac:spMkLst>
-        </pc:spChg>
-        <pc:spChg chg="del">
-          <ac:chgData name="Yashwanth Ravula(UST,IN)" userId="S::245098@ust.com::26c642e7-a083-4a2f-87f6-e20b0ef91a94" providerId="AD" clId="Web-{FB1D1232-FE77-434D-91BE-48259B30732A}" dt="2023-02-28T11:51:43.247" v="39"/>
-          <ac:spMkLst>
-            <pc:docMk/>
-            <pc:sldMk cId="359614143" sldId="433"/>
-            <ac:spMk id="6" creationId="{FE80926E-EED8-508A-E9AD-9261A5B11B59}"/>
-          </ac:spMkLst>
-        </pc:spChg>
-      </pc:sldChg>
-      <pc:sldChg chg="new del">
-        <pc:chgData name="Yashwanth Ravula(UST,IN)" userId="S::245098@ust.com::26c642e7-a083-4a2f-87f6-e20b0ef91a94" providerId="AD" clId="Web-{FB1D1232-FE77-434D-91BE-48259B30732A}" dt="2023-02-28T11:50:48.090" v="1"/>
-        <pc:sldMkLst>
-          <pc:docMk/>
-          <pc:sldMk cId="1324531577" sldId="433"/>
-        </pc:sldMkLst>
-      </pc:sldChg>
-      <pc:sldChg chg="addSp delSp modSp new del">
-        <pc:chgData name="Yashwanth Ravula(UST,IN)" userId="S::245098@ust.com::26c642e7-a083-4a2f-87f6-e20b0ef91a94" providerId="AD" clId="Web-{FB1D1232-FE77-434D-91BE-48259B30732A}" dt="2023-02-28T12:19:00.214" v="241"/>
-        <pc:sldMkLst>
-          <pc:docMk/>
-          <pc:sldMk cId="4012503917" sldId="434"/>
-        </pc:sldMkLst>
-        <pc:spChg chg="del">
-          <ac:chgData name="Yashwanth Ravula(UST,IN)" userId="S::245098@ust.com::26c642e7-a083-4a2f-87f6-e20b0ef91a94" providerId="AD" clId="Web-{FB1D1232-FE77-434D-91BE-48259B30732A}" dt="2023-02-28T11:57:27.207" v="77"/>
-          <ac:spMkLst>
-            <pc:docMk/>
-            <pc:sldMk cId="4012503917" sldId="434"/>
-            <ac:spMk id="2" creationId="{EA9209C6-34DA-19A1-86DF-BC4BAF3FBB93}"/>
-          </ac:spMkLst>
-        </pc:spChg>
-        <pc:spChg chg="mod">
-          <ac:chgData name="Yashwanth Ravula(UST,IN)" userId="S::245098@ust.com::26c642e7-a083-4a2f-87f6-e20b0ef91a94" providerId="AD" clId="Web-{FB1D1232-FE77-434D-91BE-48259B30732A}" dt="2023-02-28T12:17:44.729" v="235" actId="14100"/>
-          <ac:spMkLst>
-            <pc:docMk/>
-            <pc:sldMk cId="4012503917" sldId="434"/>
-            <ac:spMk id="3" creationId="{22181F15-0C56-608C-0654-9EE8690613F0}"/>
-          </ac:spMkLst>
-        </pc:spChg>
-        <pc:spChg chg="del">
-          <ac:chgData name="Yashwanth Ravula(UST,IN)" userId="S::245098@ust.com::26c642e7-a083-4a2f-87f6-e20b0ef91a94" providerId="AD" clId="Web-{FB1D1232-FE77-434D-91BE-48259B30732A}" dt="2023-02-28T11:56:57.753" v="71"/>
-          <ac:spMkLst>
-            <pc:docMk/>
-            <pc:sldMk cId="4012503917" sldId="434"/>
-            <ac:spMk id="4" creationId="{4A794BC2-5078-4433-D3F4-A0011ABE4AAC}"/>
-          </ac:spMkLst>
-        </pc:spChg>
-        <pc:spChg chg="del">
-          <ac:chgData name="Yashwanth Ravula(UST,IN)" userId="S::245098@ust.com::26c642e7-a083-4a2f-87f6-e20b0ef91a94" providerId="AD" clId="Web-{FB1D1232-FE77-434D-91BE-48259B30732A}" dt="2023-02-28T11:56:49.222" v="70"/>
-          <ac:spMkLst>
-            <pc:docMk/>
-            <pc:sldMk cId="4012503917" sldId="434"/>
-            <ac:spMk id="5" creationId="{93EE7C7E-6646-0D6D-2C22-A5DC0A21DE35}"/>
-          </ac:spMkLst>
-        </pc:spChg>
-        <pc:spChg chg="del">
-          <ac:chgData name="Yashwanth Ravula(UST,IN)" userId="S::245098@ust.com::26c642e7-a083-4a2f-87f6-e20b0ef91a94" providerId="AD" clId="Web-{FB1D1232-FE77-434D-91BE-48259B30732A}" dt="2023-02-28T11:56:39.643" v="69"/>
-          <ac:spMkLst>
-            <pc:docMk/>
-            <pc:sldMk cId="4012503917" sldId="434"/>
-            <ac:spMk id="6" creationId="{8A908EAF-8524-206F-4629-F7B74A6B987C}"/>
-          </ac:spMkLst>
-        </pc:spChg>
-        <pc:spChg chg="add del mod">
-          <ac:chgData name="Yashwanth Ravula(UST,IN)" userId="S::245098@ust.com::26c642e7-a083-4a2f-87f6-e20b0ef91a94" providerId="AD" clId="Web-{FB1D1232-FE77-434D-91BE-48259B30732A}" dt="2023-02-28T12:16:30.899" v="227"/>
-          <ac:spMkLst>
-            <pc:docMk/>
-            <pc:sldMk cId="4012503917" sldId="434"/>
-            <ac:spMk id="7" creationId="{1C771890-7E16-0E7D-834A-AC1D2943884E}"/>
-          </ac:spMkLst>
-        </pc:spChg>
-        <pc:spChg chg="add del mod">
-          <ac:chgData name="Yashwanth Ravula(UST,IN)" userId="S::245098@ust.com::26c642e7-a083-4a2f-87f6-e20b0ef91a94" providerId="AD" clId="Web-{FB1D1232-FE77-434D-91BE-48259B30732A}" dt="2023-02-28T12:17:25.650" v="234"/>
-          <ac:spMkLst>
-            <pc:docMk/>
-            <pc:sldMk cId="4012503917" sldId="434"/>
-            <ac:spMk id="8" creationId="{C7C1E33F-E014-7C19-D389-29D6B5037CF1}"/>
-          </ac:spMkLst>
-        </pc:spChg>
-      </pc:sldChg>
-      <pc:sldChg chg="addSp delSp modSp new">
-        <pc:chgData name="Yashwanth Ravula(UST,IN)" userId="S::245098@ust.com::26c642e7-a083-4a2f-87f6-e20b0ef91a94" providerId="AD" clId="Web-{FB1D1232-FE77-434D-91BE-48259B30732A}" dt="2023-02-28T12:21:05.029" v="322" actId="20577"/>
-        <pc:sldMkLst>
-          <pc:docMk/>
-          <pc:sldMk cId="4163659290" sldId="442"/>
-        </pc:sldMkLst>
-        <pc:spChg chg="mod">
-          <ac:chgData name="Yashwanth Ravula(UST,IN)" userId="S::245098@ust.com::26c642e7-a083-4a2f-87f6-e20b0ef91a94" providerId="AD" clId="Web-{FB1D1232-FE77-434D-91BE-48259B30732A}" dt="2023-02-28T12:21:05.029" v="322" actId="20577"/>
-          <ac:spMkLst>
-            <pc:docMk/>
-            <pc:sldMk cId="4163659290" sldId="442"/>
-            <ac:spMk id="2" creationId="{E7EFE3C0-E31C-6459-73A8-59105475D401}"/>
-          </ac:spMkLst>
-        </pc:spChg>
-        <pc:spChg chg="mod">
-          <ac:chgData name="Yashwanth Ravula(UST,IN)" userId="S::245098@ust.com::26c642e7-a083-4a2f-87f6-e20b0ef91a94" providerId="AD" clId="Web-{FB1D1232-FE77-434D-91BE-48259B30732A}" dt="2023-02-28T12:20:23.106" v="303" actId="20577"/>
-          <ac:spMkLst>
-            <pc:docMk/>
-            <pc:sldMk cId="4163659290" sldId="442"/>
-            <ac:spMk id="3" creationId="{020FB93D-AC3A-6ACD-CBC8-FE2AC7E893B6}"/>
-          </ac:spMkLst>
-        </pc:spChg>
-        <pc:spChg chg="add del">
-          <ac:chgData name="Yashwanth Ravula(UST,IN)" userId="S::245098@ust.com::26c642e7-a083-4a2f-87f6-e20b0ef91a94" providerId="AD" clId="Web-{FB1D1232-FE77-434D-91BE-48259B30732A}" dt="2023-02-28T12:18:52.620" v="240"/>
-          <ac:spMkLst>
-            <pc:docMk/>
-            <pc:sldMk cId="4163659290" sldId="442"/>
-            <ac:spMk id="4" creationId="{BF644B1E-2DC3-9381-839B-614CF51F2085}"/>
-          </ac:spMkLst>
-        </pc:spChg>
-      </pc:sldChg>
-    </pc:docChg>
-  </pc:docChgLst>
-  <pc:docChgLst>
-    <pc:chgData name="Sowjanya Morisetty(UST,IN)" userId="S::245132@ust.com::fafc9569-a945-46e7-9869-5c26008d3c84" providerId="AD" clId="Web-{8A3E20D6-BD49-4340-B392-8CA89F98CBF4}"/>
-    <pc:docChg chg="modSld">
-      <pc:chgData name="Sowjanya Morisetty(UST,IN)" userId="S::245132@ust.com::fafc9569-a945-46e7-9869-5c26008d3c84" providerId="AD" clId="Web-{8A3E20D6-BD49-4340-B392-8CA89F98CBF4}" dt="2023-03-03T03:56:50.847" v="53" actId="20577"/>
-      <pc:docMkLst>
-        <pc:docMk/>
-      </pc:docMkLst>
-      <pc:sldChg chg="modSp">
-        <pc:chgData name="Sowjanya Morisetty(UST,IN)" userId="S::245132@ust.com::fafc9569-a945-46e7-9869-5c26008d3c84" providerId="AD" clId="Web-{8A3E20D6-BD49-4340-B392-8CA89F98CBF4}" dt="2023-03-03T03:56:50.847" v="53" actId="20577"/>
-        <pc:sldMkLst>
-          <pc:docMk/>
-          <pc:sldMk cId="778499327" sldId="459"/>
-        </pc:sldMkLst>
-        <pc:spChg chg="mod">
-          <ac:chgData name="Sowjanya Morisetty(UST,IN)" userId="S::245132@ust.com::fafc9569-a945-46e7-9869-5c26008d3c84" providerId="AD" clId="Web-{8A3E20D6-BD49-4340-B392-8CA89F98CBF4}" dt="2023-03-03T03:55:53.799" v="48" actId="20577"/>
-          <ac:spMkLst>
-            <pc:docMk/>
-            <pc:sldMk cId="778499327" sldId="459"/>
-            <ac:spMk id="20" creationId="{7F14EB71-9ED2-9F96-C85E-7EB3D17E4FEF}"/>
-          </ac:spMkLst>
-        </pc:spChg>
-        <pc:spChg chg="mod">
-          <ac:chgData name="Sowjanya Morisetty(UST,IN)" userId="S::245132@ust.com::fafc9569-a945-46e7-9869-5c26008d3c84" providerId="AD" clId="Web-{8A3E20D6-BD49-4340-B392-8CA89F98CBF4}" dt="2023-03-03T03:55:10.798" v="28" actId="20577"/>
-          <ac:spMkLst>
-            <pc:docMk/>
-            <pc:sldMk cId="778499327" sldId="459"/>
-            <ac:spMk id="25" creationId="{EDB06B38-FE0A-8BA6-8738-748A96B792DB}"/>
-          </ac:spMkLst>
-        </pc:spChg>
-        <pc:spChg chg="mod">
-          <ac:chgData name="Sowjanya Morisetty(UST,IN)" userId="S::245132@ust.com::fafc9569-a945-46e7-9869-5c26008d3c84" providerId="AD" clId="Web-{8A3E20D6-BD49-4340-B392-8CA89F98CBF4}" dt="2023-03-03T03:56:50.847" v="53" actId="20577"/>
-          <ac:spMkLst>
-            <pc:docMk/>
-            <pc:sldMk cId="778499327" sldId="459"/>
-            <ac:spMk id="27" creationId="{BF7DC766-CF04-5CFB-32EB-90EEA4094AAE}"/>
-          </ac:spMkLst>
-        </pc:spChg>
-      </pc:sldChg>
-    </pc:docChg>
-  </pc:docChgLst>
-  <pc:docChgLst>
-    <pc:chgData name="Sowjanya Morisetty(UST,IN)" userId="S::245132@ust.com::fafc9569-a945-46e7-9869-5c26008d3c84" providerId="AD" clId="Web-{E7AC67EC-131E-4826-B58B-F1D0BD3FFDFB}"/>
-    <pc:docChg chg="modSld">
-      <pc:chgData name="Sowjanya Morisetty(UST,IN)" userId="S::245132@ust.com::fafc9569-a945-46e7-9869-5c26008d3c84" providerId="AD" clId="Web-{E7AC67EC-131E-4826-B58B-F1D0BD3FFDFB}" dt="2023-02-28T12:08:59.262" v="1" actId="20577"/>
-      <pc:docMkLst>
-        <pc:docMk/>
-      </pc:docMkLst>
-      <pc:sldChg chg="modSp">
-        <pc:chgData name="Sowjanya Morisetty(UST,IN)" userId="S::245132@ust.com::fafc9569-a945-46e7-9869-5c26008d3c84" providerId="AD" clId="Web-{E7AC67EC-131E-4826-B58B-F1D0BD3FFDFB}" dt="2023-02-28T12:08:59.262" v="1" actId="20577"/>
-        <pc:sldMkLst>
-          <pc:docMk/>
-          <pc:sldMk cId="877123665" sldId="431"/>
-        </pc:sldMkLst>
-        <pc:spChg chg="mod">
-          <ac:chgData name="Sowjanya Morisetty(UST,IN)" userId="S::245132@ust.com::fafc9569-a945-46e7-9869-5c26008d3c84" providerId="AD" clId="Web-{E7AC67EC-131E-4826-B58B-F1D0BD3FFDFB}" dt="2023-02-28T12:08:59.262" v="1" actId="20577"/>
-          <ac:spMkLst>
-            <pc:docMk/>
-            <pc:sldMk cId="877123665" sldId="431"/>
-            <ac:spMk id="6" creationId="{8BC7BFEE-38DA-DFBD-CD0D-D04ADB94AB00}"/>
-          </ac:spMkLst>
-        </pc:spChg>
-      </pc:sldChg>
-    </pc:docChg>
-  </pc:docChgLst>
-  <pc:docChgLst>
-    <pc:chgData name="Yashwanth Ravula(UST,IN)" userId="S::245098@ust.com::26c642e7-a083-4a2f-87f6-e20b0ef91a94" providerId="AD" clId="Web-{8D91A25F-7A4C-447F-BB9D-D836C706589A}"/>
-    <pc:docChg chg="modSld">
-      <pc:chgData name="Yashwanth Ravula(UST,IN)" userId="S::245098@ust.com::26c642e7-a083-4a2f-87f6-e20b0ef91a94" providerId="AD" clId="Web-{8D91A25F-7A4C-447F-BB9D-D836C706589A}" dt="2023-03-03T09:07:25.461" v="1" actId="20577"/>
-      <pc:docMkLst>
-        <pc:docMk/>
-      </pc:docMkLst>
-      <pc:sldChg chg="modSp">
-        <pc:chgData name="Yashwanth Ravula(UST,IN)" userId="S::245098@ust.com::26c642e7-a083-4a2f-87f6-e20b0ef91a94" providerId="AD" clId="Web-{8D91A25F-7A4C-447F-BB9D-D836C706589A}" dt="2023-03-03T09:07:25.461" v="1" actId="20577"/>
-        <pc:sldMkLst>
-          <pc:docMk/>
-          <pc:sldMk cId="19244136" sldId="453"/>
-        </pc:sldMkLst>
-        <pc:spChg chg="mod">
-          <ac:chgData name="Yashwanth Ravula(UST,IN)" userId="S::245098@ust.com::26c642e7-a083-4a2f-87f6-e20b0ef91a94" providerId="AD" clId="Web-{8D91A25F-7A4C-447F-BB9D-D836C706589A}" dt="2023-03-03T09:07:25.461" v="1" actId="20577"/>
-          <ac:spMkLst>
-            <pc:docMk/>
-            <pc:sldMk cId="19244136" sldId="453"/>
-            <ac:spMk id="3" creationId="{A475E339-374D-08CD-9943-833B27247B34}"/>
-          </ac:spMkLst>
-        </pc:spChg>
-      </pc:sldChg>
-    </pc:docChg>
-  </pc:docChgLst>
-  <pc:docChgLst>
-    <pc:chgData name="Sowjanya Morisetty(UST,IN)" userId="S::245132@ust.com::fafc9569-a945-46e7-9869-5c26008d3c84" providerId="AD" clId="Web-{6E28D61B-953A-4489-8DD9-C92FF8615AFA}"/>
-    <pc:docChg chg="modSld">
-      <pc:chgData name="Sowjanya Morisetty(UST,IN)" userId="S::245132@ust.com::fafc9569-a945-46e7-9869-5c26008d3c84" providerId="AD" clId="Web-{6E28D61B-953A-4489-8DD9-C92FF8615AFA}" dt="2023-02-28T12:07:26.179" v="1" actId="20577"/>
-      <pc:docMkLst>
-        <pc:docMk/>
-      </pc:docMkLst>
-      <pc:sldChg chg="modSp">
-        <pc:chgData name="Sowjanya Morisetty(UST,IN)" userId="S::245132@ust.com::fafc9569-a945-46e7-9869-5c26008d3c84" providerId="AD" clId="Web-{6E28D61B-953A-4489-8DD9-C92FF8615AFA}" dt="2023-02-28T12:07:26.179" v="1" actId="20577"/>
-        <pc:sldMkLst>
-          <pc:docMk/>
-          <pc:sldMk cId="877123665" sldId="431"/>
-        </pc:sldMkLst>
-        <pc:spChg chg="mod">
-          <ac:chgData name="Sowjanya Morisetty(UST,IN)" userId="S::245132@ust.com::fafc9569-a945-46e7-9869-5c26008d3c84" providerId="AD" clId="Web-{6E28D61B-953A-4489-8DD9-C92FF8615AFA}" dt="2023-02-28T12:07:26.179" v="1" actId="20577"/>
-          <ac:spMkLst>
-            <pc:docMk/>
-            <pc:sldMk cId="877123665" sldId="431"/>
-            <ac:spMk id="6" creationId="{8BC7BFEE-38DA-DFBD-CD0D-D04ADB94AB00}"/>
-          </ac:spMkLst>
-        </pc:spChg>
-      </pc:sldChg>
-    </pc:docChg>
-  </pc:docChgLst>
-  <pc:docChgLst>
-    <pc:chgData name="Rayona Mathew(UST,IN)" userId="S::245072@ust.com::ba69e595-3dd2-41bd-a7f7-516712dab024" providerId="AD" clId="Web-{844D9FFA-C088-4474-988A-996A087D0FAC}"/>
-    <pc:docChg chg="modSld">
-      <pc:chgData name="Rayona Mathew(UST,IN)" userId="S::245072@ust.com::ba69e595-3dd2-41bd-a7f7-516712dab024" providerId="AD" clId="Web-{844D9FFA-C088-4474-988A-996A087D0FAC}" dt="2023-02-28T11:37:15.924" v="41" actId="20577"/>
-      <pc:docMkLst>
-        <pc:docMk/>
-      </pc:docMkLst>
-      <pc:sldChg chg="modSp">
-        <pc:chgData name="Rayona Mathew(UST,IN)" userId="S::245072@ust.com::ba69e595-3dd2-41bd-a7f7-516712dab024" providerId="AD" clId="Web-{844D9FFA-C088-4474-988A-996A087D0FAC}" dt="2023-02-28T11:37:15.924" v="41" actId="20577"/>
-        <pc:sldMkLst>
-          <pc:docMk/>
-          <pc:sldMk cId="2090374411" sldId="256"/>
-        </pc:sldMkLst>
-        <pc:spChg chg="mod">
-          <ac:chgData name="Rayona Mathew(UST,IN)" userId="S::245072@ust.com::ba69e595-3dd2-41bd-a7f7-516712dab024" providerId="AD" clId="Web-{844D9FFA-C088-4474-988A-996A087D0FAC}" dt="2023-02-28T11:36:25.267" v="5" actId="20577"/>
-          <ac:spMkLst>
-            <pc:docMk/>
-            <pc:sldMk cId="2090374411" sldId="256"/>
-            <ac:spMk id="2" creationId="{8AB9DB62-7740-4015-9623-764DF9201FC5}"/>
-          </ac:spMkLst>
-        </pc:spChg>
-        <pc:spChg chg="mod">
-          <ac:chgData name="Rayona Mathew(UST,IN)" userId="S::245072@ust.com::ba69e595-3dd2-41bd-a7f7-516712dab024" providerId="AD" clId="Web-{844D9FFA-C088-4474-988A-996A087D0FAC}" dt="2023-02-28T11:36:31.142" v="14" actId="20577"/>
-          <ac:spMkLst>
-            <pc:docMk/>
-            <pc:sldMk cId="2090374411" sldId="256"/>
-            <ac:spMk id="5" creationId="{5CEBBB1D-F7D8-D340-BD20-6F0A5E12BD08}"/>
-          </ac:spMkLst>
-        </pc:spChg>
-        <pc:spChg chg="mod">
-          <ac:chgData name="Rayona Mathew(UST,IN)" userId="S::245072@ust.com::ba69e595-3dd2-41bd-a7f7-516712dab024" providerId="AD" clId="Web-{844D9FFA-C088-4474-988A-996A087D0FAC}" dt="2023-02-28T11:37:15.924" v="41" actId="20577"/>
-          <ac:spMkLst>
-            <pc:docMk/>
-            <pc:sldMk cId="2090374411" sldId="256"/>
-            <ac:spMk id="11" creationId="{436C3CF1-F21B-DB46-8DF3-194E00852FEE}"/>
-          </ac:spMkLst>
-        </pc:spChg>
-        <pc:spChg chg="mod">
-          <ac:chgData name="Rayona Mathew(UST,IN)" userId="S::245072@ust.com::ba69e595-3dd2-41bd-a7f7-516712dab024" providerId="AD" clId="Web-{844D9FFA-C088-4474-988A-996A087D0FAC}" dt="2023-02-28T11:36:45.064" v="34" actId="20577"/>
-          <ac:spMkLst>
-            <pc:docMk/>
-            <pc:sldMk cId="2090374411" sldId="256"/>
-            <ac:spMk id="19" creationId="{A385DD5C-AB56-7D44-97A6-153DA70A4202}"/>
-          </ac:spMkLst>
-        </pc:spChg>
-      </pc:sldChg>
-    </pc:docChg>
-  </pc:docChgLst>
-  <pc:docChgLst>
-    <pc:chgData name="Rayona Mathew(UST,IN)" userId="S::245072@ust.com::ba69e595-3dd2-41bd-a7f7-516712dab024" providerId="AD" clId="Web-{B1A1D940-D619-46DE-945A-FB96B31A9340}"/>
-    <pc:docChg chg="modSld">
-      <pc:chgData name="Rayona Mathew(UST,IN)" userId="S::245072@ust.com::ba69e595-3dd2-41bd-a7f7-516712dab024" providerId="AD" clId="Web-{B1A1D940-D619-46DE-945A-FB96B31A9340}" dt="2023-03-02T04:22:33.731" v="104" actId="20577"/>
-      <pc:docMkLst>
-        <pc:docMk/>
-      </pc:docMkLst>
-      <pc:sldChg chg="modSp">
-        <pc:chgData name="Rayona Mathew(UST,IN)" userId="S::245072@ust.com::ba69e595-3dd2-41bd-a7f7-516712dab024" providerId="AD" clId="Web-{B1A1D940-D619-46DE-945A-FB96B31A9340}" dt="2023-03-02T04:16:15.128" v="19" actId="20577"/>
-        <pc:sldMkLst>
-          <pc:docMk/>
-          <pc:sldMk cId="2090374411" sldId="256"/>
-        </pc:sldMkLst>
-        <pc:spChg chg="mod">
-          <ac:chgData name="Rayona Mathew(UST,IN)" userId="S::245072@ust.com::ba69e595-3dd2-41bd-a7f7-516712dab024" providerId="AD" clId="Web-{B1A1D940-D619-46DE-945A-FB96B31A9340}" dt="2023-03-02T04:16:15.128" v="19" actId="20577"/>
-          <ac:spMkLst>
-            <pc:docMk/>
-            <pc:sldMk cId="2090374411" sldId="256"/>
-            <ac:spMk id="11" creationId="{436C3CF1-F21B-DB46-8DF3-194E00852FEE}"/>
-          </ac:spMkLst>
-        </pc:spChg>
-      </pc:sldChg>
-      <pc:sldChg chg="modSp">
-        <pc:chgData name="Rayona Mathew(UST,IN)" userId="S::245072@ust.com::ba69e595-3dd2-41bd-a7f7-516712dab024" providerId="AD" clId="Web-{B1A1D940-D619-46DE-945A-FB96B31A9340}" dt="2023-03-02T04:17:13.426" v="24" actId="20577"/>
-        <pc:sldMkLst>
-          <pc:docMk/>
-          <pc:sldMk cId="4151454420" sldId="264"/>
-        </pc:sldMkLst>
-        <pc:spChg chg="mod">
-          <ac:chgData name="Rayona Mathew(UST,IN)" userId="S::245072@ust.com::ba69e595-3dd2-41bd-a7f7-516712dab024" providerId="AD" clId="Web-{B1A1D940-D619-46DE-945A-FB96B31A9340}" dt="2023-03-02T04:17:13.426" v="24" actId="20577"/>
-          <ac:spMkLst>
-            <pc:docMk/>
-            <pc:sldMk cId="4151454420" sldId="264"/>
-            <ac:spMk id="3" creationId="{95A1310C-7516-9B42-A1FD-3E54A6F3494C}"/>
-          </ac:spMkLst>
-        </pc:spChg>
-      </pc:sldChg>
-      <pc:sldChg chg="modSp">
-        <pc:chgData name="Rayona Mathew(UST,IN)" userId="S::245072@ust.com::ba69e595-3dd2-41bd-a7f7-516712dab024" providerId="AD" clId="Web-{B1A1D940-D619-46DE-945A-FB96B31A9340}" dt="2023-03-02T04:16:59.535" v="22" actId="20577"/>
-        <pc:sldMkLst>
-          <pc:docMk/>
-          <pc:sldMk cId="359614143" sldId="433"/>
-        </pc:sldMkLst>
-        <pc:spChg chg="mod">
-          <ac:chgData name="Rayona Mathew(UST,IN)" userId="S::245072@ust.com::ba69e595-3dd2-41bd-a7f7-516712dab024" providerId="AD" clId="Web-{B1A1D940-D619-46DE-945A-FB96B31A9340}" dt="2023-03-02T04:16:59.535" v="22" actId="20577"/>
-          <ac:spMkLst>
-            <pc:docMk/>
-            <pc:sldMk cId="359614143" sldId="433"/>
-            <ac:spMk id="3" creationId="{45AA5242-7A7D-9D34-6850-0D5645FE712D}"/>
-          </ac:spMkLst>
-        </pc:spChg>
-      </pc:sldChg>
-      <pc:sldChg chg="modSp">
-        <pc:chgData name="Rayona Mathew(UST,IN)" userId="S::245072@ust.com::ba69e595-3dd2-41bd-a7f7-516712dab024" providerId="AD" clId="Web-{B1A1D940-D619-46DE-945A-FB96B31A9340}" dt="2023-03-02T04:20:11.368" v="69" actId="20577"/>
-        <pc:sldMkLst>
-          <pc:docMk/>
-          <pc:sldMk cId="2296051366" sldId="436"/>
-        </pc:sldMkLst>
-        <pc:spChg chg="mod">
-          <ac:chgData name="Rayona Mathew(UST,IN)" userId="S::245072@ust.com::ba69e595-3dd2-41bd-a7f7-516712dab024" providerId="AD" clId="Web-{B1A1D940-D619-46DE-945A-FB96B31A9340}" dt="2023-03-02T04:20:11.368" v="69" actId="20577"/>
-          <ac:spMkLst>
-            <pc:docMk/>
-            <pc:sldMk cId="2296051366" sldId="436"/>
-            <ac:spMk id="2" creationId="{93E05C63-B7B1-1CCC-11B7-5598B03B4485}"/>
-          </ac:spMkLst>
-        </pc:spChg>
-      </pc:sldChg>
-      <pc:sldChg chg="modSp">
-        <pc:chgData name="Rayona Mathew(UST,IN)" userId="S::245072@ust.com::ba69e595-3dd2-41bd-a7f7-516712dab024" providerId="AD" clId="Web-{B1A1D940-D619-46DE-945A-FB96B31A9340}" dt="2023-03-02T04:21:40.589" v="74" actId="20577"/>
-        <pc:sldMkLst>
-          <pc:docMk/>
-          <pc:sldMk cId="1758784803" sldId="438"/>
-        </pc:sldMkLst>
-        <pc:spChg chg="mod">
-          <ac:chgData name="Rayona Mathew(UST,IN)" userId="S::245072@ust.com::ba69e595-3dd2-41bd-a7f7-516712dab024" providerId="AD" clId="Web-{B1A1D940-D619-46DE-945A-FB96B31A9340}" dt="2023-03-02T04:21:40.589" v="74" actId="20577"/>
-          <ac:spMkLst>
-            <pc:docMk/>
-            <pc:sldMk cId="1758784803" sldId="438"/>
-            <ac:spMk id="6" creationId="{8BC7BFEE-38DA-DFBD-CD0D-D04ADB94AB00}"/>
-          </ac:spMkLst>
-        </pc:spChg>
-      </pc:sldChg>
-      <pc:sldChg chg="modSp">
-        <pc:chgData name="Rayona Mathew(UST,IN)" userId="S::245072@ust.com::ba69e595-3dd2-41bd-a7f7-516712dab024" providerId="AD" clId="Web-{B1A1D940-D619-46DE-945A-FB96B31A9340}" dt="2023-03-02T04:22:33.731" v="104" actId="20577"/>
-        <pc:sldMkLst>
-          <pc:docMk/>
-          <pc:sldMk cId="98175034" sldId="440"/>
-        </pc:sldMkLst>
-        <pc:spChg chg="mod">
-          <ac:chgData name="Rayona Mathew(UST,IN)" userId="S::245072@ust.com::ba69e595-3dd2-41bd-a7f7-516712dab024" providerId="AD" clId="Web-{B1A1D940-D619-46DE-945A-FB96B31A9340}" dt="2023-03-02T04:22:33.731" v="104" actId="20577"/>
-          <ac:spMkLst>
-            <pc:docMk/>
-            <pc:sldMk cId="98175034" sldId="440"/>
-            <ac:spMk id="3" creationId="{C3AE7769-A47C-8510-114E-2CBE65720147}"/>
-          </ac:spMkLst>
-        </pc:spChg>
-      </pc:sldChg>
-      <pc:sldChg chg="modSp">
-        <pc:chgData name="Rayona Mathew(UST,IN)" userId="S::245072@ust.com::ba69e595-3dd2-41bd-a7f7-516712dab024" providerId="AD" clId="Web-{B1A1D940-D619-46DE-945A-FB96B31A9340}" dt="2023-03-02T04:16:42.801" v="20" actId="20577"/>
-        <pc:sldMkLst>
-          <pc:docMk/>
-          <pc:sldMk cId="4163659290" sldId="442"/>
-        </pc:sldMkLst>
-        <pc:spChg chg="mod">
-          <ac:chgData name="Rayona Mathew(UST,IN)" userId="S::245072@ust.com::ba69e595-3dd2-41bd-a7f7-516712dab024" providerId="AD" clId="Web-{B1A1D940-D619-46DE-945A-FB96B31A9340}" dt="2023-03-02T04:16:42.801" v="20" actId="20577"/>
-          <ac:spMkLst>
-            <pc:docMk/>
-            <pc:sldMk cId="4163659290" sldId="442"/>
-            <ac:spMk id="3" creationId="{020FB93D-AC3A-6ACD-CBC8-FE2AC7E893B6}"/>
-          </ac:spMkLst>
-        </pc:spChg>
-      </pc:sldChg>
-      <pc:sldChg chg="modSp">
-        <pc:chgData name="Rayona Mathew(UST,IN)" userId="S::245072@ust.com::ba69e595-3dd2-41bd-a7f7-516712dab024" providerId="AD" clId="Web-{B1A1D940-D619-46DE-945A-FB96B31A9340}" dt="2023-03-02T04:20:02.727" v="59" actId="20577"/>
-        <pc:sldMkLst>
-          <pc:docMk/>
-          <pc:sldMk cId="4100171198" sldId="443"/>
-        </pc:sldMkLst>
-        <pc:spChg chg="mod">
-          <ac:chgData name="Rayona Mathew(UST,IN)" userId="S::245072@ust.com::ba69e595-3dd2-41bd-a7f7-516712dab024" providerId="AD" clId="Web-{B1A1D940-D619-46DE-945A-FB96B31A9340}" dt="2023-03-02T04:20:02.727" v="59" actId="20577"/>
-          <ac:spMkLst>
-            <pc:docMk/>
-            <pc:sldMk cId="4100171198" sldId="443"/>
-            <ac:spMk id="2" creationId="{295DDB62-52DA-2D50-E89E-B04B42BA03F9}"/>
-          </ac:spMkLst>
-        </pc:spChg>
-      </pc:sldChg>
-      <pc:sldChg chg="modSp">
-        <pc:chgData name="Rayona Mathew(UST,IN)" userId="S::245072@ust.com::ba69e595-3dd2-41bd-a7f7-516712dab024" providerId="AD" clId="Web-{B1A1D940-D619-46DE-945A-FB96B31A9340}" dt="2023-03-02T04:17:36.380" v="26" actId="20577"/>
-        <pc:sldMkLst>
-          <pc:docMk/>
-          <pc:sldMk cId="2533536236" sldId="444"/>
-        </pc:sldMkLst>
-        <pc:spChg chg="mod">
-          <ac:chgData name="Rayona Mathew(UST,IN)" userId="S::245072@ust.com::ba69e595-3dd2-41bd-a7f7-516712dab024" providerId="AD" clId="Web-{B1A1D940-D619-46DE-945A-FB96B31A9340}" dt="2023-03-02T04:17:36.380" v="26" actId="20577"/>
-          <ac:spMkLst>
-            <pc:docMk/>
-            <pc:sldMk cId="2533536236" sldId="444"/>
-            <ac:spMk id="2" creationId="{B06A8644-75A7-E56C-37D5-84D534448EE1}"/>
-          </ac:spMkLst>
-        </pc:spChg>
-        <pc:spChg chg="mod">
-          <ac:chgData name="Rayona Mathew(UST,IN)" userId="S::245072@ust.com::ba69e595-3dd2-41bd-a7f7-516712dab024" providerId="AD" clId="Web-{B1A1D940-D619-46DE-945A-FB96B31A9340}" dt="2023-03-02T04:17:27.989" v="25" actId="20577"/>
-          <ac:spMkLst>
-            <pc:docMk/>
-            <pc:sldMk cId="2533536236" sldId="444"/>
-            <ac:spMk id="3" creationId="{2900A694-2C28-35AA-398A-82C321E9069C}"/>
-          </ac:spMkLst>
-        </pc:spChg>
-      </pc:sldChg>
-      <pc:sldChg chg="modSp">
-        <pc:chgData name="Rayona Mathew(UST,IN)" userId="S::245072@ust.com::ba69e595-3dd2-41bd-a7f7-516712dab024" providerId="AD" clId="Web-{B1A1D940-D619-46DE-945A-FB96B31A9340}" dt="2023-03-02T04:18:09.365" v="27" actId="20577"/>
-        <pc:sldMkLst>
-          <pc:docMk/>
-          <pc:sldMk cId="757731584" sldId="445"/>
-        </pc:sldMkLst>
-        <pc:spChg chg="mod">
-          <ac:chgData name="Rayona Mathew(UST,IN)" userId="S::245072@ust.com::ba69e595-3dd2-41bd-a7f7-516712dab024" providerId="AD" clId="Web-{B1A1D940-D619-46DE-945A-FB96B31A9340}" dt="2023-03-02T04:18:09.365" v="27" actId="20577"/>
-          <ac:spMkLst>
-            <pc:docMk/>
-            <pc:sldMk cId="757731584" sldId="445"/>
-            <ac:spMk id="3" creationId="{1AFCBDC0-0C4B-85B3-EC13-740C9DF83D00}"/>
-          </ac:spMkLst>
-        </pc:spChg>
-      </pc:sldChg>
-    </pc:docChg>
-  </pc:docChgLst>
-  <pc:docChgLst>
-    <pc:chgData name="Sowjanya Morisetty(UST,IN)" userId="S::245132@ust.com::fafc9569-a945-46e7-9869-5c26008d3c84" providerId="AD" clId="Web-{48F7E3C2-C5CE-43E1-AF29-DB22FFF4C819}"/>
-    <pc:docChg chg="addSld delSld modSld">
-      <pc:chgData name="Sowjanya Morisetty(UST,IN)" userId="S::245132@ust.com::fafc9569-a945-46e7-9869-5c26008d3c84" providerId="AD" clId="Web-{48F7E3C2-C5CE-43E1-AF29-DB22FFF4C819}" dt="2023-03-02T19:51:59.182" v="448" actId="20577"/>
-      <pc:docMkLst>
-        <pc:docMk/>
-      </pc:docMkLst>
-      <pc:sldChg chg="del">
-        <pc:chgData name="Sowjanya Morisetty(UST,IN)" userId="S::245132@ust.com::fafc9569-a945-46e7-9869-5c26008d3c84" providerId="AD" clId="Web-{48F7E3C2-C5CE-43E1-AF29-DB22FFF4C819}" dt="2023-03-02T19:44:47.648" v="396"/>
-        <pc:sldMkLst>
-          <pc:docMk/>
-          <pc:sldMk cId="2090374411" sldId="256"/>
-        </pc:sldMkLst>
-      </pc:sldChg>
-      <pc:sldChg chg="modSp">
-        <pc:chgData name="Sowjanya Morisetty(UST,IN)" userId="S::245132@ust.com::fafc9569-a945-46e7-9869-5c26008d3c84" providerId="AD" clId="Web-{48F7E3C2-C5CE-43E1-AF29-DB22FFF4C819}" dt="2023-03-02T19:34:26.716" v="297" actId="20577"/>
-        <pc:sldMkLst>
-          <pc:docMk/>
-          <pc:sldMk cId="877123665" sldId="431"/>
-        </pc:sldMkLst>
-        <pc:spChg chg="mod">
-          <ac:chgData name="Sowjanya Morisetty(UST,IN)" userId="S::245132@ust.com::fafc9569-a945-46e7-9869-5c26008d3c84" providerId="AD" clId="Web-{48F7E3C2-C5CE-43E1-AF29-DB22FFF4C819}" dt="2023-03-02T19:34:26.716" v="297" actId="20577"/>
-          <ac:spMkLst>
-            <pc:docMk/>
-            <pc:sldMk cId="877123665" sldId="431"/>
-            <ac:spMk id="6" creationId="{8BC7BFEE-38DA-DFBD-CD0D-D04ADB94AB00}"/>
-          </ac:spMkLst>
-        </pc:spChg>
-      </pc:sldChg>
-      <pc:sldChg chg="del">
-        <pc:chgData name="Sowjanya Morisetty(UST,IN)" userId="S::245132@ust.com::fafc9569-a945-46e7-9869-5c26008d3c84" providerId="AD" clId="Web-{48F7E3C2-C5CE-43E1-AF29-DB22FFF4C819}" dt="2023-03-02T19:35:02.624" v="301"/>
-        <pc:sldMkLst>
-          <pc:docMk/>
-          <pc:sldMk cId="2566345393" sldId="441"/>
-        </pc:sldMkLst>
-      </pc:sldChg>
-      <pc:sldChg chg="modSp">
-        <pc:chgData name="Sowjanya Morisetty(UST,IN)" userId="S::245132@ust.com::fafc9569-a945-46e7-9869-5c26008d3c84" providerId="AD" clId="Web-{48F7E3C2-C5CE-43E1-AF29-DB22FFF4C819}" dt="2023-03-02T19:46:10.699" v="403" actId="20577"/>
-        <pc:sldMkLst>
-          <pc:docMk/>
-          <pc:sldMk cId="102278663" sldId="456"/>
-        </pc:sldMkLst>
-        <pc:spChg chg="mod">
-          <ac:chgData name="Sowjanya Morisetty(UST,IN)" userId="S::245132@ust.com::fafc9569-a945-46e7-9869-5c26008d3c84" providerId="AD" clId="Web-{48F7E3C2-C5CE-43E1-AF29-DB22FFF4C819}" dt="2023-03-02T19:46:10.699" v="403" actId="20577"/>
-          <ac:spMkLst>
-            <pc:docMk/>
-            <pc:sldMk cId="102278663" sldId="456"/>
-            <ac:spMk id="3" creationId="{42EC8C3D-5968-3F69-5D06-51ACEDC322E3}"/>
-          </ac:spMkLst>
-        </pc:spChg>
-      </pc:sldChg>
-      <pc:sldChg chg="del">
-        <pc:chgData name="Sowjanya Morisetty(UST,IN)" userId="S::245132@ust.com::fafc9569-a945-46e7-9869-5c26008d3c84" providerId="AD" clId="Web-{48F7E3C2-C5CE-43E1-AF29-DB22FFF4C819}" dt="2023-03-02T19:35:02.483" v="300"/>
-        <pc:sldMkLst>
-          <pc:docMk/>
-          <pc:sldMk cId="427393029" sldId="457"/>
-        </pc:sldMkLst>
-      </pc:sldChg>
-      <pc:sldChg chg="del">
-        <pc:chgData name="Sowjanya Morisetty(UST,IN)" userId="S::245132@ust.com::fafc9569-a945-46e7-9869-5c26008d3c84" providerId="AD" clId="Web-{48F7E3C2-C5CE-43E1-AF29-DB22FFF4C819}" dt="2023-03-02T19:35:02.421" v="299"/>
-        <pc:sldMkLst>
-          <pc:docMk/>
-          <pc:sldMk cId="2065389314" sldId="458"/>
-        </pc:sldMkLst>
-      </pc:sldChg>
-      <pc:sldChg chg="addSp delSp modSp">
-        <pc:chgData name="Sowjanya Morisetty(UST,IN)" userId="S::245132@ust.com::fafc9569-a945-46e7-9869-5c26008d3c84" providerId="AD" clId="Web-{48F7E3C2-C5CE-43E1-AF29-DB22FFF4C819}" dt="2023-03-02T19:49:09.707" v="432" actId="20577"/>
-        <pc:sldMkLst>
-          <pc:docMk/>
-          <pc:sldMk cId="778499327" sldId="459"/>
-        </pc:sldMkLst>
-        <pc:spChg chg="add del mod">
-          <ac:chgData name="Sowjanya Morisetty(UST,IN)" userId="S::245132@ust.com::fafc9569-a945-46e7-9869-5c26008d3c84" providerId="AD" clId="Web-{48F7E3C2-C5CE-43E1-AF29-DB22FFF4C819}" dt="2023-03-02T19:47:22.202" v="412"/>
-          <ac:spMkLst>
-            <pc:docMk/>
-            <pc:sldMk cId="778499327" sldId="459"/>
-            <ac:spMk id="3" creationId="{F12081E3-E897-5C2E-BD32-9EC87CF5E917}"/>
-          </ac:spMkLst>
-        </pc:spChg>
-        <pc:spChg chg="add del mod">
-          <ac:chgData name="Sowjanya Morisetty(UST,IN)" userId="S::245132@ust.com::fafc9569-a945-46e7-9869-5c26008d3c84" providerId="AD" clId="Web-{48F7E3C2-C5CE-43E1-AF29-DB22FFF4C819}" dt="2023-03-02T19:49:09.707" v="432" actId="20577"/>
-          <ac:spMkLst>
-            <pc:docMk/>
-            <pc:sldMk cId="778499327" sldId="459"/>
-            <ac:spMk id="20" creationId="{7F14EB71-9ED2-9F96-C85E-7EB3D17E4FEF}"/>
-          </ac:spMkLst>
-        </pc:spChg>
-        <pc:spChg chg="mod">
-          <ac:chgData name="Sowjanya Morisetty(UST,IN)" userId="S::245132@ust.com::fafc9569-a945-46e7-9869-5c26008d3c84" providerId="AD" clId="Web-{48F7E3C2-C5CE-43E1-AF29-DB22FFF4C819}" dt="2023-03-02T19:46:40.982" v="410" actId="20577"/>
-          <ac:spMkLst>
-            <pc:docMk/>
-            <pc:sldMk cId="778499327" sldId="459"/>
-            <ac:spMk id="27" creationId="{BF7DC766-CF04-5CFB-32EB-90EEA4094AAE}"/>
-          </ac:spMkLst>
-        </pc:spChg>
-      </pc:sldChg>
-      <pc:sldChg chg="modSp">
-        <pc:chgData name="Sowjanya Morisetty(UST,IN)" userId="S::245132@ust.com::fafc9569-a945-46e7-9869-5c26008d3c84" providerId="AD" clId="Web-{48F7E3C2-C5CE-43E1-AF29-DB22FFF4C819}" dt="2023-03-02T19:50:23.960" v="437" actId="1076"/>
-        <pc:sldMkLst>
-          <pc:docMk/>
-          <pc:sldMk cId="2511916723" sldId="460"/>
-        </pc:sldMkLst>
-        <pc:picChg chg="mod">
-          <ac:chgData name="Sowjanya Morisetty(UST,IN)" userId="S::245132@ust.com::fafc9569-a945-46e7-9869-5c26008d3c84" providerId="AD" clId="Web-{48F7E3C2-C5CE-43E1-AF29-DB22FFF4C819}" dt="2023-03-02T19:50:23.960" v="437" actId="1076"/>
-          <ac:picMkLst>
-            <pc:docMk/>
-            <pc:sldMk cId="2511916723" sldId="460"/>
-            <ac:picMk id="5" creationId="{70FF45E5-01FE-4BA5-43EA-F17AE229FAA7}"/>
-          </ac:picMkLst>
-        </pc:picChg>
-      </pc:sldChg>
-      <pc:sldChg chg="modSp">
-        <pc:chgData name="Sowjanya Morisetty(UST,IN)" userId="S::245132@ust.com::fafc9569-a945-46e7-9869-5c26008d3c84" providerId="AD" clId="Web-{48F7E3C2-C5CE-43E1-AF29-DB22FFF4C819}" dt="2023-03-02T19:50:49.758" v="440" actId="14100"/>
-        <pc:sldMkLst>
-          <pc:docMk/>
-          <pc:sldMk cId="1364191368" sldId="461"/>
-        </pc:sldMkLst>
-        <pc:spChg chg="mod">
-          <ac:chgData name="Sowjanya Morisetty(UST,IN)" userId="S::245132@ust.com::fafc9569-a945-46e7-9869-5c26008d3c84" providerId="AD" clId="Web-{48F7E3C2-C5CE-43E1-AF29-DB22FFF4C819}" dt="2023-03-02T19:50:49.758" v="440" actId="14100"/>
-          <ac:spMkLst>
-            <pc:docMk/>
-            <pc:sldMk cId="1364191368" sldId="461"/>
-            <ac:spMk id="23" creationId="{3DC47693-256F-065A-DE44-373871A6CA78}"/>
-          </ac:spMkLst>
-        </pc:spChg>
-      </pc:sldChg>
-      <pc:sldChg chg="addSp delSp modSp mod modClrScheme chgLayout">
-        <pc:chgData name="Sowjanya Morisetty(UST,IN)" userId="S::245132@ust.com::fafc9569-a945-46e7-9869-5c26008d3c84" providerId="AD" clId="Web-{48F7E3C2-C5CE-43E1-AF29-DB22FFF4C819}" dt="2023-03-02T19:30:58.614" v="244" actId="14100"/>
-        <pc:sldMkLst>
-          <pc:docMk/>
-          <pc:sldMk cId="3223441651" sldId="464"/>
-        </pc:sldMkLst>
-        <pc:spChg chg="mod ord">
-          <ac:chgData name="Sowjanya Morisetty(UST,IN)" userId="S::245132@ust.com::fafc9569-a945-46e7-9869-5c26008d3c84" providerId="AD" clId="Web-{48F7E3C2-C5CE-43E1-AF29-DB22FFF4C819}" dt="2023-03-02T19:30:58.614" v="244" actId="14100"/>
-          <ac:spMkLst>
-            <pc:docMk/>
-            <pc:sldMk cId="3223441651" sldId="464"/>
-            <ac:spMk id="2" creationId="{3AD1B76C-6EFA-6849-72A5-46EF786B46F2}"/>
-          </ac:spMkLst>
-        </pc:spChg>
-        <pc:spChg chg="mod ord">
-          <ac:chgData name="Sowjanya Morisetty(UST,IN)" userId="S::245132@ust.com::fafc9569-a945-46e7-9869-5c26008d3c84" providerId="AD" clId="Web-{48F7E3C2-C5CE-43E1-AF29-DB22FFF4C819}" dt="2023-03-02T19:30:39.863" v="240" actId="14100"/>
-          <ac:spMkLst>
-            <pc:docMk/>
-            <pc:sldMk cId="3223441651" sldId="464"/>
-            <ac:spMk id="3" creationId="{FC7EF956-206A-700A-8B85-56404519AE9F}"/>
-          </ac:spMkLst>
-        </pc:spChg>
-        <pc:spChg chg="del">
-          <ac:chgData name="Sowjanya Morisetty(UST,IN)" userId="S::245132@ust.com::fafc9569-a945-46e7-9869-5c26008d3c84" providerId="AD" clId="Web-{48F7E3C2-C5CE-43E1-AF29-DB22FFF4C819}" dt="2023-03-02T19:30:01.096" v="233"/>
-          <ac:spMkLst>
-            <pc:docMk/>
-            <pc:sldMk cId="3223441651" sldId="464"/>
-            <ac:spMk id="4" creationId="{A0F4D5AA-ED54-5C85-6BD4-115C6F55C1FD}"/>
-          </ac:spMkLst>
-        </pc:spChg>
-        <pc:spChg chg="add del mod">
-          <ac:chgData name="Sowjanya Morisetty(UST,IN)" userId="S::245132@ust.com::fafc9569-a945-46e7-9869-5c26008d3c84" providerId="AD" clId="Web-{48F7E3C2-C5CE-43E1-AF29-DB22FFF4C819}" dt="2023-03-02T19:30:12.034" v="237"/>
-          <ac:spMkLst>
-            <pc:docMk/>
-            <pc:sldMk cId="3223441651" sldId="464"/>
-            <ac:spMk id="8" creationId="{093D4A4D-4564-1E40-37A0-F9DEA9F48FAA}"/>
-          </ac:spMkLst>
-        </pc:spChg>
-      </pc:sldChg>
-      <pc:sldChg chg="addSp delSp modSp new del mod modClrScheme chgLayout">
-        <pc:chgData name="Sowjanya Morisetty(UST,IN)" userId="S::245132@ust.com::fafc9569-a945-46e7-9869-5c26008d3c84" providerId="AD" clId="Web-{48F7E3C2-C5CE-43E1-AF29-DB22FFF4C819}" dt="2023-03-02T19:35:02.421" v="298"/>
-        <pc:sldMkLst>
-          <pc:docMk/>
-          <pc:sldMk cId="3633940512" sldId="465"/>
-        </pc:sldMkLst>
-        <pc:spChg chg="mod ord">
-          <ac:chgData name="Sowjanya Morisetty(UST,IN)" userId="S::245132@ust.com::fafc9569-a945-46e7-9869-5c26008d3c84" providerId="AD" clId="Web-{48F7E3C2-C5CE-43E1-AF29-DB22FFF4C819}" dt="2023-03-02T19:05:43.796" v="11"/>
-          <ac:spMkLst>
-            <pc:docMk/>
-            <pc:sldMk cId="3633940512" sldId="465"/>
-            <ac:spMk id="2" creationId="{92E6BC87-1A39-BB39-244C-CBF87C03D143}"/>
-          </ac:spMkLst>
-        </pc:spChg>
-        <pc:spChg chg="mod ord">
-          <ac:chgData name="Sowjanya Morisetty(UST,IN)" userId="S::245132@ust.com::fafc9569-a945-46e7-9869-5c26008d3c84" providerId="AD" clId="Web-{48F7E3C2-C5CE-43E1-AF29-DB22FFF4C819}" dt="2023-03-02T19:05:43.796" v="11"/>
-          <ac:spMkLst>
-            <pc:docMk/>
-            <pc:sldMk cId="3633940512" sldId="465"/>
-            <ac:spMk id="3" creationId="{3C387590-8DB6-8221-5CBA-B0EC9B243A7D}"/>
-          </ac:spMkLst>
-        </pc:spChg>
-        <pc:spChg chg="del">
-          <ac:chgData name="Sowjanya Morisetty(UST,IN)" userId="S::245132@ust.com::fafc9569-a945-46e7-9869-5c26008d3c84" providerId="AD" clId="Web-{48F7E3C2-C5CE-43E1-AF29-DB22FFF4C819}" dt="2023-03-02T19:05:43.718" v="10"/>
-          <ac:spMkLst>
-            <pc:docMk/>
-            <pc:sldMk cId="3633940512" sldId="465"/>
-            <ac:spMk id="4" creationId="{CEB788BD-5645-5EC9-66C1-3B4D638CF72C}"/>
-          </ac:spMkLst>
-        </pc:spChg>
-        <pc:spChg chg="add mod ord">
-          <ac:chgData name="Sowjanya Morisetty(UST,IN)" userId="S::245132@ust.com::fafc9569-a945-46e7-9869-5c26008d3c84" providerId="AD" clId="Web-{48F7E3C2-C5CE-43E1-AF29-DB22FFF4C819}" dt="2023-03-02T19:05:43.796" v="11"/>
-          <ac:spMkLst>
-            <pc:docMk/>
-            <pc:sldMk cId="3633940512" sldId="465"/>
-            <ac:spMk id="5" creationId="{D638C261-36ED-D0B9-C6F7-5C1DB65DEB54}"/>
-          </ac:spMkLst>
-        </pc:spChg>
-      </pc:sldChg>
-      <pc:sldChg chg="addSp delSp modSp new mod modClrScheme chgLayout">
-        <pc:chgData name="Sowjanya Morisetty(UST,IN)" userId="S::245132@ust.com::fafc9569-a945-46e7-9869-5c26008d3c84" providerId="AD" clId="Web-{48F7E3C2-C5CE-43E1-AF29-DB22FFF4C819}" dt="2023-03-02T19:51:59.182" v="448" actId="20577"/>
-        <pc:sldMkLst>
-          <pc:docMk/>
-          <pc:sldMk cId="2137832043" sldId="466"/>
-        </pc:sldMkLst>
-        <pc:spChg chg="add del mod ord">
-          <ac:chgData name="Sowjanya Morisetty(UST,IN)" userId="S::245132@ust.com::fafc9569-a945-46e7-9869-5c26008d3c84" providerId="AD" clId="Web-{48F7E3C2-C5CE-43E1-AF29-DB22FFF4C819}" dt="2023-03-02T19:10:16.964" v="49"/>
-          <ac:spMkLst>
-            <pc:docMk/>
-            <pc:sldMk cId="2137832043" sldId="466"/>
-            <ac:spMk id="2" creationId="{B929D9F9-C4D8-F3DC-DD14-8B87BA08431D}"/>
-          </ac:spMkLst>
-        </pc:spChg>
-        <pc:spChg chg="add del mod ord">
-          <ac:chgData name="Sowjanya Morisetty(UST,IN)" userId="S::245132@ust.com::fafc9569-a945-46e7-9869-5c26008d3c84" providerId="AD" clId="Web-{48F7E3C2-C5CE-43E1-AF29-DB22FFF4C819}" dt="2023-03-02T19:11:28.045" v="57"/>
-          <ac:spMkLst>
-            <pc:docMk/>
-            <pc:sldMk cId="2137832043" sldId="466"/>
-            <ac:spMk id="3" creationId="{26769D3E-A800-8A80-1894-4406FBA425E7}"/>
-          </ac:spMkLst>
-        </pc:spChg>
-        <pc:spChg chg="del">
-          <ac:chgData name="Sowjanya Morisetty(UST,IN)" userId="S::245132@ust.com::fafc9569-a945-46e7-9869-5c26008d3c84" providerId="AD" clId="Web-{48F7E3C2-C5CE-43E1-AF29-DB22FFF4C819}" dt="2023-03-02T19:06:20.626" v="13"/>
-          <ac:spMkLst>
-            <pc:docMk/>
-            <pc:sldMk cId="2137832043" sldId="466"/>
-            <ac:spMk id="4" creationId="{929AB0B8-D861-90DE-413C-1EBEC092516C}"/>
-          </ac:spMkLst>
-        </pc:spChg>
-        <pc:spChg chg="add del mod">
-          <ac:chgData name="Sowjanya Morisetty(UST,IN)" userId="S::245132@ust.com::fafc9569-a945-46e7-9869-5c26008d3c84" providerId="AD" clId="Web-{48F7E3C2-C5CE-43E1-AF29-DB22FFF4C819}" dt="2023-03-02T19:10:11.995" v="46"/>
-          <ac:spMkLst>
-            <pc:docMk/>
-            <pc:sldMk cId="2137832043" sldId="466"/>
-            <ac:spMk id="8" creationId="{563D6A8E-224B-178B-134B-89AEC783E6FC}"/>
-          </ac:spMkLst>
-        </pc:spChg>
-        <pc:spChg chg="add del mod">
-          <ac:chgData name="Sowjanya Morisetty(UST,IN)" userId="S::245132@ust.com::fafc9569-a945-46e7-9869-5c26008d3c84" providerId="AD" clId="Web-{48F7E3C2-C5CE-43E1-AF29-DB22FFF4C819}" dt="2023-03-02T19:10:16.949" v="48"/>
-          <ac:spMkLst>
-            <pc:docMk/>
-            <pc:sldMk cId="2137832043" sldId="466"/>
-            <ac:spMk id="10" creationId="{2BCA2D8C-F437-F87C-9F0A-77506A2976AD}"/>
-          </ac:spMkLst>
-        </pc:spChg>
-        <pc:spChg chg="add del mod">
-          <ac:chgData name="Sowjanya Morisetty(UST,IN)" userId="S::245132@ust.com::fafc9569-a945-46e7-9869-5c26008d3c84" providerId="AD" clId="Web-{48F7E3C2-C5CE-43E1-AF29-DB22FFF4C819}" dt="2023-03-02T19:10:16.949" v="48"/>
-          <ac:spMkLst>
-            <pc:docMk/>
-            <pc:sldMk cId="2137832043" sldId="466"/>
-            <ac:spMk id="11" creationId="{3A91F6E3-A604-FC9A-BFF3-BF0DC9C1ABF9}"/>
-          </ac:spMkLst>
-        </pc:spChg>
-        <pc:spChg chg="add del mod ord">
-          <ac:chgData name="Sowjanya Morisetty(UST,IN)" userId="S::245132@ust.com::fafc9569-a945-46e7-9869-5c26008d3c84" providerId="AD" clId="Web-{48F7E3C2-C5CE-43E1-AF29-DB22FFF4C819}" dt="2023-03-02T19:11:28.045" v="57"/>
-          <ac:spMkLst>
-            <pc:docMk/>
-            <pc:sldMk cId="2137832043" sldId="466"/>
-            <ac:spMk id="13" creationId="{73B2C2E5-29A6-B428-120B-68A52BFB5262}"/>
-          </ac:spMkLst>
-        </pc:spChg>
-        <pc:spChg chg="add del mod">
-          <ac:chgData name="Sowjanya Morisetty(UST,IN)" userId="S::245132@ust.com::fafc9569-a945-46e7-9869-5c26008d3c84" providerId="AD" clId="Web-{48F7E3C2-C5CE-43E1-AF29-DB22FFF4C819}" dt="2023-03-02T19:10:24.152" v="50"/>
-          <ac:spMkLst>
-            <pc:docMk/>
-            <pc:sldMk cId="2137832043" sldId="466"/>
-            <ac:spMk id="14" creationId="{F53F3A9A-FCF2-6DA4-9CBF-FA88C56493DA}"/>
-          </ac:spMkLst>
-        </pc:spChg>
-        <pc:spChg chg="add del mod">
-          <ac:chgData name="Sowjanya Morisetty(UST,IN)" userId="S::245132@ust.com::fafc9569-a945-46e7-9869-5c26008d3c84" providerId="AD" clId="Web-{48F7E3C2-C5CE-43E1-AF29-DB22FFF4C819}" dt="2023-03-02T19:12:19.173" v="58"/>
-          <ac:spMkLst>
-            <pc:docMk/>
-            <pc:sldMk cId="2137832043" sldId="466"/>
-            <ac:spMk id="18" creationId="{A64CA622-7CCE-114F-0BC3-05566EE041AD}"/>
-          </ac:spMkLst>
-        </pc:spChg>
-        <pc:spChg chg="add del mod">
-          <ac:chgData name="Sowjanya Morisetty(UST,IN)" userId="S::245132@ust.com::fafc9569-a945-46e7-9869-5c26008d3c84" providerId="AD" clId="Web-{48F7E3C2-C5CE-43E1-AF29-DB22FFF4C819}" dt="2023-03-02T19:10:44.997" v="52"/>
-          <ac:spMkLst>
-            <pc:docMk/>
-            <pc:sldMk cId="2137832043" sldId="466"/>
-            <ac:spMk id="19" creationId="{E7DC578D-42D2-7C26-48DA-18E2ED1D34D0}"/>
-          </ac:spMkLst>
-        </pc:spChg>
-        <pc:spChg chg="add del mod">
-          <ac:chgData name="Sowjanya Morisetty(UST,IN)" userId="S::245132@ust.com::fafc9569-a945-46e7-9869-5c26008d3c84" providerId="AD" clId="Web-{48F7E3C2-C5CE-43E1-AF29-DB22FFF4C819}" dt="2023-03-02T19:12:19.173" v="58"/>
-          <ac:spMkLst>
-            <pc:docMk/>
-            <pc:sldMk cId="2137832043" sldId="466"/>
-            <ac:spMk id="20" creationId="{3738ED8F-55E2-9F85-0CB1-14E6B7BF7893}"/>
-          </ac:spMkLst>
-        </pc:spChg>
-        <pc:spChg chg="add del mod">
-          <ac:chgData name="Sowjanya Morisetty(UST,IN)" userId="S::245132@ust.com::fafc9569-a945-46e7-9869-5c26008d3c84" providerId="AD" clId="Web-{48F7E3C2-C5CE-43E1-AF29-DB22FFF4C819}" dt="2023-03-02T19:10:44.997" v="52"/>
-          <ac:spMkLst>
-            <pc:docMk/>
-            <pc:sldMk cId="2137832043" sldId="466"/>
-            <ac:spMk id="21" creationId="{61C893DE-B059-1293-38DE-3D653506FFAB}"/>
-          </ac:spMkLst>
-        </pc:spChg>
-        <pc:spChg chg="add del mod">
-          <ac:chgData name="Sowjanya Morisetty(UST,IN)" userId="S::245132@ust.com::fafc9569-a945-46e7-9869-5c26008d3c84" providerId="AD" clId="Web-{48F7E3C2-C5CE-43E1-AF29-DB22FFF4C819}" dt="2023-03-02T19:10:47.606" v="54"/>
-          <ac:spMkLst>
-            <pc:docMk/>
-            <pc:sldMk cId="2137832043" sldId="466"/>
-            <ac:spMk id="23" creationId="{8BF3A3F4-EE54-05F2-16A8-E105492D632A}"/>
-          </ac:spMkLst>
-        </pc:spChg>
-        <pc:spChg chg="add del mod">
-          <ac:chgData name="Sowjanya Morisetty(UST,IN)" userId="S::245132@ust.com::fafc9569-a945-46e7-9869-5c26008d3c84" providerId="AD" clId="Web-{48F7E3C2-C5CE-43E1-AF29-DB22FFF4C819}" dt="2023-03-02T19:10:47.606" v="54"/>
-          <ac:spMkLst>
-            <pc:docMk/>
-            <pc:sldMk cId="2137832043" sldId="466"/>
-            <ac:spMk id="24" creationId="{E6756246-BFBF-0FA0-76D9-B0F2642BA54D}"/>
-          </ac:spMkLst>
-        </pc:spChg>
-        <pc:spChg chg="add del mod">
-          <ac:chgData name="Sowjanya Morisetty(UST,IN)" userId="S::245132@ust.com::fafc9569-a945-46e7-9869-5c26008d3c84" providerId="AD" clId="Web-{48F7E3C2-C5CE-43E1-AF29-DB22FFF4C819}" dt="2023-03-02T19:11:28.030" v="56"/>
-          <ac:spMkLst>
-            <pc:docMk/>
-            <pc:sldMk cId="2137832043" sldId="466"/>
-            <ac:spMk id="27" creationId="{4855C006-EF67-8A4F-07B1-B8E3B44C1089}"/>
-          </ac:spMkLst>
-        </pc:spChg>
-        <pc:spChg chg="add del mod">
-          <ac:chgData name="Sowjanya Morisetty(UST,IN)" userId="S::245132@ust.com::fafc9569-a945-46e7-9869-5c26008d3c84" providerId="AD" clId="Web-{48F7E3C2-C5CE-43E1-AF29-DB22FFF4C819}" dt="2023-03-02T19:11:28.030" v="56"/>
-          <ac:spMkLst>
-            <pc:docMk/>
-            <pc:sldMk cId="2137832043" sldId="466"/>
-            <ac:spMk id="28" creationId="{CD35CC97-63DA-195C-73B3-6505381ACBFA}"/>
-          </ac:spMkLst>
-        </pc:spChg>
-        <pc:spChg chg="add del mod ord">
-          <ac:chgData name="Sowjanya Morisetty(UST,IN)" userId="S::245132@ust.com::fafc9569-a945-46e7-9869-5c26008d3c84" providerId="AD" clId="Web-{48F7E3C2-C5CE-43E1-AF29-DB22FFF4C819}" dt="2023-03-02T19:13:46.473" v="65"/>
-          <ac:spMkLst>
-            <pc:docMk/>
-            <pc:sldMk cId="2137832043" sldId="466"/>
-            <ac:spMk id="31" creationId="{26769D3E-A800-8A80-1894-4406FBA425E7}"/>
-          </ac:spMkLst>
-        </pc:spChg>
-        <pc:spChg chg="add del mod ord">
-          <ac:chgData name="Sowjanya Morisetty(UST,IN)" userId="S::245132@ust.com::fafc9569-a945-46e7-9869-5c26008d3c84" providerId="AD" clId="Web-{48F7E3C2-C5CE-43E1-AF29-DB22FFF4C819}" dt="2023-03-02T19:13:46.473" v="65"/>
-          <ac:spMkLst>
-            <pc:docMk/>
-            <pc:sldMk cId="2137832043" sldId="466"/>
-            <ac:spMk id="51" creationId="{AE232072-3109-21B1-BFE1-D018677F7298}"/>
-          </ac:spMkLst>
-        </pc:spChg>
-        <pc:spChg chg="add del mod">
-          <ac:chgData name="Sowjanya Morisetty(UST,IN)" userId="S::245132@ust.com::fafc9569-a945-46e7-9869-5c26008d3c84" providerId="AD" clId="Web-{48F7E3C2-C5CE-43E1-AF29-DB22FFF4C819}" dt="2023-03-02T19:13:46.458" v="64"/>
-          <ac:spMkLst>
-            <pc:docMk/>
-            <pc:sldMk cId="2137832043" sldId="466"/>
-            <ac:spMk id="56" creationId="{0A52D813-1404-C5AB-403A-8E4B50C56D14}"/>
-          </ac:spMkLst>
-        </pc:spChg>
-        <pc:spChg chg="add mod">
-          <ac:chgData name="Sowjanya Morisetty(UST,IN)" userId="S::245132@ust.com::fafc9569-a945-46e7-9869-5c26008d3c84" providerId="AD" clId="Web-{48F7E3C2-C5CE-43E1-AF29-DB22FFF4C819}" dt="2023-03-02T19:19:44.989" v="200" actId="20577"/>
-          <ac:spMkLst>
-            <pc:docMk/>
-            <pc:sldMk cId="2137832043" sldId="466"/>
-            <ac:spMk id="57" creationId="{6FF4915C-56BB-4719-A7DE-921522AA0E83}"/>
-          </ac:spMkLst>
-        </pc:spChg>
-        <pc:spChg chg="add del mod">
-          <ac:chgData name="Sowjanya Morisetty(UST,IN)" userId="S::245132@ust.com::fafc9569-a945-46e7-9869-5c26008d3c84" providerId="AD" clId="Web-{48F7E3C2-C5CE-43E1-AF29-DB22FFF4C819}" dt="2023-03-02T19:13:46.458" v="64"/>
-          <ac:spMkLst>
-            <pc:docMk/>
-            <pc:sldMk cId="2137832043" sldId="466"/>
-            <ac:spMk id="58" creationId="{7013B932-ECAE-34BC-A4ED-4E28572E2DAC}"/>
-          </ac:spMkLst>
-        </pc:spChg>
-        <pc:spChg chg="add del mod">
-          <ac:chgData name="Sowjanya Morisetty(UST,IN)" userId="S::245132@ust.com::fafc9569-a945-46e7-9869-5c26008d3c84" providerId="AD" clId="Web-{48F7E3C2-C5CE-43E1-AF29-DB22FFF4C819}" dt="2023-03-02T19:13:54.364" v="66"/>
-          <ac:spMkLst>
-            <pc:docMk/>
-            <pc:sldMk cId="2137832043" sldId="466"/>
-            <ac:spMk id="59" creationId="{A8636F91-2F82-824F-99AC-7A9C2CF909F7}"/>
-          </ac:spMkLst>
-        </pc:spChg>
-        <pc:spChg chg="add del mod">
-          <ac:chgData name="Sowjanya Morisetty(UST,IN)" userId="S::245132@ust.com::fafc9569-a945-46e7-9869-5c26008d3c84" providerId="AD" clId="Web-{48F7E3C2-C5CE-43E1-AF29-DB22FFF4C819}" dt="2023-03-02T19:15:23.712" v="125"/>
-          <ac:spMkLst>
-            <pc:docMk/>
-            <pc:sldMk cId="2137832043" sldId="466"/>
-            <ac:spMk id="424" creationId="{B20BD109-3CC0-4B3E-8B81-D41D246B8914}"/>
-          </ac:spMkLst>
-        </pc:spChg>
-        <pc:graphicFrameChg chg="add del mod">
-          <ac:chgData name="Sowjanya Morisetty(UST,IN)" userId="S::245132@ust.com::fafc9569-a945-46e7-9869-5c26008d3c84" providerId="AD" clId="Web-{48F7E3C2-C5CE-43E1-AF29-DB22FFF4C819}" dt="2023-03-02T19:10:44.997" v="52"/>
-          <ac:graphicFrameMkLst>
-            <pc:docMk/>
-            <pc:sldMk cId="2137832043" sldId="466"/>
-            <ac:graphicFrameMk id="15" creationId="{A549D7E4-A7F7-BE73-5946-03D5E521CC34}"/>
-          </ac:graphicFrameMkLst>
-        </pc:graphicFrameChg>
-        <pc:graphicFrameChg chg="add del mod">
-          <ac:chgData name="Sowjanya Morisetty(UST,IN)" userId="S::245132@ust.com::fafc9569-a945-46e7-9869-5c26008d3c84" providerId="AD" clId="Web-{48F7E3C2-C5CE-43E1-AF29-DB22FFF4C819}" dt="2023-03-02T19:10:47.606" v="54"/>
-          <ac:graphicFrameMkLst>
-            <pc:docMk/>
-            <pc:sldMk cId="2137832043" sldId="466"/>
-            <ac:graphicFrameMk id="25" creationId="{02E5A6EE-AE57-2089-AA6B-D523934C448D}"/>
-          </ac:graphicFrameMkLst>
-        </pc:graphicFrameChg>
-        <pc:graphicFrameChg chg="add del mod">
-          <ac:chgData name="Sowjanya Morisetty(UST,IN)" userId="S::245132@ust.com::fafc9569-a945-46e7-9869-5c26008d3c84" providerId="AD" clId="Web-{48F7E3C2-C5CE-43E1-AF29-DB22FFF4C819}" dt="2023-03-02T19:11:28.030" v="56"/>
-          <ac:graphicFrameMkLst>
-            <pc:docMk/>
-            <pc:sldMk cId="2137832043" sldId="466"/>
-            <ac:graphicFrameMk id="29" creationId="{CAFE2DC2-BE6A-69A9-B0E2-9D68E25F039B}"/>
-          </ac:graphicFrameMkLst>
-        </pc:graphicFrameChg>
-        <pc:graphicFrameChg chg="add mod modGraphic">
-          <ac:chgData name="Sowjanya Morisetty(UST,IN)" userId="S::245132@ust.com::fafc9569-a945-46e7-9869-5c26008d3c84" providerId="AD" clId="Web-{48F7E3C2-C5CE-43E1-AF29-DB22FFF4C819}" dt="2023-03-02T19:18:22.704" v="175" actId="20577"/>
-          <ac:graphicFrameMkLst>
-            <pc:docMk/>
-            <pc:sldMk cId="2137832043" sldId="466"/>
-            <ac:graphicFrameMk id="53" creationId="{E5DEC043-9679-A6A4-05E2-9D633D150FFD}"/>
-          </ac:graphicFrameMkLst>
-        </pc:graphicFrameChg>
-        <pc:graphicFrameChg chg="add del mod ord modGraphic">
-          <ac:chgData name="Sowjanya Morisetty(UST,IN)" userId="S::245132@ust.com::fafc9569-a945-46e7-9869-5c26008d3c84" providerId="AD" clId="Web-{48F7E3C2-C5CE-43E1-AF29-DB22FFF4C819}" dt="2023-03-02T19:15:14.664" v="124"/>
-          <ac:graphicFrameMkLst>
-            <pc:docMk/>
-            <pc:sldMk cId="2137832043" sldId="466"/>
-            <ac:graphicFrameMk id="66" creationId="{88C0518F-09E3-EFE6-D9C9-0772922640B5}"/>
-          </ac:graphicFrameMkLst>
-        </pc:graphicFrameChg>
-        <pc:graphicFrameChg chg="add mod ord modGraphic">
-          <ac:chgData name="Sowjanya Morisetty(UST,IN)" userId="S::245132@ust.com::fafc9569-a945-46e7-9869-5c26008d3c84" providerId="AD" clId="Web-{48F7E3C2-C5CE-43E1-AF29-DB22FFF4C819}" dt="2023-03-02T19:51:59.182" v="448" actId="20577"/>
-          <ac:graphicFrameMkLst>
-            <pc:docMk/>
-            <pc:sldMk cId="2137832043" sldId="466"/>
-            <ac:graphicFrameMk id="434" creationId="{6E029495-9CA5-D450-451F-9955AD94BE1A}"/>
-          </ac:graphicFrameMkLst>
-        </pc:graphicFrameChg>
-      </pc:sldChg>
-      <pc:sldChg chg="addSp delSp modSp new mod modClrScheme chgLayout">
-        <pc:chgData name="Sowjanya Morisetty(UST,IN)" userId="S::245132@ust.com::fafc9569-a945-46e7-9869-5c26008d3c84" providerId="AD" clId="Web-{48F7E3C2-C5CE-43E1-AF29-DB22FFF4C819}" dt="2023-03-02T19:23:30.204" v="230" actId="14100"/>
-        <pc:sldMkLst>
-          <pc:docMk/>
-          <pc:sldMk cId="2618610483" sldId="467"/>
-        </pc:sldMkLst>
-        <pc:spChg chg="del">
-          <ac:chgData name="Sowjanya Morisetty(UST,IN)" userId="S::245132@ust.com::fafc9569-a945-46e7-9869-5c26008d3c84" providerId="AD" clId="Web-{48F7E3C2-C5CE-43E1-AF29-DB22FFF4C819}" dt="2023-03-02T19:19:52.723" v="202"/>
-          <ac:spMkLst>
-            <pc:docMk/>
-            <pc:sldMk cId="2618610483" sldId="467"/>
-            <ac:spMk id="2" creationId="{18961F6F-48C0-98D0-D7A3-62E1AB6251BA}"/>
-          </ac:spMkLst>
-        </pc:spChg>
-        <pc:spChg chg="del">
-          <ac:chgData name="Sowjanya Morisetty(UST,IN)" userId="S::245132@ust.com::fafc9569-a945-46e7-9869-5c26008d3c84" providerId="AD" clId="Web-{48F7E3C2-C5CE-43E1-AF29-DB22FFF4C819}" dt="2023-03-02T19:19:52.723" v="202"/>
-          <ac:spMkLst>
-            <pc:docMk/>
-            <pc:sldMk cId="2618610483" sldId="467"/>
-            <ac:spMk id="3" creationId="{4EB15A6A-ED73-776F-8A44-AA3D0FB5E783}"/>
-          </ac:spMkLst>
-        </pc:spChg>
-        <pc:spChg chg="del">
-          <ac:chgData name="Sowjanya Morisetty(UST,IN)" userId="S::245132@ust.com::fafc9569-a945-46e7-9869-5c26008d3c84" providerId="AD" clId="Web-{48F7E3C2-C5CE-43E1-AF29-DB22FFF4C819}" dt="2023-03-02T19:19:52.723" v="202"/>
-          <ac:spMkLst>
-            <pc:docMk/>
-            <pc:sldMk cId="2618610483" sldId="467"/>
-            <ac:spMk id="4" creationId="{AC0C32DE-4BA5-73EF-D469-1A5885024C03}"/>
-          </ac:spMkLst>
-        </pc:spChg>
-        <pc:spChg chg="add mod">
-          <ac:chgData name="Sowjanya Morisetty(UST,IN)" userId="S::245132@ust.com::fafc9569-a945-46e7-9869-5c26008d3c84" providerId="AD" clId="Web-{48F7E3C2-C5CE-43E1-AF29-DB22FFF4C819}" dt="2023-03-02T19:22:22.855" v="223" actId="14100"/>
-          <ac:spMkLst>
-            <pc:docMk/>
-            <pc:sldMk cId="2618610483" sldId="467"/>
-            <ac:spMk id="9" creationId="{B652D38C-3DAB-86F9-4557-F58BE1BC2BB9}"/>
-          </ac:spMkLst>
-        </pc:spChg>
-        <pc:spChg chg="add mod">
-          <ac:chgData name="Sowjanya Morisetty(UST,IN)" userId="S::245132@ust.com::fafc9569-a945-46e7-9869-5c26008d3c84" providerId="AD" clId="Web-{48F7E3C2-C5CE-43E1-AF29-DB22FFF4C819}" dt="2023-03-02T19:23:30.204" v="230" actId="14100"/>
-          <ac:spMkLst>
-            <pc:docMk/>
-            <pc:sldMk cId="2618610483" sldId="467"/>
-            <ac:spMk id="11" creationId="{486438F1-5EDE-2FBA-6B4E-6D52D6904DC2}"/>
-          </ac:spMkLst>
-        </pc:spChg>
-      </pc:sldChg>
-      <pc:sldChg chg="delSp modSp new">
-        <pc:chgData name="Sowjanya Morisetty(UST,IN)" userId="S::245132@ust.com::fafc9569-a945-46e7-9869-5c26008d3c84" providerId="AD" clId="Web-{48F7E3C2-C5CE-43E1-AF29-DB22FFF4C819}" dt="2023-03-02T19:44:36.288" v="395" actId="14100"/>
-        <pc:sldMkLst>
-          <pc:docMk/>
-          <pc:sldMk cId="2542971383" sldId="468"/>
-        </pc:sldMkLst>
-        <pc:spChg chg="mod">
-          <ac:chgData name="Sowjanya Morisetty(UST,IN)" userId="S::245132@ust.com::fafc9569-a945-46e7-9869-5c26008d3c84" providerId="AD" clId="Web-{48F7E3C2-C5CE-43E1-AF29-DB22FFF4C819}" dt="2023-03-02T19:43:54.302" v="390" actId="14100"/>
-          <ac:spMkLst>
-            <pc:docMk/>
-            <pc:sldMk cId="2542971383" sldId="468"/>
-            <ac:spMk id="2" creationId="{8ED078B8-CAD4-C236-2014-6B057087D850}"/>
-          </ac:spMkLst>
-        </pc:spChg>
-        <pc:spChg chg="mod">
-          <ac:chgData name="Sowjanya Morisetty(UST,IN)" userId="S::245132@ust.com::fafc9569-a945-46e7-9869-5c26008d3c84" providerId="AD" clId="Web-{48F7E3C2-C5CE-43E1-AF29-DB22FFF4C819}" dt="2023-03-02T19:44:30.101" v="394" actId="1076"/>
-          <ac:spMkLst>
-            <pc:docMk/>
-            <pc:sldMk cId="2542971383" sldId="468"/>
-            <ac:spMk id="3" creationId="{1D356442-201E-8EB2-16B3-6E6A2AA2F7AD}"/>
-          </ac:spMkLst>
-        </pc:spChg>
-        <pc:spChg chg="mod">
-          <ac:chgData name="Sowjanya Morisetty(UST,IN)" userId="S::245132@ust.com::fafc9569-a945-46e7-9869-5c26008d3c84" providerId="AD" clId="Web-{48F7E3C2-C5CE-43E1-AF29-DB22FFF4C819}" dt="2023-03-02T19:44:36.288" v="395" actId="14100"/>
-          <ac:spMkLst>
-            <pc:docMk/>
-            <pc:sldMk cId="2542971383" sldId="468"/>
-            <ac:spMk id="4" creationId="{9FDF7E13-5C80-D4B4-3718-47F838BE3336}"/>
-          </ac:spMkLst>
-        </pc:spChg>
-        <pc:spChg chg="del">
-          <ac:chgData name="Sowjanya Morisetty(UST,IN)" userId="S::245132@ust.com::fafc9569-a945-46e7-9869-5c26008d3c84" providerId="AD" clId="Web-{48F7E3C2-C5CE-43E1-AF29-DB22FFF4C819}" dt="2023-03-02T19:43:45.677" v="389"/>
-          <ac:spMkLst>
-            <pc:docMk/>
-            <pc:sldMk cId="2542971383" sldId="468"/>
-            <ac:spMk id="5" creationId="{1F882E06-4621-5A41-B7B5-2320BD887BB9}"/>
-          </ac:spMkLst>
-        </pc:spChg>
-      </pc:sldChg>
-    </pc:docChg>
-  </pc:docChgLst>
-  <pc:docChgLst>
-    <pc:chgData name="Meghana Bareddy(UST,IN)" userId="S::245111@ust.com::3bd59dec-7216-47cd-96d2-e656b7bc4155" providerId="AD" clId="Web-{79CEB347-1348-45C9-9F61-E02D0F688FA3}"/>
-    <pc:docChg chg="modSld">
-      <pc:chgData name="Meghana Bareddy(UST,IN)" userId="S::245111@ust.com::3bd59dec-7216-47cd-96d2-e656b7bc4155" providerId="AD" clId="Web-{79CEB347-1348-45C9-9F61-E02D0F688FA3}" dt="2023-03-03T09:21:55.741" v="1" actId="20577"/>
-      <pc:docMkLst>
-        <pc:docMk/>
-      </pc:docMkLst>
-      <pc:sldChg chg="modSp">
-        <pc:chgData name="Meghana Bareddy(UST,IN)" userId="S::245111@ust.com::3bd59dec-7216-47cd-96d2-e656b7bc4155" providerId="AD" clId="Web-{79CEB347-1348-45C9-9F61-E02D0F688FA3}" dt="2023-03-03T09:21:55.741" v="1" actId="20577"/>
-        <pc:sldMkLst>
-          <pc:docMk/>
-          <pc:sldMk cId="1259263587" sldId="450"/>
-        </pc:sldMkLst>
-        <pc:spChg chg="mod">
-          <ac:chgData name="Meghana Bareddy(UST,IN)" userId="S::245111@ust.com::3bd59dec-7216-47cd-96d2-e656b7bc4155" providerId="AD" clId="Web-{79CEB347-1348-45C9-9F61-E02D0F688FA3}" dt="2023-03-03T09:21:55.741" v="1" actId="20577"/>
-          <ac:spMkLst>
-            <pc:docMk/>
-            <pc:sldMk cId="1259263587" sldId="450"/>
-            <ac:spMk id="3" creationId="{F0612444-3E8B-9714-EC0B-5CED5F268B32}"/>
           </ac:spMkLst>
         </pc:spChg>
       </pc:sldChg>
@@ -5244,7 +5286,7 @@
           <a:p>
             <a:fld id="{63FA1003-23F1-F848-ABD7-AA279ACD1B1C}" type="datetimeFigureOut">
               <a:rPr lang="en-US" smtClean="0"/>
-              <a:t>5/30/2023</a:t>
+              <a:t>6/3/2023</a:t>
             </a:fld>
             <a:endParaRPr lang="en-US"/>
           </a:p>
@@ -5421,7 +5463,7 @@
           <a:p>
             <a:fld id="{F1F6C0D1-008B-C245-AF1E-F6ADA8BEAF3C}" type="datetimeFigureOut">
               <a:rPr lang="en-US" smtClean="0"/>
-              <a:t>5/30/2023</a:t>
+              <a:t>6/3/2023</a:t>
             </a:fld>
             <a:endParaRPr lang="en-US"/>
           </a:p>
@@ -33813,6 +33855,123 @@
 </file>
 
 <file path=ppt/slides/slide14.xml><?xml version="1.0" encoding="utf-8"?>
+<p:sld xmlns:a="http://schemas.openxmlformats.org/drawingml/2006/main" xmlns:r="http://schemas.openxmlformats.org/officeDocument/2006/relationships" xmlns:p="http://schemas.openxmlformats.org/presentationml/2006/main">
+  <p:cSld>
+    <p:spTree>
+      <p:nvGrpSpPr>
+        <p:cNvPr id="1" name=""/>
+        <p:cNvGrpSpPr/>
+        <p:nvPr/>
+      </p:nvGrpSpPr>
+      <p:grpSpPr>
+        <a:xfrm>
+          <a:off x="0" y="0"/>
+          <a:ext cx="0" cy="0"/>
+          <a:chOff x="0" y="0"/>
+          <a:chExt cx="0" cy="0"/>
+        </a:xfrm>
+      </p:grpSpPr>
+      <p:sp>
+        <p:nvSpPr>
+          <p:cNvPr id="2" name="Title 1">
+            <a:extLst>
+              <a:ext uri="{FF2B5EF4-FFF2-40B4-BE49-F238E27FC236}">
+                <a16:creationId xmlns:a16="http://schemas.microsoft.com/office/drawing/2014/main" id="{3546D765-086F-9A1D-64AB-9363A7C5C49A}"/>
+              </a:ext>
+            </a:extLst>
+          </p:cNvPr>
+          <p:cNvSpPr>
+            <a:spLocks noGrp="1"/>
+          </p:cNvSpPr>
+          <p:nvPr>
+            <p:ph type="title"/>
+          </p:nvPr>
+        </p:nvSpPr>
+        <p:spPr/>
+        <p:txBody>
+          <a:bodyPr/>
+          <a:lstStyle/>
+          <a:p>
+            <a:r>
+              <a:rPr lang="en-US" dirty="0">
+                <a:cs typeface="Arial"/>
+              </a:rPr>
+              <a:t>References</a:t>
+            </a:r>
+            <a:endParaRPr lang="en-US" dirty="0"/>
+          </a:p>
+        </p:txBody>
+      </p:sp>
+      <p:sp>
+        <p:nvSpPr>
+          <p:cNvPr id="3" name="Content Placeholder 2">
+            <a:extLst>
+              <a:ext uri="{FF2B5EF4-FFF2-40B4-BE49-F238E27FC236}">
+                <a16:creationId xmlns:a16="http://schemas.microsoft.com/office/drawing/2014/main" id="{00028738-5D6C-AD56-794A-0FE295EBFD9E}"/>
+              </a:ext>
+            </a:extLst>
+          </p:cNvPr>
+          <p:cNvSpPr>
+            <a:spLocks noGrp="1"/>
+          </p:cNvSpPr>
+          <p:nvPr>
+            <p:ph sz="half" idx="1"/>
+          </p:nvPr>
+        </p:nvSpPr>
+        <p:spPr>
+          <a:xfrm>
+            <a:off x="877102" y="1086854"/>
+            <a:ext cx="10640327" cy="4993906"/>
+          </a:xfrm>
+        </p:spPr>
+        <p:txBody>
+          <a:bodyPr vert="horz" lIns="0" tIns="0" rIns="0" bIns="0" spcCol="301752" rtlCol="0" anchor="t">
+            <a:normAutofit/>
+          </a:bodyPr>
+          <a:lstStyle/>
+          <a:p>
+            <a:pPr marL="0" indent="0">
+              <a:buNone/>
+            </a:pPr>
+            <a:r>
+              <a:rPr lang="en-US" sz="2400" b="1" dirty="0">
+                <a:ea typeface="+mn-lt"/>
+                <a:cs typeface="+mn-lt"/>
+              </a:rPr>
+              <a:t>https://github.com/Yashwanth-Ravula1025/Spring-Cloud-AWS-SQS-and-SNS</a:t>
+            </a:r>
+            <a:endParaRPr lang="en-US" sz="2400" b="1" dirty="0">
+              <a:cs typeface="Arial"/>
+            </a:endParaRPr>
+          </a:p>
+        </p:txBody>
+      </p:sp>
+    </p:spTree>
+    <p:extLst>
+      <p:ext uri="{BB962C8B-B14F-4D97-AF65-F5344CB8AC3E}">
+        <p14:creationId xmlns:p14="http://schemas.microsoft.com/office/powerpoint/2010/main" val="1559419163"/>
+      </p:ext>
+    </p:extLst>
+  </p:cSld>
+  <p:clrMapOvr>
+    <a:masterClrMapping/>
+  </p:clrMapOvr>
+  <mc:AlternateContent xmlns:mc="http://schemas.openxmlformats.org/markup-compatibility/2006">
+    <mc:Choice xmlns:p14="http://schemas.microsoft.com/office/powerpoint/2010/main" Requires="p14">
+      <p:transition spd="med" p14:dur="700">
+        <p:fade/>
+      </p:transition>
+    </mc:Choice>
+    <mc:Fallback>
+      <p:transition spd="med">
+        <p:fade/>
+      </p:transition>
+    </mc:Fallback>
+  </mc:AlternateContent>
+</p:sld>
+</file>
+
+<file path=ppt/slides/slide15.xml><?xml version="1.0" encoding="utf-8"?>
 <p:sld xmlns:a="http://schemas.openxmlformats.org/drawingml/2006/main" xmlns:r="http://schemas.openxmlformats.org/officeDocument/2006/relationships" xmlns:p="http://schemas.openxmlformats.org/presentationml/2006/main">
   <p:cSld>
     <p:spTree>
@@ -35901,18 +36060,18 @@
 </file>
 
 <file path=customXml/item2.xml><?xml version="1.0" encoding="utf-8"?>
-<p:properties xmlns:p="http://schemas.microsoft.com/office/2006/metadata/properties" xmlns:xsi="http://www.w3.org/2001/XMLSchema-instance" xmlns:pc="http://schemas.microsoft.com/office/infopath/2007/PartnerControls">
-  <documentManagement/>
-</p:properties>
-</file>
-
-<file path=customXml/item3.xml><?xml version="1.0" encoding="utf-8"?>
 <?mso-contentType ?>
 <FormTemplates xmlns="http://schemas.microsoft.com/sharepoint/v3/contenttype/forms">
   <Display>DocumentLibraryForm</Display>
   <Edit>DocumentLibraryForm</Edit>
   <New>DocumentLibraryForm</New>
 </FormTemplates>
+</file>
+
+<file path=customXml/item3.xml><?xml version="1.0" encoding="utf-8"?>
+<p:properties xmlns:p="http://schemas.microsoft.com/office/2006/metadata/properties" xmlns:xsi="http://www.w3.org/2001/XMLSchema-instance" xmlns:pc="http://schemas.microsoft.com/office/infopath/2007/PartnerControls">
+  <documentManagement/>
+</p:properties>
 </file>
 
 <file path=customXml/itemProps1.xml><?xml version="1.0" encoding="utf-8"?>
@@ -35934,6 +36093,14 @@
 </file>
 
 <file path=customXml/itemProps2.xml><?xml version="1.0" encoding="utf-8"?>
+<ds:datastoreItem xmlns:ds="http://schemas.openxmlformats.org/officeDocument/2006/customXml" ds:itemID="{3DF18AF8-9165-447B-A970-765D04B49555}">
+  <ds:schemaRefs>
+    <ds:schemaRef ds:uri="http://schemas.microsoft.com/sharepoint/v3/contenttype/forms"/>
+  </ds:schemaRefs>
+</ds:datastoreItem>
+</file>
+
+<file path=customXml/itemProps3.xml><?xml version="1.0" encoding="utf-8"?>
 <ds:datastoreItem xmlns:ds="http://schemas.openxmlformats.org/officeDocument/2006/customXml" ds:itemID="{938E9144-E3A5-41BC-AFE4-00414EB4BFE9}">
   <ds:schemaRefs>
     <ds:schemaRef ds:uri="http://purl.org/dc/terms/"/>
@@ -35947,12 +36114,4 @@
     <ds:schemaRef ds:uri="http://www.w3.org/XML/1998/namespace"/>
   </ds:schemaRefs>
 </ds:datastoreItem>
-</file>
-
-<file path=customXml/itemProps3.xml><?xml version="1.0" encoding="utf-8"?>
-<ds:datastoreItem xmlns:ds="http://schemas.openxmlformats.org/officeDocument/2006/customXml" ds:itemID="{3DF18AF8-9165-447B-A970-765D04B49555}">
-  <ds:schemaRefs>
-    <ds:schemaRef ds:uri="http://schemas.microsoft.com/sharepoint/v3/contenttype/forms"/>
-  </ds:schemaRefs>
-</ds:datastoreItem>
 </file>